--- a/2022/course_slides.pptx
+++ b/2022/course_slides.pptx
@@ -5,15 +5,23 @@
     <p:sldMasterId id="2147483648" r:id="rId1"/>
   </p:sldMasterIdLst>
   <p:notesMasterIdLst>
-    <p:notesMasterId r:id="rId8"/>
+    <p:notesMasterId r:id="rId16"/>
   </p:notesMasterIdLst>
   <p:sldIdLst>
-    <p:sldId id="257" r:id="rId2"/>
-    <p:sldId id="265" r:id="rId3"/>
-    <p:sldId id="261" r:id="rId4"/>
-    <p:sldId id="259" r:id="rId5"/>
-    <p:sldId id="262" r:id="rId6"/>
-    <p:sldId id="266" r:id="rId7"/>
+    <p:sldId id="336" r:id="rId2"/>
+    <p:sldId id="337" r:id="rId3"/>
+    <p:sldId id="266" r:id="rId4"/>
+    <p:sldId id="270" r:id="rId5"/>
+    <p:sldId id="339" r:id="rId6"/>
+    <p:sldId id="261" r:id="rId7"/>
+    <p:sldId id="259" r:id="rId8"/>
+    <p:sldId id="262" r:id="rId9"/>
+    <p:sldId id="257" r:id="rId10"/>
+    <p:sldId id="278" r:id="rId11"/>
+    <p:sldId id="333" r:id="rId12"/>
+    <p:sldId id="285" r:id="rId13"/>
+    <p:sldId id="338" r:id="rId14"/>
+    <p:sldId id="340" r:id="rId15"/>
   </p:sldIdLst>
   <p:sldSz cx="12192000" cy="6858000"/>
   <p:notesSz cx="6858000" cy="9144000"/>
@@ -202,7 +210,7 @@
           <a:p>
             <a:fld id="{2CCAEE01-B5C1-4FA4-BFBB-424F93E1568E}" type="datetimeFigureOut">
               <a:rPr lang="en-US" smtClean="0"/>
-              <a:t>4/11/2022</a:t>
+              <a:t>4/21/2022</a:t>
             </a:fld>
             <a:endParaRPr lang="en-US"/>
           </a:p>
@@ -469,113 +477,6 @@
 </p:notesMaster>
 </file>
 
-<file path=ppt/notesSlides/notesSlide1.xml><?xml version="1.0" encoding="utf-8"?>
-<p:notes xmlns:a="http://schemas.openxmlformats.org/drawingml/2006/main" xmlns:r="http://schemas.openxmlformats.org/officeDocument/2006/relationships" xmlns:p="http://schemas.openxmlformats.org/presentationml/2006/main">
-  <p:cSld>
-    <p:spTree>
-      <p:nvGrpSpPr>
-        <p:cNvPr id="1" name=""/>
-        <p:cNvGrpSpPr/>
-        <p:nvPr/>
-      </p:nvGrpSpPr>
-      <p:grpSpPr>
-        <a:xfrm>
-          <a:off x="0" y="0"/>
-          <a:ext cx="0" cy="0"/>
-          <a:chOff x="0" y="0"/>
-          <a:chExt cx="0" cy="0"/>
-        </a:xfrm>
-      </p:grpSpPr>
-      <p:sp>
-        <p:nvSpPr>
-          <p:cNvPr id="2" name="Slide Image Placeholder 1"/>
-          <p:cNvSpPr>
-            <a:spLocks noGrp="1" noRot="1" noChangeAspect="1"/>
-          </p:cNvSpPr>
-          <p:nvPr>
-            <p:ph type="sldImg"/>
-          </p:nvPr>
-        </p:nvSpPr>
-        <p:spPr/>
-      </p:sp>
-      <p:sp>
-        <p:nvSpPr>
-          <p:cNvPr id="3" name="Notes Placeholder 2"/>
-          <p:cNvSpPr>
-            <a:spLocks noGrp="1"/>
-          </p:cNvSpPr>
-          <p:nvPr>
-            <p:ph type="body" idx="1"/>
-          </p:nvPr>
-        </p:nvSpPr>
-        <p:spPr/>
-        <p:txBody>
-          <a:bodyPr/>
-          <a:lstStyle/>
-          <a:p>
-            <a:pPr marL="0" marR="0" lvl="0" indent="0" algn="l" defTabSz="914400" rtl="0" eaLnBrk="1" fontAlgn="auto" latinLnBrk="0" hangingPunct="1">
-              <a:lnSpc>
-                <a:spcPct val="100000"/>
-              </a:lnSpc>
-              <a:spcBef>
-                <a:spcPts val="0"/>
-              </a:spcBef>
-              <a:spcAft>
-                <a:spcPts val="0"/>
-              </a:spcAft>
-              <a:buClrTx/>
-              <a:buSzTx/>
-              <a:buFontTx/>
-              <a:buNone/>
-              <a:tabLst/>
-              <a:defRPr/>
-            </a:pPr>
-            <a:r>
-              <a:rPr lang="en-US" dirty="0"/>
-              <a:t>Studied effects of mode of birth, antibiotic exposure, and diet on early life microbiome development</a:t>
-            </a:r>
-          </a:p>
-          <a:p>
-            <a:endParaRPr lang="en-US" dirty="0"/>
-          </a:p>
-        </p:txBody>
-      </p:sp>
-      <p:sp>
-        <p:nvSpPr>
-          <p:cNvPr id="4" name="Slide Number Placeholder 3"/>
-          <p:cNvSpPr>
-            <a:spLocks noGrp="1"/>
-          </p:cNvSpPr>
-          <p:nvPr>
-            <p:ph type="sldNum" sz="quarter" idx="5"/>
-          </p:nvPr>
-        </p:nvSpPr>
-        <p:spPr/>
-        <p:txBody>
-          <a:bodyPr/>
-          <a:lstStyle/>
-          <a:p>
-            <a:fld id="{E326CE4D-869E-4CE4-B60A-E6991EB11719}" type="slidenum">
-              <a:rPr lang="en-US" smtClean="0"/>
-              <a:t>2</a:t>
-            </a:fld>
-            <a:endParaRPr lang="en-US"/>
-          </a:p>
-        </p:txBody>
-      </p:sp>
-    </p:spTree>
-    <p:extLst>
-      <p:ext uri="{BB962C8B-B14F-4D97-AF65-F5344CB8AC3E}">
-        <p14:creationId xmlns:p14="http://schemas.microsoft.com/office/powerpoint/2010/main" val="4173284420"/>
-      </p:ext>
-    </p:extLst>
-  </p:cSld>
-  <p:clrMapOvr>
-    <a:masterClrMapping/>
-  </p:clrMapOvr>
-</p:notes>
-</file>
-
 <file path=ppt/slideLayouts/slideLayout1.xml><?xml version="1.0" encoding="utf-8"?>
 <p:sldLayout xmlns:a="http://schemas.openxmlformats.org/drawingml/2006/main" xmlns:r="http://schemas.openxmlformats.org/officeDocument/2006/relationships" xmlns:p="http://schemas.openxmlformats.org/presentationml/2006/main" type="title" preserve="1">
   <p:cSld name="Title Slide">
@@ -723,7 +624,7 @@
           <a:p>
             <a:fld id="{6DB95C26-D6F7-4C55-B650-1ADABA06F907}" type="datetimeFigureOut">
               <a:rPr lang="en-US" smtClean="0"/>
-              <a:t>4/11/2022</a:t>
+              <a:t>4/21/2022</a:t>
             </a:fld>
             <a:endParaRPr lang="en-US"/>
           </a:p>
@@ -921,7 +822,7 @@
           <a:p>
             <a:fld id="{6DB95C26-D6F7-4C55-B650-1ADABA06F907}" type="datetimeFigureOut">
               <a:rPr lang="en-US" smtClean="0"/>
-              <a:t>4/11/2022</a:t>
+              <a:t>4/21/2022</a:t>
             </a:fld>
             <a:endParaRPr lang="en-US"/>
           </a:p>
@@ -1129,7 +1030,7 @@
           <a:p>
             <a:fld id="{6DB95C26-D6F7-4C55-B650-1ADABA06F907}" type="datetimeFigureOut">
               <a:rPr lang="en-US" smtClean="0"/>
-              <a:t>4/11/2022</a:t>
+              <a:t>4/21/2022</a:t>
             </a:fld>
             <a:endParaRPr lang="en-US"/>
           </a:p>
@@ -1327,7 +1228,7 @@
           <a:p>
             <a:fld id="{6DB95C26-D6F7-4C55-B650-1ADABA06F907}" type="datetimeFigureOut">
               <a:rPr lang="en-US" smtClean="0"/>
-              <a:t>4/11/2022</a:t>
+              <a:t>4/21/2022</a:t>
             </a:fld>
             <a:endParaRPr lang="en-US"/>
           </a:p>
@@ -1602,7 +1503,7 @@
           <a:p>
             <a:fld id="{6DB95C26-D6F7-4C55-B650-1ADABA06F907}" type="datetimeFigureOut">
               <a:rPr lang="en-US" smtClean="0"/>
-              <a:t>4/11/2022</a:t>
+              <a:t>4/21/2022</a:t>
             </a:fld>
             <a:endParaRPr lang="en-US"/>
           </a:p>
@@ -1867,7 +1768,7 @@
           <a:p>
             <a:fld id="{6DB95C26-D6F7-4C55-B650-1ADABA06F907}" type="datetimeFigureOut">
               <a:rPr lang="en-US" smtClean="0"/>
-              <a:t>4/11/2022</a:t>
+              <a:t>4/21/2022</a:t>
             </a:fld>
             <a:endParaRPr lang="en-US"/>
           </a:p>
@@ -2279,7 +2180,7 @@
           <a:p>
             <a:fld id="{6DB95C26-D6F7-4C55-B650-1ADABA06F907}" type="datetimeFigureOut">
               <a:rPr lang="en-US" smtClean="0"/>
-              <a:t>4/11/2022</a:t>
+              <a:t>4/21/2022</a:t>
             </a:fld>
             <a:endParaRPr lang="en-US"/>
           </a:p>
@@ -2420,7 +2321,7 @@
           <a:p>
             <a:fld id="{6DB95C26-D6F7-4C55-B650-1ADABA06F907}" type="datetimeFigureOut">
               <a:rPr lang="en-US" smtClean="0"/>
-              <a:t>4/11/2022</a:t>
+              <a:t>4/21/2022</a:t>
             </a:fld>
             <a:endParaRPr lang="en-US"/>
           </a:p>
@@ -2533,7 +2434,7 @@
           <a:p>
             <a:fld id="{6DB95C26-D6F7-4C55-B650-1ADABA06F907}" type="datetimeFigureOut">
               <a:rPr lang="en-US" smtClean="0"/>
-              <a:t>4/11/2022</a:t>
+              <a:t>4/21/2022</a:t>
             </a:fld>
             <a:endParaRPr lang="en-US"/>
           </a:p>
@@ -2844,7 +2745,7 @@
           <a:p>
             <a:fld id="{6DB95C26-D6F7-4C55-B650-1ADABA06F907}" type="datetimeFigureOut">
               <a:rPr lang="en-US" smtClean="0"/>
-              <a:t>4/11/2022</a:t>
+              <a:t>4/21/2022</a:t>
             </a:fld>
             <a:endParaRPr lang="en-US"/>
           </a:p>
@@ -3132,7 +3033,7 @@
           <a:p>
             <a:fld id="{6DB95C26-D6F7-4C55-B650-1ADABA06F907}" type="datetimeFigureOut">
               <a:rPr lang="en-US" smtClean="0"/>
-              <a:t>4/11/2022</a:t>
+              <a:t>4/21/2022</a:t>
             </a:fld>
             <a:endParaRPr lang="en-US"/>
           </a:p>
@@ -3373,7 +3274,7 @@
           <a:p>
             <a:fld id="{6DB95C26-D6F7-4C55-B650-1ADABA06F907}" type="datetimeFigureOut">
               <a:rPr lang="en-US" smtClean="0"/>
-              <a:t>4/11/2022</a:t>
+              <a:t>4/21/2022</a:t>
             </a:fld>
             <a:endParaRPr lang="en-US"/>
           </a:p>
@@ -3795,7 +3696,7 @@
           <p:cNvPr id="2" name="Title 1">
             <a:extLst>
               <a:ext uri="{FF2B5EF4-FFF2-40B4-BE49-F238E27FC236}">
-                <a16:creationId xmlns:a16="http://schemas.microsoft.com/office/drawing/2014/main" id="{9FE310F4-2B27-4F97-8F26-B7999926772D}"/>
+                <a16:creationId xmlns:a16="http://schemas.microsoft.com/office/drawing/2014/main" id="{8E63F1C2-16FE-42C0-B59F-EB1926238BAE}"/>
               </a:ext>
             </a:extLst>
           </p:cNvPr>
@@ -3806,9 +3707,3240 @@
             <p:ph type="title"/>
           </p:nvPr>
         </p:nvSpPr>
+        <p:spPr/>
+        <p:txBody>
+          <a:bodyPr/>
+          <a:lstStyle/>
+          <a:p>
+            <a:r>
+              <a:rPr lang="en-US" dirty="0"/>
+              <a:t>Outline</a:t>
+            </a:r>
+          </a:p>
+        </p:txBody>
+      </p:sp>
+      <p:sp>
+        <p:nvSpPr>
+          <p:cNvPr id="3" name="Content Placeholder 2">
+            <a:extLst>
+              <a:ext uri="{FF2B5EF4-FFF2-40B4-BE49-F238E27FC236}">
+                <a16:creationId xmlns:a16="http://schemas.microsoft.com/office/drawing/2014/main" id="{018DB02E-A661-4DCC-9383-F4F8EC9E1B67}"/>
+              </a:ext>
+            </a:extLst>
+          </p:cNvPr>
+          <p:cNvSpPr>
+            <a:spLocks noGrp="1"/>
+          </p:cNvSpPr>
+          <p:nvPr>
+            <p:ph idx="1"/>
+          </p:nvPr>
+        </p:nvSpPr>
+        <p:spPr/>
+        <p:txBody>
+          <a:bodyPr/>
+          <a:lstStyle/>
+          <a:p>
+            <a:r>
+              <a:rPr lang="en-US" dirty="0"/>
+              <a:t>Interpretable models in general</a:t>
+            </a:r>
+          </a:p>
+          <a:p>
+            <a:pPr lvl="1"/>
+            <a:r>
+              <a:rPr lang="en-US" dirty="0"/>
+              <a:t>Pros/cons of models with built in interpretability vs post-hoc methods</a:t>
+            </a:r>
+          </a:p>
+          <a:p>
+            <a:r>
+              <a:rPr lang="en-US" dirty="0"/>
+              <a:t>What the data looks like</a:t>
+            </a:r>
+          </a:p>
+          <a:p>
+            <a:r>
+              <a:rPr lang="en-US" dirty="0"/>
+              <a:t>Overview of the datasets</a:t>
+            </a:r>
+          </a:p>
+          <a:p>
+            <a:r>
+              <a:rPr lang="en-US" dirty="0"/>
+              <a:t>In depth overview of the </a:t>
+            </a:r>
+            <a:r>
+              <a:rPr lang="en-US" dirty="0" err="1"/>
+              <a:t>Bokulich</a:t>
+            </a:r>
+            <a:r>
+              <a:rPr lang="en-US" dirty="0"/>
+              <a:t> 2016 study</a:t>
+            </a:r>
+          </a:p>
+          <a:p>
+            <a:r>
+              <a:rPr lang="en-US" dirty="0"/>
+              <a:t>Selecting interpretable features</a:t>
+            </a:r>
+          </a:p>
+          <a:p>
+            <a:pPr lvl="1"/>
+            <a:r>
+              <a:rPr lang="en-US" dirty="0"/>
+              <a:t>MDITRE model as an example</a:t>
+            </a:r>
+          </a:p>
+          <a:p>
+            <a:r>
+              <a:rPr lang="en-US" dirty="0"/>
+              <a:t>Example MDITRE results for </a:t>
+            </a:r>
+            <a:r>
+              <a:rPr lang="en-US" dirty="0" err="1"/>
+              <a:t>Bokulich</a:t>
+            </a:r>
+            <a:r>
+              <a:rPr lang="en-US" dirty="0"/>
+              <a:t> 2016 study</a:t>
+            </a:r>
+          </a:p>
+        </p:txBody>
+      </p:sp>
+    </p:spTree>
+    <p:extLst>
+      <p:ext uri="{BB962C8B-B14F-4D97-AF65-F5344CB8AC3E}">
+        <p14:creationId xmlns:p14="http://schemas.microsoft.com/office/powerpoint/2010/main" val="2931583813"/>
+      </p:ext>
+    </p:extLst>
+  </p:cSld>
+  <p:clrMapOvr>
+    <a:masterClrMapping/>
+  </p:clrMapOvr>
+</p:sld>
+</file>
+
+<file path=ppt/slides/slide10.xml><?xml version="1.0" encoding="utf-8"?>
+<p:sld xmlns:a="http://schemas.openxmlformats.org/drawingml/2006/main" xmlns:r="http://schemas.openxmlformats.org/officeDocument/2006/relationships" xmlns:p="http://schemas.openxmlformats.org/presentationml/2006/main">
+  <p:cSld>
+    <p:spTree>
+      <p:nvGrpSpPr>
+        <p:cNvPr id="1" name=""/>
+        <p:cNvGrpSpPr/>
+        <p:nvPr/>
+      </p:nvGrpSpPr>
+      <p:grpSpPr>
+        <a:xfrm>
+          <a:off x="0" y="0"/>
+          <a:ext cx="0" cy="0"/>
+          <a:chOff x="0" y="0"/>
+          <a:chExt cx="0" cy="0"/>
+        </a:xfrm>
+      </p:grpSpPr>
+      <p:sp>
+        <p:nvSpPr>
+          <p:cNvPr id="2" name="Title 1">
+            <a:extLst>
+              <a:ext uri="{FF2B5EF4-FFF2-40B4-BE49-F238E27FC236}">
+                <a16:creationId xmlns:a16="http://schemas.microsoft.com/office/drawing/2014/main" id="{DD02F204-8A5F-4D77-A3E1-C978AE58696B}"/>
+              </a:ext>
+            </a:extLst>
+          </p:cNvPr>
+          <p:cNvSpPr>
+            <a:spLocks noGrp="1"/>
+          </p:cNvSpPr>
+          <p:nvPr>
+            <p:ph type="title"/>
+          </p:nvPr>
+        </p:nvSpPr>
+        <p:spPr/>
+        <p:txBody>
+          <a:bodyPr/>
+          <a:lstStyle/>
+          <a:p>
+            <a:r>
+              <a:rPr lang="en-US" dirty="0" err="1"/>
+              <a:t>Bokulich</a:t>
+            </a:r>
+            <a:r>
+              <a:rPr lang="en-US" dirty="0"/>
+              <a:t> 2016 study</a:t>
+            </a:r>
+          </a:p>
+        </p:txBody>
+      </p:sp>
+      <p:pic>
+        <p:nvPicPr>
+          <p:cNvPr id="5" name="Picture 4">
+            <a:extLst>
+              <a:ext uri="{FF2B5EF4-FFF2-40B4-BE49-F238E27FC236}">
+                <a16:creationId xmlns:a16="http://schemas.microsoft.com/office/drawing/2014/main" id="{D54D3173-8F13-4FB5-B28A-717FD0D5ACDA}"/>
+              </a:ext>
+            </a:extLst>
+          </p:cNvPr>
+          <p:cNvPicPr>
+            <a:picLocks noChangeAspect="1"/>
+          </p:cNvPicPr>
+          <p:nvPr/>
+        </p:nvPicPr>
+        <p:blipFill>
+          <a:blip r:embed="rId2"/>
+          <a:stretch>
+            <a:fillRect/>
+          </a:stretch>
+        </p:blipFill>
         <p:spPr>
           <a:xfrm>
-            <a:off x="186218" y="388969"/>
+            <a:off x="8996209" y="1513241"/>
+            <a:ext cx="1476581" cy="1486107"/>
+          </a:xfrm>
+          <a:prstGeom prst="rect">
+            <a:avLst/>
+          </a:prstGeom>
+        </p:spPr>
+      </p:pic>
+      <p:sp>
+        <p:nvSpPr>
+          <p:cNvPr id="10" name="Plus Sign 9">
+            <a:extLst>
+              <a:ext uri="{FF2B5EF4-FFF2-40B4-BE49-F238E27FC236}">
+                <a16:creationId xmlns:a16="http://schemas.microsoft.com/office/drawing/2014/main" id="{92609172-7E8F-45F8-B813-CEFA96C3F641}"/>
+              </a:ext>
+            </a:extLst>
+          </p:cNvPr>
+          <p:cNvSpPr/>
+          <p:nvPr/>
+        </p:nvSpPr>
+        <p:spPr>
+          <a:xfrm>
+            <a:off x="8008137" y="1685983"/>
+            <a:ext cx="760288" cy="760288"/>
+          </a:xfrm>
+          <a:prstGeom prst="mathPlus">
+            <a:avLst/>
+          </a:prstGeom>
+        </p:spPr>
+        <p:style>
+          <a:lnRef idx="2">
+            <a:schemeClr val="accent1">
+              <a:shade val="50000"/>
+            </a:schemeClr>
+          </a:lnRef>
+          <a:fillRef idx="1">
+            <a:schemeClr val="accent1"/>
+          </a:fillRef>
+          <a:effectRef idx="0">
+            <a:schemeClr val="accent1"/>
+          </a:effectRef>
+          <a:fontRef idx="minor">
+            <a:schemeClr val="lt1"/>
+          </a:fontRef>
+        </p:style>
+        <p:txBody>
+          <a:bodyPr rtlCol="0" anchor="ctr"/>
+          <a:lstStyle/>
+          <a:p>
+            <a:pPr algn="ctr"/>
+            <a:endParaRPr lang="en-US"/>
+          </a:p>
+        </p:txBody>
+      </p:sp>
+      <p:sp>
+        <p:nvSpPr>
+          <p:cNvPr id="12" name="TextBox 11">
+            <a:extLst>
+              <a:ext uri="{FF2B5EF4-FFF2-40B4-BE49-F238E27FC236}">
+                <a16:creationId xmlns:a16="http://schemas.microsoft.com/office/drawing/2014/main" id="{BF487CCB-1D9D-41E3-A56E-90B55A163CED}"/>
+              </a:ext>
+            </a:extLst>
+          </p:cNvPr>
+          <p:cNvSpPr txBox="1"/>
+          <p:nvPr/>
+        </p:nvSpPr>
+        <p:spPr>
+          <a:xfrm>
+            <a:off x="2555571" y="1686405"/>
+            <a:ext cx="4195281" cy="369332"/>
+          </a:xfrm>
+          <a:prstGeom prst="rect">
+            <a:avLst/>
+          </a:prstGeom>
+          <a:noFill/>
+        </p:spPr>
+        <p:txBody>
+          <a:bodyPr wrap="square" rtlCol="0">
+            <a:spAutoFit/>
+          </a:bodyPr>
+          <a:lstStyle/>
+          <a:p>
+            <a:r>
+              <a:rPr lang="en-US" dirty="0"/>
+              <a:t>Infant fecal samples during first two years</a:t>
+            </a:r>
+          </a:p>
+        </p:txBody>
+      </p:sp>
+      <p:sp>
+        <p:nvSpPr>
+          <p:cNvPr id="14" name="TextBox 13">
+            <a:extLst>
+              <a:ext uri="{FF2B5EF4-FFF2-40B4-BE49-F238E27FC236}">
+                <a16:creationId xmlns:a16="http://schemas.microsoft.com/office/drawing/2014/main" id="{D392B9FD-7633-4674-A33F-2A878C699883}"/>
+              </a:ext>
+            </a:extLst>
+          </p:cNvPr>
+          <p:cNvSpPr txBox="1"/>
+          <p:nvPr/>
+        </p:nvSpPr>
+        <p:spPr>
+          <a:xfrm>
+            <a:off x="8691937" y="3095075"/>
+            <a:ext cx="3277456" cy="2031325"/>
+          </a:xfrm>
+          <a:prstGeom prst="rect">
+            <a:avLst/>
+          </a:prstGeom>
+          <a:noFill/>
+        </p:spPr>
+        <p:txBody>
+          <a:bodyPr wrap="square" rtlCol="0">
+            <a:spAutoFit/>
+          </a:bodyPr>
+          <a:lstStyle/>
+          <a:p>
+            <a:pPr marL="285750" indent="-285750">
+              <a:buFont typeface="Arial" panose="020B0604020202020204" pitchFamily="34" charset="0"/>
+              <a:buChar char="•"/>
+            </a:pPr>
+            <a:r>
+              <a:rPr lang="en-US" dirty="0"/>
+              <a:t>Antibiotic exposure</a:t>
+            </a:r>
+          </a:p>
+          <a:p>
+            <a:pPr marL="742950" lvl="1" indent="-285750">
+              <a:buFont typeface="Arial" panose="020B0604020202020204" pitchFamily="34" charset="0"/>
+              <a:buChar char="•"/>
+            </a:pPr>
+            <a:r>
+              <a:rPr lang="en-US" dirty="0"/>
+              <a:t>Could be at any point over the 2 years</a:t>
+            </a:r>
+          </a:p>
+          <a:p>
+            <a:pPr marL="285750" indent="-285750">
+              <a:buFont typeface="Arial" panose="020B0604020202020204" pitchFamily="34" charset="0"/>
+              <a:buChar char="•"/>
+            </a:pPr>
+            <a:r>
+              <a:rPr lang="en-US" dirty="0"/>
+              <a:t>Mode of birth</a:t>
+            </a:r>
+          </a:p>
+          <a:p>
+            <a:pPr marL="285750" indent="-285750">
+              <a:buFont typeface="Arial" panose="020B0604020202020204" pitchFamily="34" charset="0"/>
+              <a:buChar char="•"/>
+            </a:pPr>
+            <a:r>
+              <a:rPr lang="en-US" dirty="0"/>
+              <a:t>Diet (Breast fed vs formula)</a:t>
+            </a:r>
+          </a:p>
+          <a:p>
+            <a:pPr marL="742950" lvl="1" indent="-285750">
+              <a:buFont typeface="Arial" panose="020B0604020202020204" pitchFamily="34" charset="0"/>
+              <a:buChar char="•"/>
+            </a:pPr>
+            <a:r>
+              <a:rPr lang="en-US" dirty="0"/>
+              <a:t>during the first 3 months of life</a:t>
+            </a:r>
+          </a:p>
+        </p:txBody>
+      </p:sp>
+      <p:grpSp>
+        <p:nvGrpSpPr>
+          <p:cNvPr id="32" name="Group 31">
+            <a:extLst>
+              <a:ext uri="{FF2B5EF4-FFF2-40B4-BE49-F238E27FC236}">
+                <a16:creationId xmlns:a16="http://schemas.microsoft.com/office/drawing/2014/main" id="{D8C67F0F-506D-4EC9-90EB-4A4706C2C8B2}"/>
+              </a:ext>
+            </a:extLst>
+          </p:cNvPr>
+          <p:cNvGrpSpPr/>
+          <p:nvPr/>
+        </p:nvGrpSpPr>
+        <p:grpSpPr>
+          <a:xfrm>
+            <a:off x="1719210" y="2094184"/>
+            <a:ext cx="5897366" cy="209799"/>
+            <a:chOff x="1746607" y="2082763"/>
+            <a:chExt cx="5897366" cy="209799"/>
+          </a:xfrm>
+        </p:grpSpPr>
+        <p:cxnSp>
+          <p:nvCxnSpPr>
+            <p:cNvPr id="7" name="Straight Connector 6">
+              <a:extLst>
+                <a:ext uri="{FF2B5EF4-FFF2-40B4-BE49-F238E27FC236}">
+                  <a16:creationId xmlns:a16="http://schemas.microsoft.com/office/drawing/2014/main" id="{3EA14033-B664-4748-BA53-B899F59213AF}"/>
+                </a:ext>
+              </a:extLst>
+            </p:cNvPr>
+            <p:cNvCxnSpPr>
+              <a:cxnSpLocks/>
+            </p:cNvCxnSpPr>
+            <p:nvPr/>
+          </p:nvCxnSpPr>
+          <p:spPr>
+            <a:xfrm>
+              <a:off x="1746607" y="2082763"/>
+              <a:ext cx="5897366" cy="0"/>
+            </a:xfrm>
+            <a:prstGeom prst="line">
+              <a:avLst/>
+            </a:prstGeom>
+            <a:ln w="34925">
+              <a:solidFill>
+                <a:schemeClr val="tx1"/>
+              </a:solidFill>
+            </a:ln>
+          </p:spPr>
+          <p:style>
+            <a:lnRef idx="1">
+              <a:schemeClr val="accent1"/>
+            </a:lnRef>
+            <a:fillRef idx="0">
+              <a:schemeClr val="accent1"/>
+            </a:fillRef>
+            <a:effectRef idx="0">
+              <a:schemeClr val="accent1"/>
+            </a:effectRef>
+            <a:fontRef idx="minor">
+              <a:schemeClr val="tx1"/>
+            </a:fontRef>
+          </p:style>
+        </p:cxnSp>
+        <p:sp>
+          <p:nvSpPr>
+            <p:cNvPr id="15" name="Oval 14">
+              <a:extLst>
+                <a:ext uri="{FF2B5EF4-FFF2-40B4-BE49-F238E27FC236}">
+                  <a16:creationId xmlns:a16="http://schemas.microsoft.com/office/drawing/2014/main" id="{B58FF1BC-A5D3-4F36-97A5-3D459321A2CE}"/>
+                </a:ext>
+              </a:extLst>
+            </p:cNvPr>
+            <p:cNvSpPr/>
+            <p:nvPr/>
+          </p:nvSpPr>
+          <p:spPr>
+            <a:xfrm>
+              <a:off x="1847211" y="2138450"/>
+              <a:ext cx="154112" cy="154112"/>
+            </a:xfrm>
+            <a:prstGeom prst="ellipse">
+              <a:avLst/>
+            </a:prstGeom>
+            <a:solidFill>
+              <a:schemeClr val="tx1"/>
+            </a:solidFill>
+            <a:ln>
+              <a:noFill/>
+            </a:ln>
+          </p:spPr>
+          <p:style>
+            <a:lnRef idx="2">
+              <a:schemeClr val="accent1">
+                <a:shade val="50000"/>
+              </a:schemeClr>
+            </a:lnRef>
+            <a:fillRef idx="1">
+              <a:schemeClr val="accent1"/>
+            </a:fillRef>
+            <a:effectRef idx="0">
+              <a:schemeClr val="accent1"/>
+            </a:effectRef>
+            <a:fontRef idx="minor">
+              <a:schemeClr val="lt1"/>
+            </a:fontRef>
+          </p:style>
+          <p:txBody>
+            <a:bodyPr rtlCol="0" anchor="ctr"/>
+            <a:lstStyle/>
+            <a:p>
+              <a:pPr algn="ctr"/>
+              <a:endParaRPr lang="en-US"/>
+            </a:p>
+          </p:txBody>
+        </p:sp>
+        <p:sp>
+          <p:nvSpPr>
+            <p:cNvPr id="17" name="Oval 16">
+              <a:extLst>
+                <a:ext uri="{FF2B5EF4-FFF2-40B4-BE49-F238E27FC236}">
+                  <a16:creationId xmlns:a16="http://schemas.microsoft.com/office/drawing/2014/main" id="{7806DEF3-ACAD-4C24-B2F1-CE02AD4DDE37}"/>
+                </a:ext>
+              </a:extLst>
+            </p:cNvPr>
+            <p:cNvSpPr/>
+            <p:nvPr/>
+          </p:nvSpPr>
+          <p:spPr>
+            <a:xfrm>
+              <a:off x="2104694" y="2138450"/>
+              <a:ext cx="154112" cy="154112"/>
+            </a:xfrm>
+            <a:prstGeom prst="ellipse">
+              <a:avLst/>
+            </a:prstGeom>
+            <a:solidFill>
+              <a:schemeClr val="tx1"/>
+            </a:solidFill>
+            <a:ln>
+              <a:noFill/>
+            </a:ln>
+          </p:spPr>
+          <p:style>
+            <a:lnRef idx="2">
+              <a:schemeClr val="accent1">
+                <a:shade val="50000"/>
+              </a:schemeClr>
+            </a:lnRef>
+            <a:fillRef idx="1">
+              <a:schemeClr val="accent1"/>
+            </a:fillRef>
+            <a:effectRef idx="0">
+              <a:schemeClr val="accent1"/>
+            </a:effectRef>
+            <a:fontRef idx="minor">
+              <a:schemeClr val="lt1"/>
+            </a:fontRef>
+          </p:style>
+          <p:txBody>
+            <a:bodyPr rtlCol="0" anchor="ctr"/>
+            <a:lstStyle/>
+            <a:p>
+              <a:pPr algn="ctr"/>
+              <a:endParaRPr lang="en-US"/>
+            </a:p>
+          </p:txBody>
+        </p:sp>
+        <p:sp>
+          <p:nvSpPr>
+            <p:cNvPr id="18" name="Oval 17">
+              <a:extLst>
+                <a:ext uri="{FF2B5EF4-FFF2-40B4-BE49-F238E27FC236}">
+                  <a16:creationId xmlns:a16="http://schemas.microsoft.com/office/drawing/2014/main" id="{D2113F4E-0D47-463D-A569-55D430397287}"/>
+                </a:ext>
+              </a:extLst>
+            </p:cNvPr>
+            <p:cNvSpPr/>
+            <p:nvPr/>
+          </p:nvSpPr>
+          <p:spPr>
+            <a:xfrm>
+              <a:off x="2541750" y="2138450"/>
+              <a:ext cx="154112" cy="154112"/>
+            </a:xfrm>
+            <a:prstGeom prst="ellipse">
+              <a:avLst/>
+            </a:prstGeom>
+            <a:solidFill>
+              <a:schemeClr val="tx1"/>
+            </a:solidFill>
+            <a:ln>
+              <a:noFill/>
+            </a:ln>
+          </p:spPr>
+          <p:style>
+            <a:lnRef idx="2">
+              <a:schemeClr val="accent1">
+                <a:shade val="50000"/>
+              </a:schemeClr>
+            </a:lnRef>
+            <a:fillRef idx="1">
+              <a:schemeClr val="accent1"/>
+            </a:fillRef>
+            <a:effectRef idx="0">
+              <a:schemeClr val="accent1"/>
+            </a:effectRef>
+            <a:fontRef idx="minor">
+              <a:schemeClr val="lt1"/>
+            </a:fontRef>
+          </p:style>
+          <p:txBody>
+            <a:bodyPr rtlCol="0" anchor="ctr"/>
+            <a:lstStyle/>
+            <a:p>
+              <a:pPr algn="ctr"/>
+              <a:endParaRPr lang="en-US"/>
+            </a:p>
+          </p:txBody>
+        </p:sp>
+        <p:sp>
+          <p:nvSpPr>
+            <p:cNvPr id="19" name="Oval 18">
+              <a:extLst>
+                <a:ext uri="{FF2B5EF4-FFF2-40B4-BE49-F238E27FC236}">
+                  <a16:creationId xmlns:a16="http://schemas.microsoft.com/office/drawing/2014/main" id="{523C2D95-7988-4B69-913E-7EB04B83F918}"/>
+                </a:ext>
+              </a:extLst>
+            </p:cNvPr>
+            <p:cNvSpPr/>
+            <p:nvPr/>
+          </p:nvSpPr>
+          <p:spPr>
+            <a:xfrm>
+              <a:off x="3170764" y="2138450"/>
+              <a:ext cx="154112" cy="154112"/>
+            </a:xfrm>
+            <a:prstGeom prst="ellipse">
+              <a:avLst/>
+            </a:prstGeom>
+            <a:solidFill>
+              <a:schemeClr val="tx1"/>
+            </a:solidFill>
+            <a:ln>
+              <a:noFill/>
+            </a:ln>
+          </p:spPr>
+          <p:style>
+            <a:lnRef idx="2">
+              <a:schemeClr val="accent1">
+                <a:shade val="50000"/>
+              </a:schemeClr>
+            </a:lnRef>
+            <a:fillRef idx="1">
+              <a:schemeClr val="accent1"/>
+            </a:fillRef>
+            <a:effectRef idx="0">
+              <a:schemeClr val="accent1"/>
+            </a:effectRef>
+            <a:fontRef idx="minor">
+              <a:schemeClr val="lt1"/>
+            </a:fontRef>
+          </p:style>
+          <p:txBody>
+            <a:bodyPr rtlCol="0" anchor="ctr"/>
+            <a:lstStyle/>
+            <a:p>
+              <a:pPr algn="ctr"/>
+              <a:endParaRPr lang="en-US"/>
+            </a:p>
+          </p:txBody>
+        </p:sp>
+        <p:sp>
+          <p:nvSpPr>
+            <p:cNvPr id="20" name="Oval 19">
+              <a:extLst>
+                <a:ext uri="{FF2B5EF4-FFF2-40B4-BE49-F238E27FC236}">
+                  <a16:creationId xmlns:a16="http://schemas.microsoft.com/office/drawing/2014/main" id="{831506B5-DD24-4A14-9828-0B784C9DFE5A}"/>
+                </a:ext>
+              </a:extLst>
+            </p:cNvPr>
+            <p:cNvSpPr/>
+            <p:nvPr/>
+          </p:nvSpPr>
+          <p:spPr>
+            <a:xfrm>
+              <a:off x="3386446" y="2138450"/>
+              <a:ext cx="154112" cy="154112"/>
+            </a:xfrm>
+            <a:prstGeom prst="ellipse">
+              <a:avLst/>
+            </a:prstGeom>
+            <a:solidFill>
+              <a:schemeClr val="tx1"/>
+            </a:solidFill>
+            <a:ln>
+              <a:noFill/>
+            </a:ln>
+          </p:spPr>
+          <p:style>
+            <a:lnRef idx="2">
+              <a:schemeClr val="accent1">
+                <a:shade val="50000"/>
+              </a:schemeClr>
+            </a:lnRef>
+            <a:fillRef idx="1">
+              <a:schemeClr val="accent1"/>
+            </a:fillRef>
+            <a:effectRef idx="0">
+              <a:schemeClr val="accent1"/>
+            </a:effectRef>
+            <a:fontRef idx="minor">
+              <a:schemeClr val="lt1"/>
+            </a:fontRef>
+          </p:style>
+          <p:txBody>
+            <a:bodyPr rtlCol="0" anchor="ctr"/>
+            <a:lstStyle/>
+            <a:p>
+              <a:pPr algn="ctr"/>
+              <a:endParaRPr lang="en-US"/>
+            </a:p>
+          </p:txBody>
+        </p:sp>
+        <p:sp>
+          <p:nvSpPr>
+            <p:cNvPr id="21" name="Oval 20">
+              <a:extLst>
+                <a:ext uri="{FF2B5EF4-FFF2-40B4-BE49-F238E27FC236}">
+                  <a16:creationId xmlns:a16="http://schemas.microsoft.com/office/drawing/2014/main" id="{4AF0B4D5-4842-4CA2-9F57-A415EBB5010E}"/>
+                </a:ext>
+              </a:extLst>
+            </p:cNvPr>
+            <p:cNvSpPr/>
+            <p:nvPr/>
+          </p:nvSpPr>
+          <p:spPr>
+            <a:xfrm>
+              <a:off x="4011555" y="2138450"/>
+              <a:ext cx="154112" cy="154112"/>
+            </a:xfrm>
+            <a:prstGeom prst="ellipse">
+              <a:avLst/>
+            </a:prstGeom>
+            <a:solidFill>
+              <a:schemeClr val="tx1"/>
+            </a:solidFill>
+            <a:ln>
+              <a:noFill/>
+            </a:ln>
+          </p:spPr>
+          <p:style>
+            <a:lnRef idx="2">
+              <a:schemeClr val="accent1">
+                <a:shade val="50000"/>
+              </a:schemeClr>
+            </a:lnRef>
+            <a:fillRef idx="1">
+              <a:schemeClr val="accent1"/>
+            </a:fillRef>
+            <a:effectRef idx="0">
+              <a:schemeClr val="accent1"/>
+            </a:effectRef>
+            <a:fontRef idx="minor">
+              <a:schemeClr val="lt1"/>
+            </a:fontRef>
+          </p:style>
+          <p:txBody>
+            <a:bodyPr rtlCol="0" anchor="ctr"/>
+            <a:lstStyle/>
+            <a:p>
+              <a:pPr algn="ctr"/>
+              <a:endParaRPr lang="en-US"/>
+            </a:p>
+          </p:txBody>
+        </p:sp>
+        <p:sp>
+          <p:nvSpPr>
+            <p:cNvPr id="22" name="Oval 21">
+              <a:extLst>
+                <a:ext uri="{FF2B5EF4-FFF2-40B4-BE49-F238E27FC236}">
+                  <a16:creationId xmlns:a16="http://schemas.microsoft.com/office/drawing/2014/main" id="{43CFB240-C406-4D9E-A2B7-B0314363AE27}"/>
+                </a:ext>
+              </a:extLst>
+            </p:cNvPr>
+            <p:cNvSpPr/>
+            <p:nvPr/>
+          </p:nvSpPr>
+          <p:spPr>
+            <a:xfrm>
+              <a:off x="4210041" y="2138450"/>
+              <a:ext cx="154112" cy="154112"/>
+            </a:xfrm>
+            <a:prstGeom prst="ellipse">
+              <a:avLst/>
+            </a:prstGeom>
+            <a:solidFill>
+              <a:schemeClr val="tx1"/>
+            </a:solidFill>
+            <a:ln>
+              <a:noFill/>
+            </a:ln>
+          </p:spPr>
+          <p:style>
+            <a:lnRef idx="2">
+              <a:schemeClr val="accent1">
+                <a:shade val="50000"/>
+              </a:schemeClr>
+            </a:lnRef>
+            <a:fillRef idx="1">
+              <a:schemeClr val="accent1"/>
+            </a:fillRef>
+            <a:effectRef idx="0">
+              <a:schemeClr val="accent1"/>
+            </a:effectRef>
+            <a:fontRef idx="minor">
+              <a:schemeClr val="lt1"/>
+            </a:fontRef>
+          </p:style>
+          <p:txBody>
+            <a:bodyPr rtlCol="0" anchor="ctr"/>
+            <a:lstStyle/>
+            <a:p>
+              <a:pPr algn="ctr"/>
+              <a:endParaRPr lang="en-US"/>
+            </a:p>
+          </p:txBody>
+        </p:sp>
+        <p:sp>
+          <p:nvSpPr>
+            <p:cNvPr id="23" name="Oval 22">
+              <a:extLst>
+                <a:ext uri="{FF2B5EF4-FFF2-40B4-BE49-F238E27FC236}">
+                  <a16:creationId xmlns:a16="http://schemas.microsoft.com/office/drawing/2014/main" id="{EF47A31C-8E03-413B-8004-7D704442A072}"/>
+                </a:ext>
+              </a:extLst>
+            </p:cNvPr>
+            <p:cNvSpPr/>
+            <p:nvPr/>
+          </p:nvSpPr>
+          <p:spPr>
+            <a:xfrm>
+              <a:off x="4401914" y="2138450"/>
+              <a:ext cx="154112" cy="154112"/>
+            </a:xfrm>
+            <a:prstGeom prst="ellipse">
+              <a:avLst/>
+            </a:prstGeom>
+            <a:solidFill>
+              <a:schemeClr val="tx1"/>
+            </a:solidFill>
+            <a:ln>
+              <a:noFill/>
+            </a:ln>
+          </p:spPr>
+          <p:style>
+            <a:lnRef idx="2">
+              <a:schemeClr val="accent1">
+                <a:shade val="50000"/>
+              </a:schemeClr>
+            </a:lnRef>
+            <a:fillRef idx="1">
+              <a:schemeClr val="accent1"/>
+            </a:fillRef>
+            <a:effectRef idx="0">
+              <a:schemeClr val="accent1"/>
+            </a:effectRef>
+            <a:fontRef idx="minor">
+              <a:schemeClr val="lt1"/>
+            </a:fontRef>
+          </p:style>
+          <p:txBody>
+            <a:bodyPr rtlCol="0" anchor="ctr"/>
+            <a:lstStyle/>
+            <a:p>
+              <a:pPr algn="ctr"/>
+              <a:endParaRPr lang="en-US"/>
+            </a:p>
+          </p:txBody>
+        </p:sp>
+        <p:sp>
+          <p:nvSpPr>
+            <p:cNvPr id="24" name="Oval 23">
+              <a:extLst>
+                <a:ext uri="{FF2B5EF4-FFF2-40B4-BE49-F238E27FC236}">
+                  <a16:creationId xmlns:a16="http://schemas.microsoft.com/office/drawing/2014/main" id="{D690644D-C387-48F5-A682-35A8A0E73DB9}"/>
+                </a:ext>
+              </a:extLst>
+            </p:cNvPr>
+            <p:cNvSpPr/>
+            <p:nvPr/>
+          </p:nvSpPr>
+          <p:spPr>
+            <a:xfrm>
+              <a:off x="4652226" y="2138450"/>
+              <a:ext cx="154112" cy="154112"/>
+            </a:xfrm>
+            <a:prstGeom prst="ellipse">
+              <a:avLst/>
+            </a:prstGeom>
+            <a:solidFill>
+              <a:schemeClr val="tx1"/>
+            </a:solidFill>
+            <a:ln>
+              <a:noFill/>
+            </a:ln>
+          </p:spPr>
+          <p:style>
+            <a:lnRef idx="2">
+              <a:schemeClr val="accent1">
+                <a:shade val="50000"/>
+              </a:schemeClr>
+            </a:lnRef>
+            <a:fillRef idx="1">
+              <a:schemeClr val="accent1"/>
+            </a:fillRef>
+            <a:effectRef idx="0">
+              <a:schemeClr val="accent1"/>
+            </a:effectRef>
+            <a:fontRef idx="minor">
+              <a:schemeClr val="lt1"/>
+            </a:fontRef>
+          </p:style>
+          <p:txBody>
+            <a:bodyPr rtlCol="0" anchor="ctr"/>
+            <a:lstStyle/>
+            <a:p>
+              <a:pPr algn="ctr"/>
+              <a:endParaRPr lang="en-US"/>
+            </a:p>
+          </p:txBody>
+        </p:sp>
+        <p:sp>
+          <p:nvSpPr>
+            <p:cNvPr id="25" name="Oval 24">
+              <a:extLst>
+                <a:ext uri="{FF2B5EF4-FFF2-40B4-BE49-F238E27FC236}">
+                  <a16:creationId xmlns:a16="http://schemas.microsoft.com/office/drawing/2014/main" id="{A9DB837B-EBE2-4A64-9313-ECE990F7BA66}"/>
+                </a:ext>
+              </a:extLst>
+            </p:cNvPr>
+            <p:cNvSpPr/>
+            <p:nvPr/>
+          </p:nvSpPr>
+          <p:spPr>
+            <a:xfrm>
+              <a:off x="5298787" y="2138450"/>
+              <a:ext cx="154112" cy="154112"/>
+            </a:xfrm>
+            <a:prstGeom prst="ellipse">
+              <a:avLst/>
+            </a:prstGeom>
+            <a:solidFill>
+              <a:schemeClr val="tx1"/>
+            </a:solidFill>
+            <a:ln>
+              <a:noFill/>
+            </a:ln>
+          </p:spPr>
+          <p:style>
+            <a:lnRef idx="2">
+              <a:schemeClr val="accent1">
+                <a:shade val="50000"/>
+              </a:schemeClr>
+            </a:lnRef>
+            <a:fillRef idx="1">
+              <a:schemeClr val="accent1"/>
+            </a:fillRef>
+            <a:effectRef idx="0">
+              <a:schemeClr val="accent1"/>
+            </a:effectRef>
+            <a:fontRef idx="minor">
+              <a:schemeClr val="lt1"/>
+            </a:fontRef>
+          </p:style>
+          <p:txBody>
+            <a:bodyPr rtlCol="0" anchor="ctr"/>
+            <a:lstStyle/>
+            <a:p>
+              <a:pPr algn="ctr"/>
+              <a:endParaRPr lang="en-US"/>
+            </a:p>
+          </p:txBody>
+        </p:sp>
+        <p:sp>
+          <p:nvSpPr>
+            <p:cNvPr id="26" name="Oval 25">
+              <a:extLst>
+                <a:ext uri="{FF2B5EF4-FFF2-40B4-BE49-F238E27FC236}">
+                  <a16:creationId xmlns:a16="http://schemas.microsoft.com/office/drawing/2014/main" id="{D49F25FA-CE75-4044-81B1-F8BD5EED1484}"/>
+                </a:ext>
+              </a:extLst>
+            </p:cNvPr>
+            <p:cNvSpPr/>
+            <p:nvPr/>
+          </p:nvSpPr>
+          <p:spPr>
+            <a:xfrm>
+              <a:off x="5830531" y="2138450"/>
+              <a:ext cx="154112" cy="154112"/>
+            </a:xfrm>
+            <a:prstGeom prst="ellipse">
+              <a:avLst/>
+            </a:prstGeom>
+            <a:solidFill>
+              <a:schemeClr val="tx1"/>
+            </a:solidFill>
+            <a:ln>
+              <a:noFill/>
+            </a:ln>
+          </p:spPr>
+          <p:style>
+            <a:lnRef idx="2">
+              <a:schemeClr val="accent1">
+                <a:shade val="50000"/>
+              </a:schemeClr>
+            </a:lnRef>
+            <a:fillRef idx="1">
+              <a:schemeClr val="accent1"/>
+            </a:fillRef>
+            <a:effectRef idx="0">
+              <a:schemeClr val="accent1"/>
+            </a:effectRef>
+            <a:fontRef idx="minor">
+              <a:schemeClr val="lt1"/>
+            </a:fontRef>
+          </p:style>
+          <p:txBody>
+            <a:bodyPr rtlCol="0" anchor="ctr"/>
+            <a:lstStyle/>
+            <a:p>
+              <a:pPr algn="ctr"/>
+              <a:endParaRPr lang="en-US"/>
+            </a:p>
+          </p:txBody>
+        </p:sp>
+        <p:sp>
+          <p:nvSpPr>
+            <p:cNvPr id="27" name="Oval 26">
+              <a:extLst>
+                <a:ext uri="{FF2B5EF4-FFF2-40B4-BE49-F238E27FC236}">
+                  <a16:creationId xmlns:a16="http://schemas.microsoft.com/office/drawing/2014/main" id="{F2912439-86D3-4DE7-8011-A9D2A5F5B281}"/>
+                </a:ext>
+              </a:extLst>
+            </p:cNvPr>
+            <p:cNvSpPr/>
+            <p:nvPr/>
+          </p:nvSpPr>
+          <p:spPr>
+            <a:xfrm>
+              <a:off x="6048316" y="2138450"/>
+              <a:ext cx="154112" cy="154112"/>
+            </a:xfrm>
+            <a:prstGeom prst="ellipse">
+              <a:avLst/>
+            </a:prstGeom>
+            <a:solidFill>
+              <a:schemeClr val="tx1"/>
+            </a:solidFill>
+            <a:ln>
+              <a:noFill/>
+            </a:ln>
+          </p:spPr>
+          <p:style>
+            <a:lnRef idx="2">
+              <a:schemeClr val="accent1">
+                <a:shade val="50000"/>
+              </a:schemeClr>
+            </a:lnRef>
+            <a:fillRef idx="1">
+              <a:schemeClr val="accent1"/>
+            </a:fillRef>
+            <a:effectRef idx="0">
+              <a:schemeClr val="accent1"/>
+            </a:effectRef>
+            <a:fontRef idx="minor">
+              <a:schemeClr val="lt1"/>
+            </a:fontRef>
+          </p:style>
+          <p:txBody>
+            <a:bodyPr rtlCol="0" anchor="ctr"/>
+            <a:lstStyle/>
+            <a:p>
+              <a:pPr algn="ctr"/>
+              <a:endParaRPr lang="en-US"/>
+            </a:p>
+          </p:txBody>
+        </p:sp>
+        <p:sp>
+          <p:nvSpPr>
+            <p:cNvPr id="28" name="Oval 27">
+              <a:extLst>
+                <a:ext uri="{FF2B5EF4-FFF2-40B4-BE49-F238E27FC236}">
+                  <a16:creationId xmlns:a16="http://schemas.microsoft.com/office/drawing/2014/main" id="{E05E9BFE-774A-4596-AA0B-56E872EA0035}"/>
+                </a:ext>
+              </a:extLst>
+            </p:cNvPr>
+            <p:cNvSpPr/>
+            <p:nvPr/>
+          </p:nvSpPr>
+          <p:spPr>
+            <a:xfrm>
+              <a:off x="6560464" y="2138450"/>
+              <a:ext cx="154112" cy="154112"/>
+            </a:xfrm>
+            <a:prstGeom prst="ellipse">
+              <a:avLst/>
+            </a:prstGeom>
+            <a:solidFill>
+              <a:schemeClr val="tx1"/>
+            </a:solidFill>
+            <a:ln>
+              <a:noFill/>
+            </a:ln>
+          </p:spPr>
+          <p:style>
+            <a:lnRef idx="2">
+              <a:schemeClr val="accent1">
+                <a:shade val="50000"/>
+              </a:schemeClr>
+            </a:lnRef>
+            <a:fillRef idx="1">
+              <a:schemeClr val="accent1"/>
+            </a:fillRef>
+            <a:effectRef idx="0">
+              <a:schemeClr val="accent1"/>
+            </a:effectRef>
+            <a:fontRef idx="minor">
+              <a:schemeClr val="lt1"/>
+            </a:fontRef>
+          </p:style>
+          <p:txBody>
+            <a:bodyPr rtlCol="0" anchor="ctr"/>
+            <a:lstStyle/>
+            <a:p>
+              <a:pPr algn="ctr"/>
+              <a:endParaRPr lang="en-US"/>
+            </a:p>
+          </p:txBody>
+        </p:sp>
+        <p:sp>
+          <p:nvSpPr>
+            <p:cNvPr id="29" name="Oval 28">
+              <a:extLst>
+                <a:ext uri="{FF2B5EF4-FFF2-40B4-BE49-F238E27FC236}">
+                  <a16:creationId xmlns:a16="http://schemas.microsoft.com/office/drawing/2014/main" id="{E7B64190-941A-44BB-943F-D70D210212AB}"/>
+                </a:ext>
+              </a:extLst>
+            </p:cNvPr>
+            <p:cNvSpPr/>
+            <p:nvPr/>
+          </p:nvSpPr>
+          <p:spPr>
+            <a:xfrm>
+              <a:off x="6778249" y="2138450"/>
+              <a:ext cx="154112" cy="154112"/>
+            </a:xfrm>
+            <a:prstGeom prst="ellipse">
+              <a:avLst/>
+            </a:prstGeom>
+            <a:solidFill>
+              <a:schemeClr val="tx1"/>
+            </a:solidFill>
+            <a:ln>
+              <a:noFill/>
+            </a:ln>
+          </p:spPr>
+          <p:style>
+            <a:lnRef idx="2">
+              <a:schemeClr val="accent1">
+                <a:shade val="50000"/>
+              </a:schemeClr>
+            </a:lnRef>
+            <a:fillRef idx="1">
+              <a:schemeClr val="accent1"/>
+            </a:fillRef>
+            <a:effectRef idx="0">
+              <a:schemeClr val="accent1"/>
+            </a:effectRef>
+            <a:fontRef idx="minor">
+              <a:schemeClr val="lt1"/>
+            </a:fontRef>
+          </p:style>
+          <p:txBody>
+            <a:bodyPr rtlCol="0" anchor="ctr"/>
+            <a:lstStyle/>
+            <a:p>
+              <a:pPr algn="ctr"/>
+              <a:endParaRPr lang="en-US"/>
+            </a:p>
+          </p:txBody>
+        </p:sp>
+        <p:sp>
+          <p:nvSpPr>
+            <p:cNvPr id="30" name="Oval 29">
+              <a:extLst>
+                <a:ext uri="{FF2B5EF4-FFF2-40B4-BE49-F238E27FC236}">
+                  <a16:creationId xmlns:a16="http://schemas.microsoft.com/office/drawing/2014/main" id="{3DEE2615-468F-47F2-9A8F-797A406172A1}"/>
+                </a:ext>
+              </a:extLst>
+            </p:cNvPr>
+            <p:cNvSpPr/>
+            <p:nvPr/>
+          </p:nvSpPr>
+          <p:spPr>
+            <a:xfrm>
+              <a:off x="6972449" y="2138450"/>
+              <a:ext cx="154112" cy="154112"/>
+            </a:xfrm>
+            <a:prstGeom prst="ellipse">
+              <a:avLst/>
+            </a:prstGeom>
+            <a:solidFill>
+              <a:schemeClr val="tx1"/>
+            </a:solidFill>
+            <a:ln>
+              <a:noFill/>
+            </a:ln>
+          </p:spPr>
+          <p:style>
+            <a:lnRef idx="2">
+              <a:schemeClr val="accent1">
+                <a:shade val="50000"/>
+              </a:schemeClr>
+            </a:lnRef>
+            <a:fillRef idx="1">
+              <a:schemeClr val="accent1"/>
+            </a:fillRef>
+            <a:effectRef idx="0">
+              <a:schemeClr val="accent1"/>
+            </a:effectRef>
+            <a:fontRef idx="minor">
+              <a:schemeClr val="lt1"/>
+            </a:fontRef>
+          </p:style>
+          <p:txBody>
+            <a:bodyPr rtlCol="0" anchor="ctr"/>
+            <a:lstStyle/>
+            <a:p>
+              <a:pPr algn="ctr"/>
+              <a:endParaRPr lang="en-US"/>
+            </a:p>
+          </p:txBody>
+        </p:sp>
+        <p:sp>
+          <p:nvSpPr>
+            <p:cNvPr id="31" name="Oval 30">
+              <a:extLst>
+                <a:ext uri="{FF2B5EF4-FFF2-40B4-BE49-F238E27FC236}">
+                  <a16:creationId xmlns:a16="http://schemas.microsoft.com/office/drawing/2014/main" id="{97E24023-7912-469F-840B-E215CBE8E1AC}"/>
+                </a:ext>
+              </a:extLst>
+            </p:cNvPr>
+            <p:cNvSpPr/>
+            <p:nvPr/>
+          </p:nvSpPr>
+          <p:spPr>
+            <a:xfrm>
+              <a:off x="7357616" y="2138450"/>
+              <a:ext cx="154112" cy="154112"/>
+            </a:xfrm>
+            <a:prstGeom prst="ellipse">
+              <a:avLst/>
+            </a:prstGeom>
+            <a:solidFill>
+              <a:schemeClr val="tx1"/>
+            </a:solidFill>
+            <a:ln>
+              <a:noFill/>
+            </a:ln>
+          </p:spPr>
+          <p:style>
+            <a:lnRef idx="2">
+              <a:schemeClr val="accent1">
+                <a:shade val="50000"/>
+              </a:schemeClr>
+            </a:lnRef>
+            <a:fillRef idx="1">
+              <a:schemeClr val="accent1"/>
+            </a:fillRef>
+            <a:effectRef idx="0">
+              <a:schemeClr val="accent1"/>
+            </a:effectRef>
+            <a:fontRef idx="minor">
+              <a:schemeClr val="lt1"/>
+            </a:fontRef>
+          </p:style>
+          <p:txBody>
+            <a:bodyPr rtlCol="0" anchor="ctr"/>
+            <a:lstStyle/>
+            <a:p>
+              <a:pPr algn="ctr"/>
+              <a:endParaRPr lang="en-US"/>
+            </a:p>
+          </p:txBody>
+        </p:sp>
+      </p:grpSp>
+      <p:sp>
+        <p:nvSpPr>
+          <p:cNvPr id="34" name="TextBox 33">
+            <a:extLst>
+              <a:ext uri="{FF2B5EF4-FFF2-40B4-BE49-F238E27FC236}">
+                <a16:creationId xmlns:a16="http://schemas.microsoft.com/office/drawing/2014/main" id="{C2A61BF5-D0C5-4209-861F-B18CC16F94BB}"/>
+              </a:ext>
+            </a:extLst>
+          </p:cNvPr>
+          <p:cNvSpPr txBox="1"/>
+          <p:nvPr/>
+        </p:nvSpPr>
+        <p:spPr>
+          <a:xfrm>
+            <a:off x="1565315" y="2370832"/>
+            <a:ext cx="875366" cy="369332"/>
+          </a:xfrm>
+          <a:prstGeom prst="rect">
+            <a:avLst/>
+          </a:prstGeom>
+          <a:noFill/>
+        </p:spPr>
+        <p:txBody>
+          <a:bodyPr wrap="square" rtlCol="0">
+            <a:spAutoFit/>
+          </a:bodyPr>
+          <a:lstStyle/>
+          <a:p>
+            <a:pPr algn="ctr"/>
+            <a:r>
+              <a:rPr lang="en-US" dirty="0"/>
+              <a:t>Year 0</a:t>
+            </a:r>
+          </a:p>
+        </p:txBody>
+      </p:sp>
+      <p:sp>
+        <p:nvSpPr>
+          <p:cNvPr id="35" name="TextBox 34">
+            <a:extLst>
+              <a:ext uri="{FF2B5EF4-FFF2-40B4-BE49-F238E27FC236}">
+                <a16:creationId xmlns:a16="http://schemas.microsoft.com/office/drawing/2014/main" id="{27B320B5-5B1D-4FC0-B872-A4471E1C2998}"/>
+              </a:ext>
+            </a:extLst>
+          </p:cNvPr>
+          <p:cNvSpPr txBox="1"/>
+          <p:nvPr/>
+        </p:nvSpPr>
+        <p:spPr>
+          <a:xfrm>
+            <a:off x="6878085" y="2441566"/>
+            <a:ext cx="875366" cy="369332"/>
+          </a:xfrm>
+          <a:prstGeom prst="rect">
+            <a:avLst/>
+          </a:prstGeom>
+          <a:noFill/>
+        </p:spPr>
+        <p:txBody>
+          <a:bodyPr wrap="square" rtlCol="0">
+            <a:spAutoFit/>
+          </a:bodyPr>
+          <a:lstStyle/>
+          <a:p>
+            <a:pPr algn="ctr"/>
+            <a:r>
+              <a:rPr lang="en-US" dirty="0"/>
+              <a:t>Year 2</a:t>
+            </a:r>
+          </a:p>
+        </p:txBody>
+      </p:sp>
+      <p:pic>
+        <p:nvPicPr>
+          <p:cNvPr id="1028" name="Picture 4" descr="Free clip art &quot;Baby silhouette&quot; by gringer">
+            <a:extLst>
+              <a:ext uri="{FF2B5EF4-FFF2-40B4-BE49-F238E27FC236}">
+                <a16:creationId xmlns:a16="http://schemas.microsoft.com/office/drawing/2014/main" id="{986196F5-0628-4F72-8A84-653922F840D4}"/>
+              </a:ext>
+            </a:extLst>
+          </p:cNvPr>
+          <p:cNvPicPr>
+            <a:picLocks noChangeAspect="1" noChangeArrowheads="1"/>
+          </p:cNvPicPr>
+          <p:nvPr/>
+        </p:nvPicPr>
+        <p:blipFill>
+          <a:blip r:embed="rId3">
+            <a:extLst>
+              <a:ext uri="{28A0092B-C50C-407E-A947-70E740481C1C}">
+                <a14:useLocalDpi xmlns:a14="http://schemas.microsoft.com/office/drawing/2010/main" val="0"/>
+              </a:ext>
+            </a:extLst>
+          </a:blip>
+          <a:srcRect/>
+          <a:stretch>
+            <a:fillRect/>
+          </a:stretch>
+        </p:blipFill>
+        <p:spPr bwMode="auto">
+          <a:xfrm>
+            <a:off x="572146" y="1648047"/>
+            <a:ext cx="1020819" cy="815379"/>
+          </a:xfrm>
+          <a:prstGeom prst="rect">
+            <a:avLst/>
+          </a:prstGeom>
+          <a:noFill/>
+          <a:extLst>
+            <a:ext uri="{909E8E84-426E-40DD-AFC4-6F175D3DCCD1}">
+              <a14:hiddenFill xmlns:a14="http://schemas.microsoft.com/office/drawing/2010/main">
+                <a:solidFill>
+                  <a:srgbClr val="FFFFFF"/>
+                </a:solidFill>
+              </a14:hiddenFill>
+            </a:ext>
+          </a:extLst>
+        </p:spPr>
+      </p:pic>
+      <p:sp>
+        <p:nvSpPr>
+          <p:cNvPr id="33" name="TextBox 32">
+            <a:extLst>
+              <a:ext uri="{FF2B5EF4-FFF2-40B4-BE49-F238E27FC236}">
+                <a16:creationId xmlns:a16="http://schemas.microsoft.com/office/drawing/2014/main" id="{06308088-C85A-4363-AA6C-592427A24BB9}"/>
+              </a:ext>
+            </a:extLst>
+          </p:cNvPr>
+          <p:cNvSpPr txBox="1"/>
+          <p:nvPr/>
+        </p:nvSpPr>
+        <p:spPr>
+          <a:xfrm>
+            <a:off x="514285" y="3095075"/>
+            <a:ext cx="7924800" cy="2585323"/>
+          </a:xfrm>
+          <a:prstGeom prst="rect">
+            <a:avLst/>
+          </a:prstGeom>
+          <a:noFill/>
+        </p:spPr>
+        <p:txBody>
+          <a:bodyPr wrap="square" rtlCol="0">
+            <a:spAutoFit/>
+          </a:bodyPr>
+          <a:lstStyle/>
+          <a:p>
+            <a:pPr marL="285750" indent="-285750">
+              <a:buFont typeface="Arial" panose="020B0604020202020204" pitchFamily="34" charset="0"/>
+              <a:buChar char="•"/>
+            </a:pPr>
+            <a:r>
+              <a:rPr lang="en-US" dirty="0"/>
+              <a:t>Aimed to characterize early-life microbial development in the context of antibiotic use, cesarean section, and formula feeding</a:t>
+            </a:r>
+          </a:p>
+          <a:p>
+            <a:pPr marL="285750" indent="-285750">
+              <a:buFont typeface="Arial" panose="020B0604020202020204" pitchFamily="34" charset="0"/>
+              <a:buChar char="•"/>
+            </a:pPr>
+            <a:r>
+              <a:rPr lang="en-US" dirty="0"/>
+              <a:t>total of 43 infants were enrolled for follow-up for up to the age of 2 years</a:t>
+            </a:r>
+          </a:p>
+          <a:p>
+            <a:pPr marL="285750" indent="-285750">
+              <a:buFont typeface="Arial" panose="020B0604020202020204" pitchFamily="34" charset="0"/>
+              <a:buChar char="•"/>
+            </a:pPr>
+            <a:r>
+              <a:rPr lang="en-US" dirty="0"/>
+              <a:t>Stool samples collected and sequenced; 151-bp paired end sequencing on the Illumina </a:t>
+            </a:r>
+            <a:r>
+              <a:rPr lang="en-US" dirty="0" err="1"/>
+              <a:t>MiSeq</a:t>
+            </a:r>
+            <a:r>
+              <a:rPr lang="en-US" dirty="0"/>
+              <a:t> platform </a:t>
+            </a:r>
+          </a:p>
+          <a:p>
+            <a:pPr marL="285750" indent="-285750">
+              <a:buFont typeface="Arial" panose="020B0604020202020204" pitchFamily="34" charset="0"/>
+              <a:buChar char="•"/>
+            </a:pPr>
+            <a:r>
+              <a:rPr lang="en-US" dirty="0"/>
+              <a:t>Original study: Operational taxonomic units (OTUs) were assigned using QIIME’s </a:t>
+            </a:r>
+            <a:r>
+              <a:rPr lang="en-US" dirty="0" err="1"/>
+              <a:t>uclust</a:t>
+            </a:r>
+            <a:r>
+              <a:rPr lang="en-US" dirty="0"/>
+              <a:t>; data you have has been reprocessed with dada2 to obtain tables of OTU abundances and phylogenetic placements for each OTU on a reference tree</a:t>
+            </a:r>
+          </a:p>
+          <a:p>
+            <a:endParaRPr lang="en-US" dirty="0"/>
+          </a:p>
+        </p:txBody>
+      </p:sp>
+    </p:spTree>
+    <p:extLst>
+      <p:ext uri="{BB962C8B-B14F-4D97-AF65-F5344CB8AC3E}">
+        <p14:creationId xmlns:p14="http://schemas.microsoft.com/office/powerpoint/2010/main" val="3311356955"/>
+      </p:ext>
+    </p:extLst>
+  </p:cSld>
+  <p:clrMapOvr>
+    <a:masterClrMapping/>
+  </p:clrMapOvr>
+</p:sld>
+</file>
+
+<file path=ppt/slides/slide11.xml><?xml version="1.0" encoding="utf-8"?>
+<p:sld xmlns:a="http://schemas.openxmlformats.org/drawingml/2006/main" xmlns:r="http://schemas.openxmlformats.org/officeDocument/2006/relationships" xmlns:p="http://schemas.openxmlformats.org/presentationml/2006/main">
+  <p:cSld>
+    <p:spTree>
+      <p:nvGrpSpPr>
+        <p:cNvPr id="1" name=""/>
+        <p:cNvGrpSpPr/>
+        <p:nvPr/>
+      </p:nvGrpSpPr>
+      <p:grpSpPr>
+        <a:xfrm>
+          <a:off x="0" y="0"/>
+          <a:ext cx="0" cy="0"/>
+          <a:chOff x="0" y="0"/>
+          <a:chExt cx="0" cy="0"/>
+        </a:xfrm>
+      </p:grpSpPr>
+      <p:sp>
+        <p:nvSpPr>
+          <p:cNvPr id="2" name="Title 1">
+            <a:extLst>
+              <a:ext uri="{FF2B5EF4-FFF2-40B4-BE49-F238E27FC236}">
+                <a16:creationId xmlns:a16="http://schemas.microsoft.com/office/drawing/2014/main" id="{A0961BF4-68B4-4922-8423-4AB31FCE90C0}"/>
+              </a:ext>
+            </a:extLst>
+          </p:cNvPr>
+          <p:cNvSpPr>
+            <a:spLocks noGrp="1"/>
+          </p:cNvSpPr>
+          <p:nvPr>
+            <p:ph type="title"/>
+          </p:nvPr>
+        </p:nvSpPr>
+        <p:spPr/>
+        <p:txBody>
+          <a:bodyPr/>
+          <a:lstStyle/>
+          <a:p>
+            <a:r>
+              <a:rPr lang="en-US" dirty="0"/>
+              <a:t>Example research question</a:t>
+            </a:r>
+          </a:p>
+        </p:txBody>
+      </p:sp>
+      <p:sp>
+        <p:nvSpPr>
+          <p:cNvPr id="3" name="Content Placeholder 2">
+            <a:extLst>
+              <a:ext uri="{FF2B5EF4-FFF2-40B4-BE49-F238E27FC236}">
+                <a16:creationId xmlns:a16="http://schemas.microsoft.com/office/drawing/2014/main" id="{60D3613C-167E-436A-9597-DAE72E9A6A93}"/>
+              </a:ext>
+            </a:extLst>
+          </p:cNvPr>
+          <p:cNvSpPr>
+            <a:spLocks noGrp="1"/>
+          </p:cNvSpPr>
+          <p:nvPr>
+            <p:ph idx="1"/>
+          </p:nvPr>
+        </p:nvSpPr>
+        <p:spPr/>
+        <p:txBody>
+          <a:bodyPr/>
+          <a:lstStyle/>
+          <a:p>
+            <a:r>
+              <a:rPr lang="en-US" dirty="0"/>
+              <a:t>Can we predict which subjects were breast fed or formula fed from the microbial time series data?</a:t>
+            </a:r>
+          </a:p>
+          <a:p>
+            <a:endParaRPr lang="en-US" dirty="0"/>
+          </a:p>
+          <a:p>
+            <a:pPr marL="285750" indent="-285750">
+              <a:buFont typeface="Arial" panose="020B0604020202020204" pitchFamily="34" charset="0"/>
+              <a:buChar char="•"/>
+            </a:pPr>
+            <a:r>
+              <a:rPr lang="en-US" dirty="0"/>
+              <a:t>What features would be relevant predictors? </a:t>
+            </a:r>
+          </a:p>
+          <a:p>
+            <a:pPr marL="742950" lvl="1" indent="-285750">
+              <a:buFont typeface="Arial" panose="020B0604020202020204" pitchFamily="34" charset="0"/>
+              <a:buChar char="•"/>
+            </a:pPr>
+            <a:r>
+              <a:rPr lang="en-US" dirty="0"/>
+              <a:t>Groups of taxa with expected similar functions [phylogeny]</a:t>
+            </a:r>
+          </a:p>
+          <a:p>
+            <a:pPr marL="742950" lvl="1" indent="-285750">
+              <a:buFont typeface="Arial" panose="020B0604020202020204" pitchFamily="34" charset="0"/>
+              <a:buChar char="•"/>
+            </a:pPr>
+            <a:r>
+              <a:rPr lang="en-US" dirty="0"/>
+              <a:t>Relevant time windows</a:t>
+            </a:r>
+          </a:p>
+          <a:p>
+            <a:pPr marL="742950" lvl="1" indent="-285750">
+              <a:buFont typeface="Arial" panose="020B0604020202020204" pitchFamily="34" charset="0"/>
+              <a:buChar char="•"/>
+            </a:pPr>
+            <a:r>
+              <a:rPr lang="en-US" dirty="0"/>
+              <a:t>Want to focus on finding only the essential features (in this case, microbial clades and relevant time windows), for better interpretability and possibly better model performance</a:t>
+            </a:r>
+          </a:p>
+          <a:p>
+            <a:endParaRPr lang="en-US" dirty="0"/>
+          </a:p>
+          <a:p>
+            <a:endParaRPr lang="en-US" dirty="0"/>
+          </a:p>
+        </p:txBody>
+      </p:sp>
+    </p:spTree>
+    <p:extLst>
+      <p:ext uri="{BB962C8B-B14F-4D97-AF65-F5344CB8AC3E}">
+        <p14:creationId xmlns:p14="http://schemas.microsoft.com/office/powerpoint/2010/main" val="1979197995"/>
+      </p:ext>
+    </p:extLst>
+  </p:cSld>
+  <p:clrMapOvr>
+    <a:masterClrMapping/>
+  </p:clrMapOvr>
+</p:sld>
+</file>
+
+<file path=ppt/slides/slide12.xml><?xml version="1.0" encoding="utf-8"?>
+<p:sld xmlns:a="http://schemas.openxmlformats.org/drawingml/2006/main" xmlns:r="http://schemas.openxmlformats.org/officeDocument/2006/relationships" xmlns:p="http://schemas.openxmlformats.org/presentationml/2006/main">
+  <p:cSld>
+    <p:spTree>
+      <p:nvGrpSpPr>
+        <p:cNvPr id="1" name=""/>
+        <p:cNvGrpSpPr/>
+        <p:nvPr/>
+      </p:nvGrpSpPr>
+      <p:grpSpPr>
+        <a:xfrm>
+          <a:off x="0" y="0"/>
+          <a:ext cx="0" cy="0"/>
+          <a:chOff x="0" y="0"/>
+          <a:chExt cx="0" cy="0"/>
+        </a:xfrm>
+      </p:grpSpPr>
+      <p:sp>
+        <p:nvSpPr>
+          <p:cNvPr id="2" name="Title 1">
+            <a:extLst>
+              <a:ext uri="{FF2B5EF4-FFF2-40B4-BE49-F238E27FC236}">
+                <a16:creationId xmlns:a16="http://schemas.microsoft.com/office/drawing/2014/main" id="{52810BD4-7022-4C63-B88A-83410883D769}"/>
+              </a:ext>
+            </a:extLst>
+          </p:cNvPr>
+          <p:cNvSpPr>
+            <a:spLocks noGrp="1"/>
+          </p:cNvSpPr>
+          <p:nvPr>
+            <p:ph type="title"/>
+          </p:nvPr>
+        </p:nvSpPr>
+        <p:spPr/>
+        <p:txBody>
+          <a:bodyPr/>
+          <a:lstStyle/>
+          <a:p>
+            <a:r>
+              <a:rPr lang="en-US" dirty="0"/>
+              <a:t>Selecting relevant features</a:t>
+            </a:r>
+          </a:p>
+        </p:txBody>
+      </p:sp>
+      <p:sp>
+        <p:nvSpPr>
+          <p:cNvPr id="3" name="Content Placeholder 2">
+            <a:extLst>
+              <a:ext uri="{FF2B5EF4-FFF2-40B4-BE49-F238E27FC236}">
+                <a16:creationId xmlns:a16="http://schemas.microsoft.com/office/drawing/2014/main" id="{DBAAA93E-DAE4-4691-B511-5555CE99C1CE}"/>
+              </a:ext>
+            </a:extLst>
+          </p:cNvPr>
+          <p:cNvSpPr>
+            <a:spLocks noGrp="1"/>
+          </p:cNvSpPr>
+          <p:nvPr>
+            <p:ph idx="1"/>
+          </p:nvPr>
+        </p:nvSpPr>
+        <p:spPr>
+          <a:xfrm>
+            <a:off x="838200" y="1825625"/>
+            <a:ext cx="5779304" cy="4351338"/>
+          </a:xfrm>
+        </p:spPr>
+        <p:txBody>
+          <a:bodyPr>
+            <a:normAutofit lnSpcReduction="10000"/>
+          </a:bodyPr>
+          <a:lstStyle/>
+          <a:p>
+            <a:r>
+              <a:rPr lang="en-US" dirty="0"/>
+              <a:t>Can aggregate by taxonomic rank for example</a:t>
+            </a:r>
+          </a:p>
+          <a:p>
+            <a:r>
+              <a:rPr lang="en-US" dirty="0"/>
+              <a:t>Can pick top abundance bugs to start; will want to do some sort of filtering in general</a:t>
+            </a:r>
+          </a:p>
+          <a:p>
+            <a:r>
+              <a:rPr lang="en-US" dirty="0"/>
+              <a:t>Might be better to work with sequences directly</a:t>
+            </a:r>
+          </a:p>
+          <a:p>
+            <a:r>
+              <a:rPr lang="en-US" dirty="0"/>
+              <a:t>Have access to reference trees, use distance metric</a:t>
+            </a:r>
+          </a:p>
+          <a:p>
+            <a:r>
+              <a:rPr lang="en-US" dirty="0"/>
+              <a:t>generating time windows</a:t>
+            </a:r>
+          </a:p>
+        </p:txBody>
+      </p:sp>
+      <p:pic>
+        <p:nvPicPr>
+          <p:cNvPr id="4" name="Picture 3">
+            <a:extLst>
+              <a:ext uri="{FF2B5EF4-FFF2-40B4-BE49-F238E27FC236}">
+                <a16:creationId xmlns:a16="http://schemas.microsoft.com/office/drawing/2014/main" id="{8E84522E-0C84-4AC8-9601-67A794BF76D4}"/>
+              </a:ext>
+            </a:extLst>
+          </p:cNvPr>
+          <p:cNvPicPr>
+            <a:picLocks noChangeAspect="1"/>
+          </p:cNvPicPr>
+          <p:nvPr/>
+        </p:nvPicPr>
+        <p:blipFill>
+          <a:blip r:embed="rId2"/>
+          <a:stretch>
+            <a:fillRect/>
+          </a:stretch>
+        </p:blipFill>
+        <p:spPr>
+          <a:xfrm>
+            <a:off x="7513834" y="923477"/>
+            <a:ext cx="2943636" cy="2791215"/>
+          </a:xfrm>
+          <a:prstGeom prst="rect">
+            <a:avLst/>
+          </a:prstGeom>
+        </p:spPr>
+      </p:pic>
+      <p:grpSp>
+        <p:nvGrpSpPr>
+          <p:cNvPr id="5" name="Group 4">
+            <a:extLst>
+              <a:ext uri="{FF2B5EF4-FFF2-40B4-BE49-F238E27FC236}">
+                <a16:creationId xmlns:a16="http://schemas.microsoft.com/office/drawing/2014/main" id="{30DF912C-49E4-4E98-A5B6-54905B888D19}"/>
+              </a:ext>
+            </a:extLst>
+          </p:cNvPr>
+          <p:cNvGrpSpPr/>
+          <p:nvPr/>
+        </p:nvGrpSpPr>
+        <p:grpSpPr>
+          <a:xfrm>
+            <a:off x="6331672" y="3849629"/>
+            <a:ext cx="5541710" cy="3080290"/>
+            <a:chOff x="3051542" y="1825619"/>
+            <a:chExt cx="7506748" cy="4172532"/>
+          </a:xfrm>
+        </p:grpSpPr>
+        <p:pic>
+          <p:nvPicPr>
+            <p:cNvPr id="6" name="Picture 5">
+              <a:extLst>
+                <a:ext uri="{FF2B5EF4-FFF2-40B4-BE49-F238E27FC236}">
+                  <a16:creationId xmlns:a16="http://schemas.microsoft.com/office/drawing/2014/main" id="{4CEFC028-22F5-4229-83FA-563A90F10ED2}"/>
+                </a:ext>
+              </a:extLst>
+            </p:cNvPr>
+            <p:cNvPicPr>
+              <a:picLocks noChangeAspect="1"/>
+            </p:cNvPicPr>
+            <p:nvPr/>
+          </p:nvPicPr>
+          <p:blipFill>
+            <a:blip r:embed="rId3"/>
+            <a:stretch>
+              <a:fillRect/>
+            </a:stretch>
+          </p:blipFill>
+          <p:spPr>
+            <a:xfrm>
+              <a:off x="3051542" y="1825619"/>
+              <a:ext cx="7506748" cy="4172532"/>
+            </a:xfrm>
+            <a:prstGeom prst="rect">
+              <a:avLst/>
+            </a:prstGeom>
+          </p:spPr>
+        </p:pic>
+        <p:sp>
+          <p:nvSpPr>
+            <p:cNvPr id="7" name="Rectangle 6">
+              <a:extLst>
+                <a:ext uri="{FF2B5EF4-FFF2-40B4-BE49-F238E27FC236}">
+                  <a16:creationId xmlns:a16="http://schemas.microsoft.com/office/drawing/2014/main" id="{B965C2D9-00C6-47A3-96BE-7A848CA5A725}"/>
+                </a:ext>
+              </a:extLst>
+            </p:cNvPr>
+            <p:cNvSpPr/>
+            <p:nvPr/>
+          </p:nvSpPr>
+          <p:spPr>
+            <a:xfrm>
+              <a:off x="3195263" y="1941816"/>
+              <a:ext cx="503434" cy="636997"/>
+            </a:xfrm>
+            <a:prstGeom prst="rect">
+              <a:avLst/>
+            </a:prstGeom>
+            <a:solidFill>
+              <a:schemeClr val="bg1"/>
+            </a:solidFill>
+            <a:ln>
+              <a:noFill/>
+            </a:ln>
+          </p:spPr>
+          <p:style>
+            <a:lnRef idx="2">
+              <a:schemeClr val="accent1">
+                <a:shade val="50000"/>
+              </a:schemeClr>
+            </a:lnRef>
+            <a:fillRef idx="1">
+              <a:schemeClr val="accent1"/>
+            </a:fillRef>
+            <a:effectRef idx="0">
+              <a:schemeClr val="accent1"/>
+            </a:effectRef>
+            <a:fontRef idx="minor">
+              <a:schemeClr val="lt1"/>
+            </a:fontRef>
+          </p:style>
+          <p:txBody>
+            <a:bodyPr rtlCol="0" anchor="ctr"/>
+            <a:lstStyle/>
+            <a:p>
+              <a:pPr algn="ctr"/>
+              <a:endParaRPr lang="en-US"/>
+            </a:p>
+          </p:txBody>
+        </p:sp>
+      </p:grpSp>
+    </p:spTree>
+    <p:extLst>
+      <p:ext uri="{BB962C8B-B14F-4D97-AF65-F5344CB8AC3E}">
+        <p14:creationId xmlns:p14="http://schemas.microsoft.com/office/powerpoint/2010/main" val="1542331588"/>
+      </p:ext>
+    </p:extLst>
+  </p:cSld>
+  <p:clrMapOvr>
+    <a:masterClrMapping/>
+  </p:clrMapOvr>
+</p:sld>
+</file>
+
+<file path=ppt/slides/slide13.xml><?xml version="1.0" encoding="utf-8"?>
+<p:sld xmlns:a="http://schemas.openxmlformats.org/drawingml/2006/main" xmlns:r="http://schemas.openxmlformats.org/officeDocument/2006/relationships" xmlns:p="http://schemas.openxmlformats.org/presentationml/2006/main">
+  <p:cSld>
+    <p:spTree>
+      <p:nvGrpSpPr>
+        <p:cNvPr id="1" name=""/>
+        <p:cNvGrpSpPr/>
+        <p:nvPr/>
+      </p:nvGrpSpPr>
+      <p:grpSpPr>
+        <a:xfrm>
+          <a:off x="0" y="0"/>
+          <a:ext cx="0" cy="0"/>
+          <a:chOff x="0" y="0"/>
+          <a:chExt cx="0" cy="0"/>
+        </a:xfrm>
+      </p:grpSpPr>
+      <p:sp>
+        <p:nvSpPr>
+          <p:cNvPr id="2" name="Title 1">
+            <a:extLst>
+              <a:ext uri="{FF2B5EF4-FFF2-40B4-BE49-F238E27FC236}">
+                <a16:creationId xmlns:a16="http://schemas.microsoft.com/office/drawing/2014/main" id="{676C21F3-BF09-42DB-B422-4865FA4F6BA8}"/>
+              </a:ext>
+            </a:extLst>
+          </p:cNvPr>
+          <p:cNvSpPr>
+            <a:spLocks noGrp="1"/>
+          </p:cNvSpPr>
+          <p:nvPr>
+            <p:ph type="title"/>
+          </p:nvPr>
+        </p:nvSpPr>
+        <p:spPr/>
+        <p:txBody>
+          <a:bodyPr/>
+          <a:lstStyle/>
+          <a:p>
+            <a:r>
+              <a:rPr lang="en-US" dirty="0"/>
+              <a:t>MDITRE model overview</a:t>
+            </a:r>
+          </a:p>
+        </p:txBody>
+      </p:sp>
+      <p:sp>
+        <p:nvSpPr>
+          <p:cNvPr id="3" name="Content Placeholder 2">
+            <a:extLst>
+              <a:ext uri="{FF2B5EF4-FFF2-40B4-BE49-F238E27FC236}">
+                <a16:creationId xmlns:a16="http://schemas.microsoft.com/office/drawing/2014/main" id="{6E1A0685-40C7-43E5-AD64-13FAA9EB6D20}"/>
+              </a:ext>
+            </a:extLst>
+          </p:cNvPr>
+          <p:cNvSpPr>
+            <a:spLocks noGrp="1"/>
+          </p:cNvSpPr>
+          <p:nvPr>
+            <p:ph idx="1"/>
+          </p:nvPr>
+        </p:nvSpPr>
+        <p:spPr/>
+        <p:txBody>
+          <a:bodyPr/>
+          <a:lstStyle/>
+          <a:p>
+            <a:r>
+              <a:rPr lang="en-US" dirty="0"/>
+              <a:t>Aggregating phylogenetically similar microbes</a:t>
+            </a:r>
+          </a:p>
+          <a:p>
+            <a:r>
+              <a:rPr lang="en-US" dirty="0"/>
+              <a:t>Aggregating microbes over time windows</a:t>
+            </a:r>
+          </a:p>
+          <a:p>
+            <a:endParaRPr lang="en-US" dirty="0"/>
+          </a:p>
+          <a:p>
+            <a:r>
+              <a:rPr lang="en-US" dirty="0"/>
+              <a:t>Possible features missed by </a:t>
+            </a:r>
+            <a:r>
+              <a:rPr lang="en-US" dirty="0" err="1"/>
+              <a:t>mditre</a:t>
+            </a:r>
+            <a:r>
+              <a:rPr lang="en-US" dirty="0"/>
+              <a:t> model</a:t>
+            </a:r>
+          </a:p>
+        </p:txBody>
+      </p:sp>
+    </p:spTree>
+    <p:extLst>
+      <p:ext uri="{BB962C8B-B14F-4D97-AF65-F5344CB8AC3E}">
+        <p14:creationId xmlns:p14="http://schemas.microsoft.com/office/powerpoint/2010/main" val="3714522574"/>
+      </p:ext>
+    </p:extLst>
+  </p:cSld>
+  <p:clrMapOvr>
+    <a:masterClrMapping/>
+  </p:clrMapOvr>
+</p:sld>
+</file>
+
+<file path=ppt/slides/slide14.xml><?xml version="1.0" encoding="utf-8"?>
+<p:sld xmlns:a="http://schemas.openxmlformats.org/drawingml/2006/main" xmlns:r="http://schemas.openxmlformats.org/officeDocument/2006/relationships" xmlns:p="http://schemas.openxmlformats.org/presentationml/2006/main">
+  <p:cSld>
+    <p:spTree>
+      <p:nvGrpSpPr>
+        <p:cNvPr id="1" name=""/>
+        <p:cNvGrpSpPr/>
+        <p:nvPr/>
+      </p:nvGrpSpPr>
+      <p:grpSpPr>
+        <a:xfrm>
+          <a:off x="0" y="0"/>
+          <a:ext cx="0" cy="0"/>
+          <a:chOff x="0" y="0"/>
+          <a:chExt cx="0" cy="0"/>
+        </a:xfrm>
+      </p:grpSpPr>
+      <p:sp>
+        <p:nvSpPr>
+          <p:cNvPr id="2" name="Title 1">
+            <a:extLst>
+              <a:ext uri="{FF2B5EF4-FFF2-40B4-BE49-F238E27FC236}">
+                <a16:creationId xmlns:a16="http://schemas.microsoft.com/office/drawing/2014/main" id="{FE1FF292-F975-43BD-91A6-2FA67EAE57CA}"/>
+              </a:ext>
+            </a:extLst>
+          </p:cNvPr>
+          <p:cNvSpPr>
+            <a:spLocks noGrp="1"/>
+          </p:cNvSpPr>
+          <p:nvPr>
+            <p:ph type="title"/>
+          </p:nvPr>
+        </p:nvSpPr>
+        <p:spPr>
+          <a:xfrm>
+            <a:off x="0" y="18255"/>
+            <a:ext cx="11271607" cy="1325563"/>
+          </a:xfrm>
+        </p:spPr>
+        <p:txBody>
+          <a:bodyPr/>
+          <a:lstStyle/>
+          <a:p>
+            <a:r>
+              <a:rPr lang="en-US" dirty="0"/>
+              <a:t>Example MDITRE prediction for </a:t>
+            </a:r>
+            <a:r>
+              <a:rPr lang="en-US" dirty="0" err="1"/>
+              <a:t>Bokulich</a:t>
+            </a:r>
+            <a:r>
+              <a:rPr lang="en-US" dirty="0"/>
+              <a:t> study</a:t>
+            </a:r>
+          </a:p>
+        </p:txBody>
+      </p:sp>
+      <p:pic>
+        <p:nvPicPr>
+          <p:cNvPr id="5" name="Content Placeholder 4">
+            <a:extLst>
+              <a:ext uri="{FF2B5EF4-FFF2-40B4-BE49-F238E27FC236}">
+                <a16:creationId xmlns:a16="http://schemas.microsoft.com/office/drawing/2014/main" id="{990E2080-68C9-43F3-A93F-B418005C9114}"/>
+              </a:ext>
+            </a:extLst>
+          </p:cNvPr>
+          <p:cNvPicPr>
+            <a:picLocks noGrp="1" noChangeAspect="1"/>
+          </p:cNvPicPr>
+          <p:nvPr>
+            <p:ph idx="1"/>
+          </p:nvPr>
+        </p:nvPicPr>
+        <p:blipFill>
+          <a:blip r:embed="rId2"/>
+          <a:stretch>
+            <a:fillRect/>
+          </a:stretch>
+        </p:blipFill>
+        <p:spPr>
+          <a:xfrm>
+            <a:off x="1327741" y="1222509"/>
+            <a:ext cx="9809446" cy="5297756"/>
+          </a:xfrm>
+        </p:spPr>
+      </p:pic>
+    </p:spTree>
+    <p:extLst>
+      <p:ext uri="{BB962C8B-B14F-4D97-AF65-F5344CB8AC3E}">
+        <p14:creationId xmlns:p14="http://schemas.microsoft.com/office/powerpoint/2010/main" val="4089731399"/>
+      </p:ext>
+    </p:extLst>
+  </p:cSld>
+  <p:clrMapOvr>
+    <a:masterClrMapping/>
+  </p:clrMapOvr>
+</p:sld>
+</file>
+
+<file path=ppt/slides/slide2.xml><?xml version="1.0" encoding="utf-8"?>
+<p:sld xmlns:a="http://schemas.openxmlformats.org/drawingml/2006/main" xmlns:r="http://schemas.openxmlformats.org/officeDocument/2006/relationships" xmlns:p="http://schemas.openxmlformats.org/presentationml/2006/main">
+  <p:cSld>
+    <p:spTree>
+      <p:nvGrpSpPr>
+        <p:cNvPr id="1" name=""/>
+        <p:cNvGrpSpPr/>
+        <p:nvPr/>
+      </p:nvGrpSpPr>
+      <p:grpSpPr>
+        <a:xfrm>
+          <a:off x="0" y="0"/>
+          <a:ext cx="0" cy="0"/>
+          <a:chOff x="0" y="0"/>
+          <a:chExt cx="0" cy="0"/>
+        </a:xfrm>
+      </p:grpSpPr>
+      <p:sp>
+        <p:nvSpPr>
+          <p:cNvPr id="2" name="Title 1">
+            <a:extLst>
+              <a:ext uri="{FF2B5EF4-FFF2-40B4-BE49-F238E27FC236}">
+                <a16:creationId xmlns:a16="http://schemas.microsoft.com/office/drawing/2014/main" id="{65FC7916-8ACC-4B19-A852-B5B5CEC4BDD1}"/>
+              </a:ext>
+            </a:extLst>
+          </p:cNvPr>
+          <p:cNvSpPr>
+            <a:spLocks noGrp="1"/>
+          </p:cNvSpPr>
+          <p:nvPr>
+            <p:ph type="title"/>
+          </p:nvPr>
+        </p:nvSpPr>
+        <p:spPr/>
+        <p:txBody>
+          <a:bodyPr/>
+          <a:lstStyle/>
+          <a:p>
+            <a:r>
+              <a:rPr lang="en-US" dirty="0"/>
+              <a:t>Interpretability in general</a:t>
+            </a:r>
+          </a:p>
+        </p:txBody>
+      </p:sp>
+      <p:sp>
+        <p:nvSpPr>
+          <p:cNvPr id="3" name="Content Placeholder 2">
+            <a:extLst>
+              <a:ext uri="{FF2B5EF4-FFF2-40B4-BE49-F238E27FC236}">
+                <a16:creationId xmlns:a16="http://schemas.microsoft.com/office/drawing/2014/main" id="{F2248BF4-9E07-4CA6-8998-99F683D1F738}"/>
+              </a:ext>
+            </a:extLst>
+          </p:cNvPr>
+          <p:cNvSpPr>
+            <a:spLocks noGrp="1"/>
+          </p:cNvSpPr>
+          <p:nvPr>
+            <p:ph idx="1"/>
+          </p:nvPr>
+        </p:nvSpPr>
+        <p:spPr>
+          <a:xfrm>
+            <a:off x="838200" y="1825625"/>
+            <a:ext cx="6363984" cy="4351338"/>
+          </a:xfrm>
+        </p:spPr>
+        <p:txBody>
+          <a:bodyPr/>
+          <a:lstStyle/>
+          <a:p>
+            <a:r>
+              <a:rPr lang="en-US" dirty="0"/>
+              <a:t>Notion of interpretability difficult to define in general, is domain specific</a:t>
+            </a:r>
+          </a:p>
+          <a:p>
+            <a:r>
+              <a:rPr lang="en-US" dirty="0"/>
+              <a:t>Qualitative metrics: can a human understand why prediction was made?...</a:t>
+            </a:r>
+          </a:p>
+          <a:p>
+            <a:r>
+              <a:rPr lang="en-US" dirty="0"/>
+              <a:t>Why it’s important</a:t>
+            </a:r>
+          </a:p>
+          <a:p>
+            <a:endParaRPr lang="en-US" dirty="0"/>
+          </a:p>
+        </p:txBody>
+      </p:sp>
+      <p:pic>
+        <p:nvPicPr>
+          <p:cNvPr id="2050" name="Picture 2" descr="Interpretable Machine Learning. Extracting human understandable… | by Parul  Pandey | Towards Data Science">
+            <a:extLst>
+              <a:ext uri="{FF2B5EF4-FFF2-40B4-BE49-F238E27FC236}">
+                <a16:creationId xmlns:a16="http://schemas.microsoft.com/office/drawing/2014/main" id="{9CFCDBFB-3D71-4FFD-90F2-89BE32B886D8}"/>
+              </a:ext>
+            </a:extLst>
+          </p:cNvPr>
+          <p:cNvPicPr>
+            <a:picLocks noChangeAspect="1" noChangeArrowheads="1"/>
+          </p:cNvPicPr>
+          <p:nvPr/>
+        </p:nvPicPr>
+        <p:blipFill>
+          <a:blip r:embed="rId2">
+            <a:extLst>
+              <a:ext uri="{28A0092B-C50C-407E-A947-70E740481C1C}">
+                <a14:useLocalDpi xmlns:a14="http://schemas.microsoft.com/office/drawing/2010/main" val="0"/>
+              </a:ext>
+            </a:extLst>
+          </a:blip>
+          <a:srcRect/>
+          <a:stretch>
+            <a:fillRect/>
+          </a:stretch>
+        </p:blipFill>
+        <p:spPr bwMode="auto">
+          <a:xfrm>
+            <a:off x="6573089" y="1690687"/>
+            <a:ext cx="5322432" cy="3456665"/>
+          </a:xfrm>
+          <a:prstGeom prst="rect">
+            <a:avLst/>
+          </a:prstGeom>
+          <a:noFill/>
+          <a:extLst>
+            <a:ext uri="{909E8E84-426E-40DD-AFC4-6F175D3DCCD1}">
+              <a14:hiddenFill xmlns:a14="http://schemas.microsoft.com/office/drawing/2010/main">
+                <a:solidFill>
+                  <a:srgbClr val="FFFFFF"/>
+                </a:solidFill>
+              </a14:hiddenFill>
+            </a:ext>
+          </a:extLst>
+        </p:spPr>
+      </p:pic>
+      <p:sp>
+        <p:nvSpPr>
+          <p:cNvPr id="6" name="TextBox 5">
+            <a:extLst>
+              <a:ext uri="{FF2B5EF4-FFF2-40B4-BE49-F238E27FC236}">
+                <a16:creationId xmlns:a16="http://schemas.microsoft.com/office/drawing/2014/main" id="{9A9F5012-7C75-4E20-AE8F-490DE1D620B9}"/>
+              </a:ext>
+            </a:extLst>
+          </p:cNvPr>
+          <p:cNvSpPr txBox="1"/>
+          <p:nvPr/>
+        </p:nvSpPr>
+        <p:spPr>
+          <a:xfrm>
+            <a:off x="7586609" y="5530632"/>
+            <a:ext cx="4605391" cy="646331"/>
+          </a:xfrm>
+          <a:prstGeom prst="rect">
+            <a:avLst/>
+          </a:prstGeom>
+          <a:noFill/>
+        </p:spPr>
+        <p:txBody>
+          <a:bodyPr wrap="square">
+            <a:spAutoFit/>
+          </a:bodyPr>
+          <a:lstStyle/>
+          <a:p>
+            <a:r>
+              <a:rPr lang="en-US" dirty="0"/>
+              <a:t>https://christophm.github.io/interpretable-ml-book/terminology.html</a:t>
+            </a:r>
+          </a:p>
+        </p:txBody>
+      </p:sp>
+    </p:spTree>
+    <p:extLst>
+      <p:ext uri="{BB962C8B-B14F-4D97-AF65-F5344CB8AC3E}">
+        <p14:creationId xmlns:p14="http://schemas.microsoft.com/office/powerpoint/2010/main" val="3655175724"/>
+      </p:ext>
+    </p:extLst>
+  </p:cSld>
+  <p:clrMapOvr>
+    <a:masterClrMapping/>
+  </p:clrMapOvr>
+</p:sld>
+</file>
+
+<file path=ppt/slides/slide3.xml><?xml version="1.0" encoding="utf-8"?>
+<p:sld xmlns:a="http://schemas.openxmlformats.org/drawingml/2006/main" xmlns:r="http://schemas.openxmlformats.org/officeDocument/2006/relationships" xmlns:p="http://schemas.openxmlformats.org/presentationml/2006/main">
+  <p:cSld>
+    <p:spTree>
+      <p:nvGrpSpPr>
+        <p:cNvPr id="1" name=""/>
+        <p:cNvGrpSpPr/>
+        <p:nvPr/>
+      </p:nvGrpSpPr>
+      <p:grpSpPr>
+        <a:xfrm>
+          <a:off x="0" y="0"/>
+          <a:ext cx="0" cy="0"/>
+          <a:chOff x="0" y="0"/>
+          <a:chExt cx="0" cy="0"/>
+        </a:xfrm>
+      </p:grpSpPr>
+      <p:sp>
+        <p:nvSpPr>
+          <p:cNvPr id="2" name="Title 1">
+            <a:extLst>
+              <a:ext uri="{FF2B5EF4-FFF2-40B4-BE49-F238E27FC236}">
+                <a16:creationId xmlns:a16="http://schemas.microsoft.com/office/drawing/2014/main" id="{51A1DA7D-1138-465F-9882-AC411F53FA15}"/>
+              </a:ext>
+            </a:extLst>
+          </p:cNvPr>
+          <p:cNvSpPr>
+            <a:spLocks noGrp="1"/>
+          </p:cNvSpPr>
+          <p:nvPr>
+            <p:ph type="title"/>
+          </p:nvPr>
+        </p:nvSpPr>
+        <p:spPr/>
+        <p:txBody>
+          <a:bodyPr/>
+          <a:lstStyle/>
+          <a:p>
+            <a:r>
+              <a:rPr lang="en-US" dirty="0"/>
+              <a:t>Interpretability in time-series microbiome data</a:t>
+            </a:r>
+          </a:p>
+        </p:txBody>
+      </p:sp>
+      <p:sp>
+        <p:nvSpPr>
+          <p:cNvPr id="3" name="Content Placeholder 2">
+            <a:extLst>
+              <a:ext uri="{FF2B5EF4-FFF2-40B4-BE49-F238E27FC236}">
+                <a16:creationId xmlns:a16="http://schemas.microsoft.com/office/drawing/2014/main" id="{06093053-04A4-4075-9D13-572D1EF5A58E}"/>
+              </a:ext>
+            </a:extLst>
+          </p:cNvPr>
+          <p:cNvSpPr>
+            <a:spLocks noGrp="1"/>
+          </p:cNvSpPr>
+          <p:nvPr>
+            <p:ph idx="1"/>
+          </p:nvPr>
+        </p:nvSpPr>
+        <p:spPr/>
+        <p:txBody>
+          <a:bodyPr>
+            <a:normAutofit/>
+          </a:bodyPr>
+          <a:lstStyle/>
+          <a:p>
+            <a:r>
+              <a:rPr lang="en-US" dirty="0"/>
+              <a:t>High stakes medical applications</a:t>
+            </a:r>
+          </a:p>
+          <a:p>
+            <a:r>
+              <a:rPr lang="en-US" dirty="0"/>
+              <a:t>Specificity over sensitivity </a:t>
+            </a:r>
+          </a:p>
+          <a:p>
+            <a:r>
+              <a:rPr lang="en-US" dirty="0"/>
+              <a:t>For many microbiome applications, the critical tasks are discovering relationships between the microbiome and the host or finding clinically useful biomarkers, rather than pure prediction, care more about model interpretability than predictive power</a:t>
+            </a:r>
+          </a:p>
+          <a:p>
+            <a:endParaRPr lang="en-US" dirty="0"/>
+          </a:p>
+        </p:txBody>
+      </p:sp>
+    </p:spTree>
+    <p:extLst>
+      <p:ext uri="{BB962C8B-B14F-4D97-AF65-F5344CB8AC3E}">
+        <p14:creationId xmlns:p14="http://schemas.microsoft.com/office/powerpoint/2010/main" val="2019560560"/>
+      </p:ext>
+    </p:extLst>
+  </p:cSld>
+  <p:clrMapOvr>
+    <a:masterClrMapping/>
+  </p:clrMapOvr>
+</p:sld>
+</file>
+
+<file path=ppt/slides/slide4.xml><?xml version="1.0" encoding="utf-8"?>
+<p:sld xmlns:a="http://schemas.openxmlformats.org/drawingml/2006/main" xmlns:r="http://schemas.openxmlformats.org/officeDocument/2006/relationships" xmlns:p="http://schemas.openxmlformats.org/presentationml/2006/main">
+  <p:cSld>
+    <p:spTree>
+      <p:nvGrpSpPr>
+        <p:cNvPr id="1" name=""/>
+        <p:cNvGrpSpPr/>
+        <p:nvPr/>
+      </p:nvGrpSpPr>
+      <p:grpSpPr>
+        <a:xfrm>
+          <a:off x="0" y="0"/>
+          <a:ext cx="0" cy="0"/>
+          <a:chOff x="0" y="0"/>
+          <a:chExt cx="0" cy="0"/>
+        </a:xfrm>
+      </p:grpSpPr>
+      <p:sp>
+        <p:nvSpPr>
+          <p:cNvPr id="2" name="Title 1">
+            <a:extLst>
+              <a:ext uri="{FF2B5EF4-FFF2-40B4-BE49-F238E27FC236}">
+                <a16:creationId xmlns:a16="http://schemas.microsoft.com/office/drawing/2014/main" id="{9FA9F322-5FFF-47FB-9F4C-4914155BD69C}"/>
+              </a:ext>
+            </a:extLst>
+          </p:cNvPr>
+          <p:cNvSpPr>
+            <a:spLocks noGrp="1"/>
+          </p:cNvSpPr>
+          <p:nvPr>
+            <p:ph type="title"/>
+          </p:nvPr>
+        </p:nvSpPr>
+        <p:spPr/>
+        <p:txBody>
+          <a:bodyPr/>
+          <a:lstStyle/>
+          <a:p>
+            <a:r>
+              <a:rPr lang="en-US" dirty="0"/>
+              <a:t>interpretability in models</a:t>
+            </a:r>
+          </a:p>
+        </p:txBody>
+      </p:sp>
+      <p:sp>
+        <p:nvSpPr>
+          <p:cNvPr id="3" name="Content Placeholder 2">
+            <a:extLst>
+              <a:ext uri="{FF2B5EF4-FFF2-40B4-BE49-F238E27FC236}">
+                <a16:creationId xmlns:a16="http://schemas.microsoft.com/office/drawing/2014/main" id="{CF26E2A1-6CBD-47E4-AACD-BC0CB55DDC1F}"/>
+              </a:ext>
+            </a:extLst>
+          </p:cNvPr>
+          <p:cNvSpPr>
+            <a:spLocks noGrp="1"/>
+          </p:cNvSpPr>
+          <p:nvPr>
+            <p:ph idx="1"/>
+          </p:nvPr>
+        </p:nvSpPr>
+        <p:spPr>
+          <a:xfrm>
+            <a:off x="838200" y="1825625"/>
+            <a:ext cx="8100317" cy="4351338"/>
+          </a:xfrm>
+        </p:spPr>
+        <p:txBody>
+          <a:bodyPr/>
+          <a:lstStyle/>
+          <a:p>
+            <a:r>
+              <a:rPr lang="en-US" dirty="0"/>
+              <a:t>Want features that are easier to understand/use:</a:t>
+            </a:r>
+          </a:p>
+          <a:p>
+            <a:pPr lvl="1"/>
+            <a:r>
+              <a:rPr lang="en-US" dirty="0"/>
+              <a:t>Grouping together relevant sets of taxa</a:t>
+            </a:r>
+          </a:p>
+          <a:p>
+            <a:pPr lvl="1"/>
+            <a:r>
+              <a:rPr lang="en-US" dirty="0"/>
+              <a:t>Focusing on relevant time windows</a:t>
+            </a:r>
+          </a:p>
+          <a:p>
+            <a:r>
+              <a:rPr lang="en-US" dirty="0"/>
+              <a:t>Human interpretable model output…</a:t>
+            </a:r>
+          </a:p>
+          <a:p>
+            <a:pPr lvl="1"/>
+            <a:r>
+              <a:rPr lang="en-US" dirty="0"/>
+              <a:t>Models with interpretability baked-in</a:t>
+            </a:r>
+          </a:p>
+          <a:p>
+            <a:pPr lvl="2"/>
+            <a:r>
+              <a:rPr lang="en-US" dirty="0"/>
+              <a:t>Regression models: linear, logistic, GLM, GAM</a:t>
+            </a:r>
+          </a:p>
+          <a:p>
+            <a:pPr lvl="2"/>
+            <a:r>
+              <a:rPr lang="en-US" dirty="0"/>
+              <a:t>Decision trees</a:t>
+            </a:r>
+          </a:p>
+          <a:p>
+            <a:pPr lvl="2"/>
+            <a:r>
+              <a:rPr lang="en-US" dirty="0"/>
+              <a:t>Rule lists/sets</a:t>
+            </a:r>
+          </a:p>
+          <a:p>
+            <a:pPr lvl="1"/>
+            <a:r>
+              <a:rPr lang="en-US" dirty="0"/>
+              <a:t>Model agnostic post-hoc methods</a:t>
+            </a:r>
+          </a:p>
+          <a:p>
+            <a:pPr lvl="2"/>
+            <a:r>
+              <a:rPr lang="en-US" dirty="0"/>
+              <a:t>LIME</a:t>
+            </a:r>
+          </a:p>
+        </p:txBody>
+      </p:sp>
+      <p:pic>
+        <p:nvPicPr>
+          <p:cNvPr id="1026" name="Picture 2" descr="Interpretable Machine Learning. Extracting human understandable… | by Parul  Pandey | Towards Data Science">
+            <a:extLst>
+              <a:ext uri="{FF2B5EF4-FFF2-40B4-BE49-F238E27FC236}">
+                <a16:creationId xmlns:a16="http://schemas.microsoft.com/office/drawing/2014/main" id="{1D449B92-6394-46A5-9C48-867737721AF4}"/>
+              </a:ext>
+            </a:extLst>
+          </p:cNvPr>
+          <p:cNvPicPr>
+            <a:picLocks noChangeAspect="1" noChangeArrowheads="1"/>
+          </p:cNvPicPr>
+          <p:nvPr/>
+        </p:nvPicPr>
+        <p:blipFill>
+          <a:blip r:embed="rId2">
+            <a:extLst>
+              <a:ext uri="{28A0092B-C50C-407E-A947-70E740481C1C}">
+                <a14:useLocalDpi xmlns:a14="http://schemas.microsoft.com/office/drawing/2010/main" val="0"/>
+              </a:ext>
+            </a:extLst>
+          </a:blip>
+          <a:srcRect/>
+          <a:stretch>
+            <a:fillRect/>
+          </a:stretch>
+        </p:blipFill>
+        <p:spPr bwMode="auto">
+          <a:xfrm>
+            <a:off x="8565740" y="1494498"/>
+            <a:ext cx="3626260" cy="4053155"/>
+          </a:xfrm>
+          <a:prstGeom prst="rect">
+            <a:avLst/>
+          </a:prstGeom>
+          <a:noFill/>
+          <a:extLst>
+            <a:ext uri="{909E8E84-426E-40DD-AFC4-6F175D3DCCD1}">
+              <a14:hiddenFill xmlns:a14="http://schemas.microsoft.com/office/drawing/2010/main">
+                <a:solidFill>
+                  <a:srgbClr val="FFFFFF"/>
+                </a:solidFill>
+              </a14:hiddenFill>
+            </a:ext>
+          </a:extLst>
+        </p:spPr>
+      </p:pic>
+      <p:sp>
+        <p:nvSpPr>
+          <p:cNvPr id="6" name="TextBox 5">
+            <a:extLst>
+              <a:ext uri="{FF2B5EF4-FFF2-40B4-BE49-F238E27FC236}">
+                <a16:creationId xmlns:a16="http://schemas.microsoft.com/office/drawing/2014/main" id="{DC95693E-92C7-4C5D-8A72-D9E654A6F529}"/>
+              </a:ext>
+            </a:extLst>
+          </p:cNvPr>
+          <p:cNvSpPr txBox="1"/>
+          <p:nvPr/>
+        </p:nvSpPr>
+        <p:spPr>
+          <a:xfrm>
+            <a:off x="7602877" y="5682590"/>
+            <a:ext cx="4417548" cy="646331"/>
+          </a:xfrm>
+          <a:prstGeom prst="rect">
+            <a:avLst/>
+          </a:prstGeom>
+          <a:noFill/>
+        </p:spPr>
+        <p:txBody>
+          <a:bodyPr wrap="square">
+            <a:spAutoFit/>
+          </a:bodyPr>
+          <a:lstStyle/>
+          <a:p>
+            <a:r>
+              <a:rPr lang="en-US" dirty="0"/>
+              <a:t>https://christophm.github.io/interpretable-ml-book/terminology.html</a:t>
+            </a:r>
+          </a:p>
+        </p:txBody>
+      </p:sp>
+    </p:spTree>
+    <p:extLst>
+      <p:ext uri="{BB962C8B-B14F-4D97-AF65-F5344CB8AC3E}">
+        <p14:creationId xmlns:p14="http://schemas.microsoft.com/office/powerpoint/2010/main" val="2504675941"/>
+      </p:ext>
+    </p:extLst>
+  </p:cSld>
+  <p:clrMapOvr>
+    <a:masterClrMapping/>
+  </p:clrMapOvr>
+</p:sld>
+</file>
+
+<file path=ppt/slides/slide5.xml><?xml version="1.0" encoding="utf-8"?>
+<p:sld xmlns:a="http://schemas.openxmlformats.org/drawingml/2006/main" xmlns:r="http://schemas.openxmlformats.org/officeDocument/2006/relationships" xmlns:p="http://schemas.openxmlformats.org/presentationml/2006/main">
+  <p:cSld>
+    <p:spTree>
+      <p:nvGrpSpPr>
+        <p:cNvPr id="1" name=""/>
+        <p:cNvGrpSpPr/>
+        <p:nvPr/>
+      </p:nvGrpSpPr>
+      <p:grpSpPr>
+        <a:xfrm>
+          <a:off x="0" y="0"/>
+          <a:ext cx="0" cy="0"/>
+          <a:chOff x="0" y="0"/>
+          <a:chExt cx="0" cy="0"/>
+        </a:xfrm>
+      </p:grpSpPr>
+      <p:sp>
+        <p:nvSpPr>
+          <p:cNvPr id="2" name="Title 1">
+            <a:extLst>
+              <a:ext uri="{FF2B5EF4-FFF2-40B4-BE49-F238E27FC236}">
+                <a16:creationId xmlns:a16="http://schemas.microsoft.com/office/drawing/2014/main" id="{DF0097B5-01D7-47B6-B236-477E1B57E7CF}"/>
+              </a:ext>
+            </a:extLst>
+          </p:cNvPr>
+          <p:cNvSpPr>
+            <a:spLocks noGrp="1"/>
+          </p:cNvSpPr>
+          <p:nvPr>
+            <p:ph type="title"/>
+          </p:nvPr>
+        </p:nvSpPr>
+        <p:spPr/>
+        <p:txBody>
+          <a:bodyPr/>
+          <a:lstStyle/>
+          <a:p>
+            <a:r>
+              <a:rPr lang="en-US" dirty="0"/>
+              <a:t>Interpretable models vs post-hoc interpretability</a:t>
+            </a:r>
+          </a:p>
+        </p:txBody>
+      </p:sp>
+      <p:sp>
+        <p:nvSpPr>
+          <p:cNvPr id="3" name="Content Placeholder 2">
+            <a:extLst>
+              <a:ext uri="{FF2B5EF4-FFF2-40B4-BE49-F238E27FC236}">
+                <a16:creationId xmlns:a16="http://schemas.microsoft.com/office/drawing/2014/main" id="{453FAEC3-8675-409C-BF44-71BACA77C763}"/>
+              </a:ext>
+            </a:extLst>
+          </p:cNvPr>
+          <p:cNvSpPr>
+            <a:spLocks noGrp="1"/>
+          </p:cNvSpPr>
+          <p:nvPr>
+            <p:ph idx="1"/>
+          </p:nvPr>
+        </p:nvSpPr>
+        <p:spPr/>
+        <p:txBody>
+          <a:bodyPr/>
+          <a:lstStyle/>
+          <a:p>
+            <a:r>
+              <a:rPr lang="en-US" dirty="0"/>
+              <a:t>Pros and cons of each</a:t>
+            </a:r>
+          </a:p>
+          <a:p>
+            <a:r>
+              <a:rPr lang="en-US" dirty="0"/>
+              <a:t>Post-hoc pro, more general model can maybe pick out weaker signals, con, might be false positive, or not sure why its being picked out</a:t>
+            </a:r>
+          </a:p>
+          <a:p>
+            <a:endParaRPr lang="en-US" dirty="0"/>
+          </a:p>
+        </p:txBody>
+      </p:sp>
+    </p:spTree>
+    <p:extLst>
+      <p:ext uri="{BB962C8B-B14F-4D97-AF65-F5344CB8AC3E}">
+        <p14:creationId xmlns:p14="http://schemas.microsoft.com/office/powerpoint/2010/main" val="955033744"/>
+      </p:ext>
+    </p:extLst>
+  </p:cSld>
+  <p:clrMapOvr>
+    <a:masterClrMapping/>
+  </p:clrMapOvr>
+</p:sld>
+</file>
+
+<file path=ppt/slides/slide6.xml><?xml version="1.0" encoding="utf-8"?>
+<p:sld xmlns:a="http://schemas.openxmlformats.org/drawingml/2006/main" xmlns:r="http://schemas.openxmlformats.org/officeDocument/2006/relationships" xmlns:p="http://schemas.openxmlformats.org/presentationml/2006/main">
+  <p:cSld>
+    <p:spTree>
+      <p:nvGrpSpPr>
+        <p:cNvPr id="1" name=""/>
+        <p:cNvGrpSpPr/>
+        <p:nvPr/>
+      </p:nvGrpSpPr>
+      <p:grpSpPr>
+        <a:xfrm>
+          <a:off x="0" y="0"/>
+          <a:ext cx="0" cy="0"/>
+          <a:chOff x="0" y="0"/>
+          <a:chExt cx="0" cy="0"/>
+        </a:xfrm>
+      </p:grpSpPr>
+      <p:sp>
+        <p:nvSpPr>
+          <p:cNvPr id="2" name="Title 1">
+            <a:extLst>
+              <a:ext uri="{FF2B5EF4-FFF2-40B4-BE49-F238E27FC236}">
+                <a16:creationId xmlns:a16="http://schemas.microsoft.com/office/drawing/2014/main" id="{50EAD21A-CAFF-4952-8BBD-C34EE7443960}"/>
+              </a:ext>
+            </a:extLst>
+          </p:cNvPr>
+          <p:cNvSpPr>
+            <a:spLocks noGrp="1"/>
+          </p:cNvSpPr>
+          <p:nvPr>
+            <p:ph type="title"/>
+          </p:nvPr>
+        </p:nvSpPr>
+        <p:spPr/>
+        <p:txBody>
+          <a:bodyPr/>
+          <a:lstStyle/>
+          <a:p>
+            <a:r>
+              <a:rPr lang="en-US" dirty="0"/>
+              <a:t>Abundance data (16S amplicon)</a:t>
+            </a:r>
+          </a:p>
+        </p:txBody>
+      </p:sp>
+      <p:pic>
+        <p:nvPicPr>
+          <p:cNvPr id="7" name="Picture 6">
+            <a:extLst>
+              <a:ext uri="{FF2B5EF4-FFF2-40B4-BE49-F238E27FC236}">
+                <a16:creationId xmlns:a16="http://schemas.microsoft.com/office/drawing/2014/main" id="{A8D3BC43-8179-4A21-B01D-AC757F635814}"/>
+              </a:ext>
+            </a:extLst>
+          </p:cNvPr>
+          <p:cNvPicPr>
+            <a:picLocks noChangeAspect="1"/>
+          </p:cNvPicPr>
+          <p:nvPr/>
+        </p:nvPicPr>
+        <p:blipFill>
+          <a:blip r:embed="rId2"/>
+          <a:stretch>
+            <a:fillRect/>
+          </a:stretch>
+        </p:blipFill>
+        <p:spPr>
+          <a:xfrm>
+            <a:off x="246580" y="1542916"/>
+            <a:ext cx="8485683" cy="4811649"/>
+          </a:xfrm>
+          <a:prstGeom prst="rect">
+            <a:avLst/>
+          </a:prstGeom>
+        </p:spPr>
+      </p:pic>
+      <p:sp>
+        <p:nvSpPr>
+          <p:cNvPr id="5" name="TextBox 4">
+            <a:extLst>
+              <a:ext uri="{FF2B5EF4-FFF2-40B4-BE49-F238E27FC236}">
+                <a16:creationId xmlns:a16="http://schemas.microsoft.com/office/drawing/2014/main" id="{038D5DD9-F2E7-412C-87D4-07754CC771E0}"/>
+              </a:ext>
+            </a:extLst>
+          </p:cNvPr>
+          <p:cNvSpPr txBox="1"/>
+          <p:nvPr/>
+        </p:nvSpPr>
+        <p:spPr>
+          <a:xfrm>
+            <a:off x="9051531" y="1825081"/>
+            <a:ext cx="2684123" cy="4247317"/>
+          </a:xfrm>
+          <a:prstGeom prst="rect">
+            <a:avLst/>
+          </a:prstGeom>
+          <a:noFill/>
+        </p:spPr>
+        <p:txBody>
+          <a:bodyPr wrap="square">
+            <a:spAutoFit/>
+          </a:bodyPr>
+          <a:lstStyle/>
+          <a:p>
+            <a:r>
+              <a:rPr lang="en-US" dirty="0"/>
+              <a:t>Will probably want to do some data cleaning before hand; remove </a:t>
+            </a:r>
+            <a:r>
+              <a:rPr lang="en-US" dirty="0" err="1"/>
+              <a:t>otus</a:t>
+            </a:r>
+            <a:r>
+              <a:rPr lang="en-US" dirty="0"/>
+              <a:t> with low counts or that are only present in a few samples/time points; </a:t>
+            </a:r>
+          </a:p>
+          <a:p>
+            <a:pPr lvl="1"/>
+            <a:r>
+              <a:rPr lang="en-US" dirty="0"/>
+              <a:t>might want to only focus on some time periods (e.g. if most subjects do not have samples outside of a given time window)</a:t>
+            </a:r>
+          </a:p>
+          <a:p>
+            <a:pPr lvl="1"/>
+            <a:r>
+              <a:rPr lang="en-US" dirty="0"/>
+              <a:t>Discard subjects with too few samples, </a:t>
+            </a:r>
+            <a:r>
+              <a:rPr lang="en-US" dirty="0" err="1"/>
+              <a:t>etc</a:t>
+            </a:r>
+            <a:r>
+              <a:rPr lang="en-US" dirty="0"/>
+              <a:t>…</a:t>
+            </a:r>
+          </a:p>
+        </p:txBody>
+      </p:sp>
+    </p:spTree>
+    <p:extLst>
+      <p:ext uri="{BB962C8B-B14F-4D97-AF65-F5344CB8AC3E}">
+        <p14:creationId xmlns:p14="http://schemas.microsoft.com/office/powerpoint/2010/main" val="1738805680"/>
+      </p:ext>
+    </p:extLst>
+  </p:cSld>
+  <p:clrMapOvr>
+    <a:masterClrMapping/>
+  </p:clrMapOvr>
+</p:sld>
+</file>
+
+<file path=ppt/slides/slide7.xml><?xml version="1.0" encoding="utf-8"?>
+<p:sld xmlns:a="http://schemas.openxmlformats.org/drawingml/2006/main" xmlns:r="http://schemas.openxmlformats.org/officeDocument/2006/relationships" xmlns:p="http://schemas.openxmlformats.org/presentationml/2006/main">
+  <p:cSld>
+    <p:spTree>
+      <p:nvGrpSpPr>
+        <p:cNvPr id="1" name=""/>
+        <p:cNvGrpSpPr/>
+        <p:nvPr/>
+      </p:nvGrpSpPr>
+      <p:grpSpPr>
+        <a:xfrm>
+          <a:off x="0" y="0"/>
+          <a:ext cx="0" cy="0"/>
+          <a:chOff x="0" y="0"/>
+          <a:chExt cx="0" cy="0"/>
+        </a:xfrm>
+      </p:grpSpPr>
+      <p:sp>
+        <p:nvSpPr>
+          <p:cNvPr id="2" name="Title 1">
+            <a:extLst>
+              <a:ext uri="{FF2B5EF4-FFF2-40B4-BE49-F238E27FC236}">
+                <a16:creationId xmlns:a16="http://schemas.microsoft.com/office/drawing/2014/main" id="{E99D0ECA-37D5-46A4-A6D0-4307BC9EB1C4}"/>
+              </a:ext>
+            </a:extLst>
+          </p:cNvPr>
+          <p:cNvSpPr>
+            <a:spLocks noGrp="1"/>
+          </p:cNvSpPr>
+          <p:nvPr>
+            <p:ph type="title"/>
+          </p:nvPr>
+        </p:nvSpPr>
+        <p:spPr>
+          <a:xfrm>
+            <a:off x="294190" y="265596"/>
+            <a:ext cx="10515600" cy="1325563"/>
+          </a:xfrm>
+        </p:spPr>
+        <p:txBody>
+          <a:bodyPr/>
+          <a:lstStyle/>
+          <a:p>
+            <a:r>
+              <a:rPr lang="en-US" dirty="0"/>
+              <a:t>Abundance (shotgun metagenomics)</a:t>
+            </a:r>
+          </a:p>
+        </p:txBody>
+      </p:sp>
+      <p:pic>
+        <p:nvPicPr>
+          <p:cNvPr id="5" name="Picture 4">
+            <a:extLst>
+              <a:ext uri="{FF2B5EF4-FFF2-40B4-BE49-F238E27FC236}">
+                <a16:creationId xmlns:a16="http://schemas.microsoft.com/office/drawing/2014/main" id="{2CAEA16F-1FC0-4B95-B98D-858DD2E454C9}"/>
+              </a:ext>
+            </a:extLst>
+          </p:cNvPr>
+          <p:cNvPicPr>
+            <a:picLocks noChangeAspect="1"/>
+          </p:cNvPicPr>
+          <p:nvPr/>
+        </p:nvPicPr>
+        <p:blipFill>
+          <a:blip r:embed="rId2"/>
+          <a:stretch>
+            <a:fillRect/>
+          </a:stretch>
+        </p:blipFill>
+        <p:spPr>
+          <a:xfrm>
+            <a:off x="913207" y="1404153"/>
+            <a:ext cx="9277566" cy="5198525"/>
+          </a:xfrm>
+          <a:prstGeom prst="rect">
+            <a:avLst/>
+          </a:prstGeom>
+        </p:spPr>
+      </p:pic>
+    </p:spTree>
+    <p:extLst>
+      <p:ext uri="{BB962C8B-B14F-4D97-AF65-F5344CB8AC3E}">
+        <p14:creationId xmlns:p14="http://schemas.microsoft.com/office/powerpoint/2010/main" val="711536343"/>
+      </p:ext>
+    </p:extLst>
+  </p:cSld>
+  <p:clrMapOvr>
+    <a:masterClrMapping/>
+  </p:clrMapOvr>
+</p:sld>
+</file>
+
+<file path=ppt/slides/slide8.xml><?xml version="1.0" encoding="utf-8"?>
+<p:sld xmlns:a="http://schemas.openxmlformats.org/drawingml/2006/main" xmlns:r="http://schemas.openxmlformats.org/officeDocument/2006/relationships" xmlns:p="http://schemas.openxmlformats.org/presentationml/2006/main">
+  <p:cSld>
+    <p:spTree>
+      <p:nvGrpSpPr>
+        <p:cNvPr id="1" name=""/>
+        <p:cNvGrpSpPr/>
+        <p:nvPr/>
+      </p:nvGrpSpPr>
+      <p:grpSpPr>
+        <a:xfrm>
+          <a:off x="0" y="0"/>
+          <a:ext cx="0" cy="0"/>
+          <a:chOff x="0" y="0"/>
+          <a:chExt cx="0" cy="0"/>
+        </a:xfrm>
+      </p:grpSpPr>
+      <p:sp>
+        <p:nvSpPr>
+          <p:cNvPr id="2" name="Title 1">
+            <a:extLst>
+              <a:ext uri="{FF2B5EF4-FFF2-40B4-BE49-F238E27FC236}">
+                <a16:creationId xmlns:a16="http://schemas.microsoft.com/office/drawing/2014/main" id="{F9300FBF-C346-440E-9B0C-8982CD85DE61}"/>
+              </a:ext>
+            </a:extLst>
+          </p:cNvPr>
+          <p:cNvSpPr>
+            <a:spLocks noGrp="1"/>
+          </p:cNvSpPr>
+          <p:nvPr>
+            <p:ph type="title"/>
+          </p:nvPr>
+        </p:nvSpPr>
+        <p:spPr>
+          <a:xfrm>
+            <a:off x="0" y="0"/>
+            <a:ext cx="10515600" cy="1325563"/>
+          </a:xfrm>
+        </p:spPr>
+        <p:txBody>
+          <a:bodyPr/>
+          <a:lstStyle/>
+          <a:p>
+            <a:r>
+              <a:rPr lang="en-US" dirty="0"/>
+              <a:t>Metadata</a:t>
+            </a:r>
+          </a:p>
+        </p:txBody>
+      </p:sp>
+      <p:pic>
+        <p:nvPicPr>
+          <p:cNvPr id="4" name="Picture 3">
+            <a:extLst>
+              <a:ext uri="{FF2B5EF4-FFF2-40B4-BE49-F238E27FC236}">
+                <a16:creationId xmlns:a16="http://schemas.microsoft.com/office/drawing/2014/main" id="{025FD4CB-EBCF-4F70-9021-C940E166A3F2}"/>
+              </a:ext>
+            </a:extLst>
+          </p:cNvPr>
+          <p:cNvPicPr>
+            <a:picLocks noChangeAspect="1"/>
+          </p:cNvPicPr>
+          <p:nvPr/>
+        </p:nvPicPr>
+        <p:blipFill>
+          <a:blip r:embed="rId2"/>
+          <a:stretch>
+            <a:fillRect/>
+          </a:stretch>
+        </p:blipFill>
+        <p:spPr>
+          <a:xfrm>
+            <a:off x="6279522" y="1925214"/>
+            <a:ext cx="2273414" cy="4670834"/>
+          </a:xfrm>
+          <a:prstGeom prst="rect">
+            <a:avLst/>
+          </a:prstGeom>
+        </p:spPr>
+      </p:pic>
+      <p:sp>
+        <p:nvSpPr>
+          <p:cNvPr id="7" name="TextBox 6">
+            <a:extLst>
+              <a:ext uri="{FF2B5EF4-FFF2-40B4-BE49-F238E27FC236}">
+                <a16:creationId xmlns:a16="http://schemas.microsoft.com/office/drawing/2014/main" id="{46F58A88-DEDD-4D01-B13F-1FC001DE9D53}"/>
+              </a:ext>
+            </a:extLst>
+          </p:cNvPr>
+          <p:cNvSpPr txBox="1"/>
+          <p:nvPr/>
+        </p:nvSpPr>
+        <p:spPr>
+          <a:xfrm>
+            <a:off x="8706619" y="2202212"/>
+            <a:ext cx="3485381" cy="1754326"/>
+          </a:xfrm>
+          <a:prstGeom prst="rect">
+            <a:avLst/>
+          </a:prstGeom>
+          <a:noFill/>
+        </p:spPr>
+        <p:txBody>
+          <a:bodyPr wrap="square">
+            <a:spAutoFit/>
+          </a:bodyPr>
+          <a:lstStyle/>
+          <a:p>
+            <a:r>
+              <a:rPr lang="en-US" dirty="0"/>
+              <a:t>A CSV file that gives information about each subject, (including the value of whatever variable will be used as the host outcome for prediction (e.g., Plant-diet or Animal-diet in the David et al).</a:t>
+            </a:r>
+          </a:p>
+        </p:txBody>
+      </p:sp>
+      <p:pic>
+        <p:nvPicPr>
+          <p:cNvPr id="11" name="Picture 10">
+            <a:extLst>
+              <a:ext uri="{FF2B5EF4-FFF2-40B4-BE49-F238E27FC236}">
+                <a16:creationId xmlns:a16="http://schemas.microsoft.com/office/drawing/2014/main" id="{F4FCB1AB-EF80-4638-8EA2-D758F5FE8131}"/>
+              </a:ext>
+            </a:extLst>
+          </p:cNvPr>
+          <p:cNvPicPr>
+            <a:picLocks noChangeAspect="1"/>
+          </p:cNvPicPr>
+          <p:nvPr/>
+        </p:nvPicPr>
+        <p:blipFill>
+          <a:blip r:embed="rId3"/>
+          <a:stretch>
+            <a:fillRect/>
+          </a:stretch>
+        </p:blipFill>
+        <p:spPr>
+          <a:xfrm>
+            <a:off x="234515" y="1925214"/>
+            <a:ext cx="2829965" cy="4533185"/>
+          </a:xfrm>
+          <a:prstGeom prst="rect">
+            <a:avLst/>
+          </a:prstGeom>
+        </p:spPr>
+      </p:pic>
+      <p:sp>
+        <p:nvSpPr>
+          <p:cNvPr id="13" name="TextBox 12">
+            <a:extLst>
+              <a:ext uri="{FF2B5EF4-FFF2-40B4-BE49-F238E27FC236}">
+                <a16:creationId xmlns:a16="http://schemas.microsoft.com/office/drawing/2014/main" id="{5FE27F9B-9ABC-4D18-B50B-68E426FAE67A}"/>
+              </a:ext>
+            </a:extLst>
+          </p:cNvPr>
+          <p:cNvSpPr txBox="1"/>
+          <p:nvPr/>
+        </p:nvSpPr>
+        <p:spPr>
+          <a:xfrm>
+            <a:off x="3156241" y="2202212"/>
+            <a:ext cx="2939759" cy="1200329"/>
+          </a:xfrm>
+          <a:prstGeom prst="rect">
+            <a:avLst/>
+          </a:prstGeom>
+          <a:noFill/>
+        </p:spPr>
+        <p:txBody>
+          <a:bodyPr wrap="square">
+            <a:spAutoFit/>
+          </a:bodyPr>
+          <a:lstStyle/>
+          <a:p>
+            <a:r>
+              <a:rPr lang="en-US" dirty="0"/>
+              <a:t>A CSV file that specifies an associated subject ID and timepoint for each sample ID.</a:t>
+            </a:r>
+          </a:p>
+          <a:p>
+            <a:endParaRPr lang="en-US" dirty="0"/>
+          </a:p>
+        </p:txBody>
+      </p:sp>
+      <p:sp>
+        <p:nvSpPr>
+          <p:cNvPr id="14" name="TextBox 13">
+            <a:extLst>
+              <a:ext uri="{FF2B5EF4-FFF2-40B4-BE49-F238E27FC236}">
+                <a16:creationId xmlns:a16="http://schemas.microsoft.com/office/drawing/2014/main" id="{F6F7C156-7F48-49D7-A56D-F14EA4D495CF}"/>
+              </a:ext>
+            </a:extLst>
+          </p:cNvPr>
+          <p:cNvSpPr txBox="1"/>
+          <p:nvPr/>
+        </p:nvSpPr>
+        <p:spPr>
+          <a:xfrm>
+            <a:off x="567160" y="1376858"/>
+            <a:ext cx="4467828" cy="369332"/>
+          </a:xfrm>
+          <a:prstGeom prst="rect">
+            <a:avLst/>
+          </a:prstGeom>
+          <a:noFill/>
+        </p:spPr>
+        <p:txBody>
+          <a:bodyPr wrap="square" rtlCol="0">
+            <a:spAutoFit/>
+          </a:bodyPr>
+          <a:lstStyle/>
+          <a:p>
+            <a:pPr algn="ctr"/>
+            <a:r>
+              <a:rPr lang="en-US" b="1"/>
+              <a:t>Sample metadata</a:t>
+            </a:r>
+            <a:endParaRPr lang="en-US" b="1" dirty="0"/>
+          </a:p>
+        </p:txBody>
+      </p:sp>
+      <p:sp>
+        <p:nvSpPr>
+          <p:cNvPr id="15" name="TextBox 14">
+            <a:extLst>
+              <a:ext uri="{FF2B5EF4-FFF2-40B4-BE49-F238E27FC236}">
+                <a16:creationId xmlns:a16="http://schemas.microsoft.com/office/drawing/2014/main" id="{B270B6B2-03A0-4A4A-A531-DE5F05FDB3DB}"/>
+              </a:ext>
+            </a:extLst>
+          </p:cNvPr>
+          <p:cNvSpPr txBox="1"/>
+          <p:nvPr/>
+        </p:nvSpPr>
+        <p:spPr>
+          <a:xfrm>
+            <a:off x="6279522" y="1376858"/>
+            <a:ext cx="4467828" cy="369332"/>
+          </a:xfrm>
+          <a:prstGeom prst="rect">
+            <a:avLst/>
+          </a:prstGeom>
+          <a:noFill/>
+        </p:spPr>
+        <p:txBody>
+          <a:bodyPr wrap="square" rtlCol="0">
+            <a:spAutoFit/>
+          </a:bodyPr>
+          <a:lstStyle/>
+          <a:p>
+            <a:pPr algn="ctr"/>
+            <a:r>
+              <a:rPr lang="en-US" b="1" dirty="0"/>
+              <a:t>Subject metadata</a:t>
+            </a:r>
+          </a:p>
+        </p:txBody>
+      </p:sp>
+    </p:spTree>
+    <p:extLst>
+      <p:ext uri="{BB962C8B-B14F-4D97-AF65-F5344CB8AC3E}">
+        <p14:creationId xmlns:p14="http://schemas.microsoft.com/office/powerpoint/2010/main" val="4220676650"/>
+      </p:ext>
+    </p:extLst>
+  </p:cSld>
+  <p:clrMapOvr>
+    <a:masterClrMapping/>
+  </p:clrMapOvr>
+</p:sld>
+</file>
+
+<file path=ppt/slides/slide9.xml><?xml version="1.0" encoding="utf-8"?>
+<p:sld xmlns:a="http://schemas.openxmlformats.org/drawingml/2006/main" xmlns:r="http://schemas.openxmlformats.org/officeDocument/2006/relationships" xmlns:p="http://schemas.openxmlformats.org/presentationml/2006/main">
+  <p:cSld>
+    <p:spTree>
+      <p:nvGrpSpPr>
+        <p:cNvPr id="1" name=""/>
+        <p:cNvGrpSpPr/>
+        <p:nvPr/>
+      </p:nvGrpSpPr>
+      <p:grpSpPr>
+        <a:xfrm>
+          <a:off x="0" y="0"/>
+          <a:ext cx="0" cy="0"/>
+          <a:chOff x="0" y="0"/>
+          <a:chExt cx="0" cy="0"/>
+        </a:xfrm>
+      </p:grpSpPr>
+      <p:sp>
+        <p:nvSpPr>
+          <p:cNvPr id="2" name="Title 1">
+            <a:extLst>
+              <a:ext uri="{FF2B5EF4-FFF2-40B4-BE49-F238E27FC236}">
+                <a16:creationId xmlns:a16="http://schemas.microsoft.com/office/drawing/2014/main" id="{9FE310F4-2B27-4F97-8F26-B7999926772D}"/>
+              </a:ext>
+            </a:extLst>
+          </p:cNvPr>
+          <p:cNvSpPr>
+            <a:spLocks noGrp="1"/>
+          </p:cNvSpPr>
+          <p:nvPr>
+            <p:ph type="title"/>
+          </p:nvPr>
+        </p:nvSpPr>
+        <p:spPr>
+          <a:xfrm>
+            <a:off x="186218" y="158446"/>
             <a:ext cx="10515600" cy="1171254"/>
           </a:xfrm>
         </p:spPr>
@@ -3839,13 +6971,13 @@
             <p:ph idx="1"/>
             <p:extLst>
               <p:ext uri="{D42A27DB-BD31-4B8C-83A1-F6EECF244321}">
-                <p14:modId xmlns:p14="http://schemas.microsoft.com/office/powerpoint/2010/main" val="2780532205"/>
+                <p14:modId xmlns:p14="http://schemas.microsoft.com/office/powerpoint/2010/main" val="453994281"/>
               </p:ext>
             </p:extLst>
           </p:nvPr>
         </p:nvGraphicFramePr>
         <p:xfrm>
-          <a:off x="186218" y="1421216"/>
+          <a:off x="186218" y="1329700"/>
           <a:ext cx="11819564" cy="4945384"/>
         </p:xfrm>
         <a:graphic>
@@ -3931,7 +7063,7 @@
                     <a:p>
                       <a:r>
                         <a:rPr lang="en-US" dirty="0"/>
-                        <a:t>Classification task</a:t>
+                        <a:t>Classification tasks</a:t>
                       </a:r>
                     </a:p>
                   </a:txBody>
@@ -4033,7 +7165,6 @@
                         </a:rPr>
                         <a:t>Mode of birth (vaginal or c-section)</a:t>
                       </a:r>
-                      <a:endParaRPr lang="en-US" dirty="0"/>
                     </a:p>
                   </a:txBody>
                   <a:tcPr/>
@@ -4085,7 +7216,10 @@
                     <a:bodyPr/>
                     <a:lstStyle/>
                     <a:p>
-                      <a:endParaRPr lang="en-US"/>
+                      <a:r>
+                        <a:rPr lang="en-US" dirty="0"/>
+                        <a:t>MAG?</a:t>
+                      </a:r>
                     </a:p>
                   </a:txBody>
                   <a:tcPr/>
@@ -4406,7 +7540,10 @@
                     <a:bodyPr/>
                     <a:lstStyle/>
                     <a:p>
-                      <a:endParaRPr lang="en-US"/>
+                      <a:r>
+                        <a:rPr lang="en-US" dirty="0"/>
+                        <a:t>MAG</a:t>
+                      </a:r>
                     </a:p>
                   </a:txBody>
                   <a:tcPr/>
@@ -4475,7 +7612,10 @@
                     <a:bodyPr/>
                     <a:lstStyle/>
                     <a:p>
-                      <a:endParaRPr lang="en-US"/>
+                      <a:r>
+                        <a:rPr lang="en-US" dirty="0"/>
+                        <a:t>16S</a:t>
+                      </a:r>
                     </a:p>
                   </a:txBody>
                   <a:tcPr/>
@@ -4512,123 +7652,22 @@
           </a:graphicData>
         </a:graphic>
       </p:graphicFrame>
-    </p:spTree>
-    <p:extLst>
-      <p:ext uri="{BB962C8B-B14F-4D97-AF65-F5344CB8AC3E}">
-        <p14:creationId xmlns:p14="http://schemas.microsoft.com/office/powerpoint/2010/main" val="3510407970"/>
-      </p:ext>
-    </p:extLst>
-  </p:cSld>
-  <p:clrMapOvr>
-    <a:masterClrMapping/>
-  </p:clrMapOvr>
-</p:sld>
-</file>
-
-<file path=ppt/slides/slide2.xml><?xml version="1.0" encoding="utf-8"?>
-<p:sld xmlns:a="http://schemas.openxmlformats.org/drawingml/2006/main" xmlns:r="http://schemas.openxmlformats.org/officeDocument/2006/relationships" xmlns:p="http://schemas.openxmlformats.org/presentationml/2006/main">
-  <p:cSld>
-    <p:spTree>
-      <p:nvGrpSpPr>
-        <p:cNvPr id="1" name=""/>
-        <p:cNvGrpSpPr/>
-        <p:nvPr/>
-      </p:nvGrpSpPr>
-      <p:grpSpPr>
-        <a:xfrm>
-          <a:off x="0" y="0"/>
-          <a:ext cx="0" cy="0"/>
-          <a:chOff x="0" y="0"/>
-          <a:chExt cx="0" cy="0"/>
-        </a:xfrm>
-      </p:grpSpPr>
-      <p:sp>
-        <p:nvSpPr>
-          <p:cNvPr id="2" name="Title 1">
-            <a:extLst>
-              <a:ext uri="{FF2B5EF4-FFF2-40B4-BE49-F238E27FC236}">
-                <a16:creationId xmlns:a16="http://schemas.microsoft.com/office/drawing/2014/main" id="{71C73359-FC58-4273-B4D8-1681D84E14B1}"/>
-              </a:ext>
-            </a:extLst>
-          </p:cNvPr>
-          <p:cNvSpPr>
-            <a:spLocks noGrp="1"/>
-          </p:cNvSpPr>
-          <p:nvPr>
-            <p:ph type="title"/>
-          </p:nvPr>
+      <p:sp>
+        <p:nvSpPr>
+          <p:cNvPr id="3" name="TextBox 2">
+            <a:extLst>
+              <a:ext uri="{FF2B5EF4-FFF2-40B4-BE49-F238E27FC236}">
+                <a16:creationId xmlns:a16="http://schemas.microsoft.com/office/drawing/2014/main" id="{5DB3780A-C75D-475A-A605-8B9C4EBA619C}"/>
+              </a:ext>
+            </a:extLst>
+          </p:cNvPr>
+          <p:cNvSpPr txBox="1"/>
+          <p:nvPr/>
         </p:nvSpPr>
         <p:spPr>
           <a:xfrm>
-            <a:off x="300284" y="45122"/>
-            <a:ext cx="10515600" cy="1325563"/>
-          </a:xfrm>
-        </p:spPr>
-        <p:txBody>
-          <a:bodyPr/>
-          <a:lstStyle/>
-          <a:p>
-            <a:r>
-              <a:rPr lang="en-US" dirty="0" err="1"/>
-              <a:t>Bokulich</a:t>
-            </a:r>
-            <a:r>
-              <a:rPr lang="en-US" dirty="0"/>
-              <a:t> 2016</a:t>
-            </a:r>
-          </a:p>
-        </p:txBody>
-      </p:sp>
-      <p:pic>
-        <p:nvPicPr>
-          <p:cNvPr id="5" name="Content Placeholder 4" descr="Chart, surface chart&#10;&#10;Description automatically generated">
-            <a:extLst>
-              <a:ext uri="{FF2B5EF4-FFF2-40B4-BE49-F238E27FC236}">
-                <a16:creationId xmlns:a16="http://schemas.microsoft.com/office/drawing/2014/main" id="{6131D777-3270-4253-B094-8358ADD60FBA}"/>
-              </a:ext>
-            </a:extLst>
-          </p:cNvPr>
-          <p:cNvPicPr>
-            <a:picLocks noGrp="1" noChangeAspect="1"/>
-          </p:cNvPicPr>
-          <p:nvPr>
-            <p:ph idx="1"/>
-          </p:nvPr>
-        </p:nvPicPr>
-        <p:blipFill rotWithShape="1">
-          <a:blip r:embed="rId3">
-            <a:extLst>
-              <a:ext uri="{28A0092B-C50C-407E-A947-70E740481C1C}">
-                <a14:useLocalDpi xmlns:a14="http://schemas.microsoft.com/office/drawing/2010/main" val="0"/>
-              </a:ext>
-            </a:extLst>
-          </a:blip>
-          <a:srcRect t="66873" r="53384" b="7324"/>
-          <a:stretch/>
-        </p:blipFill>
-        <p:spPr>
-          <a:xfrm>
-            <a:off x="0" y="4779694"/>
-            <a:ext cx="6080693" cy="1932973"/>
-          </a:xfrm>
-        </p:spPr>
-      </p:pic>
-      <p:sp>
-        <p:nvSpPr>
-          <p:cNvPr id="3" name="TextBox 2">
-            <a:extLst>
-              <a:ext uri="{FF2B5EF4-FFF2-40B4-BE49-F238E27FC236}">
-                <a16:creationId xmlns:a16="http://schemas.microsoft.com/office/drawing/2014/main" id="{63FD9B8F-8514-45F6-8C9E-AC5DD0F9CB03}"/>
-              </a:ext>
-            </a:extLst>
-          </p:cNvPr>
-          <p:cNvSpPr txBox="1"/>
-          <p:nvPr/>
-        </p:nvSpPr>
-        <p:spPr>
-          <a:xfrm>
-            <a:off x="6252970" y="4674571"/>
-            <a:ext cx="5318638" cy="1754326"/>
+            <a:off x="493160" y="6359703"/>
+            <a:ext cx="7551505" cy="369332"/>
           </a:xfrm>
           <a:prstGeom prst="rect">
             <a:avLst/>
@@ -4641,640 +7680,17 @@
           </a:bodyPr>
           <a:lstStyle/>
           <a:p>
-            <a:pPr marL="285750" indent="-285750">
-              <a:buFont typeface="Arial" panose="020B0604020202020204" pitchFamily="34" charset="0"/>
-              <a:buChar char="•"/>
-            </a:pPr>
             <a:r>
               <a:rPr lang="en-US" dirty="0"/>
-              <a:t>Lower Bacteroidetes population may predict Cesarean section mode of birth</a:t>
-            </a:r>
-          </a:p>
-          <a:p>
-            <a:pPr marL="285750" indent="-285750">
-              <a:buFont typeface="Arial" panose="020B0604020202020204" pitchFamily="34" charset="0"/>
-              <a:buChar char="•"/>
-            </a:pPr>
-            <a:r>
-              <a:rPr lang="en-US" dirty="0"/>
-              <a:t>Both MITRE and MDITRE models predicted higher abundance of groups of Firmicutes leading to higher probability of being formula fed; these species more representative of mature adult microbiomes</a:t>
-            </a:r>
-          </a:p>
-        </p:txBody>
-      </p:sp>
-      <p:pic>
-        <p:nvPicPr>
-          <p:cNvPr id="6" name="Content Placeholder 4" descr="Chart, surface chart&#10;&#10;Description automatically generated">
-            <a:extLst>
-              <a:ext uri="{FF2B5EF4-FFF2-40B4-BE49-F238E27FC236}">
-                <a16:creationId xmlns:a16="http://schemas.microsoft.com/office/drawing/2014/main" id="{A8FE7FA8-912B-404F-B179-2C67CC5BF14C}"/>
-              </a:ext>
-            </a:extLst>
-          </p:cNvPr>
-          <p:cNvPicPr>
-            <a:picLocks noChangeAspect="1"/>
-          </p:cNvPicPr>
-          <p:nvPr/>
-        </p:nvPicPr>
-        <p:blipFill rotWithShape="1">
-          <a:blip r:embed="rId3">
-            <a:extLst>
-              <a:ext uri="{28A0092B-C50C-407E-A947-70E740481C1C}">
-                <a14:useLocalDpi xmlns:a14="http://schemas.microsoft.com/office/drawing/2010/main" val="0"/>
-              </a:ext>
-            </a:extLst>
-          </a:blip>
-          <a:srcRect l="46286" b="40039"/>
-          <a:stretch/>
-        </p:blipFill>
-        <p:spPr>
-          <a:xfrm>
-            <a:off x="172277" y="1247150"/>
-            <a:ext cx="5510411" cy="3532544"/>
-          </a:xfrm>
-          <a:prstGeom prst="rect">
-            <a:avLst/>
-          </a:prstGeom>
-        </p:spPr>
-      </p:pic>
-      <p:pic>
-        <p:nvPicPr>
-          <p:cNvPr id="8" name="Picture">
-            <a:extLst>
-              <a:ext uri="{FF2B5EF4-FFF2-40B4-BE49-F238E27FC236}">
-                <a16:creationId xmlns:a16="http://schemas.microsoft.com/office/drawing/2014/main" id="{BA894E7C-21A6-47B8-A5CB-60D97228E09F}"/>
-              </a:ext>
-            </a:extLst>
-          </p:cNvPr>
-          <p:cNvPicPr>
-            <a:picLocks noChangeAspect="1"/>
-          </p:cNvPicPr>
-          <p:nvPr/>
-        </p:nvPicPr>
-        <p:blipFill rotWithShape="1">
-          <a:blip r:embed="rId4" cstate="print">
-            <a:extLst>
-              <a:ext uri="{28A0092B-C50C-407E-A947-70E740481C1C}">
-                <a14:useLocalDpi xmlns:a14="http://schemas.microsoft.com/office/drawing/2010/main"/>
-              </a:ext>
-            </a:extLst>
-          </a:blip>
-          <a:srcRect l="2565" b="3436"/>
-          <a:stretch/>
-        </p:blipFill>
-        <p:spPr bwMode="auto">
-          <a:xfrm>
-            <a:off x="6489434" y="1247150"/>
-            <a:ext cx="4326450" cy="3064497"/>
-          </a:xfrm>
-          <a:prstGeom prst="rect">
-            <a:avLst/>
-          </a:prstGeom>
-          <a:noFill/>
-          <a:ln>
-            <a:noFill/>
-          </a:ln>
-          <a:extLst>
-            <a:ext uri="{53640926-AAD7-44D8-BBD7-CCE9431645EC}">
-              <a14:shadowObscured xmlns:a14="http://schemas.microsoft.com/office/drawing/2010/main"/>
-            </a:ext>
-          </a:extLst>
-        </p:spPr>
-      </p:pic>
+              <a:t>*Shao dataset has very little time-series, may not want to use</a:t>
+            </a:r>
+          </a:p>
+        </p:txBody>
+      </p:sp>
     </p:spTree>
     <p:extLst>
       <p:ext uri="{BB962C8B-B14F-4D97-AF65-F5344CB8AC3E}">
-        <p14:creationId xmlns:p14="http://schemas.microsoft.com/office/powerpoint/2010/main" val="2544541879"/>
-      </p:ext>
-    </p:extLst>
-  </p:cSld>
-  <p:clrMapOvr>
-    <a:masterClrMapping/>
-  </p:clrMapOvr>
-</p:sld>
-</file>
-
-<file path=ppt/slides/slide3.xml><?xml version="1.0" encoding="utf-8"?>
-<p:sld xmlns:a="http://schemas.openxmlformats.org/drawingml/2006/main" xmlns:r="http://schemas.openxmlformats.org/officeDocument/2006/relationships" xmlns:p="http://schemas.openxmlformats.org/presentationml/2006/main">
-  <p:cSld>
-    <p:spTree>
-      <p:nvGrpSpPr>
-        <p:cNvPr id="1" name=""/>
-        <p:cNvGrpSpPr/>
-        <p:nvPr/>
-      </p:nvGrpSpPr>
-      <p:grpSpPr>
-        <a:xfrm>
-          <a:off x="0" y="0"/>
-          <a:ext cx="0" cy="0"/>
-          <a:chOff x="0" y="0"/>
-          <a:chExt cx="0" cy="0"/>
-        </a:xfrm>
-      </p:grpSpPr>
-      <p:sp>
-        <p:nvSpPr>
-          <p:cNvPr id="2" name="Title 1">
-            <a:extLst>
-              <a:ext uri="{FF2B5EF4-FFF2-40B4-BE49-F238E27FC236}">
-                <a16:creationId xmlns:a16="http://schemas.microsoft.com/office/drawing/2014/main" id="{50EAD21A-CAFF-4952-8BBD-C34EE7443960}"/>
-              </a:ext>
-            </a:extLst>
-          </p:cNvPr>
-          <p:cNvSpPr>
-            <a:spLocks noGrp="1"/>
-          </p:cNvSpPr>
-          <p:nvPr>
-            <p:ph type="title"/>
-          </p:nvPr>
-        </p:nvSpPr>
-        <p:spPr/>
-        <p:txBody>
-          <a:bodyPr/>
-          <a:lstStyle/>
-          <a:p>
-            <a:r>
-              <a:rPr lang="en-US" dirty="0"/>
-              <a:t>Abundance data (16S amplicon)</a:t>
-            </a:r>
-          </a:p>
-        </p:txBody>
-      </p:sp>
-      <p:pic>
-        <p:nvPicPr>
-          <p:cNvPr id="7" name="Picture 6">
-            <a:extLst>
-              <a:ext uri="{FF2B5EF4-FFF2-40B4-BE49-F238E27FC236}">
-                <a16:creationId xmlns:a16="http://schemas.microsoft.com/office/drawing/2014/main" id="{A8D3BC43-8179-4A21-B01D-AC757F635814}"/>
-              </a:ext>
-            </a:extLst>
-          </p:cNvPr>
-          <p:cNvPicPr>
-            <a:picLocks noChangeAspect="1"/>
-          </p:cNvPicPr>
-          <p:nvPr/>
-        </p:nvPicPr>
-        <p:blipFill>
-          <a:blip r:embed="rId2"/>
-          <a:stretch>
-            <a:fillRect/>
-          </a:stretch>
-        </p:blipFill>
-        <p:spPr>
-          <a:xfrm>
-            <a:off x="246580" y="1542916"/>
-            <a:ext cx="8485683" cy="4811649"/>
-          </a:xfrm>
-          <a:prstGeom prst="rect">
-            <a:avLst/>
-          </a:prstGeom>
-        </p:spPr>
-      </p:pic>
-    </p:spTree>
-    <p:extLst>
-      <p:ext uri="{BB962C8B-B14F-4D97-AF65-F5344CB8AC3E}">
-        <p14:creationId xmlns:p14="http://schemas.microsoft.com/office/powerpoint/2010/main" val="1738805680"/>
-      </p:ext>
-    </p:extLst>
-  </p:cSld>
-  <p:clrMapOvr>
-    <a:masterClrMapping/>
-  </p:clrMapOvr>
-</p:sld>
-</file>
-
-<file path=ppt/slides/slide4.xml><?xml version="1.0" encoding="utf-8"?>
-<p:sld xmlns:a="http://schemas.openxmlformats.org/drawingml/2006/main" xmlns:r="http://schemas.openxmlformats.org/officeDocument/2006/relationships" xmlns:p="http://schemas.openxmlformats.org/presentationml/2006/main">
-  <p:cSld>
-    <p:spTree>
-      <p:nvGrpSpPr>
-        <p:cNvPr id="1" name=""/>
-        <p:cNvGrpSpPr/>
-        <p:nvPr/>
-      </p:nvGrpSpPr>
-      <p:grpSpPr>
-        <a:xfrm>
-          <a:off x="0" y="0"/>
-          <a:ext cx="0" cy="0"/>
-          <a:chOff x="0" y="0"/>
-          <a:chExt cx="0" cy="0"/>
-        </a:xfrm>
-      </p:grpSpPr>
-      <p:sp>
-        <p:nvSpPr>
-          <p:cNvPr id="2" name="Title 1">
-            <a:extLst>
-              <a:ext uri="{FF2B5EF4-FFF2-40B4-BE49-F238E27FC236}">
-                <a16:creationId xmlns:a16="http://schemas.microsoft.com/office/drawing/2014/main" id="{E99D0ECA-37D5-46A4-A6D0-4307BC9EB1C4}"/>
-              </a:ext>
-            </a:extLst>
-          </p:cNvPr>
-          <p:cNvSpPr>
-            <a:spLocks noGrp="1"/>
-          </p:cNvSpPr>
-          <p:nvPr>
-            <p:ph type="title"/>
-          </p:nvPr>
-        </p:nvSpPr>
-        <p:spPr>
-          <a:xfrm>
-            <a:off x="294190" y="265596"/>
-            <a:ext cx="10515600" cy="1325563"/>
-          </a:xfrm>
-        </p:spPr>
-        <p:txBody>
-          <a:bodyPr/>
-          <a:lstStyle/>
-          <a:p>
-            <a:r>
-              <a:rPr lang="en-US" dirty="0"/>
-              <a:t>Abundance (shotgun metagenomics)</a:t>
-            </a:r>
-          </a:p>
-        </p:txBody>
-      </p:sp>
-      <p:pic>
-        <p:nvPicPr>
-          <p:cNvPr id="5" name="Picture 4">
-            <a:extLst>
-              <a:ext uri="{FF2B5EF4-FFF2-40B4-BE49-F238E27FC236}">
-                <a16:creationId xmlns:a16="http://schemas.microsoft.com/office/drawing/2014/main" id="{2CAEA16F-1FC0-4B95-B98D-858DD2E454C9}"/>
-              </a:ext>
-            </a:extLst>
-          </p:cNvPr>
-          <p:cNvPicPr>
-            <a:picLocks noChangeAspect="1"/>
-          </p:cNvPicPr>
-          <p:nvPr/>
-        </p:nvPicPr>
-        <p:blipFill>
-          <a:blip r:embed="rId2"/>
-          <a:stretch>
-            <a:fillRect/>
-          </a:stretch>
-        </p:blipFill>
-        <p:spPr>
-          <a:xfrm>
-            <a:off x="154110" y="1393879"/>
-            <a:ext cx="9277566" cy="5198525"/>
-          </a:xfrm>
-          <a:prstGeom prst="rect">
-            <a:avLst/>
-          </a:prstGeom>
-        </p:spPr>
-      </p:pic>
-    </p:spTree>
-    <p:extLst>
-      <p:ext uri="{BB962C8B-B14F-4D97-AF65-F5344CB8AC3E}">
-        <p14:creationId xmlns:p14="http://schemas.microsoft.com/office/powerpoint/2010/main" val="711536343"/>
-      </p:ext>
-    </p:extLst>
-  </p:cSld>
-  <p:clrMapOvr>
-    <a:masterClrMapping/>
-  </p:clrMapOvr>
-</p:sld>
-</file>
-
-<file path=ppt/slides/slide5.xml><?xml version="1.0" encoding="utf-8"?>
-<p:sld xmlns:a="http://schemas.openxmlformats.org/drawingml/2006/main" xmlns:r="http://schemas.openxmlformats.org/officeDocument/2006/relationships" xmlns:p="http://schemas.openxmlformats.org/presentationml/2006/main">
-  <p:cSld>
-    <p:spTree>
-      <p:nvGrpSpPr>
-        <p:cNvPr id="1" name=""/>
-        <p:cNvGrpSpPr/>
-        <p:nvPr/>
-      </p:nvGrpSpPr>
-      <p:grpSpPr>
-        <a:xfrm>
-          <a:off x="0" y="0"/>
-          <a:ext cx="0" cy="0"/>
-          <a:chOff x="0" y="0"/>
-          <a:chExt cx="0" cy="0"/>
-        </a:xfrm>
-      </p:grpSpPr>
-      <p:sp>
-        <p:nvSpPr>
-          <p:cNvPr id="2" name="Title 1">
-            <a:extLst>
-              <a:ext uri="{FF2B5EF4-FFF2-40B4-BE49-F238E27FC236}">
-                <a16:creationId xmlns:a16="http://schemas.microsoft.com/office/drawing/2014/main" id="{F9300FBF-C346-440E-9B0C-8982CD85DE61}"/>
-              </a:ext>
-            </a:extLst>
-          </p:cNvPr>
-          <p:cNvSpPr>
-            <a:spLocks noGrp="1"/>
-          </p:cNvSpPr>
-          <p:nvPr>
-            <p:ph type="title"/>
-          </p:nvPr>
-        </p:nvSpPr>
-        <p:spPr>
-          <a:xfrm>
-            <a:off x="0" y="0"/>
-            <a:ext cx="10515600" cy="1325563"/>
-          </a:xfrm>
-        </p:spPr>
-        <p:txBody>
-          <a:bodyPr/>
-          <a:lstStyle/>
-          <a:p>
-            <a:r>
-              <a:rPr lang="en-US" dirty="0"/>
-              <a:t>Metadata</a:t>
-            </a:r>
-          </a:p>
-        </p:txBody>
-      </p:sp>
-      <p:pic>
-        <p:nvPicPr>
-          <p:cNvPr id="4" name="Picture 3">
-            <a:extLst>
-              <a:ext uri="{FF2B5EF4-FFF2-40B4-BE49-F238E27FC236}">
-                <a16:creationId xmlns:a16="http://schemas.microsoft.com/office/drawing/2014/main" id="{025FD4CB-EBCF-4F70-9021-C940E166A3F2}"/>
-              </a:ext>
-            </a:extLst>
-          </p:cNvPr>
-          <p:cNvPicPr>
-            <a:picLocks noChangeAspect="1"/>
-          </p:cNvPicPr>
-          <p:nvPr/>
-        </p:nvPicPr>
-        <p:blipFill>
-          <a:blip r:embed="rId2"/>
-          <a:stretch>
-            <a:fillRect/>
-          </a:stretch>
-        </p:blipFill>
-        <p:spPr>
-          <a:xfrm>
-            <a:off x="6279522" y="1925214"/>
-            <a:ext cx="2273414" cy="4670834"/>
-          </a:xfrm>
-          <a:prstGeom prst="rect">
-            <a:avLst/>
-          </a:prstGeom>
-        </p:spPr>
-      </p:pic>
-      <p:sp>
-        <p:nvSpPr>
-          <p:cNvPr id="7" name="TextBox 6">
-            <a:extLst>
-              <a:ext uri="{FF2B5EF4-FFF2-40B4-BE49-F238E27FC236}">
-                <a16:creationId xmlns:a16="http://schemas.microsoft.com/office/drawing/2014/main" id="{46F58A88-DEDD-4D01-B13F-1FC001DE9D53}"/>
-              </a:ext>
-            </a:extLst>
-          </p:cNvPr>
-          <p:cNvSpPr txBox="1"/>
-          <p:nvPr/>
-        </p:nvSpPr>
-        <p:spPr>
-          <a:xfrm>
-            <a:off x="8706619" y="2202212"/>
-            <a:ext cx="3485381" cy="1754326"/>
-          </a:xfrm>
-          <a:prstGeom prst="rect">
-            <a:avLst/>
-          </a:prstGeom>
-          <a:noFill/>
-        </p:spPr>
-        <p:txBody>
-          <a:bodyPr wrap="square">
-            <a:spAutoFit/>
-          </a:bodyPr>
-          <a:lstStyle/>
-          <a:p>
-            <a:r>
-              <a:rPr lang="en-US" dirty="0"/>
-              <a:t>A CSV file that gives information about each subject, (including the value of whatever variable will be used as the host outcome for prediction (e.g., Plant-diet or Animal-diet in the David et al).</a:t>
-            </a:r>
-          </a:p>
-        </p:txBody>
-      </p:sp>
-      <p:pic>
-        <p:nvPicPr>
-          <p:cNvPr id="11" name="Picture 10">
-            <a:extLst>
-              <a:ext uri="{FF2B5EF4-FFF2-40B4-BE49-F238E27FC236}">
-                <a16:creationId xmlns:a16="http://schemas.microsoft.com/office/drawing/2014/main" id="{F4FCB1AB-EF80-4638-8EA2-D758F5FE8131}"/>
-              </a:ext>
-            </a:extLst>
-          </p:cNvPr>
-          <p:cNvPicPr>
-            <a:picLocks noChangeAspect="1"/>
-          </p:cNvPicPr>
-          <p:nvPr/>
-        </p:nvPicPr>
-        <p:blipFill>
-          <a:blip r:embed="rId3"/>
-          <a:stretch>
-            <a:fillRect/>
-          </a:stretch>
-        </p:blipFill>
-        <p:spPr>
-          <a:xfrm>
-            <a:off x="234515" y="1925214"/>
-            <a:ext cx="2829965" cy="4533185"/>
-          </a:xfrm>
-          <a:prstGeom prst="rect">
-            <a:avLst/>
-          </a:prstGeom>
-        </p:spPr>
-      </p:pic>
-      <p:sp>
-        <p:nvSpPr>
-          <p:cNvPr id="13" name="TextBox 12">
-            <a:extLst>
-              <a:ext uri="{FF2B5EF4-FFF2-40B4-BE49-F238E27FC236}">
-                <a16:creationId xmlns:a16="http://schemas.microsoft.com/office/drawing/2014/main" id="{5FE27F9B-9ABC-4D18-B50B-68E426FAE67A}"/>
-              </a:ext>
-            </a:extLst>
-          </p:cNvPr>
-          <p:cNvSpPr txBox="1"/>
-          <p:nvPr/>
-        </p:nvSpPr>
-        <p:spPr>
-          <a:xfrm>
-            <a:off x="3156241" y="2202212"/>
-            <a:ext cx="2939759" cy="1200329"/>
-          </a:xfrm>
-          <a:prstGeom prst="rect">
-            <a:avLst/>
-          </a:prstGeom>
-          <a:noFill/>
-        </p:spPr>
-        <p:txBody>
-          <a:bodyPr wrap="square">
-            <a:spAutoFit/>
-          </a:bodyPr>
-          <a:lstStyle/>
-          <a:p>
-            <a:r>
-              <a:rPr lang="en-US" dirty="0"/>
-              <a:t>A CSV file that specifies an associated subject ID and timepoint for each sample ID.</a:t>
-            </a:r>
-          </a:p>
-          <a:p>
-            <a:endParaRPr lang="en-US" dirty="0"/>
-          </a:p>
-        </p:txBody>
-      </p:sp>
-      <p:sp>
-        <p:nvSpPr>
-          <p:cNvPr id="14" name="TextBox 13">
-            <a:extLst>
-              <a:ext uri="{FF2B5EF4-FFF2-40B4-BE49-F238E27FC236}">
-                <a16:creationId xmlns:a16="http://schemas.microsoft.com/office/drawing/2014/main" id="{F6F7C156-7F48-49D7-A56D-F14EA4D495CF}"/>
-              </a:ext>
-            </a:extLst>
-          </p:cNvPr>
-          <p:cNvSpPr txBox="1"/>
-          <p:nvPr/>
-        </p:nvSpPr>
-        <p:spPr>
-          <a:xfrm>
-            <a:off x="567160" y="1376858"/>
-            <a:ext cx="4467828" cy="369332"/>
-          </a:xfrm>
-          <a:prstGeom prst="rect">
-            <a:avLst/>
-          </a:prstGeom>
-          <a:noFill/>
-        </p:spPr>
-        <p:txBody>
-          <a:bodyPr wrap="square" rtlCol="0">
-            <a:spAutoFit/>
-          </a:bodyPr>
-          <a:lstStyle/>
-          <a:p>
-            <a:pPr algn="ctr"/>
-            <a:r>
-              <a:rPr lang="en-US" b="1"/>
-              <a:t>Sample metadata</a:t>
-            </a:r>
-            <a:endParaRPr lang="en-US" b="1" dirty="0"/>
-          </a:p>
-        </p:txBody>
-      </p:sp>
-      <p:sp>
-        <p:nvSpPr>
-          <p:cNvPr id="15" name="TextBox 14">
-            <a:extLst>
-              <a:ext uri="{FF2B5EF4-FFF2-40B4-BE49-F238E27FC236}">
-                <a16:creationId xmlns:a16="http://schemas.microsoft.com/office/drawing/2014/main" id="{B270B6B2-03A0-4A4A-A531-DE5F05FDB3DB}"/>
-              </a:ext>
-            </a:extLst>
-          </p:cNvPr>
-          <p:cNvSpPr txBox="1"/>
-          <p:nvPr/>
-        </p:nvSpPr>
-        <p:spPr>
-          <a:xfrm>
-            <a:off x="6279522" y="1376858"/>
-            <a:ext cx="4467828" cy="369332"/>
-          </a:xfrm>
-          <a:prstGeom prst="rect">
-            <a:avLst/>
-          </a:prstGeom>
-          <a:noFill/>
-        </p:spPr>
-        <p:txBody>
-          <a:bodyPr wrap="square" rtlCol="0">
-            <a:spAutoFit/>
-          </a:bodyPr>
-          <a:lstStyle/>
-          <a:p>
-            <a:pPr algn="ctr"/>
-            <a:r>
-              <a:rPr lang="en-US" b="1" dirty="0"/>
-              <a:t>Subject metadata</a:t>
-            </a:r>
-          </a:p>
-        </p:txBody>
-      </p:sp>
-    </p:spTree>
-    <p:extLst>
-      <p:ext uri="{BB962C8B-B14F-4D97-AF65-F5344CB8AC3E}">
-        <p14:creationId xmlns:p14="http://schemas.microsoft.com/office/powerpoint/2010/main" val="4220676650"/>
-      </p:ext>
-    </p:extLst>
-  </p:cSld>
-  <p:clrMapOvr>
-    <a:masterClrMapping/>
-  </p:clrMapOvr>
-</p:sld>
-</file>
-
-<file path=ppt/slides/slide6.xml><?xml version="1.0" encoding="utf-8"?>
-<p:sld xmlns:a="http://schemas.openxmlformats.org/drawingml/2006/main" xmlns:r="http://schemas.openxmlformats.org/officeDocument/2006/relationships" xmlns:p="http://schemas.openxmlformats.org/presentationml/2006/main">
-  <p:cSld>
-    <p:spTree>
-      <p:nvGrpSpPr>
-        <p:cNvPr id="1" name=""/>
-        <p:cNvGrpSpPr/>
-        <p:nvPr/>
-      </p:nvGrpSpPr>
-      <p:grpSpPr>
-        <a:xfrm>
-          <a:off x="0" y="0"/>
-          <a:ext cx="0" cy="0"/>
-          <a:chOff x="0" y="0"/>
-          <a:chExt cx="0" cy="0"/>
-        </a:xfrm>
-      </p:grpSpPr>
-      <p:sp>
-        <p:nvSpPr>
-          <p:cNvPr id="2" name="Title 1">
-            <a:extLst>
-              <a:ext uri="{FF2B5EF4-FFF2-40B4-BE49-F238E27FC236}">
-                <a16:creationId xmlns:a16="http://schemas.microsoft.com/office/drawing/2014/main" id="{51A1DA7D-1138-465F-9882-AC411F53FA15}"/>
-              </a:ext>
-            </a:extLst>
-          </p:cNvPr>
-          <p:cNvSpPr>
-            <a:spLocks noGrp="1"/>
-          </p:cNvSpPr>
-          <p:nvPr>
-            <p:ph type="title"/>
-          </p:nvPr>
-        </p:nvSpPr>
-        <p:spPr/>
-        <p:txBody>
-          <a:bodyPr/>
-          <a:lstStyle/>
-          <a:p>
-            <a:endParaRPr lang="en-US"/>
-          </a:p>
-        </p:txBody>
-      </p:sp>
-      <p:sp>
-        <p:nvSpPr>
-          <p:cNvPr id="3" name="Content Placeholder 2">
-            <a:extLst>
-              <a:ext uri="{FF2B5EF4-FFF2-40B4-BE49-F238E27FC236}">
-                <a16:creationId xmlns:a16="http://schemas.microsoft.com/office/drawing/2014/main" id="{06093053-04A4-4075-9D13-572D1EF5A58E}"/>
-              </a:ext>
-            </a:extLst>
-          </p:cNvPr>
-          <p:cNvSpPr>
-            <a:spLocks noGrp="1"/>
-          </p:cNvSpPr>
-          <p:nvPr>
-            <p:ph idx="1"/>
-          </p:nvPr>
-        </p:nvSpPr>
-        <p:spPr/>
-        <p:txBody>
-          <a:bodyPr/>
-          <a:lstStyle/>
-          <a:p>
-            <a:endParaRPr lang="en-US"/>
-          </a:p>
-        </p:txBody>
-      </p:sp>
-    </p:spTree>
-    <p:extLst>
-      <p:ext uri="{BB962C8B-B14F-4D97-AF65-F5344CB8AC3E}">
-        <p14:creationId xmlns:p14="http://schemas.microsoft.com/office/powerpoint/2010/main" val="2186079837"/>
+        <p14:creationId xmlns:p14="http://schemas.microsoft.com/office/powerpoint/2010/main" val="3510407970"/>
       </p:ext>
     </p:extLst>
   </p:cSld>

--- a/2022/course_slides.pptx
+++ b/2022/course_slides.pptx
@@ -5,23 +5,28 @@
     <p:sldMasterId id="2147483648" r:id="rId1"/>
   </p:sldMasterIdLst>
   <p:notesMasterIdLst>
-    <p:notesMasterId r:id="rId16"/>
+    <p:notesMasterId r:id="rId21"/>
   </p:notesMasterIdLst>
   <p:sldIdLst>
     <p:sldId id="336" r:id="rId2"/>
     <p:sldId id="337" r:id="rId3"/>
     <p:sldId id="266" r:id="rId4"/>
     <p:sldId id="270" r:id="rId5"/>
-    <p:sldId id="339" r:id="rId6"/>
-    <p:sldId id="261" r:id="rId7"/>
-    <p:sldId id="259" r:id="rId8"/>
-    <p:sldId id="262" r:id="rId9"/>
-    <p:sldId id="257" r:id="rId10"/>
-    <p:sldId id="278" r:id="rId11"/>
-    <p:sldId id="333" r:id="rId12"/>
-    <p:sldId id="285" r:id="rId13"/>
-    <p:sldId id="338" r:id="rId14"/>
-    <p:sldId id="340" r:id="rId15"/>
+    <p:sldId id="347" r:id="rId6"/>
+    <p:sldId id="354" r:id="rId7"/>
+    <p:sldId id="352" r:id="rId8"/>
+    <p:sldId id="353" r:id="rId9"/>
+    <p:sldId id="278" r:id="rId10"/>
+    <p:sldId id="333" r:id="rId11"/>
+    <p:sldId id="285" r:id="rId12"/>
+    <p:sldId id="342" r:id="rId13"/>
+    <p:sldId id="340" r:id="rId14"/>
+    <p:sldId id="355" r:id="rId15"/>
+    <p:sldId id="356" r:id="rId16"/>
+    <p:sldId id="257" r:id="rId17"/>
+    <p:sldId id="261" r:id="rId18"/>
+    <p:sldId id="259" r:id="rId19"/>
+    <p:sldId id="262" r:id="rId20"/>
   </p:sldIdLst>
   <p:sldSz cx="12192000" cy="6858000"/>
   <p:notesSz cx="6858000" cy="9144000"/>
@@ -210,7 +215,7 @@
           <a:p>
             <a:fld id="{2CCAEE01-B5C1-4FA4-BFBB-424F93E1568E}" type="datetimeFigureOut">
               <a:rPr lang="en-US" smtClean="0"/>
-              <a:t>4/21/2022</a:t>
+              <a:t>4/24/2022</a:t>
             </a:fld>
             <a:endParaRPr lang="en-US"/>
           </a:p>
@@ -624,7 +629,7 @@
           <a:p>
             <a:fld id="{6DB95C26-D6F7-4C55-B650-1ADABA06F907}" type="datetimeFigureOut">
               <a:rPr lang="en-US" smtClean="0"/>
-              <a:t>4/21/2022</a:t>
+              <a:t>4/24/2022</a:t>
             </a:fld>
             <a:endParaRPr lang="en-US"/>
           </a:p>
@@ -822,7 +827,7 @@
           <a:p>
             <a:fld id="{6DB95C26-D6F7-4C55-B650-1ADABA06F907}" type="datetimeFigureOut">
               <a:rPr lang="en-US" smtClean="0"/>
-              <a:t>4/21/2022</a:t>
+              <a:t>4/24/2022</a:t>
             </a:fld>
             <a:endParaRPr lang="en-US"/>
           </a:p>
@@ -1030,7 +1035,7 @@
           <a:p>
             <a:fld id="{6DB95C26-D6F7-4C55-B650-1ADABA06F907}" type="datetimeFigureOut">
               <a:rPr lang="en-US" smtClean="0"/>
-              <a:t>4/21/2022</a:t>
+              <a:t>4/24/2022</a:t>
             </a:fld>
             <a:endParaRPr lang="en-US"/>
           </a:p>
@@ -1228,7 +1233,7 @@
           <a:p>
             <a:fld id="{6DB95C26-D6F7-4C55-B650-1ADABA06F907}" type="datetimeFigureOut">
               <a:rPr lang="en-US" smtClean="0"/>
-              <a:t>4/21/2022</a:t>
+              <a:t>4/24/2022</a:t>
             </a:fld>
             <a:endParaRPr lang="en-US"/>
           </a:p>
@@ -1503,7 +1508,7 @@
           <a:p>
             <a:fld id="{6DB95C26-D6F7-4C55-B650-1ADABA06F907}" type="datetimeFigureOut">
               <a:rPr lang="en-US" smtClean="0"/>
-              <a:t>4/21/2022</a:t>
+              <a:t>4/24/2022</a:t>
             </a:fld>
             <a:endParaRPr lang="en-US"/>
           </a:p>
@@ -1768,7 +1773,7 @@
           <a:p>
             <a:fld id="{6DB95C26-D6F7-4C55-B650-1ADABA06F907}" type="datetimeFigureOut">
               <a:rPr lang="en-US" smtClean="0"/>
-              <a:t>4/21/2022</a:t>
+              <a:t>4/24/2022</a:t>
             </a:fld>
             <a:endParaRPr lang="en-US"/>
           </a:p>
@@ -2180,7 +2185,7 @@
           <a:p>
             <a:fld id="{6DB95C26-D6F7-4C55-B650-1ADABA06F907}" type="datetimeFigureOut">
               <a:rPr lang="en-US" smtClean="0"/>
-              <a:t>4/21/2022</a:t>
+              <a:t>4/24/2022</a:t>
             </a:fld>
             <a:endParaRPr lang="en-US"/>
           </a:p>
@@ -2321,7 +2326,7 @@
           <a:p>
             <a:fld id="{6DB95C26-D6F7-4C55-B650-1ADABA06F907}" type="datetimeFigureOut">
               <a:rPr lang="en-US" smtClean="0"/>
-              <a:t>4/21/2022</a:t>
+              <a:t>4/24/2022</a:t>
             </a:fld>
             <a:endParaRPr lang="en-US"/>
           </a:p>
@@ -2434,7 +2439,7 @@
           <a:p>
             <a:fld id="{6DB95C26-D6F7-4C55-B650-1ADABA06F907}" type="datetimeFigureOut">
               <a:rPr lang="en-US" smtClean="0"/>
-              <a:t>4/21/2022</a:t>
+              <a:t>4/24/2022</a:t>
             </a:fld>
             <a:endParaRPr lang="en-US"/>
           </a:p>
@@ -2745,7 +2750,7 @@
           <a:p>
             <a:fld id="{6DB95C26-D6F7-4C55-B650-1ADABA06F907}" type="datetimeFigureOut">
               <a:rPr lang="en-US" smtClean="0"/>
-              <a:t>4/21/2022</a:t>
+              <a:t>4/24/2022</a:t>
             </a:fld>
             <a:endParaRPr lang="en-US"/>
           </a:p>
@@ -3033,7 +3038,7 @@
           <a:p>
             <a:fld id="{6DB95C26-D6F7-4C55-B650-1ADABA06F907}" type="datetimeFigureOut">
               <a:rPr lang="en-US" smtClean="0"/>
-              <a:t>4/21/2022</a:t>
+              <a:t>4/24/2022</a:t>
             </a:fld>
             <a:endParaRPr lang="en-US"/>
           </a:p>
@@ -3274,7 +3279,7 @@
           <a:p>
             <a:fld id="{6DB95C26-D6F7-4C55-B650-1ADABA06F907}" type="datetimeFigureOut">
               <a:rPr lang="en-US" smtClean="0"/>
-              <a:t>4/21/2022</a:t>
+              <a:t>4/24/2022</a:t>
             </a:fld>
             <a:endParaRPr lang="en-US"/>
           </a:p>
@@ -3742,32 +3747,13 @@
           <a:p>
             <a:r>
               <a:rPr lang="en-US" dirty="0"/>
-              <a:t>Interpretable models in general</a:t>
-            </a:r>
-          </a:p>
-          <a:p>
-            <a:pPr lvl="1"/>
-            <a:r>
-              <a:rPr lang="en-US" dirty="0"/>
-              <a:t>Pros/cons of models with built in interpretability vs post-hoc methods</a:t>
-            </a:r>
-          </a:p>
-          <a:p>
-            <a:r>
-              <a:rPr lang="en-US" dirty="0"/>
-              <a:t>What the data looks like</a:t>
-            </a:r>
-          </a:p>
-          <a:p>
-            <a:r>
-              <a:rPr lang="en-US" dirty="0"/>
-              <a:t>Overview of the datasets</a:t>
-            </a:r>
-          </a:p>
-          <a:p>
-            <a:r>
-              <a:rPr lang="en-US" dirty="0"/>
-              <a:t>In depth overview of the </a:t>
+              <a:t>Interpretable machine learning</a:t>
+            </a:r>
+          </a:p>
+          <a:p>
+            <a:r>
+              <a:rPr lang="en-US" dirty="0"/>
+              <a:t>Overview of the </a:t>
             </a:r>
             <a:r>
               <a:rPr lang="en-US" dirty="0" err="1"/>
@@ -3804,6 +3790,18 @@
               <a:rPr lang="en-US" dirty="0"/>
               <a:t> 2016 study</a:t>
             </a:r>
+          </a:p>
+          <a:p>
+            <a:r>
+              <a:rPr lang="en-US" dirty="0"/>
+              <a:t>General overview of the datasets and what the data looks like</a:t>
+            </a:r>
+          </a:p>
+          <a:p>
+            <a:endParaRPr lang="en-US" dirty="0"/>
+          </a:p>
+          <a:p>
+            <a:endParaRPr lang="en-US" dirty="0"/>
           </a:p>
         </p:txBody>
       </p:sp>
@@ -3821,6 +3819,5022 @@
 </file>
 
 <file path=ppt/slides/slide10.xml><?xml version="1.0" encoding="utf-8"?>
+<p:sld xmlns:a="http://schemas.openxmlformats.org/drawingml/2006/main" xmlns:r="http://schemas.openxmlformats.org/officeDocument/2006/relationships" xmlns:p="http://schemas.openxmlformats.org/presentationml/2006/main">
+  <p:cSld>
+    <p:spTree>
+      <p:nvGrpSpPr>
+        <p:cNvPr id="1" name=""/>
+        <p:cNvGrpSpPr/>
+        <p:nvPr/>
+      </p:nvGrpSpPr>
+      <p:grpSpPr>
+        <a:xfrm>
+          <a:off x="0" y="0"/>
+          <a:ext cx="0" cy="0"/>
+          <a:chOff x="0" y="0"/>
+          <a:chExt cx="0" cy="0"/>
+        </a:xfrm>
+      </p:grpSpPr>
+      <p:sp>
+        <p:nvSpPr>
+          <p:cNvPr id="2" name="Title 1">
+            <a:extLst>
+              <a:ext uri="{FF2B5EF4-FFF2-40B4-BE49-F238E27FC236}">
+                <a16:creationId xmlns:a16="http://schemas.microsoft.com/office/drawing/2014/main" id="{A0961BF4-68B4-4922-8423-4AB31FCE90C0}"/>
+              </a:ext>
+            </a:extLst>
+          </p:cNvPr>
+          <p:cNvSpPr>
+            <a:spLocks noGrp="1"/>
+          </p:cNvSpPr>
+          <p:nvPr>
+            <p:ph type="title"/>
+          </p:nvPr>
+        </p:nvSpPr>
+        <p:spPr/>
+        <p:txBody>
+          <a:bodyPr/>
+          <a:lstStyle/>
+          <a:p>
+            <a:r>
+              <a:rPr lang="en-US" dirty="0" err="1"/>
+              <a:t>Bokulich</a:t>
+            </a:r>
+            <a:r>
+              <a:rPr lang="en-US" dirty="0"/>
+              <a:t> 2016 study</a:t>
+            </a:r>
+          </a:p>
+        </p:txBody>
+      </p:sp>
+      <p:sp>
+        <p:nvSpPr>
+          <p:cNvPr id="3" name="Content Placeholder 2">
+            <a:extLst>
+              <a:ext uri="{FF2B5EF4-FFF2-40B4-BE49-F238E27FC236}">
+                <a16:creationId xmlns:a16="http://schemas.microsoft.com/office/drawing/2014/main" id="{60D3613C-167E-436A-9597-DAE72E9A6A93}"/>
+              </a:ext>
+            </a:extLst>
+          </p:cNvPr>
+          <p:cNvSpPr>
+            <a:spLocks noGrp="1"/>
+          </p:cNvSpPr>
+          <p:nvPr>
+            <p:ph idx="1"/>
+          </p:nvPr>
+        </p:nvSpPr>
+        <p:spPr>
+          <a:xfrm>
+            <a:off x="838200" y="1825625"/>
+            <a:ext cx="10515600" cy="4503256"/>
+          </a:xfrm>
+        </p:spPr>
+        <p:txBody>
+          <a:bodyPr>
+            <a:normAutofit fontScale="92500" lnSpcReduction="10000"/>
+          </a:bodyPr>
+          <a:lstStyle/>
+          <a:p>
+            <a:pPr marL="285750" indent="-285750">
+              <a:buFont typeface="Arial" panose="020B0604020202020204" pitchFamily="34" charset="0"/>
+              <a:buChar char="•"/>
+            </a:pPr>
+            <a:r>
+              <a:rPr lang="en-US" dirty="0"/>
+              <a:t>Motivation:</a:t>
+            </a:r>
+          </a:p>
+          <a:p>
+            <a:pPr marL="742950" lvl="1" indent="-285750">
+              <a:buFont typeface="Arial" panose="020B0604020202020204" pitchFamily="34" charset="0"/>
+              <a:buChar char="•"/>
+            </a:pPr>
+            <a:r>
+              <a:rPr lang="en-US" dirty="0"/>
+              <a:t>Disruptions to microbiome development has been associated with conditions emerging later in life, including obesity, diabetes, and allergies </a:t>
+            </a:r>
+          </a:p>
+          <a:p>
+            <a:pPr marL="742950" lvl="1" indent="-285750"/>
+            <a:r>
+              <a:rPr lang="en-US" dirty="0"/>
+              <a:t>Microbial taxa that best define “microbial age” can be used as biomarkers to track infant microbiota progress, paralleling how weight-for-height tracks child development, both affected by disruptions to health </a:t>
+            </a:r>
+          </a:p>
+          <a:p>
+            <a:pPr marL="742950" lvl="1" indent="-285750"/>
+            <a:r>
+              <a:rPr lang="en-US" dirty="0"/>
+              <a:t>Aimed to characterize early-life microbial development in the context of antibiotic use, cesarean section, and formula feeding</a:t>
+            </a:r>
+          </a:p>
+          <a:p>
+            <a:r>
+              <a:rPr lang="en-US" dirty="0"/>
+              <a:t>Example research question:</a:t>
+            </a:r>
+          </a:p>
+          <a:p>
+            <a:pPr lvl="1"/>
+            <a:r>
+              <a:rPr lang="en-US" dirty="0"/>
+              <a:t>Can we predict which subjects were breast fed or formula fed from the microbial time series data? </a:t>
+            </a:r>
+          </a:p>
+          <a:p>
+            <a:pPr lvl="1"/>
+            <a:r>
+              <a:rPr lang="en-US" dirty="0"/>
+              <a:t>From our model, can we interpret why the prediction was made?</a:t>
+            </a:r>
+          </a:p>
+          <a:p>
+            <a:pPr lvl="2"/>
+            <a:r>
+              <a:rPr lang="en-US" dirty="0"/>
+              <a:t>E.g.: What are the relevant microbes and time windows?</a:t>
+            </a:r>
+          </a:p>
+          <a:p>
+            <a:endParaRPr lang="en-US" dirty="0"/>
+          </a:p>
+          <a:p>
+            <a:endParaRPr lang="en-US" dirty="0"/>
+          </a:p>
+        </p:txBody>
+      </p:sp>
+    </p:spTree>
+    <p:extLst>
+      <p:ext uri="{BB962C8B-B14F-4D97-AF65-F5344CB8AC3E}">
+        <p14:creationId xmlns:p14="http://schemas.microsoft.com/office/powerpoint/2010/main" val="1979197995"/>
+      </p:ext>
+    </p:extLst>
+  </p:cSld>
+  <p:clrMapOvr>
+    <a:masterClrMapping/>
+  </p:clrMapOvr>
+</p:sld>
+</file>
+
+<file path=ppt/slides/slide11.xml><?xml version="1.0" encoding="utf-8"?>
+<p:sld xmlns:a="http://schemas.openxmlformats.org/drawingml/2006/main" xmlns:r="http://schemas.openxmlformats.org/officeDocument/2006/relationships" xmlns:p="http://schemas.openxmlformats.org/presentationml/2006/main">
+  <p:cSld>
+    <p:spTree>
+      <p:nvGrpSpPr>
+        <p:cNvPr id="1" name=""/>
+        <p:cNvGrpSpPr/>
+        <p:nvPr/>
+      </p:nvGrpSpPr>
+      <p:grpSpPr>
+        <a:xfrm>
+          <a:off x="0" y="0"/>
+          <a:ext cx="0" cy="0"/>
+          <a:chOff x="0" y="0"/>
+          <a:chExt cx="0" cy="0"/>
+        </a:xfrm>
+      </p:grpSpPr>
+      <p:sp>
+        <p:nvSpPr>
+          <p:cNvPr id="2" name="Title 1">
+            <a:extLst>
+              <a:ext uri="{FF2B5EF4-FFF2-40B4-BE49-F238E27FC236}">
+                <a16:creationId xmlns:a16="http://schemas.microsoft.com/office/drawing/2014/main" id="{52810BD4-7022-4C63-B88A-83410883D769}"/>
+              </a:ext>
+            </a:extLst>
+          </p:cNvPr>
+          <p:cNvSpPr>
+            <a:spLocks noGrp="1"/>
+          </p:cNvSpPr>
+          <p:nvPr>
+            <p:ph type="title"/>
+          </p:nvPr>
+        </p:nvSpPr>
+        <p:spPr/>
+        <p:txBody>
+          <a:bodyPr/>
+          <a:lstStyle/>
+          <a:p>
+            <a:r>
+              <a:rPr lang="en-US" dirty="0"/>
+              <a:t>Selecting relevant features</a:t>
+            </a:r>
+          </a:p>
+        </p:txBody>
+      </p:sp>
+      <mc:AlternateContent xmlns:mc="http://schemas.openxmlformats.org/markup-compatibility/2006">
+        <mc:Choice xmlns:a14="http://schemas.microsoft.com/office/drawing/2010/main" Requires="a14">
+          <p:sp>
+            <p:nvSpPr>
+              <p:cNvPr id="3" name="Content Placeholder 2">
+                <a:extLst>
+                  <a:ext uri="{FF2B5EF4-FFF2-40B4-BE49-F238E27FC236}">
+                    <a16:creationId xmlns:a16="http://schemas.microsoft.com/office/drawing/2014/main" id="{DBAAA93E-DAE4-4691-B511-5555CE99C1CE}"/>
+                  </a:ext>
+                </a:extLst>
+              </p:cNvPr>
+              <p:cNvSpPr>
+                <a:spLocks noGrp="1"/>
+              </p:cNvSpPr>
+              <p:nvPr>
+                <p:ph idx="1"/>
+              </p:nvPr>
+            </p:nvSpPr>
+            <p:spPr>
+              <a:xfrm>
+                <a:off x="364253" y="1825625"/>
+                <a:ext cx="6488608" cy="4667250"/>
+              </a:xfrm>
+            </p:spPr>
+            <p:txBody>
+              <a:bodyPr>
+                <a:normAutofit fontScale="77500" lnSpcReduction="20000"/>
+              </a:bodyPr>
+              <a:lstStyle/>
+              <a:p>
+                <a:r>
+                  <a:rPr lang="en-US" dirty="0"/>
+                  <a:t>Data consists of many (</a:t>
+                </a:r>
+                <a14:m>
+                  <m:oMath xmlns:m="http://schemas.openxmlformats.org/officeDocument/2006/math">
+                    <m:r>
+                      <a:rPr lang="en-US" b="0" i="1" smtClean="0">
+                        <a:latin typeface="Cambria Math" panose="02040503050406030204" pitchFamily="18" charset="0"/>
+                      </a:rPr>
+                      <m:t>∼1000</m:t>
+                    </m:r>
+                  </m:oMath>
+                </a14:m>
+                <a:r>
+                  <a:rPr lang="en-US" dirty="0"/>
+                  <a:t>+) OTUs (operational taxonomic units) </a:t>
+                </a:r>
+              </a:p>
+              <a:p>
+                <a:r>
+                  <a:rPr lang="en-US" dirty="0"/>
+                  <a:t>Possibly many time points (100s)</a:t>
+                </a:r>
+              </a:p>
+              <a:p>
+                <a:r>
+                  <a:rPr lang="en-US" dirty="0"/>
+                  <a:t>Want few features that are easy to understand</a:t>
+                </a:r>
+              </a:p>
+              <a:p>
+                <a:r>
+                  <a:rPr lang="en-US" dirty="0"/>
+                  <a:t>Reducing number of OTUs:</a:t>
+                </a:r>
+              </a:p>
+              <a:p>
+                <a:pPr lvl="1"/>
+                <a:r>
+                  <a:rPr lang="en-US" dirty="0"/>
+                  <a:t>Can pick top few in terms of abundance</a:t>
+                </a:r>
+              </a:p>
+              <a:p>
+                <a:pPr lvl="1"/>
+                <a:r>
+                  <a:rPr lang="en-US" dirty="0"/>
+                  <a:t>Can aggregate by taxonomic rank</a:t>
+                </a:r>
+              </a:p>
+              <a:p>
+                <a:pPr lvl="1"/>
+                <a:r>
+                  <a:rPr lang="en-US" dirty="0"/>
+                  <a:t>Can work with sequences directly; e.g. group by hamming distance</a:t>
+                </a:r>
+              </a:p>
+              <a:p>
+                <a:pPr lvl="1"/>
+                <a:r>
+                  <a:rPr lang="en-US" dirty="0"/>
+                  <a:t>Have access to reference trees, use distance metric</a:t>
+                </a:r>
+              </a:p>
+              <a:p>
+                <a:r>
+                  <a:rPr lang="en-US" dirty="0"/>
+                  <a:t>Reducing time points:</a:t>
+                </a:r>
+              </a:p>
+              <a:p>
+                <a:pPr lvl="1"/>
+                <a:r>
+                  <a:rPr lang="en-US" dirty="0"/>
+                  <a:t>Group together time points into time windows</a:t>
+                </a:r>
+              </a:p>
+              <a:p>
+                <a:pPr lvl="1"/>
+                <a:r>
+                  <a:rPr lang="en-US" dirty="0"/>
+                  <a:t>Note: subjects are synchronized in time in these datasets, MDITRE relies on this with time windows</a:t>
+                </a:r>
+              </a:p>
+              <a:p>
+                <a:pPr lvl="1"/>
+                <a:r>
+                  <a:rPr lang="en-US" dirty="0"/>
+                  <a:t>Many other time-series methods rely on long time-series, these methods won’t apply well here</a:t>
+                </a:r>
+              </a:p>
+              <a:p>
+                <a:pPr lvl="1"/>
+                <a:endParaRPr lang="en-US" dirty="0"/>
+              </a:p>
+            </p:txBody>
+          </p:sp>
+        </mc:Choice>
+        <mc:Fallback>
+          <p:sp>
+            <p:nvSpPr>
+              <p:cNvPr id="3" name="Content Placeholder 2">
+                <a:extLst>
+                  <a:ext uri="{FF2B5EF4-FFF2-40B4-BE49-F238E27FC236}">
+                    <a16:creationId xmlns:a16="http://schemas.microsoft.com/office/drawing/2014/main" id="{DBAAA93E-DAE4-4691-B511-5555CE99C1CE}"/>
+                  </a:ext>
+                </a:extLst>
+              </p:cNvPr>
+              <p:cNvSpPr>
+                <a:spLocks noGrp="1" noRot="1" noChangeAspect="1" noMove="1" noResize="1" noEditPoints="1" noAdjustHandles="1" noChangeArrowheads="1" noChangeShapeType="1" noTextEdit="1"/>
+              </p:cNvSpPr>
+              <p:nvPr>
+                <p:ph idx="1"/>
+              </p:nvPr>
+            </p:nvSpPr>
+            <p:spPr>
+              <a:xfrm>
+                <a:off x="364253" y="1825625"/>
+                <a:ext cx="6488608" cy="4667250"/>
+              </a:xfrm>
+              <a:blipFill>
+                <a:blip r:embed="rId2"/>
+                <a:stretch>
+                  <a:fillRect l="-1128" t="-2611" r="-1504"/>
+                </a:stretch>
+              </a:blipFill>
+            </p:spPr>
+            <p:txBody>
+              <a:bodyPr/>
+              <a:lstStyle/>
+              <a:p>
+                <a:r>
+                  <a:rPr lang="en-US">
+                    <a:noFill/>
+                  </a:rPr>
+                  <a:t> </a:t>
+                </a:r>
+              </a:p>
+            </p:txBody>
+          </p:sp>
+        </mc:Fallback>
+      </mc:AlternateContent>
+      <p:grpSp>
+        <p:nvGrpSpPr>
+          <p:cNvPr id="5" name="Group 4">
+            <a:extLst>
+              <a:ext uri="{FF2B5EF4-FFF2-40B4-BE49-F238E27FC236}">
+                <a16:creationId xmlns:a16="http://schemas.microsoft.com/office/drawing/2014/main" id="{30DF912C-49E4-4E98-A5B6-54905B888D19}"/>
+              </a:ext>
+            </a:extLst>
+          </p:cNvPr>
+          <p:cNvGrpSpPr/>
+          <p:nvPr/>
+        </p:nvGrpSpPr>
+        <p:grpSpPr>
+          <a:xfrm>
+            <a:off x="6935057" y="3843380"/>
+            <a:ext cx="4892690" cy="2719540"/>
+            <a:chOff x="3051542" y="1825619"/>
+            <a:chExt cx="7506748" cy="4172532"/>
+          </a:xfrm>
+        </p:grpSpPr>
+        <p:pic>
+          <p:nvPicPr>
+            <p:cNvPr id="6" name="Picture 5">
+              <a:extLst>
+                <a:ext uri="{FF2B5EF4-FFF2-40B4-BE49-F238E27FC236}">
+                  <a16:creationId xmlns:a16="http://schemas.microsoft.com/office/drawing/2014/main" id="{4CEFC028-22F5-4229-83FA-563A90F10ED2}"/>
+                </a:ext>
+              </a:extLst>
+            </p:cNvPr>
+            <p:cNvPicPr>
+              <a:picLocks noChangeAspect="1"/>
+            </p:cNvPicPr>
+            <p:nvPr/>
+          </p:nvPicPr>
+          <p:blipFill>
+            <a:blip r:embed="rId3"/>
+            <a:stretch>
+              <a:fillRect/>
+            </a:stretch>
+          </p:blipFill>
+          <p:spPr>
+            <a:xfrm>
+              <a:off x="3051542" y="1825619"/>
+              <a:ext cx="7506748" cy="4172532"/>
+            </a:xfrm>
+            <a:prstGeom prst="rect">
+              <a:avLst/>
+            </a:prstGeom>
+          </p:spPr>
+        </p:pic>
+        <p:sp>
+          <p:nvSpPr>
+            <p:cNvPr id="7" name="Rectangle 6">
+              <a:extLst>
+                <a:ext uri="{FF2B5EF4-FFF2-40B4-BE49-F238E27FC236}">
+                  <a16:creationId xmlns:a16="http://schemas.microsoft.com/office/drawing/2014/main" id="{B965C2D9-00C6-47A3-96BE-7A848CA5A725}"/>
+                </a:ext>
+              </a:extLst>
+            </p:cNvPr>
+            <p:cNvSpPr/>
+            <p:nvPr/>
+          </p:nvSpPr>
+          <p:spPr>
+            <a:xfrm>
+              <a:off x="3195263" y="1941816"/>
+              <a:ext cx="503434" cy="636997"/>
+            </a:xfrm>
+            <a:prstGeom prst="rect">
+              <a:avLst/>
+            </a:prstGeom>
+            <a:solidFill>
+              <a:schemeClr val="bg1"/>
+            </a:solidFill>
+            <a:ln>
+              <a:noFill/>
+            </a:ln>
+          </p:spPr>
+          <p:style>
+            <a:lnRef idx="2">
+              <a:schemeClr val="accent1">
+                <a:shade val="50000"/>
+              </a:schemeClr>
+            </a:lnRef>
+            <a:fillRef idx="1">
+              <a:schemeClr val="accent1"/>
+            </a:fillRef>
+            <a:effectRef idx="0">
+              <a:schemeClr val="accent1"/>
+            </a:effectRef>
+            <a:fontRef idx="minor">
+              <a:schemeClr val="lt1"/>
+            </a:fontRef>
+          </p:style>
+          <p:txBody>
+            <a:bodyPr rtlCol="0" anchor="ctr"/>
+            <a:lstStyle/>
+            <a:p>
+              <a:pPr algn="ctr"/>
+              <a:endParaRPr lang="en-US"/>
+            </a:p>
+          </p:txBody>
+        </p:sp>
+      </p:grpSp>
+      <p:grpSp>
+        <p:nvGrpSpPr>
+          <p:cNvPr id="10" name="Group 9">
+            <a:extLst>
+              <a:ext uri="{FF2B5EF4-FFF2-40B4-BE49-F238E27FC236}">
+                <a16:creationId xmlns:a16="http://schemas.microsoft.com/office/drawing/2014/main" id="{93E1B76B-9BA6-411E-99F7-B2134E9B1088}"/>
+              </a:ext>
+            </a:extLst>
+          </p:cNvPr>
+          <p:cNvGrpSpPr/>
+          <p:nvPr/>
+        </p:nvGrpSpPr>
+        <p:grpSpPr>
+          <a:xfrm>
+            <a:off x="7909584" y="295080"/>
+            <a:ext cx="2943636" cy="2791215"/>
+            <a:chOff x="7909584" y="295080"/>
+            <a:chExt cx="2943636" cy="2791215"/>
+          </a:xfrm>
+        </p:grpSpPr>
+        <p:pic>
+          <p:nvPicPr>
+            <p:cNvPr id="4" name="Picture 3">
+              <a:extLst>
+                <a:ext uri="{FF2B5EF4-FFF2-40B4-BE49-F238E27FC236}">
+                  <a16:creationId xmlns:a16="http://schemas.microsoft.com/office/drawing/2014/main" id="{8E84522E-0C84-4AC8-9601-67A794BF76D4}"/>
+                </a:ext>
+              </a:extLst>
+            </p:cNvPr>
+            <p:cNvPicPr>
+              <a:picLocks noChangeAspect="1"/>
+            </p:cNvPicPr>
+            <p:nvPr/>
+          </p:nvPicPr>
+          <p:blipFill>
+            <a:blip r:embed="rId4"/>
+            <a:stretch>
+              <a:fillRect/>
+            </a:stretch>
+          </p:blipFill>
+          <p:spPr>
+            <a:xfrm>
+              <a:off x="7909584" y="295080"/>
+              <a:ext cx="2943636" cy="2791215"/>
+            </a:xfrm>
+            <a:prstGeom prst="rect">
+              <a:avLst/>
+            </a:prstGeom>
+          </p:spPr>
+        </p:pic>
+        <p:sp>
+          <p:nvSpPr>
+            <p:cNvPr id="9" name="Rectangle 8">
+              <a:extLst>
+                <a:ext uri="{FF2B5EF4-FFF2-40B4-BE49-F238E27FC236}">
+                  <a16:creationId xmlns:a16="http://schemas.microsoft.com/office/drawing/2014/main" id="{7214B256-9E97-48F7-99B7-15D29592C110}"/>
+                </a:ext>
+              </a:extLst>
+            </p:cNvPr>
+            <p:cNvSpPr/>
+            <p:nvPr/>
+          </p:nvSpPr>
+          <p:spPr>
+            <a:xfrm>
+              <a:off x="10150867" y="2291137"/>
+              <a:ext cx="421241" cy="795158"/>
+            </a:xfrm>
+            <a:prstGeom prst="rect">
+              <a:avLst/>
+            </a:prstGeom>
+            <a:solidFill>
+              <a:schemeClr val="bg1"/>
+            </a:solidFill>
+            <a:ln>
+              <a:noFill/>
+            </a:ln>
+          </p:spPr>
+          <p:style>
+            <a:lnRef idx="2">
+              <a:schemeClr val="accent1">
+                <a:shade val="50000"/>
+              </a:schemeClr>
+            </a:lnRef>
+            <a:fillRef idx="1">
+              <a:schemeClr val="accent1"/>
+            </a:fillRef>
+            <a:effectRef idx="0">
+              <a:schemeClr val="accent1"/>
+            </a:effectRef>
+            <a:fontRef idx="minor">
+              <a:schemeClr val="lt1"/>
+            </a:fontRef>
+          </p:style>
+          <p:txBody>
+            <a:bodyPr rtlCol="0" anchor="ctr"/>
+            <a:lstStyle/>
+            <a:p>
+              <a:pPr algn="ctr"/>
+              <a:endParaRPr lang="en-US"/>
+            </a:p>
+          </p:txBody>
+        </p:sp>
+      </p:grpSp>
+      <p:cxnSp>
+        <p:nvCxnSpPr>
+          <p:cNvPr id="12" name="Straight Arrow Connector 11">
+            <a:extLst>
+              <a:ext uri="{FF2B5EF4-FFF2-40B4-BE49-F238E27FC236}">
+                <a16:creationId xmlns:a16="http://schemas.microsoft.com/office/drawing/2014/main" id="{47D6F310-6EA4-4CDA-AD2F-4B1FD4E92002}"/>
+              </a:ext>
+            </a:extLst>
+          </p:cNvPr>
+          <p:cNvCxnSpPr>
+            <a:cxnSpLocks/>
+            <a:stCxn id="4" idx="2"/>
+            <a:endCxn id="6" idx="0"/>
+          </p:cNvCxnSpPr>
+          <p:nvPr/>
+        </p:nvCxnSpPr>
+        <p:spPr>
+          <a:xfrm>
+            <a:off x="9381402" y="3086295"/>
+            <a:ext cx="0" cy="757085"/>
+          </a:xfrm>
+          <a:prstGeom prst="straightConnector1">
+            <a:avLst/>
+          </a:prstGeom>
+          <a:ln w="38100">
+            <a:solidFill>
+              <a:schemeClr val="tx1"/>
+            </a:solidFill>
+            <a:tailEnd type="triangle" w="lg" len="med"/>
+          </a:ln>
+        </p:spPr>
+        <p:style>
+          <a:lnRef idx="1">
+            <a:schemeClr val="accent1"/>
+          </a:lnRef>
+          <a:fillRef idx="0">
+            <a:schemeClr val="accent1"/>
+          </a:fillRef>
+          <a:effectRef idx="0">
+            <a:schemeClr val="accent1"/>
+          </a:effectRef>
+          <a:fontRef idx="minor">
+            <a:schemeClr val="tx1"/>
+          </a:fontRef>
+        </p:style>
+      </p:cxnSp>
+    </p:spTree>
+    <p:extLst>
+      <p:ext uri="{BB962C8B-B14F-4D97-AF65-F5344CB8AC3E}">
+        <p14:creationId xmlns:p14="http://schemas.microsoft.com/office/powerpoint/2010/main" val="1542331588"/>
+      </p:ext>
+    </p:extLst>
+  </p:cSld>
+  <p:clrMapOvr>
+    <a:masterClrMapping/>
+  </p:clrMapOvr>
+</p:sld>
+</file>
+
+<file path=ppt/slides/slide12.xml><?xml version="1.0" encoding="utf-8"?>
+<p:sld xmlns:a="http://schemas.openxmlformats.org/drawingml/2006/main" xmlns:r="http://schemas.openxmlformats.org/officeDocument/2006/relationships" xmlns:p="http://schemas.openxmlformats.org/presentationml/2006/main">
+  <p:cSld>
+    <p:spTree>
+      <p:nvGrpSpPr>
+        <p:cNvPr id="1" name=""/>
+        <p:cNvGrpSpPr/>
+        <p:nvPr/>
+      </p:nvGrpSpPr>
+      <p:grpSpPr>
+        <a:xfrm>
+          <a:off x="0" y="0"/>
+          <a:ext cx="0" cy="0"/>
+          <a:chOff x="0" y="0"/>
+          <a:chExt cx="0" cy="0"/>
+        </a:xfrm>
+      </p:grpSpPr>
+      <p:sp>
+        <p:nvSpPr>
+          <p:cNvPr id="2" name="Title 1">
+            <a:extLst>
+              <a:ext uri="{FF2B5EF4-FFF2-40B4-BE49-F238E27FC236}">
+                <a16:creationId xmlns:a16="http://schemas.microsoft.com/office/drawing/2014/main" id="{8540A757-AC4B-432E-8E02-A2F23DE776E9}"/>
+              </a:ext>
+            </a:extLst>
+          </p:cNvPr>
+          <p:cNvSpPr>
+            <a:spLocks noGrp="1"/>
+          </p:cNvSpPr>
+          <p:nvPr>
+            <p:ph type="title"/>
+          </p:nvPr>
+        </p:nvSpPr>
+        <p:spPr/>
+        <p:txBody>
+          <a:bodyPr/>
+          <a:lstStyle/>
+          <a:p>
+            <a:r>
+              <a:rPr lang="en-US" dirty="0"/>
+              <a:t>MDITRE model overview</a:t>
+            </a:r>
+          </a:p>
+        </p:txBody>
+      </p:sp>
+      <p:pic>
+        <p:nvPicPr>
+          <p:cNvPr id="5" name="Content Placeholder 4">
+            <a:extLst>
+              <a:ext uri="{FF2B5EF4-FFF2-40B4-BE49-F238E27FC236}">
+                <a16:creationId xmlns:a16="http://schemas.microsoft.com/office/drawing/2014/main" id="{8573D7A8-402B-4A5B-9630-C1234F51FFA6}"/>
+              </a:ext>
+            </a:extLst>
+          </p:cNvPr>
+          <p:cNvPicPr>
+            <a:picLocks noGrp="1" noChangeAspect="1"/>
+          </p:cNvPicPr>
+          <p:nvPr>
+            <p:ph idx="1"/>
+          </p:nvPr>
+        </p:nvPicPr>
+        <p:blipFill>
+          <a:blip r:embed="rId2"/>
+          <a:stretch>
+            <a:fillRect/>
+          </a:stretch>
+        </p:blipFill>
+        <p:spPr>
+          <a:xfrm>
+            <a:off x="6304193" y="1690688"/>
+            <a:ext cx="5842663" cy="4554687"/>
+          </a:xfrm>
+        </p:spPr>
+      </p:pic>
+      <p:sp>
+        <p:nvSpPr>
+          <p:cNvPr id="7" name="TextBox 6">
+            <a:extLst>
+              <a:ext uri="{FF2B5EF4-FFF2-40B4-BE49-F238E27FC236}">
+                <a16:creationId xmlns:a16="http://schemas.microsoft.com/office/drawing/2014/main" id="{79EEFE38-4DD8-4F29-943F-64B4DCE89DDC}"/>
+              </a:ext>
+            </a:extLst>
+          </p:cNvPr>
+          <p:cNvSpPr txBox="1"/>
+          <p:nvPr/>
+        </p:nvSpPr>
+        <p:spPr>
+          <a:xfrm>
+            <a:off x="418774" y="1680167"/>
+            <a:ext cx="5677226" cy="4524315"/>
+          </a:xfrm>
+          <a:prstGeom prst="rect">
+            <a:avLst/>
+          </a:prstGeom>
+          <a:noFill/>
+        </p:spPr>
+        <p:txBody>
+          <a:bodyPr wrap="square">
+            <a:spAutoFit/>
+          </a:bodyPr>
+          <a:lstStyle/>
+          <a:p>
+            <a:pPr marL="285750" indent="-285750">
+              <a:buFont typeface="Arial" panose="020B0604020202020204" pitchFamily="34" charset="0"/>
+              <a:buChar char="•"/>
+            </a:pPr>
+            <a:r>
+              <a:rPr lang="en-US" dirty="0"/>
+              <a:t>Phylogenetic focus layer:</a:t>
+            </a:r>
+          </a:p>
+          <a:p>
+            <a:pPr marL="742950" lvl="1" indent="-285750">
+              <a:buFont typeface="Arial" panose="020B0604020202020204" pitchFamily="34" charset="0"/>
+              <a:buChar char="•"/>
+            </a:pPr>
+            <a:r>
+              <a:rPr lang="en-US" dirty="0"/>
+              <a:t>Model takes phylogenetic reference tree and computes distances between OTUs</a:t>
+            </a:r>
+          </a:p>
+          <a:p>
+            <a:pPr marL="742950" lvl="1" indent="-285750">
+              <a:buFont typeface="Arial" panose="020B0604020202020204" pitchFamily="34" charset="0"/>
+              <a:buChar char="•"/>
+            </a:pPr>
+            <a:r>
+              <a:rPr lang="en-US" dirty="0"/>
+              <a:t>Embed distance matrix into latent space of reduced dimensionality via </a:t>
+            </a:r>
+            <a:r>
+              <a:rPr lang="en-US" dirty="0" err="1"/>
+              <a:t>PCoA</a:t>
+            </a:r>
+            <a:endParaRPr lang="en-US" dirty="0"/>
+          </a:p>
+          <a:p>
+            <a:pPr marL="742950" lvl="1" indent="-285750">
+              <a:buFont typeface="Arial" panose="020B0604020202020204" pitchFamily="34" charset="0"/>
+              <a:buChar char="•"/>
+            </a:pPr>
+            <a:r>
+              <a:rPr lang="en-US" dirty="0"/>
+              <a:t>Learn groups of closely related taxa with phylogenetic window</a:t>
+            </a:r>
+          </a:p>
+          <a:p>
+            <a:pPr marL="285750" indent="-285750">
+              <a:buFont typeface="Arial" panose="020B0604020202020204" pitchFamily="34" charset="0"/>
+              <a:buChar char="•"/>
+            </a:pPr>
+            <a:r>
+              <a:rPr lang="en-US" dirty="0"/>
+              <a:t>Aggregating microbes over time windows</a:t>
+            </a:r>
+          </a:p>
+          <a:p>
+            <a:pPr marL="742950" lvl="1" indent="-285750">
+              <a:buFont typeface="Arial" panose="020B0604020202020204" pitchFamily="34" charset="0"/>
+              <a:buChar char="•"/>
+            </a:pPr>
+            <a:r>
+              <a:rPr lang="en-US" dirty="0"/>
+              <a:t>Learns relevant time windows</a:t>
+            </a:r>
+          </a:p>
+          <a:p>
+            <a:pPr marL="742950" lvl="1" indent="-285750">
+              <a:buFont typeface="Arial" panose="020B0604020202020204" pitchFamily="34" charset="0"/>
+              <a:buChar char="•"/>
+            </a:pPr>
+            <a:r>
+              <a:rPr lang="en-US" dirty="0"/>
+              <a:t>Computes average abundances and rates of change of abundances of phylogenetically focused groups of microbes</a:t>
+            </a:r>
+          </a:p>
+          <a:p>
+            <a:pPr marL="285750" indent="-285750">
+              <a:buFont typeface="Arial" panose="020B0604020202020204" pitchFamily="34" charset="0"/>
+              <a:buChar char="•"/>
+            </a:pPr>
+            <a:r>
+              <a:rPr lang="en-US" dirty="0"/>
+              <a:t>Possible features missed by MDITRE model:</a:t>
+            </a:r>
+          </a:p>
+          <a:p>
+            <a:pPr marL="742950" lvl="1" indent="-285750">
+              <a:buFont typeface="Arial" panose="020B0604020202020204" pitchFamily="34" charset="0"/>
+              <a:buChar char="•"/>
+            </a:pPr>
+            <a:r>
+              <a:rPr lang="en-US" dirty="0"/>
+              <a:t>Time lags and features such as “IF A increases X days </a:t>
+            </a:r>
+            <a:r>
+              <a:rPr lang="en-US" u="sng" dirty="0"/>
+              <a:t>after</a:t>
+            </a:r>
+            <a:r>
+              <a:rPr lang="en-US" dirty="0"/>
+              <a:t> B THEN, …”</a:t>
+            </a:r>
+          </a:p>
+          <a:p>
+            <a:pPr marL="742950" lvl="1" indent="-285750">
+              <a:buFont typeface="Arial" panose="020B0604020202020204" pitchFamily="34" charset="0"/>
+              <a:buChar char="•"/>
+            </a:pPr>
+            <a:r>
+              <a:rPr lang="en-US" dirty="0"/>
+              <a:t>Periodic time features</a:t>
+            </a:r>
+          </a:p>
+        </p:txBody>
+      </p:sp>
+    </p:spTree>
+    <p:extLst>
+      <p:ext uri="{BB962C8B-B14F-4D97-AF65-F5344CB8AC3E}">
+        <p14:creationId xmlns:p14="http://schemas.microsoft.com/office/powerpoint/2010/main" val="1675717306"/>
+      </p:ext>
+    </p:extLst>
+  </p:cSld>
+  <p:clrMapOvr>
+    <a:masterClrMapping/>
+  </p:clrMapOvr>
+</p:sld>
+</file>
+
+<file path=ppt/slides/slide13.xml><?xml version="1.0" encoding="utf-8"?>
+<p:sld xmlns:a="http://schemas.openxmlformats.org/drawingml/2006/main" xmlns:r="http://schemas.openxmlformats.org/officeDocument/2006/relationships" xmlns:p="http://schemas.openxmlformats.org/presentationml/2006/main">
+  <p:cSld>
+    <p:spTree>
+      <p:nvGrpSpPr>
+        <p:cNvPr id="1" name=""/>
+        <p:cNvGrpSpPr/>
+        <p:nvPr/>
+      </p:nvGrpSpPr>
+      <p:grpSpPr>
+        <a:xfrm>
+          <a:off x="0" y="0"/>
+          <a:ext cx="0" cy="0"/>
+          <a:chOff x="0" y="0"/>
+          <a:chExt cx="0" cy="0"/>
+        </a:xfrm>
+      </p:grpSpPr>
+      <p:sp>
+        <p:nvSpPr>
+          <p:cNvPr id="2" name="Title 1">
+            <a:extLst>
+              <a:ext uri="{FF2B5EF4-FFF2-40B4-BE49-F238E27FC236}">
+                <a16:creationId xmlns:a16="http://schemas.microsoft.com/office/drawing/2014/main" id="{FE1FF292-F975-43BD-91A6-2FA67EAE57CA}"/>
+              </a:ext>
+            </a:extLst>
+          </p:cNvPr>
+          <p:cNvSpPr>
+            <a:spLocks noGrp="1"/>
+          </p:cNvSpPr>
+          <p:nvPr>
+            <p:ph type="title"/>
+          </p:nvPr>
+        </p:nvSpPr>
+        <p:spPr>
+          <a:xfrm>
+            <a:off x="206892" y="210391"/>
+            <a:ext cx="11271607" cy="1325563"/>
+          </a:xfrm>
+        </p:spPr>
+        <p:txBody>
+          <a:bodyPr/>
+          <a:lstStyle/>
+          <a:p>
+            <a:r>
+              <a:rPr lang="en-US" dirty="0"/>
+              <a:t>Example MDITRE prediction for </a:t>
+            </a:r>
+            <a:r>
+              <a:rPr lang="en-US" dirty="0" err="1"/>
+              <a:t>Bokulich</a:t>
+            </a:r>
+            <a:r>
+              <a:rPr lang="en-US" dirty="0"/>
+              <a:t> study</a:t>
+            </a:r>
+          </a:p>
+        </p:txBody>
+      </p:sp>
+      <p:pic>
+        <p:nvPicPr>
+          <p:cNvPr id="9" name="Picture 8">
+            <a:extLst>
+              <a:ext uri="{FF2B5EF4-FFF2-40B4-BE49-F238E27FC236}">
+                <a16:creationId xmlns:a16="http://schemas.microsoft.com/office/drawing/2014/main" id="{67D34C84-B5E3-4457-B140-28CB8FD26F67}"/>
+              </a:ext>
+            </a:extLst>
+          </p:cNvPr>
+          <p:cNvPicPr>
+            <a:picLocks noChangeAspect="1"/>
+          </p:cNvPicPr>
+          <p:nvPr/>
+        </p:nvPicPr>
+        <p:blipFill rotWithShape="1">
+          <a:blip r:embed="rId2"/>
+          <a:srcRect t="18470"/>
+          <a:stretch/>
+        </p:blipFill>
+        <p:spPr>
+          <a:xfrm>
+            <a:off x="452859" y="1578536"/>
+            <a:ext cx="4704823" cy="2467318"/>
+          </a:xfrm>
+          <a:prstGeom prst="rect">
+            <a:avLst/>
+          </a:prstGeom>
+        </p:spPr>
+      </p:pic>
+      <p:pic>
+        <p:nvPicPr>
+          <p:cNvPr id="11" name="Picture 10">
+            <a:extLst>
+              <a:ext uri="{FF2B5EF4-FFF2-40B4-BE49-F238E27FC236}">
+                <a16:creationId xmlns:a16="http://schemas.microsoft.com/office/drawing/2014/main" id="{B0B94993-287E-4C22-972C-841C78217691}"/>
+              </a:ext>
+            </a:extLst>
+          </p:cNvPr>
+          <p:cNvPicPr>
+            <a:picLocks noChangeAspect="1"/>
+          </p:cNvPicPr>
+          <p:nvPr/>
+        </p:nvPicPr>
+        <p:blipFill rotWithShape="1">
+          <a:blip r:embed="rId3"/>
+          <a:srcRect t="17779"/>
+          <a:stretch/>
+        </p:blipFill>
+        <p:spPr>
+          <a:xfrm>
+            <a:off x="1152452" y="4280572"/>
+            <a:ext cx="3537806" cy="2162758"/>
+          </a:xfrm>
+          <a:prstGeom prst="rect">
+            <a:avLst/>
+          </a:prstGeom>
+        </p:spPr>
+      </p:pic>
+      <p:grpSp>
+        <p:nvGrpSpPr>
+          <p:cNvPr id="5" name="Group 4">
+            <a:extLst>
+              <a:ext uri="{FF2B5EF4-FFF2-40B4-BE49-F238E27FC236}">
+                <a16:creationId xmlns:a16="http://schemas.microsoft.com/office/drawing/2014/main" id="{A139A529-B916-4EC2-BF5A-CF6D5EF53EC6}"/>
+              </a:ext>
+            </a:extLst>
+          </p:cNvPr>
+          <p:cNvGrpSpPr/>
+          <p:nvPr/>
+        </p:nvGrpSpPr>
+        <p:grpSpPr>
+          <a:xfrm>
+            <a:off x="5635803" y="1470715"/>
+            <a:ext cx="3855477" cy="2782309"/>
+            <a:chOff x="734530" y="2126511"/>
+            <a:chExt cx="3855477" cy="2782309"/>
+          </a:xfrm>
+        </p:grpSpPr>
+        <p:grpSp>
+          <p:nvGrpSpPr>
+            <p:cNvPr id="4" name="Group 3">
+              <a:extLst>
+                <a:ext uri="{FF2B5EF4-FFF2-40B4-BE49-F238E27FC236}">
+                  <a16:creationId xmlns:a16="http://schemas.microsoft.com/office/drawing/2014/main" id="{54EC846A-15B9-420D-A002-83E3D431CFEE}"/>
+                </a:ext>
+              </a:extLst>
+            </p:cNvPr>
+            <p:cNvGrpSpPr/>
+            <p:nvPr/>
+          </p:nvGrpSpPr>
+          <p:grpSpPr>
+            <a:xfrm>
+              <a:off x="734530" y="2223534"/>
+              <a:ext cx="3648584" cy="2685286"/>
+              <a:chOff x="819591" y="1691906"/>
+              <a:chExt cx="3648584" cy="2685286"/>
+            </a:xfrm>
+          </p:grpSpPr>
+          <p:pic>
+            <p:nvPicPr>
+              <p:cNvPr id="7" name="Picture 6">
+                <a:extLst>
+                  <a:ext uri="{FF2B5EF4-FFF2-40B4-BE49-F238E27FC236}">
+                    <a16:creationId xmlns:a16="http://schemas.microsoft.com/office/drawing/2014/main" id="{7D293F9C-0ED1-4E7F-84B7-1EE42595E74D}"/>
+                  </a:ext>
+                </a:extLst>
+              </p:cNvPr>
+              <p:cNvPicPr>
+                <a:picLocks noChangeAspect="1"/>
+              </p:cNvPicPr>
+              <p:nvPr/>
+            </p:nvPicPr>
+            <p:blipFill>
+              <a:blip r:embed="rId4"/>
+              <a:stretch>
+                <a:fillRect/>
+              </a:stretch>
+            </p:blipFill>
+            <p:spPr>
+              <a:xfrm>
+                <a:off x="819591" y="1691906"/>
+                <a:ext cx="3648584" cy="2467319"/>
+              </a:xfrm>
+              <a:prstGeom prst="rect">
+                <a:avLst/>
+              </a:prstGeom>
+            </p:spPr>
+          </p:pic>
+          <p:sp>
+            <p:nvSpPr>
+              <p:cNvPr id="3" name="Rectangle 2">
+                <a:extLst>
+                  <a:ext uri="{FF2B5EF4-FFF2-40B4-BE49-F238E27FC236}">
+                    <a16:creationId xmlns:a16="http://schemas.microsoft.com/office/drawing/2014/main" id="{94F0CDBE-B459-4311-8777-B4A52DBEA182}"/>
+                  </a:ext>
+                </a:extLst>
+              </p:cNvPr>
+              <p:cNvSpPr/>
+              <p:nvPr/>
+            </p:nvSpPr>
+            <p:spPr>
+              <a:xfrm>
+                <a:off x="819591" y="3941257"/>
+                <a:ext cx="413786" cy="435935"/>
+              </a:xfrm>
+              <a:prstGeom prst="rect">
+                <a:avLst/>
+              </a:prstGeom>
+              <a:solidFill>
+                <a:schemeClr val="bg1"/>
+              </a:solidFill>
+              <a:ln>
+                <a:noFill/>
+              </a:ln>
+            </p:spPr>
+            <p:style>
+              <a:lnRef idx="2">
+                <a:schemeClr val="accent1">
+                  <a:shade val="50000"/>
+                </a:schemeClr>
+              </a:lnRef>
+              <a:fillRef idx="1">
+                <a:schemeClr val="accent1"/>
+              </a:fillRef>
+              <a:effectRef idx="0">
+                <a:schemeClr val="accent1"/>
+              </a:effectRef>
+              <a:fontRef idx="minor">
+                <a:schemeClr val="lt1"/>
+              </a:fontRef>
+            </p:style>
+            <p:txBody>
+              <a:bodyPr rtlCol="0" anchor="ctr"/>
+              <a:lstStyle/>
+              <a:p>
+                <a:pPr algn="ctr"/>
+                <a:endParaRPr lang="en-US" dirty="0"/>
+              </a:p>
+            </p:txBody>
+          </p:sp>
+          <p:sp>
+            <p:nvSpPr>
+              <p:cNvPr id="8" name="Rectangle 7">
+                <a:extLst>
+                  <a:ext uri="{FF2B5EF4-FFF2-40B4-BE49-F238E27FC236}">
+                    <a16:creationId xmlns:a16="http://schemas.microsoft.com/office/drawing/2014/main" id="{3C0C3F65-B33F-4F8C-9E0C-F7C93E57791D}"/>
+                  </a:ext>
+                </a:extLst>
+              </p:cNvPr>
+              <p:cNvSpPr/>
+              <p:nvPr/>
+            </p:nvSpPr>
+            <p:spPr>
+              <a:xfrm>
+                <a:off x="883387" y="1691906"/>
+                <a:ext cx="413786" cy="435935"/>
+              </a:xfrm>
+              <a:prstGeom prst="rect">
+                <a:avLst/>
+              </a:prstGeom>
+              <a:solidFill>
+                <a:schemeClr val="bg1"/>
+              </a:solidFill>
+              <a:ln>
+                <a:noFill/>
+              </a:ln>
+            </p:spPr>
+            <p:style>
+              <a:lnRef idx="2">
+                <a:schemeClr val="accent1">
+                  <a:shade val="50000"/>
+                </a:schemeClr>
+              </a:lnRef>
+              <a:fillRef idx="1">
+                <a:schemeClr val="accent1"/>
+              </a:fillRef>
+              <a:effectRef idx="0">
+                <a:schemeClr val="accent1"/>
+              </a:effectRef>
+              <a:fontRef idx="minor">
+                <a:schemeClr val="lt1"/>
+              </a:fontRef>
+            </p:style>
+            <p:txBody>
+              <a:bodyPr rtlCol="0" anchor="ctr"/>
+              <a:lstStyle/>
+              <a:p>
+                <a:pPr algn="ctr"/>
+                <a:endParaRPr lang="en-US"/>
+              </a:p>
+            </p:txBody>
+          </p:sp>
+        </p:grpSp>
+        <p:sp>
+          <p:nvSpPr>
+            <p:cNvPr id="10" name="Rectangle 9">
+              <a:extLst>
+                <a:ext uri="{FF2B5EF4-FFF2-40B4-BE49-F238E27FC236}">
+                  <a16:creationId xmlns:a16="http://schemas.microsoft.com/office/drawing/2014/main" id="{81F6349B-2A71-4488-9736-9E873BF9C183}"/>
+                </a:ext>
+              </a:extLst>
+            </p:cNvPr>
+            <p:cNvSpPr/>
+            <p:nvPr/>
+          </p:nvSpPr>
+          <p:spPr>
+            <a:xfrm>
+              <a:off x="4176221" y="2126511"/>
+              <a:ext cx="413786" cy="435935"/>
+            </a:xfrm>
+            <a:prstGeom prst="rect">
+              <a:avLst/>
+            </a:prstGeom>
+            <a:solidFill>
+              <a:schemeClr val="bg1"/>
+            </a:solidFill>
+            <a:ln>
+              <a:noFill/>
+            </a:ln>
+          </p:spPr>
+          <p:style>
+            <a:lnRef idx="2">
+              <a:schemeClr val="accent1">
+                <a:shade val="50000"/>
+              </a:schemeClr>
+            </a:lnRef>
+            <a:fillRef idx="1">
+              <a:schemeClr val="accent1"/>
+            </a:fillRef>
+            <a:effectRef idx="0">
+              <a:schemeClr val="accent1"/>
+            </a:effectRef>
+            <a:fontRef idx="minor">
+              <a:schemeClr val="lt1"/>
+            </a:fontRef>
+          </p:style>
+          <p:txBody>
+            <a:bodyPr rtlCol="0" anchor="ctr"/>
+            <a:lstStyle/>
+            <a:p>
+              <a:pPr algn="ctr"/>
+              <a:endParaRPr lang="en-US"/>
+            </a:p>
+          </p:txBody>
+        </p:sp>
+      </p:grpSp>
+      <p:sp>
+        <p:nvSpPr>
+          <p:cNvPr id="13" name="TextBox 12">
+            <a:extLst>
+              <a:ext uri="{FF2B5EF4-FFF2-40B4-BE49-F238E27FC236}">
+                <a16:creationId xmlns:a16="http://schemas.microsoft.com/office/drawing/2014/main" id="{82115244-7122-4F53-A9F7-17D0C9C61EC0}"/>
+              </a:ext>
+            </a:extLst>
+          </p:cNvPr>
+          <p:cNvSpPr txBox="1"/>
+          <p:nvPr/>
+        </p:nvSpPr>
+        <p:spPr>
+          <a:xfrm>
+            <a:off x="6049589" y="4035057"/>
+            <a:ext cx="3234798" cy="923330"/>
+          </a:xfrm>
+          <a:prstGeom prst="rect">
+            <a:avLst/>
+          </a:prstGeom>
+          <a:noFill/>
+        </p:spPr>
+        <p:txBody>
+          <a:bodyPr wrap="square" rtlCol="0">
+            <a:spAutoFit/>
+          </a:bodyPr>
+          <a:lstStyle/>
+          <a:p>
+            <a:r>
+              <a:rPr lang="en-US" dirty="0"/>
+              <a:t>Combining both rules together gives clear separation of both groups with high odds</a:t>
+            </a:r>
+          </a:p>
+        </p:txBody>
+      </p:sp>
+    </p:spTree>
+    <p:extLst>
+      <p:ext uri="{BB962C8B-B14F-4D97-AF65-F5344CB8AC3E}">
+        <p14:creationId xmlns:p14="http://schemas.microsoft.com/office/powerpoint/2010/main" val="4089731399"/>
+      </p:ext>
+    </p:extLst>
+  </p:cSld>
+  <p:clrMapOvr>
+    <a:masterClrMapping/>
+  </p:clrMapOvr>
+</p:sld>
+</file>
+
+<file path=ppt/slides/slide14.xml><?xml version="1.0" encoding="utf-8"?>
+<p:sld xmlns:a="http://schemas.openxmlformats.org/drawingml/2006/main" xmlns:r="http://schemas.openxmlformats.org/officeDocument/2006/relationships" xmlns:p="http://schemas.openxmlformats.org/presentationml/2006/main">
+  <p:cSld>
+    <p:spTree>
+      <p:nvGrpSpPr>
+        <p:cNvPr id="1" name=""/>
+        <p:cNvGrpSpPr/>
+        <p:nvPr/>
+      </p:nvGrpSpPr>
+      <p:grpSpPr>
+        <a:xfrm>
+          <a:off x="0" y="0"/>
+          <a:ext cx="0" cy="0"/>
+          <a:chOff x="0" y="0"/>
+          <a:chExt cx="0" cy="0"/>
+        </a:xfrm>
+      </p:grpSpPr>
+      <p:sp>
+        <p:nvSpPr>
+          <p:cNvPr id="2" name="Title 1">
+            <a:extLst>
+              <a:ext uri="{FF2B5EF4-FFF2-40B4-BE49-F238E27FC236}">
+                <a16:creationId xmlns:a16="http://schemas.microsoft.com/office/drawing/2014/main" id="{1A9E9DF7-1D1A-407B-B6B2-B06183270AFB}"/>
+              </a:ext>
+            </a:extLst>
+          </p:cNvPr>
+          <p:cNvSpPr>
+            <a:spLocks noGrp="1"/>
+          </p:cNvSpPr>
+          <p:nvPr>
+            <p:ph type="title"/>
+          </p:nvPr>
+        </p:nvSpPr>
+        <p:spPr>
+          <a:xfrm>
+            <a:off x="270768" y="152474"/>
+            <a:ext cx="10515600" cy="1325563"/>
+          </a:xfrm>
+        </p:spPr>
+        <p:txBody>
+          <a:bodyPr/>
+          <a:lstStyle/>
+          <a:p>
+            <a:r>
+              <a:rPr lang="en-US" dirty="0"/>
+              <a:t>Second rule, first detector</a:t>
+            </a:r>
+          </a:p>
+        </p:txBody>
+      </p:sp>
+      <p:grpSp>
+        <p:nvGrpSpPr>
+          <p:cNvPr id="11" name="Group 10">
+            <a:extLst>
+              <a:ext uri="{FF2B5EF4-FFF2-40B4-BE49-F238E27FC236}">
+                <a16:creationId xmlns:a16="http://schemas.microsoft.com/office/drawing/2014/main" id="{5D06D10A-3AF3-4F30-B619-1F1116267238}"/>
+              </a:ext>
+            </a:extLst>
+          </p:cNvPr>
+          <p:cNvGrpSpPr/>
+          <p:nvPr/>
+        </p:nvGrpSpPr>
+        <p:grpSpPr>
+          <a:xfrm>
+            <a:off x="270768" y="1260873"/>
+            <a:ext cx="11545911" cy="3147238"/>
+            <a:chOff x="323044" y="1892595"/>
+            <a:chExt cx="11545911" cy="3147238"/>
+          </a:xfrm>
+        </p:grpSpPr>
+        <p:pic>
+          <p:nvPicPr>
+            <p:cNvPr id="8" name="Picture 7">
+              <a:extLst>
+                <a:ext uri="{FF2B5EF4-FFF2-40B4-BE49-F238E27FC236}">
+                  <a16:creationId xmlns:a16="http://schemas.microsoft.com/office/drawing/2014/main" id="{A73329C0-32F3-40D5-AFF6-778C251AB018}"/>
+                </a:ext>
+              </a:extLst>
+            </p:cNvPr>
+            <p:cNvPicPr>
+              <a:picLocks noChangeAspect="1"/>
+            </p:cNvPicPr>
+            <p:nvPr/>
+          </p:nvPicPr>
+          <p:blipFill>
+            <a:blip r:embed="rId2"/>
+            <a:stretch>
+              <a:fillRect/>
+            </a:stretch>
+          </p:blipFill>
+          <p:spPr>
+            <a:xfrm>
+              <a:off x="323044" y="1971471"/>
+              <a:ext cx="11545911" cy="2915057"/>
+            </a:xfrm>
+            <a:prstGeom prst="rect">
+              <a:avLst/>
+            </a:prstGeom>
+          </p:spPr>
+        </p:pic>
+        <p:sp>
+          <p:nvSpPr>
+            <p:cNvPr id="9" name="Rectangle 8">
+              <a:extLst>
+                <a:ext uri="{FF2B5EF4-FFF2-40B4-BE49-F238E27FC236}">
+                  <a16:creationId xmlns:a16="http://schemas.microsoft.com/office/drawing/2014/main" id="{1D602300-13F8-4DF3-A6B1-110097D46593}"/>
+                </a:ext>
+              </a:extLst>
+            </p:cNvPr>
+            <p:cNvSpPr/>
+            <p:nvPr/>
+          </p:nvSpPr>
+          <p:spPr>
+            <a:xfrm>
+              <a:off x="3423684" y="1892595"/>
+              <a:ext cx="946297" cy="255182"/>
+            </a:xfrm>
+            <a:prstGeom prst="rect">
+              <a:avLst/>
+            </a:prstGeom>
+            <a:solidFill>
+              <a:schemeClr val="bg1"/>
+            </a:solidFill>
+            <a:ln>
+              <a:noFill/>
+            </a:ln>
+          </p:spPr>
+          <p:style>
+            <a:lnRef idx="2">
+              <a:schemeClr val="accent1">
+                <a:shade val="50000"/>
+              </a:schemeClr>
+            </a:lnRef>
+            <a:fillRef idx="1">
+              <a:schemeClr val="accent1"/>
+            </a:fillRef>
+            <a:effectRef idx="0">
+              <a:schemeClr val="accent1"/>
+            </a:effectRef>
+            <a:fontRef idx="minor">
+              <a:schemeClr val="lt1"/>
+            </a:fontRef>
+          </p:style>
+          <p:txBody>
+            <a:bodyPr rtlCol="0" anchor="ctr"/>
+            <a:lstStyle/>
+            <a:p>
+              <a:pPr algn="ctr"/>
+              <a:endParaRPr lang="en-US"/>
+            </a:p>
+          </p:txBody>
+        </p:sp>
+        <p:sp>
+          <p:nvSpPr>
+            <p:cNvPr id="10" name="Rectangle 9">
+              <a:extLst>
+                <a:ext uri="{FF2B5EF4-FFF2-40B4-BE49-F238E27FC236}">
+                  <a16:creationId xmlns:a16="http://schemas.microsoft.com/office/drawing/2014/main" id="{077C22F4-E20B-4AF3-BE39-6E03223430FD}"/>
+                </a:ext>
+              </a:extLst>
+            </p:cNvPr>
+            <p:cNvSpPr/>
+            <p:nvPr/>
+          </p:nvSpPr>
+          <p:spPr>
+            <a:xfrm>
+              <a:off x="6670158" y="4758937"/>
+              <a:ext cx="1378689" cy="280896"/>
+            </a:xfrm>
+            <a:prstGeom prst="rect">
+              <a:avLst/>
+            </a:prstGeom>
+            <a:solidFill>
+              <a:schemeClr val="bg1"/>
+            </a:solidFill>
+            <a:ln>
+              <a:noFill/>
+            </a:ln>
+          </p:spPr>
+          <p:style>
+            <a:lnRef idx="2">
+              <a:schemeClr val="accent1">
+                <a:shade val="50000"/>
+              </a:schemeClr>
+            </a:lnRef>
+            <a:fillRef idx="1">
+              <a:schemeClr val="accent1"/>
+            </a:fillRef>
+            <a:effectRef idx="0">
+              <a:schemeClr val="accent1"/>
+            </a:effectRef>
+            <a:fontRef idx="minor">
+              <a:schemeClr val="lt1"/>
+            </a:fontRef>
+          </p:style>
+          <p:txBody>
+            <a:bodyPr rtlCol="0" anchor="ctr"/>
+            <a:lstStyle/>
+            <a:p>
+              <a:pPr algn="ctr"/>
+              <a:endParaRPr lang="en-US"/>
+            </a:p>
+          </p:txBody>
+        </p:sp>
+      </p:grpSp>
+      <p:sp>
+        <p:nvSpPr>
+          <p:cNvPr id="13" name="TextBox 12">
+            <a:extLst>
+              <a:ext uri="{FF2B5EF4-FFF2-40B4-BE49-F238E27FC236}">
+                <a16:creationId xmlns:a16="http://schemas.microsoft.com/office/drawing/2014/main" id="{69B11D47-190F-47C8-BF3A-D23DF529E4C5}"/>
+              </a:ext>
+            </a:extLst>
+          </p:cNvPr>
+          <p:cNvSpPr txBox="1"/>
+          <p:nvPr/>
+        </p:nvSpPr>
+        <p:spPr>
+          <a:xfrm>
+            <a:off x="520110" y="4251810"/>
+            <a:ext cx="11296569" cy="2308324"/>
+          </a:xfrm>
+          <a:prstGeom prst="rect">
+            <a:avLst/>
+          </a:prstGeom>
+          <a:noFill/>
+        </p:spPr>
+        <p:txBody>
+          <a:bodyPr wrap="square">
+            <a:spAutoFit/>
+          </a:bodyPr>
+          <a:lstStyle/>
+          <a:p>
+            <a:pPr marL="285750" indent="-285750">
+              <a:buFont typeface="Arial" panose="020B0604020202020204" pitchFamily="34" charset="0"/>
+              <a:buChar char="•"/>
+            </a:pPr>
+            <a:r>
+              <a:rPr lang="en-US" dirty="0"/>
+              <a:t>Both detectors focus on same time window,</a:t>
+            </a:r>
+          </a:p>
+          <a:p>
+            <a:pPr marL="742950" lvl="1" indent="-285750">
+              <a:buFont typeface="Arial" panose="020B0604020202020204" pitchFamily="34" charset="0"/>
+              <a:buChar char="•"/>
+            </a:pPr>
+            <a:r>
+              <a:rPr lang="en-US" dirty="0"/>
+              <a:t>Around when most infants are introduced to solid foods, which may occur earlier for formula-fed infants</a:t>
+            </a:r>
+          </a:p>
+          <a:p>
+            <a:pPr marL="742950" lvl="1" indent="-285750">
+              <a:buFont typeface="Arial" panose="020B0604020202020204" pitchFamily="34" charset="0"/>
+              <a:buChar char="•"/>
+            </a:pPr>
+            <a:r>
+              <a:rPr lang="en-US" dirty="0"/>
+              <a:t>From visual of rules, can see that after the window, abundances become more difficult to distinguish; may suggest similar diets post-liquid foods in both groups</a:t>
+            </a:r>
+          </a:p>
+          <a:p>
+            <a:pPr marL="285750" indent="-285750">
+              <a:buFont typeface="Arial" panose="020B0604020202020204" pitchFamily="34" charset="0"/>
+              <a:buChar char="•"/>
+            </a:pPr>
+            <a:r>
+              <a:rPr lang="en-US" dirty="0"/>
+              <a:t>First detector selected selected twelve taxa in the Order </a:t>
+            </a:r>
+            <a:r>
+              <a:rPr lang="en-US" dirty="0" err="1"/>
+              <a:t>Clostridiales</a:t>
+            </a:r>
+            <a:endParaRPr lang="en-US" dirty="0"/>
+          </a:p>
+          <a:p>
+            <a:pPr marL="742950" lvl="1" indent="-285750">
+              <a:buFont typeface="Arial" panose="020B0604020202020204" pitchFamily="34" charset="0"/>
+              <a:buChar char="•"/>
+            </a:pPr>
+            <a:r>
+              <a:rPr lang="en-US" dirty="0"/>
+              <a:t>Detects all the formula-fed infants and four of the breast-fed infants</a:t>
+            </a:r>
+          </a:p>
+          <a:p>
+            <a:pPr marL="742950" lvl="1" indent="-285750">
+              <a:buFont typeface="Arial" panose="020B0604020202020204" pitchFamily="34" charset="0"/>
+              <a:buChar char="•"/>
+            </a:pPr>
+            <a:r>
+              <a:rPr lang="en-US" dirty="0"/>
+              <a:t>Many of the selected taxa are strict anaerobes that metabolize more complex nutrient sources, including starches and lipids which may be present in formula</a:t>
+            </a:r>
+          </a:p>
+        </p:txBody>
+      </p:sp>
+    </p:spTree>
+    <p:extLst>
+      <p:ext uri="{BB962C8B-B14F-4D97-AF65-F5344CB8AC3E}">
+        <p14:creationId xmlns:p14="http://schemas.microsoft.com/office/powerpoint/2010/main" val="2069347355"/>
+      </p:ext>
+    </p:extLst>
+  </p:cSld>
+  <p:clrMapOvr>
+    <a:masterClrMapping/>
+  </p:clrMapOvr>
+</p:sld>
+</file>
+
+<file path=ppt/slides/slide15.xml><?xml version="1.0" encoding="utf-8"?>
+<p:sld xmlns:a="http://schemas.openxmlformats.org/drawingml/2006/main" xmlns:r="http://schemas.openxmlformats.org/officeDocument/2006/relationships" xmlns:p="http://schemas.openxmlformats.org/presentationml/2006/main">
+  <p:cSld>
+    <p:spTree>
+      <p:nvGrpSpPr>
+        <p:cNvPr id="1" name=""/>
+        <p:cNvGrpSpPr/>
+        <p:nvPr/>
+      </p:nvGrpSpPr>
+      <p:grpSpPr>
+        <a:xfrm>
+          <a:off x="0" y="0"/>
+          <a:ext cx="0" cy="0"/>
+          <a:chOff x="0" y="0"/>
+          <a:chExt cx="0" cy="0"/>
+        </a:xfrm>
+      </p:grpSpPr>
+      <p:sp>
+        <p:nvSpPr>
+          <p:cNvPr id="2" name="Title 1">
+            <a:extLst>
+              <a:ext uri="{FF2B5EF4-FFF2-40B4-BE49-F238E27FC236}">
+                <a16:creationId xmlns:a16="http://schemas.microsoft.com/office/drawing/2014/main" id="{AABD132F-AE9D-4FA7-AB63-01CB1592AB8A}"/>
+              </a:ext>
+            </a:extLst>
+          </p:cNvPr>
+          <p:cNvSpPr>
+            <a:spLocks noGrp="1"/>
+          </p:cNvSpPr>
+          <p:nvPr>
+            <p:ph type="title"/>
+          </p:nvPr>
+        </p:nvSpPr>
+        <p:spPr>
+          <a:xfrm>
+            <a:off x="838200" y="163106"/>
+            <a:ext cx="10515600" cy="1325563"/>
+          </a:xfrm>
+        </p:spPr>
+        <p:txBody>
+          <a:bodyPr/>
+          <a:lstStyle/>
+          <a:p>
+            <a:r>
+              <a:rPr lang="en-US" dirty="0"/>
+              <a:t>Second rule, second detector</a:t>
+            </a:r>
+          </a:p>
+        </p:txBody>
+      </p:sp>
+      <p:grpSp>
+        <p:nvGrpSpPr>
+          <p:cNvPr id="10" name="Group 9">
+            <a:extLst>
+              <a:ext uri="{FF2B5EF4-FFF2-40B4-BE49-F238E27FC236}">
+                <a16:creationId xmlns:a16="http://schemas.microsoft.com/office/drawing/2014/main" id="{3227B9F3-FBD6-4D27-9032-4588A499FD3B}"/>
+              </a:ext>
+            </a:extLst>
+          </p:cNvPr>
+          <p:cNvGrpSpPr/>
+          <p:nvPr/>
+        </p:nvGrpSpPr>
+        <p:grpSpPr>
+          <a:xfrm>
+            <a:off x="446210" y="1296356"/>
+            <a:ext cx="11469701" cy="3037906"/>
+            <a:chOff x="361149" y="1881964"/>
+            <a:chExt cx="11469701" cy="3037906"/>
+          </a:xfrm>
+        </p:grpSpPr>
+        <p:pic>
+          <p:nvPicPr>
+            <p:cNvPr id="8" name="Picture 7">
+              <a:extLst>
+                <a:ext uri="{FF2B5EF4-FFF2-40B4-BE49-F238E27FC236}">
+                  <a16:creationId xmlns:a16="http://schemas.microsoft.com/office/drawing/2014/main" id="{270755E6-2A42-42D1-96E2-F1FC772CC650}"/>
+                </a:ext>
+              </a:extLst>
+            </p:cNvPr>
+            <p:cNvPicPr>
+              <a:picLocks noChangeAspect="1"/>
+            </p:cNvPicPr>
+            <p:nvPr/>
+          </p:nvPicPr>
+          <p:blipFill>
+            <a:blip r:embed="rId2"/>
+            <a:stretch>
+              <a:fillRect/>
+            </a:stretch>
+          </p:blipFill>
+          <p:spPr>
+            <a:xfrm>
+              <a:off x="361149" y="1938129"/>
+              <a:ext cx="11469701" cy="2981741"/>
+            </a:xfrm>
+            <a:prstGeom prst="rect">
+              <a:avLst/>
+            </a:prstGeom>
+          </p:spPr>
+        </p:pic>
+        <p:sp>
+          <p:nvSpPr>
+            <p:cNvPr id="9" name="Rectangle 8">
+              <a:extLst>
+                <a:ext uri="{FF2B5EF4-FFF2-40B4-BE49-F238E27FC236}">
+                  <a16:creationId xmlns:a16="http://schemas.microsoft.com/office/drawing/2014/main" id="{C6AF2D94-B2B0-4ADE-9985-D73E5AB1A58B}"/>
+                </a:ext>
+              </a:extLst>
+            </p:cNvPr>
+            <p:cNvSpPr/>
+            <p:nvPr/>
+          </p:nvSpPr>
+          <p:spPr>
+            <a:xfrm>
+              <a:off x="3402419" y="1881964"/>
+              <a:ext cx="1031358" cy="202019"/>
+            </a:xfrm>
+            <a:prstGeom prst="rect">
+              <a:avLst/>
+            </a:prstGeom>
+            <a:solidFill>
+              <a:schemeClr val="bg1"/>
+            </a:solidFill>
+            <a:ln>
+              <a:noFill/>
+            </a:ln>
+          </p:spPr>
+          <p:style>
+            <a:lnRef idx="2">
+              <a:schemeClr val="accent1">
+                <a:shade val="50000"/>
+              </a:schemeClr>
+            </a:lnRef>
+            <a:fillRef idx="1">
+              <a:schemeClr val="accent1"/>
+            </a:fillRef>
+            <a:effectRef idx="0">
+              <a:schemeClr val="accent1"/>
+            </a:effectRef>
+            <a:fontRef idx="minor">
+              <a:schemeClr val="lt1"/>
+            </a:fontRef>
+          </p:style>
+          <p:txBody>
+            <a:bodyPr rtlCol="0" anchor="ctr"/>
+            <a:lstStyle/>
+            <a:p>
+              <a:pPr algn="ctr"/>
+              <a:endParaRPr lang="en-US"/>
+            </a:p>
+          </p:txBody>
+        </p:sp>
+      </p:grpSp>
+      <p:sp>
+        <p:nvSpPr>
+          <p:cNvPr id="12" name="TextBox 11">
+            <a:extLst>
+              <a:ext uri="{FF2B5EF4-FFF2-40B4-BE49-F238E27FC236}">
+                <a16:creationId xmlns:a16="http://schemas.microsoft.com/office/drawing/2014/main" id="{77F6D605-9392-4BD4-A8AC-6B26A235DF19}"/>
+              </a:ext>
+            </a:extLst>
+          </p:cNvPr>
+          <p:cNvSpPr txBox="1"/>
+          <p:nvPr/>
+        </p:nvSpPr>
+        <p:spPr>
+          <a:xfrm>
+            <a:off x="326806" y="4555475"/>
+            <a:ext cx="8486554" cy="1477328"/>
+          </a:xfrm>
+          <a:prstGeom prst="rect">
+            <a:avLst/>
+          </a:prstGeom>
+          <a:noFill/>
+        </p:spPr>
+        <p:txBody>
+          <a:bodyPr wrap="square">
+            <a:spAutoFit/>
+          </a:bodyPr>
+          <a:lstStyle/>
+          <a:p>
+            <a:pPr marL="285750" indent="-285750">
+              <a:buFont typeface="Arial" panose="020B0604020202020204" pitchFamily="34" charset="0"/>
+              <a:buChar char="•"/>
+            </a:pPr>
+            <a:r>
+              <a:rPr lang="en-US" dirty="0"/>
+              <a:t>Second detector focuses on the rate of increase of a single taxon, Bacteroides </a:t>
+            </a:r>
+            <a:r>
+              <a:rPr lang="en-US" dirty="0" err="1"/>
+              <a:t>acidifaciens</a:t>
+            </a:r>
+            <a:r>
+              <a:rPr lang="en-US" dirty="0"/>
+              <a:t>; TRUE if this taxon is increasing </a:t>
+            </a:r>
+          </a:p>
+          <a:p>
+            <a:pPr marL="285750" indent="-285750">
+              <a:buFont typeface="Arial" panose="020B0604020202020204" pitchFamily="34" charset="0"/>
+              <a:buChar char="•"/>
+            </a:pPr>
+            <a:r>
+              <a:rPr lang="en-US" dirty="0"/>
+              <a:t>Bacteroides </a:t>
+            </a:r>
+            <a:r>
+              <a:rPr lang="en-US" dirty="0" err="1"/>
+              <a:t>acidifaciens</a:t>
+            </a:r>
+            <a:r>
+              <a:rPr lang="en-US" dirty="0"/>
+              <a:t> has been shown to increase with higher fiber diets</a:t>
+            </a:r>
+          </a:p>
+          <a:p>
+            <a:pPr marL="285750" indent="-285750">
+              <a:buFont typeface="Arial" panose="020B0604020202020204" pitchFamily="34" charset="0"/>
+              <a:buChar char="•"/>
+            </a:pPr>
+            <a:r>
+              <a:rPr lang="en-US" dirty="0"/>
+              <a:t>Detector picks out all but one formula-fed infant but also many breast-fed infants; but is false for the four breastfed infants identified by the first detector</a:t>
+            </a:r>
+          </a:p>
+        </p:txBody>
+      </p:sp>
+      <p:pic>
+        <p:nvPicPr>
+          <p:cNvPr id="13" name="Picture 12">
+            <a:extLst>
+              <a:ext uri="{FF2B5EF4-FFF2-40B4-BE49-F238E27FC236}">
+                <a16:creationId xmlns:a16="http://schemas.microsoft.com/office/drawing/2014/main" id="{0A016EFF-8ECD-447D-B944-09342F6BA1D3}"/>
+              </a:ext>
+            </a:extLst>
+          </p:cNvPr>
+          <p:cNvPicPr>
+            <a:picLocks noChangeAspect="1"/>
+          </p:cNvPicPr>
+          <p:nvPr/>
+        </p:nvPicPr>
+        <p:blipFill rotWithShape="1">
+          <a:blip r:embed="rId3"/>
+          <a:srcRect t="17779"/>
+          <a:stretch/>
+        </p:blipFill>
+        <p:spPr>
+          <a:xfrm>
+            <a:off x="8813360" y="4390427"/>
+            <a:ext cx="3231556" cy="1975539"/>
+          </a:xfrm>
+          <a:prstGeom prst="rect">
+            <a:avLst/>
+          </a:prstGeom>
+        </p:spPr>
+      </p:pic>
+    </p:spTree>
+    <p:extLst>
+      <p:ext uri="{BB962C8B-B14F-4D97-AF65-F5344CB8AC3E}">
+        <p14:creationId xmlns:p14="http://schemas.microsoft.com/office/powerpoint/2010/main" val="488055741"/>
+      </p:ext>
+    </p:extLst>
+  </p:cSld>
+  <p:clrMapOvr>
+    <a:masterClrMapping/>
+  </p:clrMapOvr>
+</p:sld>
+</file>
+
+<file path=ppt/slides/slide16.xml><?xml version="1.0" encoding="utf-8"?>
+<p:sld xmlns:a="http://schemas.openxmlformats.org/drawingml/2006/main" xmlns:r="http://schemas.openxmlformats.org/officeDocument/2006/relationships" xmlns:p="http://schemas.openxmlformats.org/presentationml/2006/main">
+  <p:cSld>
+    <p:spTree>
+      <p:nvGrpSpPr>
+        <p:cNvPr id="1" name=""/>
+        <p:cNvGrpSpPr/>
+        <p:nvPr/>
+      </p:nvGrpSpPr>
+      <p:grpSpPr>
+        <a:xfrm>
+          <a:off x="0" y="0"/>
+          <a:ext cx="0" cy="0"/>
+          <a:chOff x="0" y="0"/>
+          <a:chExt cx="0" cy="0"/>
+        </a:xfrm>
+      </p:grpSpPr>
+      <p:sp>
+        <p:nvSpPr>
+          <p:cNvPr id="2" name="Title 1">
+            <a:extLst>
+              <a:ext uri="{FF2B5EF4-FFF2-40B4-BE49-F238E27FC236}">
+                <a16:creationId xmlns:a16="http://schemas.microsoft.com/office/drawing/2014/main" id="{9FE310F4-2B27-4F97-8F26-B7999926772D}"/>
+              </a:ext>
+            </a:extLst>
+          </p:cNvPr>
+          <p:cNvSpPr>
+            <a:spLocks noGrp="1"/>
+          </p:cNvSpPr>
+          <p:nvPr>
+            <p:ph type="title"/>
+          </p:nvPr>
+        </p:nvSpPr>
+        <p:spPr>
+          <a:xfrm>
+            <a:off x="186218" y="158446"/>
+            <a:ext cx="10515600" cy="1171254"/>
+          </a:xfrm>
+        </p:spPr>
+        <p:txBody>
+          <a:bodyPr/>
+          <a:lstStyle/>
+          <a:p>
+            <a:r>
+              <a:rPr lang="en-US" dirty="0"/>
+              <a:t>Datasets overview</a:t>
+            </a:r>
+          </a:p>
+        </p:txBody>
+      </p:sp>
+      <p:graphicFrame>
+        <p:nvGraphicFramePr>
+          <p:cNvPr id="4" name="Table 4">
+            <a:extLst>
+              <a:ext uri="{FF2B5EF4-FFF2-40B4-BE49-F238E27FC236}">
+                <a16:creationId xmlns:a16="http://schemas.microsoft.com/office/drawing/2014/main" id="{42B9F665-88AA-4B96-AB19-66EECCAE8055}"/>
+              </a:ext>
+            </a:extLst>
+          </p:cNvPr>
+          <p:cNvGraphicFramePr>
+            <a:graphicFrameLocks noGrp="1"/>
+          </p:cNvGraphicFramePr>
+          <p:nvPr>
+            <p:ph idx="1"/>
+            <p:extLst>
+              <p:ext uri="{D42A27DB-BD31-4B8C-83A1-F6EECF244321}">
+                <p14:modId xmlns:p14="http://schemas.microsoft.com/office/powerpoint/2010/main" val="1141462749"/>
+              </p:ext>
+            </p:extLst>
+          </p:nvPr>
+        </p:nvGraphicFramePr>
+        <p:xfrm>
+          <a:off x="186218" y="1329700"/>
+          <a:ext cx="11819564" cy="4945384"/>
+        </p:xfrm>
+        <a:graphic>
+          <a:graphicData uri="http://schemas.openxmlformats.org/drawingml/2006/table">
+            <a:tbl>
+              <a:tblPr firstRow="1" bandRow="1">
+                <a:tableStyleId>{5C22544A-7EE6-4342-B048-85BDC9FD1C3A}</a:tableStyleId>
+              </a:tblPr>
+              <a:tblGrid>
+                <a:gridCol w="1709792">
+                  <a:extLst>
+                    <a:ext uri="{9D8B030D-6E8A-4147-A177-3AD203B41FA5}">
+                      <a16:colId xmlns:a16="http://schemas.microsoft.com/office/drawing/2014/main" val="2324602683"/>
+                    </a:ext>
+                  </a:extLst>
+                </a:gridCol>
+                <a:gridCol w="5435029">
+                  <a:extLst>
+                    <a:ext uri="{9D8B030D-6E8A-4147-A177-3AD203B41FA5}">
+                      <a16:colId xmlns:a16="http://schemas.microsoft.com/office/drawing/2014/main" val="1318433837"/>
+                    </a:ext>
+                  </a:extLst>
+                </a:gridCol>
+                <a:gridCol w="780836">
+                  <a:extLst>
+                    <a:ext uri="{9D8B030D-6E8A-4147-A177-3AD203B41FA5}">
+                      <a16:colId xmlns:a16="http://schemas.microsoft.com/office/drawing/2014/main" val="1306927095"/>
+                    </a:ext>
+                  </a:extLst>
+                </a:gridCol>
+                <a:gridCol w="3893907">
+                  <a:extLst>
+                    <a:ext uri="{9D8B030D-6E8A-4147-A177-3AD203B41FA5}">
+                      <a16:colId xmlns:a16="http://schemas.microsoft.com/office/drawing/2014/main" val="371467645"/>
+                    </a:ext>
+                  </a:extLst>
+                </a:gridCol>
+              </a:tblGrid>
+              <a:tr h="432198">
+                <a:tc>
+                  <a:txBody>
+                    <a:bodyPr/>
+                    <a:lstStyle/>
+                    <a:p>
+                      <a:r>
+                        <a:rPr lang="en-US" dirty="0"/>
+                        <a:t>Study</a:t>
+                      </a:r>
+                    </a:p>
+                  </a:txBody>
+                  <a:tcPr/>
+                </a:tc>
+                <a:tc>
+                  <a:txBody>
+                    <a:bodyPr/>
+                    <a:lstStyle/>
+                    <a:p>
+                      <a:r>
+                        <a:rPr lang="en-US" dirty="0"/>
+                        <a:t>Subjects</a:t>
+                      </a:r>
+                    </a:p>
+                  </a:txBody>
+                  <a:tcPr/>
+                </a:tc>
+                <a:tc>
+                  <a:txBody>
+                    <a:bodyPr/>
+                    <a:lstStyle/>
+                    <a:p>
+                      <a:r>
+                        <a:rPr lang="en-US" dirty="0"/>
+                        <a:t>Type</a:t>
+                      </a:r>
+                    </a:p>
+                  </a:txBody>
+                  <a:tcPr/>
+                </a:tc>
+                <a:tc>
+                  <a:txBody>
+                    <a:bodyPr/>
+                    <a:lstStyle/>
+                    <a:p>
+                      <a:r>
+                        <a:rPr lang="en-US" dirty="0"/>
+                        <a:t>Classification tasks</a:t>
+                      </a:r>
+                    </a:p>
+                  </a:txBody>
+                  <a:tcPr/>
+                </a:tc>
+                <a:extLst>
+                  <a:ext uri="{0D108BD9-81ED-4DB2-BD59-A6C34878D82A}">
+                    <a16:rowId xmlns:a16="http://schemas.microsoft.com/office/drawing/2014/main" val="784161226"/>
+                  </a:ext>
+                </a:extLst>
+              </a:tr>
+              <a:tr h="814150">
+                <a:tc>
+                  <a:txBody>
+                    <a:bodyPr/>
+                    <a:lstStyle/>
+                    <a:p>
+                      <a:r>
+                        <a:rPr lang="en-US" dirty="0" err="1"/>
+                        <a:t>Bokulich</a:t>
+                      </a:r>
+                      <a:r>
+                        <a:rPr lang="en-US" dirty="0"/>
+                        <a:t> 2016</a:t>
+                      </a:r>
+                    </a:p>
+                  </a:txBody>
+                  <a:tcPr/>
+                </a:tc>
+                <a:tc>
+                  <a:txBody>
+                    <a:bodyPr/>
+                    <a:lstStyle/>
+                    <a:p>
+                      <a:r>
+                        <a:rPr lang="en-US" sz="1800" b="0" i="0" kern="1200" dirty="0">
+                          <a:solidFill>
+                            <a:schemeClr val="dk1"/>
+                          </a:solidFill>
+                          <a:effectLst/>
+                          <a:latin typeface="+mn-lt"/>
+                          <a:ea typeface="+mn-ea"/>
+                          <a:cs typeface="+mn-cs"/>
+                        </a:rPr>
+                        <a:t>Gut microbiomes of infants sampled over the first two years of life</a:t>
+                      </a:r>
+                      <a:endParaRPr lang="en-US" dirty="0"/>
+                    </a:p>
+                  </a:txBody>
+                  <a:tcPr/>
+                </a:tc>
+                <a:tc>
+                  <a:txBody>
+                    <a:bodyPr/>
+                    <a:lstStyle/>
+                    <a:p>
+                      <a:r>
+                        <a:rPr lang="en-US" dirty="0"/>
+                        <a:t>16S </a:t>
+                      </a:r>
+                    </a:p>
+                  </a:txBody>
+                  <a:tcPr/>
+                </a:tc>
+                <a:tc>
+                  <a:txBody>
+                    <a:bodyPr/>
+                    <a:lstStyle/>
+                    <a:p>
+                      <a:pPr marL="342900" indent="-342900">
+                        <a:buAutoNum type="alphaLcParenBoth"/>
+                      </a:pPr>
+                      <a:r>
+                        <a:rPr lang="en-US" sz="1800" b="0" i="0" kern="1200" dirty="0">
+                          <a:solidFill>
+                            <a:schemeClr val="dk1"/>
+                          </a:solidFill>
+                          <a:effectLst/>
+                          <a:latin typeface="+mn-lt"/>
+                          <a:ea typeface="+mn-ea"/>
+                          <a:cs typeface="+mn-cs"/>
+                        </a:rPr>
+                        <a:t>Diet (breast fed vs formula) </a:t>
+                      </a:r>
+                    </a:p>
+                    <a:p>
+                      <a:pPr marL="342900" indent="-342900">
+                        <a:buAutoNum type="alphaLcParenBoth"/>
+                      </a:pPr>
+                      <a:r>
+                        <a:rPr lang="en-US" sz="1800" b="0" i="0" kern="1200" dirty="0">
+                          <a:solidFill>
+                            <a:schemeClr val="dk1"/>
+                          </a:solidFill>
+                          <a:effectLst/>
+                          <a:latin typeface="+mn-lt"/>
+                          <a:ea typeface="+mn-ea"/>
+                          <a:cs typeface="+mn-cs"/>
+                        </a:rPr>
+                        <a:t>Mode of birth (vaginal or c-section)</a:t>
+                      </a:r>
+                    </a:p>
+                  </a:txBody>
+                  <a:tcPr/>
+                </a:tc>
+                <a:extLst>
+                  <a:ext uri="{0D108BD9-81ED-4DB2-BD59-A6C34878D82A}">
+                    <a16:rowId xmlns:a16="http://schemas.microsoft.com/office/drawing/2014/main" val="3681556962"/>
+                  </a:ext>
+                </a:extLst>
+              </a:tr>
+              <a:tr h="432198">
+                <a:tc>
+                  <a:txBody>
+                    <a:bodyPr/>
+                    <a:lstStyle/>
+                    <a:p>
+                      <a:r>
+                        <a:rPr lang="en-US" dirty="0"/>
+                        <a:t>Brooks 2017</a:t>
+                      </a:r>
+                    </a:p>
+                  </a:txBody>
+                  <a:tcPr/>
+                </a:tc>
+                <a:tc>
+                  <a:txBody>
+                    <a:bodyPr/>
+                    <a:lstStyle/>
+                    <a:p>
+                      <a:r>
+                        <a:rPr lang="en-US" sz="1800" b="0" i="0" kern="1200" dirty="0">
+                          <a:solidFill>
+                            <a:schemeClr val="dk1"/>
+                          </a:solidFill>
+                          <a:effectLst/>
+                          <a:latin typeface="+mn-lt"/>
+                          <a:ea typeface="+mn-ea"/>
+                          <a:cs typeface="+mn-cs"/>
+                        </a:rPr>
+                        <a:t>Gut microbiomes of 30 infants sampled over 75 days</a:t>
+                      </a:r>
+                      <a:endParaRPr lang="en-US" dirty="0"/>
+                    </a:p>
+                  </a:txBody>
+                  <a:tcPr/>
+                </a:tc>
+                <a:tc>
+                  <a:txBody>
+                    <a:bodyPr/>
+                    <a:lstStyle/>
+                    <a:p>
+                      <a:r>
+                        <a:rPr lang="en-US" dirty="0"/>
+                        <a:t>MAG</a:t>
+                      </a:r>
+                    </a:p>
+                  </a:txBody>
+                  <a:tcPr/>
+                </a:tc>
+                <a:tc>
+                  <a:txBody>
+                    <a:bodyPr/>
+                    <a:lstStyle/>
+                    <a:p>
+                      <a:r>
+                        <a:rPr lang="en-US" sz="1800" b="0" i="0" kern="1200" dirty="0">
+                          <a:solidFill>
+                            <a:schemeClr val="dk1"/>
+                          </a:solidFill>
+                          <a:effectLst/>
+                          <a:latin typeface="+mn-lt"/>
+                          <a:ea typeface="+mn-ea"/>
+                          <a:cs typeface="+mn-cs"/>
+                        </a:rPr>
+                        <a:t>Mode of birth (vaginal versus C-section)</a:t>
+                      </a:r>
+                      <a:endParaRPr lang="en-US" dirty="0"/>
+                    </a:p>
+                  </a:txBody>
+                  <a:tcPr/>
+                </a:tc>
+                <a:extLst>
+                  <a:ext uri="{0D108BD9-81ED-4DB2-BD59-A6C34878D82A}">
+                    <a16:rowId xmlns:a16="http://schemas.microsoft.com/office/drawing/2014/main" val="3890331503"/>
+                  </a:ext>
+                </a:extLst>
+              </a:tr>
+              <a:tr h="432198">
+                <a:tc>
+                  <a:txBody>
+                    <a:bodyPr/>
+                    <a:lstStyle/>
+                    <a:p>
+                      <a:r>
+                        <a:rPr lang="en-US" dirty="0"/>
+                        <a:t>David 2014</a:t>
+                      </a:r>
+                    </a:p>
+                  </a:txBody>
+                  <a:tcPr/>
+                </a:tc>
+                <a:tc>
+                  <a:txBody>
+                    <a:bodyPr/>
+                    <a:lstStyle/>
+                    <a:p>
+                      <a:r>
+                        <a:rPr lang="en-US" sz="1800" b="0" i="0" kern="1200" dirty="0">
+                          <a:solidFill>
+                            <a:schemeClr val="dk1"/>
+                          </a:solidFill>
+                          <a:effectLst/>
+                          <a:latin typeface="+mn-lt"/>
+                          <a:ea typeface="+mn-ea"/>
+                          <a:cs typeface="+mn-cs"/>
+                        </a:rPr>
+                        <a:t>Microbiomes of 20 healthy adults receiving dietary interventions</a:t>
+                      </a:r>
+                      <a:endParaRPr lang="en-US" dirty="0"/>
+                    </a:p>
+                  </a:txBody>
+                  <a:tcPr/>
+                </a:tc>
+                <a:tc>
+                  <a:txBody>
+                    <a:bodyPr/>
+                    <a:lstStyle/>
+                    <a:p>
+                      <a:r>
+                        <a:rPr lang="en-US" dirty="0"/>
+                        <a:t>16S</a:t>
+                      </a:r>
+                    </a:p>
+                  </a:txBody>
+                  <a:tcPr/>
+                </a:tc>
+                <a:tc>
+                  <a:txBody>
+                    <a:bodyPr/>
+                    <a:lstStyle/>
+                    <a:p>
+                      <a:r>
+                        <a:rPr lang="en-US" dirty="0"/>
+                        <a:t>Diet (</a:t>
+                      </a:r>
+                      <a:r>
+                        <a:rPr lang="en-US" sz="1800" b="0" i="0" kern="1200" dirty="0">
+                          <a:solidFill>
+                            <a:schemeClr val="dk1"/>
+                          </a:solidFill>
+                          <a:effectLst/>
+                          <a:latin typeface="+mn-lt"/>
+                          <a:ea typeface="+mn-ea"/>
+                          <a:cs typeface="+mn-cs"/>
+                        </a:rPr>
+                        <a:t>plant based vs animal)</a:t>
+                      </a:r>
+                      <a:endParaRPr lang="en-US" dirty="0"/>
+                    </a:p>
+                  </a:txBody>
+                  <a:tcPr/>
+                </a:tc>
+                <a:extLst>
+                  <a:ext uri="{0D108BD9-81ED-4DB2-BD59-A6C34878D82A}">
+                    <a16:rowId xmlns:a16="http://schemas.microsoft.com/office/drawing/2014/main" val="3513576801"/>
+                  </a:ext>
+                </a:extLst>
+              </a:tr>
+              <a:tr h="432198">
+                <a:tc>
+                  <a:txBody>
+                    <a:bodyPr/>
+                    <a:lstStyle/>
+                    <a:p>
+                      <a:r>
+                        <a:rPr lang="en-US" dirty="0" err="1"/>
+                        <a:t>DiGiulio</a:t>
+                      </a:r>
+                      <a:r>
+                        <a:rPr lang="en-US" dirty="0"/>
+                        <a:t> 2015</a:t>
+                      </a:r>
+                    </a:p>
+                  </a:txBody>
+                  <a:tcPr/>
+                </a:tc>
+                <a:tc>
+                  <a:txBody>
+                    <a:bodyPr/>
+                    <a:lstStyle/>
+                    <a:p>
+                      <a:r>
+                        <a:rPr lang="en-US" sz="1800" b="0" i="0" kern="1200" dirty="0">
+                          <a:solidFill>
+                            <a:schemeClr val="dk1"/>
+                          </a:solidFill>
+                          <a:effectLst/>
+                          <a:latin typeface="+mn-lt"/>
+                          <a:ea typeface="+mn-ea"/>
+                          <a:cs typeface="+mn-cs"/>
+                        </a:rPr>
+                        <a:t>Vaginal microbiomes of 37 pregnant women</a:t>
+                      </a:r>
+                      <a:endParaRPr lang="en-US" dirty="0"/>
+                    </a:p>
+                  </a:txBody>
+                  <a:tcPr/>
+                </a:tc>
+                <a:tc>
+                  <a:txBody>
+                    <a:bodyPr/>
+                    <a:lstStyle/>
+                    <a:p>
+                      <a:r>
+                        <a:rPr lang="en-US" dirty="0"/>
+                        <a:t>16S</a:t>
+                      </a:r>
+                    </a:p>
+                  </a:txBody>
+                  <a:tcPr/>
+                </a:tc>
+                <a:tc>
+                  <a:txBody>
+                    <a:bodyPr/>
+                    <a:lstStyle/>
+                    <a:p>
+                      <a:r>
+                        <a:rPr lang="en-US" dirty="0"/>
+                        <a:t>Delivery time (</a:t>
+                      </a:r>
+                      <a:r>
+                        <a:rPr lang="en-US" sz="1800" b="0" i="0" kern="1200" dirty="0">
+                          <a:solidFill>
+                            <a:schemeClr val="dk1"/>
+                          </a:solidFill>
+                          <a:effectLst/>
+                          <a:latin typeface="+mn-lt"/>
+                          <a:ea typeface="+mn-ea"/>
+                          <a:cs typeface="+mn-cs"/>
+                        </a:rPr>
+                        <a:t>at term vs pre-term)</a:t>
+                      </a:r>
+                      <a:endParaRPr lang="en-US" dirty="0"/>
+                    </a:p>
+                  </a:txBody>
+                  <a:tcPr/>
+                </a:tc>
+                <a:extLst>
+                  <a:ext uri="{0D108BD9-81ED-4DB2-BD59-A6C34878D82A}">
+                    <a16:rowId xmlns:a16="http://schemas.microsoft.com/office/drawing/2014/main" val="1038597031"/>
+                  </a:ext>
+                </a:extLst>
+              </a:tr>
+              <a:tr h="432198">
+                <a:tc>
+                  <a:txBody>
+                    <a:bodyPr/>
+                    <a:lstStyle/>
+                    <a:p>
+                      <a:r>
+                        <a:rPr lang="en-US" dirty="0" err="1"/>
+                        <a:t>Kostic</a:t>
+                      </a:r>
+                      <a:r>
+                        <a:rPr lang="en-US" dirty="0"/>
+                        <a:t> 2015</a:t>
+                      </a:r>
+                    </a:p>
+                  </a:txBody>
+                  <a:tcPr/>
+                </a:tc>
+                <a:tc>
+                  <a:txBody>
+                    <a:bodyPr/>
+                    <a:lstStyle/>
+                    <a:p>
+                      <a:r>
+                        <a:rPr lang="en-US" sz="1800" b="0" i="0" kern="1200" dirty="0">
+                          <a:solidFill>
+                            <a:schemeClr val="dk1"/>
+                          </a:solidFill>
+                          <a:effectLst/>
+                          <a:latin typeface="+mn-lt"/>
+                          <a:ea typeface="+mn-ea"/>
+                          <a:cs typeface="+mn-cs"/>
+                        </a:rPr>
+                        <a:t>Gut microbiomes of 17 infants sampled over the first 3 years of life</a:t>
+                      </a:r>
+                      <a:endParaRPr lang="en-US" dirty="0"/>
+                    </a:p>
+                  </a:txBody>
+                  <a:tcPr/>
+                </a:tc>
+                <a:tc>
+                  <a:txBody>
+                    <a:bodyPr/>
+                    <a:lstStyle/>
+                    <a:p>
+                      <a:r>
+                        <a:rPr lang="en-US" dirty="0"/>
+                        <a:t>MAG</a:t>
+                      </a:r>
+                    </a:p>
+                  </a:txBody>
+                  <a:tcPr/>
+                </a:tc>
+                <a:tc>
+                  <a:txBody>
+                    <a:bodyPr/>
+                    <a:lstStyle/>
+                    <a:p>
+                      <a:r>
+                        <a:rPr lang="en-US" sz="1800" b="0" i="0" kern="1200" dirty="0">
+                          <a:solidFill>
+                            <a:schemeClr val="dk1"/>
+                          </a:solidFill>
+                          <a:effectLst/>
+                          <a:latin typeface="+mn-lt"/>
+                          <a:ea typeface="+mn-ea"/>
+                          <a:cs typeface="+mn-cs"/>
+                        </a:rPr>
+                        <a:t>Normal vs development of type 1 diabetes</a:t>
+                      </a:r>
+                      <a:endParaRPr lang="en-US" dirty="0"/>
+                    </a:p>
+                  </a:txBody>
+                  <a:tcPr/>
+                </a:tc>
+                <a:extLst>
+                  <a:ext uri="{0D108BD9-81ED-4DB2-BD59-A6C34878D82A}">
+                    <a16:rowId xmlns:a16="http://schemas.microsoft.com/office/drawing/2014/main" val="2461247700"/>
+                  </a:ext>
+                </a:extLst>
+              </a:tr>
+              <a:tr h="432198">
+                <a:tc>
+                  <a:txBody>
+                    <a:bodyPr/>
+                    <a:lstStyle/>
+                    <a:p>
+                      <a:r>
+                        <a:rPr lang="en-US" dirty="0"/>
+                        <a:t>Shao 2019*</a:t>
+                      </a:r>
+                    </a:p>
+                  </a:txBody>
+                  <a:tcPr/>
+                </a:tc>
+                <a:tc>
+                  <a:txBody>
+                    <a:bodyPr/>
+                    <a:lstStyle/>
+                    <a:p>
+                      <a:r>
+                        <a:rPr lang="en-US" sz="1800" b="0" i="0" kern="1200" dirty="0">
+                          <a:solidFill>
+                            <a:schemeClr val="dk1"/>
+                          </a:solidFill>
+                          <a:effectLst/>
+                          <a:latin typeface="+mn-lt"/>
+                          <a:ea typeface="+mn-ea"/>
+                          <a:cs typeface="+mn-cs"/>
+                        </a:rPr>
+                        <a:t>Gut microbiomes of 282 infants (after filtering for subjects with fewer than three timepoints) sampled over 424 days</a:t>
+                      </a:r>
+                      <a:endParaRPr lang="en-US" dirty="0"/>
+                    </a:p>
+                  </a:txBody>
+                  <a:tcPr/>
+                </a:tc>
+                <a:tc>
+                  <a:txBody>
+                    <a:bodyPr/>
+                    <a:lstStyle/>
+                    <a:p>
+                      <a:r>
+                        <a:rPr lang="en-US" dirty="0"/>
+                        <a:t>MAG</a:t>
+                      </a:r>
+                    </a:p>
+                  </a:txBody>
+                  <a:tcPr/>
+                </a:tc>
+                <a:tc>
+                  <a:txBody>
+                    <a:bodyPr/>
+                    <a:lstStyle/>
+                    <a:p>
+                      <a:r>
+                        <a:rPr lang="en-US" sz="1800" b="0" i="0" kern="1200" dirty="0">
+                          <a:solidFill>
+                            <a:schemeClr val="dk1"/>
+                          </a:solidFill>
+                          <a:effectLst/>
+                          <a:latin typeface="+mn-lt"/>
+                          <a:ea typeface="+mn-ea"/>
+                          <a:cs typeface="+mn-cs"/>
+                        </a:rPr>
+                        <a:t>Mode of birth (vaginal versus C-section)</a:t>
+                      </a:r>
+                      <a:endParaRPr lang="en-US" dirty="0"/>
+                    </a:p>
+                  </a:txBody>
+                  <a:tcPr/>
+                </a:tc>
+                <a:extLst>
+                  <a:ext uri="{0D108BD9-81ED-4DB2-BD59-A6C34878D82A}">
+                    <a16:rowId xmlns:a16="http://schemas.microsoft.com/office/drawing/2014/main" val="2375996240"/>
+                  </a:ext>
+                </a:extLst>
+              </a:tr>
+              <a:tr h="432198">
+                <a:tc>
+                  <a:txBody>
+                    <a:bodyPr/>
+                    <a:lstStyle/>
+                    <a:p>
+                      <a:r>
+                        <a:rPr lang="en-US" dirty="0" err="1"/>
+                        <a:t>Vatanen</a:t>
+                      </a:r>
+                      <a:r>
+                        <a:rPr lang="en-US" dirty="0"/>
+                        <a:t> 2016</a:t>
+                      </a:r>
+                    </a:p>
+                  </a:txBody>
+                  <a:tcPr/>
+                </a:tc>
+                <a:tc>
+                  <a:txBody>
+                    <a:bodyPr/>
+                    <a:lstStyle/>
+                    <a:p>
+                      <a:r>
+                        <a:rPr lang="en-US" dirty="0"/>
+                        <a:t>Gut microbiomes of 117 children sampled over the first three years of life</a:t>
+                      </a:r>
+                    </a:p>
+                  </a:txBody>
+                  <a:tcPr/>
+                </a:tc>
+                <a:tc>
+                  <a:txBody>
+                    <a:bodyPr/>
+                    <a:lstStyle/>
+                    <a:p>
+                      <a:r>
+                        <a:rPr lang="en-US" dirty="0"/>
+                        <a:t>16S</a:t>
+                      </a:r>
+                    </a:p>
+                  </a:txBody>
+                  <a:tcPr/>
+                </a:tc>
+                <a:tc>
+                  <a:txBody>
+                    <a:bodyPr/>
+                    <a:lstStyle/>
+                    <a:p>
+                      <a:r>
+                        <a:rPr lang="en-US" sz="1800" b="0" i="0" kern="1200" dirty="0">
+                          <a:solidFill>
+                            <a:schemeClr val="dk1"/>
+                          </a:solidFill>
+                          <a:effectLst/>
+                          <a:latin typeface="+mn-lt"/>
+                          <a:ea typeface="+mn-ea"/>
+                          <a:cs typeface="+mn-cs"/>
+                        </a:rPr>
+                        <a:t>Nationality (Russian versus Estonian/Finnish)</a:t>
+                      </a:r>
+                      <a:endParaRPr lang="en-US" dirty="0"/>
+                    </a:p>
+                  </a:txBody>
+                  <a:tcPr/>
+                </a:tc>
+                <a:extLst>
+                  <a:ext uri="{0D108BD9-81ED-4DB2-BD59-A6C34878D82A}">
+                    <a16:rowId xmlns:a16="http://schemas.microsoft.com/office/drawing/2014/main" val="502085021"/>
+                  </a:ext>
+                </a:extLst>
+              </a:tr>
+            </a:tbl>
+          </a:graphicData>
+        </a:graphic>
+      </p:graphicFrame>
+      <p:sp>
+        <p:nvSpPr>
+          <p:cNvPr id="3" name="TextBox 2">
+            <a:extLst>
+              <a:ext uri="{FF2B5EF4-FFF2-40B4-BE49-F238E27FC236}">
+                <a16:creationId xmlns:a16="http://schemas.microsoft.com/office/drawing/2014/main" id="{5DB3780A-C75D-475A-A605-8B9C4EBA619C}"/>
+              </a:ext>
+            </a:extLst>
+          </p:cNvPr>
+          <p:cNvSpPr txBox="1"/>
+          <p:nvPr/>
+        </p:nvSpPr>
+        <p:spPr>
+          <a:xfrm>
+            <a:off x="493160" y="6359703"/>
+            <a:ext cx="7551505" cy="369332"/>
+          </a:xfrm>
+          <a:prstGeom prst="rect">
+            <a:avLst/>
+          </a:prstGeom>
+          <a:noFill/>
+        </p:spPr>
+        <p:txBody>
+          <a:bodyPr wrap="square" rtlCol="0">
+            <a:spAutoFit/>
+          </a:bodyPr>
+          <a:lstStyle/>
+          <a:p>
+            <a:r>
+              <a:rPr lang="en-US" dirty="0"/>
+              <a:t>*Shao dataset has very little time-series, may not want to use</a:t>
+            </a:r>
+          </a:p>
+        </p:txBody>
+      </p:sp>
+    </p:spTree>
+    <p:extLst>
+      <p:ext uri="{BB962C8B-B14F-4D97-AF65-F5344CB8AC3E}">
+        <p14:creationId xmlns:p14="http://schemas.microsoft.com/office/powerpoint/2010/main" val="3510407970"/>
+      </p:ext>
+    </p:extLst>
+  </p:cSld>
+  <p:clrMapOvr>
+    <a:masterClrMapping/>
+  </p:clrMapOvr>
+</p:sld>
+</file>
+
+<file path=ppt/slides/slide17.xml><?xml version="1.0" encoding="utf-8"?>
+<p:sld xmlns:a="http://schemas.openxmlformats.org/drawingml/2006/main" xmlns:r="http://schemas.openxmlformats.org/officeDocument/2006/relationships" xmlns:p="http://schemas.openxmlformats.org/presentationml/2006/main">
+  <p:cSld>
+    <p:spTree>
+      <p:nvGrpSpPr>
+        <p:cNvPr id="1" name=""/>
+        <p:cNvGrpSpPr/>
+        <p:nvPr/>
+      </p:nvGrpSpPr>
+      <p:grpSpPr>
+        <a:xfrm>
+          <a:off x="0" y="0"/>
+          <a:ext cx="0" cy="0"/>
+          <a:chOff x="0" y="0"/>
+          <a:chExt cx="0" cy="0"/>
+        </a:xfrm>
+      </p:grpSpPr>
+      <p:sp>
+        <p:nvSpPr>
+          <p:cNvPr id="2" name="Title 1">
+            <a:extLst>
+              <a:ext uri="{FF2B5EF4-FFF2-40B4-BE49-F238E27FC236}">
+                <a16:creationId xmlns:a16="http://schemas.microsoft.com/office/drawing/2014/main" id="{50EAD21A-CAFF-4952-8BBD-C34EE7443960}"/>
+              </a:ext>
+            </a:extLst>
+          </p:cNvPr>
+          <p:cNvSpPr>
+            <a:spLocks noGrp="1"/>
+          </p:cNvSpPr>
+          <p:nvPr>
+            <p:ph type="title"/>
+          </p:nvPr>
+        </p:nvSpPr>
+        <p:spPr/>
+        <p:txBody>
+          <a:bodyPr/>
+          <a:lstStyle/>
+          <a:p>
+            <a:r>
+              <a:rPr lang="en-US" dirty="0"/>
+              <a:t>Abundance data (16S amplicon)</a:t>
+            </a:r>
+          </a:p>
+        </p:txBody>
+      </p:sp>
+      <p:pic>
+        <p:nvPicPr>
+          <p:cNvPr id="7" name="Picture 6">
+            <a:extLst>
+              <a:ext uri="{FF2B5EF4-FFF2-40B4-BE49-F238E27FC236}">
+                <a16:creationId xmlns:a16="http://schemas.microsoft.com/office/drawing/2014/main" id="{A8D3BC43-8179-4A21-B01D-AC757F635814}"/>
+              </a:ext>
+            </a:extLst>
+          </p:cNvPr>
+          <p:cNvPicPr>
+            <a:picLocks noChangeAspect="1"/>
+          </p:cNvPicPr>
+          <p:nvPr/>
+        </p:nvPicPr>
+        <p:blipFill>
+          <a:blip r:embed="rId2"/>
+          <a:stretch>
+            <a:fillRect/>
+          </a:stretch>
+        </p:blipFill>
+        <p:spPr>
+          <a:xfrm>
+            <a:off x="246581" y="1542917"/>
+            <a:ext cx="7835922" cy="4443214"/>
+          </a:xfrm>
+          <a:prstGeom prst="rect">
+            <a:avLst/>
+          </a:prstGeom>
+        </p:spPr>
+      </p:pic>
+      <p:sp>
+        <p:nvSpPr>
+          <p:cNvPr id="5" name="TextBox 4">
+            <a:extLst>
+              <a:ext uri="{FF2B5EF4-FFF2-40B4-BE49-F238E27FC236}">
+                <a16:creationId xmlns:a16="http://schemas.microsoft.com/office/drawing/2014/main" id="{038D5DD9-F2E7-412C-87D4-07754CC771E0}"/>
+              </a:ext>
+            </a:extLst>
+          </p:cNvPr>
+          <p:cNvSpPr txBox="1"/>
+          <p:nvPr/>
+        </p:nvSpPr>
+        <p:spPr>
+          <a:xfrm>
+            <a:off x="8389088" y="2867071"/>
+            <a:ext cx="3410361" cy="3416320"/>
+          </a:xfrm>
+          <a:prstGeom prst="rect">
+            <a:avLst/>
+          </a:prstGeom>
+          <a:noFill/>
+        </p:spPr>
+        <p:txBody>
+          <a:bodyPr wrap="square">
+            <a:spAutoFit/>
+          </a:bodyPr>
+          <a:lstStyle/>
+          <a:p>
+            <a:pPr marL="285750" indent="-285750">
+              <a:buFont typeface="Arial" panose="020B0604020202020204" pitchFamily="34" charset="0"/>
+              <a:buChar char="•"/>
+            </a:pPr>
+            <a:r>
+              <a:rPr lang="en-US" dirty="0"/>
+              <a:t>Note: Will probably want to do some data preprocessing </a:t>
+            </a:r>
+          </a:p>
+          <a:p>
+            <a:pPr marL="285750" indent="-285750">
+              <a:buFont typeface="Arial" panose="020B0604020202020204" pitchFamily="34" charset="0"/>
+              <a:buChar char="•"/>
+            </a:pPr>
+            <a:r>
+              <a:rPr lang="en-US" dirty="0"/>
+              <a:t>Remove OTUs with low counts or that are only present in a few samples/time points</a:t>
+            </a:r>
+          </a:p>
+          <a:p>
+            <a:pPr marL="285750" indent="-285750">
+              <a:buFont typeface="Arial" panose="020B0604020202020204" pitchFamily="34" charset="0"/>
+              <a:buChar char="•"/>
+            </a:pPr>
+            <a:r>
+              <a:rPr lang="en-US" dirty="0"/>
+              <a:t>Discard subjects with too few samples</a:t>
+            </a:r>
+          </a:p>
+          <a:p>
+            <a:pPr marL="285750" indent="-285750">
+              <a:buFont typeface="Arial" panose="020B0604020202020204" pitchFamily="34" charset="0"/>
+              <a:buChar char="•"/>
+            </a:pPr>
+            <a:r>
+              <a:rPr lang="en-US" dirty="0"/>
+              <a:t>Discard time points with only few subjects</a:t>
+            </a:r>
+          </a:p>
+          <a:p>
+            <a:pPr marL="285750" indent="-285750">
+              <a:buFont typeface="Arial" panose="020B0604020202020204" pitchFamily="34" charset="0"/>
+              <a:buChar char="•"/>
+            </a:pPr>
+            <a:r>
+              <a:rPr lang="en-US" dirty="0"/>
+              <a:t>Can look to MITRE and MDITRE papers for some guidelines</a:t>
+            </a:r>
+          </a:p>
+          <a:p>
+            <a:pPr marL="285750" indent="-285750">
+              <a:buFont typeface="Arial" panose="020B0604020202020204" pitchFamily="34" charset="0"/>
+              <a:buChar char="•"/>
+            </a:pPr>
+            <a:endParaRPr lang="en-US" dirty="0"/>
+          </a:p>
+        </p:txBody>
+      </p:sp>
+    </p:spTree>
+    <p:extLst>
+      <p:ext uri="{BB962C8B-B14F-4D97-AF65-F5344CB8AC3E}">
+        <p14:creationId xmlns:p14="http://schemas.microsoft.com/office/powerpoint/2010/main" val="1738805680"/>
+      </p:ext>
+    </p:extLst>
+  </p:cSld>
+  <p:clrMapOvr>
+    <a:masterClrMapping/>
+  </p:clrMapOvr>
+</p:sld>
+</file>
+
+<file path=ppt/slides/slide18.xml><?xml version="1.0" encoding="utf-8"?>
+<p:sld xmlns:a="http://schemas.openxmlformats.org/drawingml/2006/main" xmlns:r="http://schemas.openxmlformats.org/officeDocument/2006/relationships" xmlns:p="http://schemas.openxmlformats.org/presentationml/2006/main">
+  <p:cSld>
+    <p:spTree>
+      <p:nvGrpSpPr>
+        <p:cNvPr id="1" name=""/>
+        <p:cNvGrpSpPr/>
+        <p:nvPr/>
+      </p:nvGrpSpPr>
+      <p:grpSpPr>
+        <a:xfrm>
+          <a:off x="0" y="0"/>
+          <a:ext cx="0" cy="0"/>
+          <a:chOff x="0" y="0"/>
+          <a:chExt cx="0" cy="0"/>
+        </a:xfrm>
+      </p:grpSpPr>
+      <p:sp>
+        <p:nvSpPr>
+          <p:cNvPr id="2" name="Title 1">
+            <a:extLst>
+              <a:ext uri="{FF2B5EF4-FFF2-40B4-BE49-F238E27FC236}">
+                <a16:creationId xmlns:a16="http://schemas.microsoft.com/office/drawing/2014/main" id="{E99D0ECA-37D5-46A4-A6D0-4307BC9EB1C4}"/>
+              </a:ext>
+            </a:extLst>
+          </p:cNvPr>
+          <p:cNvSpPr>
+            <a:spLocks noGrp="1"/>
+          </p:cNvSpPr>
+          <p:nvPr>
+            <p:ph type="title"/>
+          </p:nvPr>
+        </p:nvSpPr>
+        <p:spPr>
+          <a:xfrm>
+            <a:off x="294190" y="265596"/>
+            <a:ext cx="10515600" cy="1325563"/>
+          </a:xfrm>
+        </p:spPr>
+        <p:txBody>
+          <a:bodyPr/>
+          <a:lstStyle/>
+          <a:p>
+            <a:r>
+              <a:rPr lang="en-US" dirty="0"/>
+              <a:t>Abundance (shotgun metagenomics)</a:t>
+            </a:r>
+          </a:p>
+        </p:txBody>
+      </p:sp>
+      <p:pic>
+        <p:nvPicPr>
+          <p:cNvPr id="4" name="Picture 3">
+            <a:extLst>
+              <a:ext uri="{FF2B5EF4-FFF2-40B4-BE49-F238E27FC236}">
+                <a16:creationId xmlns:a16="http://schemas.microsoft.com/office/drawing/2014/main" id="{A1BCAEE0-41E3-4028-B0E1-93CDB4D282B9}"/>
+              </a:ext>
+            </a:extLst>
+          </p:cNvPr>
+          <p:cNvPicPr>
+            <a:picLocks noChangeAspect="1"/>
+          </p:cNvPicPr>
+          <p:nvPr/>
+        </p:nvPicPr>
+        <p:blipFill>
+          <a:blip r:embed="rId2"/>
+          <a:stretch>
+            <a:fillRect/>
+          </a:stretch>
+        </p:blipFill>
+        <p:spPr>
+          <a:xfrm>
+            <a:off x="202018" y="1443656"/>
+            <a:ext cx="8641417" cy="4946512"/>
+          </a:xfrm>
+          <a:prstGeom prst="rect">
+            <a:avLst/>
+          </a:prstGeom>
+        </p:spPr>
+      </p:pic>
+      <p:sp>
+        <p:nvSpPr>
+          <p:cNvPr id="6" name="TextBox 5">
+            <a:extLst>
+              <a:ext uri="{FF2B5EF4-FFF2-40B4-BE49-F238E27FC236}">
+                <a16:creationId xmlns:a16="http://schemas.microsoft.com/office/drawing/2014/main" id="{9FE6DC54-3F25-4798-8A5C-5BD491117BDB}"/>
+              </a:ext>
+            </a:extLst>
+          </p:cNvPr>
+          <p:cNvSpPr txBox="1"/>
+          <p:nvPr/>
+        </p:nvSpPr>
+        <p:spPr>
+          <a:xfrm>
+            <a:off x="9005777" y="3357102"/>
+            <a:ext cx="2984205" cy="923330"/>
+          </a:xfrm>
+          <a:prstGeom prst="rect">
+            <a:avLst/>
+          </a:prstGeom>
+          <a:noFill/>
+        </p:spPr>
+        <p:txBody>
+          <a:bodyPr wrap="square" rtlCol="0">
+            <a:spAutoFit/>
+          </a:bodyPr>
+          <a:lstStyle/>
+          <a:p>
+            <a:r>
+              <a:rPr lang="en-US" dirty="0"/>
+              <a:t>To filter at the species level, for example, can search for the pattern ‘</a:t>
+            </a:r>
+            <a:r>
+              <a:rPr lang="en-US" b="1" i="0" dirty="0">
+                <a:effectLst/>
+                <a:latin typeface="Menlo"/>
+              </a:rPr>
+              <a:t>s__</a:t>
+            </a:r>
+            <a:r>
+              <a:rPr lang="en-US" b="0" i="0" dirty="0">
+                <a:effectLst/>
+                <a:latin typeface="Menlo"/>
+              </a:rPr>
+              <a:t>’</a:t>
+            </a:r>
+            <a:endParaRPr lang="en-US" dirty="0"/>
+          </a:p>
+        </p:txBody>
+      </p:sp>
+    </p:spTree>
+    <p:extLst>
+      <p:ext uri="{BB962C8B-B14F-4D97-AF65-F5344CB8AC3E}">
+        <p14:creationId xmlns:p14="http://schemas.microsoft.com/office/powerpoint/2010/main" val="711536343"/>
+      </p:ext>
+    </p:extLst>
+  </p:cSld>
+  <p:clrMapOvr>
+    <a:masterClrMapping/>
+  </p:clrMapOvr>
+</p:sld>
+</file>
+
+<file path=ppt/slides/slide19.xml><?xml version="1.0" encoding="utf-8"?>
+<p:sld xmlns:a="http://schemas.openxmlformats.org/drawingml/2006/main" xmlns:r="http://schemas.openxmlformats.org/officeDocument/2006/relationships" xmlns:p="http://schemas.openxmlformats.org/presentationml/2006/main">
+  <p:cSld>
+    <p:spTree>
+      <p:nvGrpSpPr>
+        <p:cNvPr id="1" name=""/>
+        <p:cNvGrpSpPr/>
+        <p:nvPr/>
+      </p:nvGrpSpPr>
+      <p:grpSpPr>
+        <a:xfrm>
+          <a:off x="0" y="0"/>
+          <a:ext cx="0" cy="0"/>
+          <a:chOff x="0" y="0"/>
+          <a:chExt cx="0" cy="0"/>
+        </a:xfrm>
+      </p:grpSpPr>
+      <p:sp>
+        <p:nvSpPr>
+          <p:cNvPr id="2" name="Title 1">
+            <a:extLst>
+              <a:ext uri="{FF2B5EF4-FFF2-40B4-BE49-F238E27FC236}">
+                <a16:creationId xmlns:a16="http://schemas.microsoft.com/office/drawing/2014/main" id="{F9300FBF-C346-440E-9B0C-8982CD85DE61}"/>
+              </a:ext>
+            </a:extLst>
+          </p:cNvPr>
+          <p:cNvSpPr>
+            <a:spLocks noGrp="1"/>
+          </p:cNvSpPr>
+          <p:nvPr>
+            <p:ph type="title"/>
+          </p:nvPr>
+        </p:nvSpPr>
+        <p:spPr>
+          <a:xfrm>
+            <a:off x="0" y="0"/>
+            <a:ext cx="10515600" cy="1325563"/>
+          </a:xfrm>
+        </p:spPr>
+        <p:txBody>
+          <a:bodyPr/>
+          <a:lstStyle/>
+          <a:p>
+            <a:r>
+              <a:rPr lang="en-US" dirty="0"/>
+              <a:t>Metadata</a:t>
+            </a:r>
+          </a:p>
+        </p:txBody>
+      </p:sp>
+      <p:pic>
+        <p:nvPicPr>
+          <p:cNvPr id="4" name="Picture 3">
+            <a:extLst>
+              <a:ext uri="{FF2B5EF4-FFF2-40B4-BE49-F238E27FC236}">
+                <a16:creationId xmlns:a16="http://schemas.microsoft.com/office/drawing/2014/main" id="{025FD4CB-EBCF-4F70-9021-C940E166A3F2}"/>
+              </a:ext>
+            </a:extLst>
+          </p:cNvPr>
+          <p:cNvPicPr>
+            <a:picLocks noChangeAspect="1"/>
+          </p:cNvPicPr>
+          <p:nvPr/>
+        </p:nvPicPr>
+        <p:blipFill>
+          <a:blip r:embed="rId2"/>
+          <a:stretch>
+            <a:fillRect/>
+          </a:stretch>
+        </p:blipFill>
+        <p:spPr>
+          <a:xfrm>
+            <a:off x="6279522" y="1925214"/>
+            <a:ext cx="2273414" cy="4670834"/>
+          </a:xfrm>
+          <a:prstGeom prst="rect">
+            <a:avLst/>
+          </a:prstGeom>
+        </p:spPr>
+      </p:pic>
+      <p:sp>
+        <p:nvSpPr>
+          <p:cNvPr id="7" name="TextBox 6">
+            <a:extLst>
+              <a:ext uri="{FF2B5EF4-FFF2-40B4-BE49-F238E27FC236}">
+                <a16:creationId xmlns:a16="http://schemas.microsoft.com/office/drawing/2014/main" id="{46F58A88-DEDD-4D01-B13F-1FC001DE9D53}"/>
+              </a:ext>
+            </a:extLst>
+          </p:cNvPr>
+          <p:cNvSpPr txBox="1"/>
+          <p:nvPr/>
+        </p:nvSpPr>
+        <p:spPr>
+          <a:xfrm>
+            <a:off x="8706619" y="2202212"/>
+            <a:ext cx="3485381" cy="1754326"/>
+          </a:xfrm>
+          <a:prstGeom prst="rect">
+            <a:avLst/>
+          </a:prstGeom>
+          <a:noFill/>
+        </p:spPr>
+        <p:txBody>
+          <a:bodyPr wrap="square">
+            <a:spAutoFit/>
+          </a:bodyPr>
+          <a:lstStyle/>
+          <a:p>
+            <a:r>
+              <a:rPr lang="en-US" dirty="0"/>
+              <a:t>A CSV file that gives information about each subject, (including the value of whatever variable will be used as the host outcome for prediction (e.g., Plant-diet or Animal-diet in the David et al)</a:t>
+            </a:r>
+          </a:p>
+        </p:txBody>
+      </p:sp>
+      <p:pic>
+        <p:nvPicPr>
+          <p:cNvPr id="11" name="Picture 10">
+            <a:extLst>
+              <a:ext uri="{FF2B5EF4-FFF2-40B4-BE49-F238E27FC236}">
+                <a16:creationId xmlns:a16="http://schemas.microsoft.com/office/drawing/2014/main" id="{F4FCB1AB-EF80-4638-8EA2-D758F5FE8131}"/>
+              </a:ext>
+            </a:extLst>
+          </p:cNvPr>
+          <p:cNvPicPr>
+            <a:picLocks noChangeAspect="1"/>
+          </p:cNvPicPr>
+          <p:nvPr/>
+        </p:nvPicPr>
+        <p:blipFill>
+          <a:blip r:embed="rId3"/>
+          <a:stretch>
+            <a:fillRect/>
+          </a:stretch>
+        </p:blipFill>
+        <p:spPr>
+          <a:xfrm>
+            <a:off x="234515" y="1925214"/>
+            <a:ext cx="2829965" cy="4533185"/>
+          </a:xfrm>
+          <a:prstGeom prst="rect">
+            <a:avLst/>
+          </a:prstGeom>
+        </p:spPr>
+      </p:pic>
+      <p:sp>
+        <p:nvSpPr>
+          <p:cNvPr id="13" name="TextBox 12">
+            <a:extLst>
+              <a:ext uri="{FF2B5EF4-FFF2-40B4-BE49-F238E27FC236}">
+                <a16:creationId xmlns:a16="http://schemas.microsoft.com/office/drawing/2014/main" id="{5FE27F9B-9ABC-4D18-B50B-68E426FAE67A}"/>
+              </a:ext>
+            </a:extLst>
+          </p:cNvPr>
+          <p:cNvSpPr txBox="1"/>
+          <p:nvPr/>
+        </p:nvSpPr>
+        <p:spPr>
+          <a:xfrm>
+            <a:off x="3156241" y="2202212"/>
+            <a:ext cx="2939759" cy="1200329"/>
+          </a:xfrm>
+          <a:prstGeom prst="rect">
+            <a:avLst/>
+          </a:prstGeom>
+          <a:noFill/>
+        </p:spPr>
+        <p:txBody>
+          <a:bodyPr wrap="square">
+            <a:spAutoFit/>
+          </a:bodyPr>
+          <a:lstStyle/>
+          <a:p>
+            <a:r>
+              <a:rPr lang="en-US" dirty="0"/>
+              <a:t>A CSV file that specifies an associated subject ID and timepoint for each sample ID</a:t>
+            </a:r>
+          </a:p>
+          <a:p>
+            <a:endParaRPr lang="en-US" dirty="0"/>
+          </a:p>
+        </p:txBody>
+      </p:sp>
+      <p:sp>
+        <p:nvSpPr>
+          <p:cNvPr id="14" name="TextBox 13">
+            <a:extLst>
+              <a:ext uri="{FF2B5EF4-FFF2-40B4-BE49-F238E27FC236}">
+                <a16:creationId xmlns:a16="http://schemas.microsoft.com/office/drawing/2014/main" id="{F6F7C156-7F48-49D7-A56D-F14EA4D495CF}"/>
+              </a:ext>
+            </a:extLst>
+          </p:cNvPr>
+          <p:cNvSpPr txBox="1"/>
+          <p:nvPr/>
+        </p:nvSpPr>
+        <p:spPr>
+          <a:xfrm>
+            <a:off x="567160" y="1376858"/>
+            <a:ext cx="4467828" cy="369332"/>
+          </a:xfrm>
+          <a:prstGeom prst="rect">
+            <a:avLst/>
+          </a:prstGeom>
+          <a:noFill/>
+        </p:spPr>
+        <p:txBody>
+          <a:bodyPr wrap="square" rtlCol="0">
+            <a:spAutoFit/>
+          </a:bodyPr>
+          <a:lstStyle/>
+          <a:p>
+            <a:pPr algn="ctr"/>
+            <a:r>
+              <a:rPr lang="en-US" b="1"/>
+              <a:t>Sample metadata</a:t>
+            </a:r>
+            <a:endParaRPr lang="en-US" b="1" dirty="0"/>
+          </a:p>
+        </p:txBody>
+      </p:sp>
+      <p:sp>
+        <p:nvSpPr>
+          <p:cNvPr id="15" name="TextBox 14">
+            <a:extLst>
+              <a:ext uri="{FF2B5EF4-FFF2-40B4-BE49-F238E27FC236}">
+                <a16:creationId xmlns:a16="http://schemas.microsoft.com/office/drawing/2014/main" id="{B270B6B2-03A0-4A4A-A531-DE5F05FDB3DB}"/>
+              </a:ext>
+            </a:extLst>
+          </p:cNvPr>
+          <p:cNvSpPr txBox="1"/>
+          <p:nvPr/>
+        </p:nvSpPr>
+        <p:spPr>
+          <a:xfrm>
+            <a:off x="6279522" y="1376858"/>
+            <a:ext cx="4467828" cy="369332"/>
+          </a:xfrm>
+          <a:prstGeom prst="rect">
+            <a:avLst/>
+          </a:prstGeom>
+          <a:noFill/>
+        </p:spPr>
+        <p:txBody>
+          <a:bodyPr wrap="square" rtlCol="0">
+            <a:spAutoFit/>
+          </a:bodyPr>
+          <a:lstStyle/>
+          <a:p>
+            <a:pPr algn="ctr"/>
+            <a:r>
+              <a:rPr lang="en-US" b="1" dirty="0"/>
+              <a:t>Subject metadata</a:t>
+            </a:r>
+          </a:p>
+        </p:txBody>
+      </p:sp>
+    </p:spTree>
+    <p:extLst>
+      <p:ext uri="{BB962C8B-B14F-4D97-AF65-F5344CB8AC3E}">
+        <p14:creationId xmlns:p14="http://schemas.microsoft.com/office/powerpoint/2010/main" val="4220676650"/>
+      </p:ext>
+    </p:extLst>
+  </p:cSld>
+  <p:clrMapOvr>
+    <a:masterClrMapping/>
+  </p:clrMapOvr>
+</p:sld>
+</file>
+
+<file path=ppt/slides/slide2.xml><?xml version="1.0" encoding="utf-8"?>
+<p:sld xmlns:a="http://schemas.openxmlformats.org/drawingml/2006/main" xmlns:r="http://schemas.openxmlformats.org/officeDocument/2006/relationships" xmlns:p="http://schemas.openxmlformats.org/presentationml/2006/main">
+  <p:cSld>
+    <p:spTree>
+      <p:nvGrpSpPr>
+        <p:cNvPr id="1" name=""/>
+        <p:cNvGrpSpPr/>
+        <p:nvPr/>
+      </p:nvGrpSpPr>
+      <p:grpSpPr>
+        <a:xfrm>
+          <a:off x="0" y="0"/>
+          <a:ext cx="0" cy="0"/>
+          <a:chOff x="0" y="0"/>
+          <a:chExt cx="0" cy="0"/>
+        </a:xfrm>
+      </p:grpSpPr>
+      <p:sp>
+        <p:nvSpPr>
+          <p:cNvPr id="2" name="Title 1">
+            <a:extLst>
+              <a:ext uri="{FF2B5EF4-FFF2-40B4-BE49-F238E27FC236}">
+                <a16:creationId xmlns:a16="http://schemas.microsoft.com/office/drawing/2014/main" id="{65FC7916-8ACC-4B19-A852-B5B5CEC4BDD1}"/>
+              </a:ext>
+            </a:extLst>
+          </p:cNvPr>
+          <p:cNvSpPr>
+            <a:spLocks noGrp="1"/>
+          </p:cNvSpPr>
+          <p:nvPr>
+            <p:ph type="title"/>
+          </p:nvPr>
+        </p:nvSpPr>
+        <p:spPr>
+          <a:xfrm>
+            <a:off x="612168" y="295655"/>
+            <a:ext cx="10515600" cy="1325563"/>
+          </a:xfrm>
+        </p:spPr>
+        <p:txBody>
+          <a:bodyPr/>
+          <a:lstStyle/>
+          <a:p>
+            <a:r>
+              <a:rPr lang="en-US" dirty="0"/>
+              <a:t>Interpretability</a:t>
+            </a:r>
+          </a:p>
+        </p:txBody>
+      </p:sp>
+      <p:sp>
+        <p:nvSpPr>
+          <p:cNvPr id="3" name="Content Placeholder 2">
+            <a:extLst>
+              <a:ext uri="{FF2B5EF4-FFF2-40B4-BE49-F238E27FC236}">
+                <a16:creationId xmlns:a16="http://schemas.microsoft.com/office/drawing/2014/main" id="{F2248BF4-9E07-4CA6-8998-99F683D1F738}"/>
+              </a:ext>
+            </a:extLst>
+          </p:cNvPr>
+          <p:cNvSpPr>
+            <a:spLocks noGrp="1"/>
+          </p:cNvSpPr>
+          <p:nvPr>
+            <p:ph idx="1"/>
+          </p:nvPr>
+        </p:nvSpPr>
+        <p:spPr>
+          <a:xfrm>
+            <a:off x="505584" y="1621218"/>
+            <a:ext cx="6363984" cy="3639151"/>
+          </a:xfrm>
+        </p:spPr>
+        <p:txBody>
+          <a:bodyPr>
+            <a:normAutofit/>
+          </a:bodyPr>
+          <a:lstStyle/>
+          <a:p>
+            <a:r>
+              <a:rPr lang="en-US" dirty="0"/>
+              <a:t>Notion of interpretability difficult to define in general and is domain specific</a:t>
+            </a:r>
+          </a:p>
+          <a:p>
+            <a:r>
+              <a:rPr lang="en-US" i="0" dirty="0">
+                <a:solidFill>
+                  <a:srgbClr val="333333"/>
+                </a:solidFill>
+                <a:effectLst/>
+              </a:rPr>
+              <a:t>Non-mathematical definitions:</a:t>
+            </a:r>
+          </a:p>
+          <a:p>
+            <a:pPr lvl="1"/>
+            <a:r>
+              <a:rPr lang="en-US" i="0" dirty="0">
+                <a:solidFill>
+                  <a:srgbClr val="333333"/>
+                </a:solidFill>
+                <a:effectLst/>
+              </a:rPr>
+              <a:t>“Interpretability is the degree to which a human can understand the cause of a decision” (Miller 2017)</a:t>
+            </a:r>
+          </a:p>
+          <a:p>
+            <a:pPr lvl="1"/>
+            <a:r>
+              <a:rPr lang="en-US" dirty="0"/>
+              <a:t>“Interpretability is the degree to which a human can consistently predict the model’s result” (Kim et al 2016)</a:t>
+            </a:r>
+          </a:p>
+        </p:txBody>
+      </p:sp>
+      <p:pic>
+        <p:nvPicPr>
+          <p:cNvPr id="2050" name="Picture 2" descr="Interpretable Machine Learning. Extracting human understandable… | by Parul  Pandey | Towards Data Science">
+            <a:extLst>
+              <a:ext uri="{FF2B5EF4-FFF2-40B4-BE49-F238E27FC236}">
+                <a16:creationId xmlns:a16="http://schemas.microsoft.com/office/drawing/2014/main" id="{9CFCDBFB-3D71-4FFD-90F2-89BE32B886D8}"/>
+              </a:ext>
+            </a:extLst>
+          </p:cNvPr>
+          <p:cNvPicPr>
+            <a:picLocks noChangeAspect="1" noChangeArrowheads="1"/>
+          </p:cNvPicPr>
+          <p:nvPr/>
+        </p:nvPicPr>
+        <p:blipFill>
+          <a:blip r:embed="rId2">
+            <a:extLst>
+              <a:ext uri="{28A0092B-C50C-407E-A947-70E740481C1C}">
+                <a14:useLocalDpi xmlns:a14="http://schemas.microsoft.com/office/drawing/2010/main" val="0"/>
+              </a:ext>
+            </a:extLst>
+          </a:blip>
+          <a:srcRect/>
+          <a:stretch>
+            <a:fillRect/>
+          </a:stretch>
+        </p:blipFill>
+        <p:spPr bwMode="auto">
+          <a:xfrm>
+            <a:off x="6746277" y="941048"/>
+            <a:ext cx="5322432" cy="3456665"/>
+          </a:xfrm>
+          <a:prstGeom prst="rect">
+            <a:avLst/>
+          </a:prstGeom>
+          <a:noFill/>
+          <a:extLst>
+            <a:ext uri="{909E8E84-426E-40DD-AFC4-6F175D3DCCD1}">
+              <a14:hiddenFill xmlns:a14="http://schemas.microsoft.com/office/drawing/2010/main">
+                <a:solidFill>
+                  <a:srgbClr val="FFFFFF"/>
+                </a:solidFill>
+              </a14:hiddenFill>
+            </a:ext>
+          </a:extLst>
+        </p:spPr>
+      </p:pic>
+      <p:sp>
+        <p:nvSpPr>
+          <p:cNvPr id="6" name="TextBox 5">
+            <a:extLst>
+              <a:ext uri="{FF2B5EF4-FFF2-40B4-BE49-F238E27FC236}">
+                <a16:creationId xmlns:a16="http://schemas.microsoft.com/office/drawing/2014/main" id="{9A9F5012-7C75-4E20-AE8F-490DE1D620B9}"/>
+              </a:ext>
+            </a:extLst>
+          </p:cNvPr>
+          <p:cNvSpPr txBox="1"/>
+          <p:nvPr/>
+        </p:nvSpPr>
+        <p:spPr>
+          <a:xfrm>
+            <a:off x="7463318" y="4780992"/>
+            <a:ext cx="4605391" cy="646331"/>
+          </a:xfrm>
+          <a:prstGeom prst="rect">
+            <a:avLst/>
+          </a:prstGeom>
+          <a:noFill/>
+        </p:spPr>
+        <p:txBody>
+          <a:bodyPr wrap="square">
+            <a:spAutoFit/>
+          </a:bodyPr>
+          <a:lstStyle/>
+          <a:p>
+            <a:r>
+              <a:rPr lang="en-US" dirty="0"/>
+              <a:t>https://christophm.github.io/interpretable-ml-book/terminology.html</a:t>
+            </a:r>
+          </a:p>
+        </p:txBody>
+      </p:sp>
+      <p:sp>
+        <p:nvSpPr>
+          <p:cNvPr id="7" name="TextBox 6">
+            <a:extLst>
+              <a:ext uri="{FF2B5EF4-FFF2-40B4-BE49-F238E27FC236}">
+                <a16:creationId xmlns:a16="http://schemas.microsoft.com/office/drawing/2014/main" id="{AE20545B-A1FD-4C66-AB9C-DBDCE7F2A8B9}"/>
+              </a:ext>
+            </a:extLst>
+          </p:cNvPr>
+          <p:cNvSpPr txBox="1"/>
+          <p:nvPr/>
+        </p:nvSpPr>
+        <p:spPr>
+          <a:xfrm>
+            <a:off x="402285" y="5723276"/>
+            <a:ext cx="11789715" cy="923330"/>
+          </a:xfrm>
+          <a:prstGeom prst="rect">
+            <a:avLst/>
+          </a:prstGeom>
+          <a:noFill/>
+        </p:spPr>
+        <p:txBody>
+          <a:bodyPr wrap="square">
+            <a:spAutoFit/>
+          </a:bodyPr>
+          <a:lstStyle/>
+          <a:p>
+            <a:r>
+              <a:rPr lang="en-US" b="0" i="0" dirty="0">
+                <a:solidFill>
+                  <a:srgbClr val="333333"/>
+                </a:solidFill>
+                <a:effectLst/>
+                <a:latin typeface="Helvetica Neue"/>
+              </a:rPr>
+              <a:t>Miller, Tim. “Explanation in artificial intelligence: Insights from the social sciences.” </a:t>
+            </a:r>
+            <a:r>
+              <a:rPr lang="en-US" b="0" i="0" dirty="0" err="1">
+                <a:solidFill>
+                  <a:srgbClr val="333333"/>
+                </a:solidFill>
+                <a:effectLst/>
+                <a:latin typeface="Helvetica Neue"/>
+              </a:rPr>
+              <a:t>arXiv</a:t>
+            </a:r>
+            <a:r>
+              <a:rPr lang="en-US" b="0" i="0" dirty="0">
+                <a:solidFill>
+                  <a:srgbClr val="333333"/>
+                </a:solidFill>
+                <a:effectLst/>
+                <a:latin typeface="Helvetica Neue"/>
+              </a:rPr>
+              <a:t> (2017)</a:t>
+            </a:r>
+          </a:p>
+          <a:p>
+            <a:r>
+              <a:rPr lang="en-US" b="0" i="0" dirty="0">
+                <a:solidFill>
+                  <a:srgbClr val="333333"/>
+                </a:solidFill>
+                <a:effectLst/>
+                <a:latin typeface="Helvetica Neue"/>
+              </a:rPr>
+              <a:t>Kim, Been, Rajiv Khanna, and </a:t>
+            </a:r>
+            <a:r>
+              <a:rPr lang="en-US" b="0" i="0" dirty="0" err="1">
+                <a:solidFill>
+                  <a:srgbClr val="333333"/>
+                </a:solidFill>
+                <a:effectLst/>
+                <a:latin typeface="Helvetica Neue"/>
+              </a:rPr>
+              <a:t>Oluwasanmi</a:t>
+            </a:r>
+            <a:r>
+              <a:rPr lang="en-US" b="0" i="0" dirty="0">
+                <a:solidFill>
+                  <a:srgbClr val="333333"/>
+                </a:solidFill>
+                <a:effectLst/>
+                <a:latin typeface="Helvetica Neue"/>
+              </a:rPr>
+              <a:t> O. </a:t>
+            </a:r>
+            <a:r>
+              <a:rPr lang="en-US" b="0" i="0" dirty="0" err="1">
+                <a:solidFill>
+                  <a:srgbClr val="333333"/>
+                </a:solidFill>
+                <a:effectLst/>
+                <a:latin typeface="Helvetica Neue"/>
+              </a:rPr>
+              <a:t>Koyejo</a:t>
+            </a:r>
+            <a:r>
+              <a:rPr lang="en-US" b="0" i="0" dirty="0">
+                <a:solidFill>
+                  <a:srgbClr val="333333"/>
+                </a:solidFill>
+                <a:effectLst/>
+                <a:latin typeface="Helvetica Neue"/>
+              </a:rPr>
+              <a:t>. “Examples are not enough, learn to criticize! Criticism for interpretability.” Advances in Neural Information Processing Systems (2016)</a:t>
+            </a:r>
+            <a:endParaRPr lang="en-US" dirty="0"/>
+          </a:p>
+        </p:txBody>
+      </p:sp>
+    </p:spTree>
+    <p:extLst>
+      <p:ext uri="{BB962C8B-B14F-4D97-AF65-F5344CB8AC3E}">
+        <p14:creationId xmlns:p14="http://schemas.microsoft.com/office/powerpoint/2010/main" val="3655175724"/>
+      </p:ext>
+    </p:extLst>
+  </p:cSld>
+  <p:clrMapOvr>
+    <a:masterClrMapping/>
+  </p:clrMapOvr>
+</p:sld>
+</file>
+
+<file path=ppt/slides/slide3.xml><?xml version="1.0" encoding="utf-8"?>
+<p:sld xmlns:a="http://schemas.openxmlformats.org/drawingml/2006/main" xmlns:r="http://schemas.openxmlformats.org/officeDocument/2006/relationships" xmlns:p="http://schemas.openxmlformats.org/presentationml/2006/main">
+  <p:cSld>
+    <p:spTree>
+      <p:nvGrpSpPr>
+        <p:cNvPr id="1" name=""/>
+        <p:cNvGrpSpPr/>
+        <p:nvPr/>
+      </p:nvGrpSpPr>
+      <p:grpSpPr>
+        <a:xfrm>
+          <a:off x="0" y="0"/>
+          <a:ext cx="0" cy="0"/>
+          <a:chOff x="0" y="0"/>
+          <a:chExt cx="0" cy="0"/>
+        </a:xfrm>
+      </p:grpSpPr>
+      <p:sp>
+        <p:nvSpPr>
+          <p:cNvPr id="2" name="Title 1">
+            <a:extLst>
+              <a:ext uri="{FF2B5EF4-FFF2-40B4-BE49-F238E27FC236}">
+                <a16:creationId xmlns:a16="http://schemas.microsoft.com/office/drawing/2014/main" id="{51A1DA7D-1138-465F-9882-AC411F53FA15}"/>
+              </a:ext>
+            </a:extLst>
+          </p:cNvPr>
+          <p:cNvSpPr>
+            <a:spLocks noGrp="1"/>
+          </p:cNvSpPr>
+          <p:nvPr>
+            <p:ph type="title"/>
+          </p:nvPr>
+        </p:nvSpPr>
+        <p:spPr/>
+        <p:txBody>
+          <a:bodyPr/>
+          <a:lstStyle/>
+          <a:p>
+            <a:r>
+              <a:rPr lang="en-US" dirty="0"/>
+              <a:t>Importance of interpretability</a:t>
+            </a:r>
+          </a:p>
+        </p:txBody>
+      </p:sp>
+      <p:sp>
+        <p:nvSpPr>
+          <p:cNvPr id="3" name="Content Placeholder 2">
+            <a:extLst>
+              <a:ext uri="{FF2B5EF4-FFF2-40B4-BE49-F238E27FC236}">
+                <a16:creationId xmlns:a16="http://schemas.microsoft.com/office/drawing/2014/main" id="{06093053-04A4-4075-9D13-572D1EF5A58E}"/>
+              </a:ext>
+            </a:extLst>
+          </p:cNvPr>
+          <p:cNvSpPr>
+            <a:spLocks noGrp="1"/>
+          </p:cNvSpPr>
+          <p:nvPr>
+            <p:ph idx="1"/>
+          </p:nvPr>
+        </p:nvSpPr>
+        <p:spPr/>
+        <p:txBody>
+          <a:bodyPr>
+            <a:normAutofit fontScale="85000" lnSpcReduction="10000"/>
+          </a:bodyPr>
+          <a:lstStyle/>
+          <a:p>
+            <a:r>
+              <a:rPr lang="en-US" dirty="0"/>
+              <a:t>Why not just trust the model predictions?</a:t>
+            </a:r>
+          </a:p>
+          <a:p>
+            <a:pPr lvl="1"/>
+            <a:r>
+              <a:rPr lang="en-US" dirty="0"/>
+              <a:t>Ok for low stakes situations (e.g. recommending a movie to watch)</a:t>
+            </a:r>
+          </a:p>
+          <a:p>
+            <a:r>
+              <a:rPr lang="en-US" dirty="0"/>
+              <a:t>Model trust and safety: can better trust the model if we understand </a:t>
+            </a:r>
+            <a:r>
+              <a:rPr lang="en-US" b="1" dirty="0"/>
+              <a:t>why </a:t>
+            </a:r>
+            <a:r>
+              <a:rPr lang="en-US" dirty="0"/>
+              <a:t>a decision was made</a:t>
+            </a:r>
+            <a:endParaRPr lang="en-US" b="1" dirty="0"/>
+          </a:p>
+          <a:p>
+            <a:r>
+              <a:rPr lang="en-US" dirty="0"/>
+              <a:t>Interpretability makes it possible to extract knowledge from the learned model </a:t>
+            </a:r>
+          </a:p>
+          <a:p>
+            <a:pPr lvl="1"/>
+            <a:r>
+              <a:rPr lang="en-US" dirty="0"/>
+              <a:t>For many microbiome applications, the critical tasks are discovering relationships between the microbiome and the host or finding clinically useful biomarkers</a:t>
+            </a:r>
+          </a:p>
+          <a:p>
+            <a:pPr lvl="1"/>
+            <a:r>
+              <a:rPr lang="en-US" dirty="0"/>
+              <a:t>Want to know </a:t>
+            </a:r>
+            <a:r>
+              <a:rPr lang="en-US" b="1" i="1" dirty="0"/>
+              <a:t>why</a:t>
+            </a:r>
+            <a:r>
+              <a:rPr lang="en-US" dirty="0"/>
+              <a:t> a prediction was made more so than just </a:t>
+            </a:r>
+            <a:r>
+              <a:rPr lang="en-US" b="1" i="1" dirty="0"/>
+              <a:t>what</a:t>
+            </a:r>
+            <a:r>
+              <a:rPr lang="en-US" dirty="0"/>
+              <a:t> the prediction is </a:t>
+            </a:r>
+          </a:p>
+          <a:p>
+            <a:r>
+              <a:rPr lang="en-US" dirty="0"/>
+              <a:t>Want to validate predictions, need to be able to generate specific testable hypotheses and clinical tests</a:t>
+            </a:r>
+          </a:p>
+          <a:p>
+            <a:pPr lvl="1"/>
+            <a:r>
+              <a:rPr lang="en-US" dirty="0"/>
+              <a:t>Favor specificity over sensitivity</a:t>
+            </a:r>
+          </a:p>
+          <a:p>
+            <a:pPr lvl="1"/>
+            <a:r>
+              <a:rPr lang="en-US" dirty="0"/>
+              <a:t>Ok taking a hit on predictability; want to pick out few interactions we can understand clearly</a:t>
+            </a:r>
+          </a:p>
+          <a:p>
+            <a:pPr lvl="1"/>
+            <a:endParaRPr lang="en-US" dirty="0"/>
+          </a:p>
+          <a:p>
+            <a:pPr lvl="1"/>
+            <a:endParaRPr lang="en-US" dirty="0"/>
+          </a:p>
+        </p:txBody>
+      </p:sp>
+    </p:spTree>
+    <p:extLst>
+      <p:ext uri="{BB962C8B-B14F-4D97-AF65-F5344CB8AC3E}">
+        <p14:creationId xmlns:p14="http://schemas.microsoft.com/office/powerpoint/2010/main" val="2019560560"/>
+      </p:ext>
+    </p:extLst>
+  </p:cSld>
+  <p:clrMapOvr>
+    <a:masterClrMapping/>
+  </p:clrMapOvr>
+</p:sld>
+</file>
+
+<file path=ppt/slides/slide4.xml><?xml version="1.0" encoding="utf-8"?>
+<p:sld xmlns:a="http://schemas.openxmlformats.org/drawingml/2006/main" xmlns:r="http://schemas.openxmlformats.org/officeDocument/2006/relationships" xmlns:p="http://schemas.openxmlformats.org/presentationml/2006/main">
+  <p:cSld>
+    <p:spTree>
+      <p:nvGrpSpPr>
+        <p:cNvPr id="1" name=""/>
+        <p:cNvGrpSpPr/>
+        <p:nvPr/>
+      </p:nvGrpSpPr>
+      <p:grpSpPr>
+        <a:xfrm>
+          <a:off x="0" y="0"/>
+          <a:ext cx="0" cy="0"/>
+          <a:chOff x="0" y="0"/>
+          <a:chExt cx="0" cy="0"/>
+        </a:xfrm>
+      </p:grpSpPr>
+      <p:sp>
+        <p:nvSpPr>
+          <p:cNvPr id="2" name="Title 1">
+            <a:extLst>
+              <a:ext uri="{FF2B5EF4-FFF2-40B4-BE49-F238E27FC236}">
+                <a16:creationId xmlns:a16="http://schemas.microsoft.com/office/drawing/2014/main" id="{9FA9F322-5FFF-47FB-9F4C-4914155BD69C}"/>
+              </a:ext>
+            </a:extLst>
+          </p:cNvPr>
+          <p:cNvSpPr>
+            <a:spLocks noGrp="1"/>
+          </p:cNvSpPr>
+          <p:nvPr>
+            <p:ph type="title"/>
+          </p:nvPr>
+        </p:nvSpPr>
+        <p:spPr/>
+        <p:txBody>
+          <a:bodyPr/>
+          <a:lstStyle/>
+          <a:p>
+            <a:r>
+              <a:rPr lang="en-US" dirty="0"/>
+              <a:t>Intrinsically interpretable models</a:t>
+            </a:r>
+          </a:p>
+        </p:txBody>
+      </p:sp>
+      <p:sp>
+        <p:nvSpPr>
+          <p:cNvPr id="3" name="Content Placeholder 2">
+            <a:extLst>
+              <a:ext uri="{FF2B5EF4-FFF2-40B4-BE49-F238E27FC236}">
+                <a16:creationId xmlns:a16="http://schemas.microsoft.com/office/drawing/2014/main" id="{CF26E2A1-6CBD-47E4-AACD-BC0CB55DDC1F}"/>
+              </a:ext>
+            </a:extLst>
+          </p:cNvPr>
+          <p:cNvSpPr>
+            <a:spLocks noGrp="1"/>
+          </p:cNvSpPr>
+          <p:nvPr>
+            <p:ph idx="1"/>
+          </p:nvPr>
+        </p:nvSpPr>
+        <p:spPr>
+          <a:xfrm>
+            <a:off x="838200" y="1825625"/>
+            <a:ext cx="5775251" cy="4351338"/>
+          </a:xfrm>
+        </p:spPr>
+        <p:txBody>
+          <a:bodyPr>
+            <a:normAutofit fontScale="85000" lnSpcReduction="20000"/>
+          </a:bodyPr>
+          <a:lstStyle/>
+          <a:p>
+            <a:r>
+              <a:rPr lang="en-US" dirty="0"/>
+              <a:t>Regression models: </a:t>
+            </a:r>
+          </a:p>
+          <a:p>
+            <a:pPr lvl="1"/>
+            <a:r>
+              <a:rPr lang="en-US" dirty="0"/>
+              <a:t>Linear </a:t>
+            </a:r>
+          </a:p>
+          <a:p>
+            <a:pPr lvl="2"/>
+            <a:r>
+              <a:rPr lang="en-US" dirty="0"/>
+              <a:t>Can interpret learned weights</a:t>
+            </a:r>
+          </a:p>
+          <a:p>
+            <a:pPr lvl="1"/>
+            <a:r>
+              <a:rPr lang="en-US" dirty="0"/>
+              <a:t>Generalized Linear Models</a:t>
+            </a:r>
+          </a:p>
+          <a:p>
+            <a:pPr lvl="2"/>
+            <a:r>
+              <a:rPr lang="en-US" dirty="0"/>
+              <a:t>E.g. logistic regression</a:t>
+            </a:r>
+          </a:p>
+          <a:p>
+            <a:pPr lvl="1"/>
+            <a:r>
+              <a:rPr lang="en-US" dirty="0"/>
+              <a:t>Generalized Additive Models</a:t>
+            </a:r>
+          </a:p>
+          <a:p>
+            <a:pPr lvl="2"/>
+            <a:r>
+              <a:rPr lang="en-US" dirty="0"/>
+              <a:t>Interpret from plots</a:t>
+            </a:r>
+          </a:p>
+          <a:p>
+            <a:r>
+              <a:rPr lang="en-US" dirty="0"/>
+              <a:t>Decision trees</a:t>
+            </a:r>
+          </a:p>
+          <a:p>
+            <a:pPr lvl="1"/>
+            <a:r>
+              <a:rPr lang="en-US" dirty="0"/>
+              <a:t>Capture feature interactions, nonlinearities</a:t>
+            </a:r>
+          </a:p>
+          <a:p>
+            <a:pPr lvl="1"/>
+            <a:r>
+              <a:rPr lang="en-US" dirty="0"/>
+              <a:t>Regression or classification</a:t>
+            </a:r>
+          </a:p>
+          <a:p>
+            <a:r>
+              <a:rPr lang="en-US" dirty="0"/>
+              <a:t>Rule lists/sets</a:t>
+            </a:r>
+          </a:p>
+          <a:p>
+            <a:pPr lvl="1"/>
+            <a:r>
+              <a:rPr lang="en-US" dirty="0"/>
+              <a:t>IF-THEN statements</a:t>
+            </a:r>
+          </a:p>
+          <a:p>
+            <a:pPr lvl="1"/>
+            <a:r>
+              <a:rPr lang="en-US" dirty="0"/>
+              <a:t>Features combined with AND’s</a:t>
+            </a:r>
+          </a:p>
+          <a:p>
+            <a:pPr lvl="1"/>
+            <a:r>
+              <a:rPr lang="en-US" dirty="0"/>
+              <a:t>can be as expressive as decision trees, while being more compact</a:t>
+            </a:r>
+          </a:p>
+        </p:txBody>
+      </p:sp>
+      <p:pic>
+        <p:nvPicPr>
+          <p:cNvPr id="7" name="Picture 6" descr="Chart, scatter chart&#10;&#10;Description automatically generated">
+            <a:extLst>
+              <a:ext uri="{FF2B5EF4-FFF2-40B4-BE49-F238E27FC236}">
+                <a16:creationId xmlns:a16="http://schemas.microsoft.com/office/drawing/2014/main" id="{93DB83FF-16DD-420A-B65F-74F8F33980F3}"/>
+              </a:ext>
+            </a:extLst>
+          </p:cNvPr>
+          <p:cNvPicPr>
+            <a:picLocks noChangeAspect="1"/>
+          </p:cNvPicPr>
+          <p:nvPr/>
+        </p:nvPicPr>
+        <p:blipFill>
+          <a:blip r:embed="rId2">
+            <a:extLst>
+              <a:ext uri="{28A0092B-C50C-407E-A947-70E740481C1C}">
+                <a14:useLocalDpi xmlns:a14="http://schemas.microsoft.com/office/drawing/2010/main" val="0"/>
+              </a:ext>
+            </a:extLst>
+          </a:blip>
+          <a:stretch>
+            <a:fillRect/>
+          </a:stretch>
+        </p:blipFill>
+        <p:spPr>
+          <a:xfrm>
+            <a:off x="7655442" y="3777485"/>
+            <a:ext cx="2839250" cy="2129438"/>
+          </a:xfrm>
+          <a:prstGeom prst="rect">
+            <a:avLst/>
+          </a:prstGeom>
+        </p:spPr>
+      </p:pic>
+      <p:pic>
+        <p:nvPicPr>
+          <p:cNvPr id="9" name="Picture 8" descr="Chart, scatter chart&#10;&#10;Description automatically generated">
+            <a:extLst>
+              <a:ext uri="{FF2B5EF4-FFF2-40B4-BE49-F238E27FC236}">
+                <a16:creationId xmlns:a16="http://schemas.microsoft.com/office/drawing/2014/main" id="{6D391DE9-C35E-4CAA-ADF7-A3BE796133AF}"/>
+              </a:ext>
+            </a:extLst>
+          </p:cNvPr>
+          <p:cNvPicPr>
+            <a:picLocks noChangeAspect="1"/>
+          </p:cNvPicPr>
+          <p:nvPr/>
+        </p:nvPicPr>
+        <p:blipFill>
+          <a:blip r:embed="rId3">
+            <a:extLst>
+              <a:ext uri="{28A0092B-C50C-407E-A947-70E740481C1C}">
+                <a14:useLocalDpi xmlns:a14="http://schemas.microsoft.com/office/drawing/2010/main" val="0"/>
+              </a:ext>
+            </a:extLst>
+          </a:blip>
+          <a:stretch>
+            <a:fillRect/>
+          </a:stretch>
+        </p:blipFill>
+        <p:spPr>
+          <a:xfrm>
+            <a:off x="6235817" y="1589004"/>
+            <a:ext cx="2839250" cy="2129438"/>
+          </a:xfrm>
+          <a:prstGeom prst="rect">
+            <a:avLst/>
+          </a:prstGeom>
+        </p:spPr>
+      </p:pic>
+      <p:pic>
+        <p:nvPicPr>
+          <p:cNvPr id="11" name="Picture 10" descr="Chart, scatter chart&#10;&#10;Description automatically generated">
+            <a:extLst>
+              <a:ext uri="{FF2B5EF4-FFF2-40B4-BE49-F238E27FC236}">
+                <a16:creationId xmlns:a16="http://schemas.microsoft.com/office/drawing/2014/main" id="{3E3ADF58-9D03-4ADE-9AAA-9D72600D0BE8}"/>
+              </a:ext>
+            </a:extLst>
+          </p:cNvPr>
+          <p:cNvPicPr>
+            <a:picLocks noChangeAspect="1"/>
+          </p:cNvPicPr>
+          <p:nvPr/>
+        </p:nvPicPr>
+        <p:blipFill>
+          <a:blip r:embed="rId4">
+            <a:extLst>
+              <a:ext uri="{28A0092B-C50C-407E-A947-70E740481C1C}">
+                <a14:useLocalDpi xmlns:a14="http://schemas.microsoft.com/office/drawing/2010/main" val="0"/>
+              </a:ext>
+            </a:extLst>
+          </a:blip>
+          <a:stretch>
+            <a:fillRect/>
+          </a:stretch>
+        </p:blipFill>
+        <p:spPr>
+          <a:xfrm>
+            <a:off x="9075067" y="1589004"/>
+            <a:ext cx="2839250" cy="2129438"/>
+          </a:xfrm>
+          <a:prstGeom prst="rect">
+            <a:avLst/>
+          </a:prstGeom>
+        </p:spPr>
+      </p:pic>
+    </p:spTree>
+    <p:extLst>
+      <p:ext uri="{BB962C8B-B14F-4D97-AF65-F5344CB8AC3E}">
+        <p14:creationId xmlns:p14="http://schemas.microsoft.com/office/powerpoint/2010/main" val="2504675941"/>
+      </p:ext>
+    </p:extLst>
+  </p:cSld>
+  <p:clrMapOvr>
+    <a:masterClrMapping/>
+  </p:clrMapOvr>
+</p:sld>
+</file>
+
+<file path=ppt/slides/slide5.xml><?xml version="1.0" encoding="utf-8"?>
+<p:sld xmlns:a="http://schemas.openxmlformats.org/drawingml/2006/main" xmlns:r="http://schemas.openxmlformats.org/officeDocument/2006/relationships" xmlns:p="http://schemas.openxmlformats.org/presentationml/2006/main">
+  <p:cSld>
+    <p:spTree>
+      <p:nvGrpSpPr>
+        <p:cNvPr id="1" name=""/>
+        <p:cNvGrpSpPr/>
+        <p:nvPr/>
+      </p:nvGrpSpPr>
+      <p:grpSpPr>
+        <a:xfrm>
+          <a:off x="0" y="0"/>
+          <a:ext cx="0" cy="0"/>
+          <a:chOff x="0" y="0"/>
+          <a:chExt cx="0" cy="0"/>
+        </a:xfrm>
+      </p:grpSpPr>
+      <p:sp>
+        <p:nvSpPr>
+          <p:cNvPr id="2" name="Title 1">
+            <a:extLst>
+              <a:ext uri="{FF2B5EF4-FFF2-40B4-BE49-F238E27FC236}">
+                <a16:creationId xmlns:a16="http://schemas.microsoft.com/office/drawing/2014/main" id="{99980AFC-D787-4D24-9285-ABD30BB67CB5}"/>
+              </a:ext>
+            </a:extLst>
+          </p:cNvPr>
+          <p:cNvSpPr>
+            <a:spLocks noGrp="1"/>
+          </p:cNvSpPr>
+          <p:nvPr>
+            <p:ph type="title"/>
+          </p:nvPr>
+        </p:nvSpPr>
+        <p:spPr>
+          <a:xfrm>
+            <a:off x="838200" y="140421"/>
+            <a:ext cx="10515600" cy="1325563"/>
+          </a:xfrm>
+        </p:spPr>
+        <p:txBody>
+          <a:bodyPr/>
+          <a:lstStyle/>
+          <a:p>
+            <a:r>
+              <a:rPr lang="en-US" dirty="0"/>
+              <a:t>Post-hoc interpretation</a:t>
+            </a:r>
+          </a:p>
+        </p:txBody>
+      </p:sp>
+      <p:sp>
+        <p:nvSpPr>
+          <p:cNvPr id="3" name="Content Placeholder 2">
+            <a:extLst>
+              <a:ext uri="{FF2B5EF4-FFF2-40B4-BE49-F238E27FC236}">
+                <a16:creationId xmlns:a16="http://schemas.microsoft.com/office/drawing/2014/main" id="{D3DD4581-E8E0-4274-9197-EBEEEE8D3A57}"/>
+              </a:ext>
+            </a:extLst>
+          </p:cNvPr>
+          <p:cNvSpPr>
+            <a:spLocks noGrp="1"/>
+          </p:cNvSpPr>
+          <p:nvPr>
+            <p:ph idx="1"/>
+          </p:nvPr>
+        </p:nvSpPr>
+        <p:spPr>
+          <a:xfrm>
+            <a:off x="561753" y="1477571"/>
+            <a:ext cx="7502202" cy="4734923"/>
+          </a:xfrm>
+        </p:spPr>
+        <p:txBody>
+          <a:bodyPr>
+            <a:noAutofit/>
+          </a:bodyPr>
+          <a:lstStyle/>
+          <a:p>
+            <a:r>
+              <a:rPr lang="en-US" sz="2000" dirty="0"/>
+              <a:t>Model agnostic</a:t>
+            </a:r>
+          </a:p>
+          <a:p>
+            <a:pPr lvl="1"/>
+            <a:r>
+              <a:rPr lang="en-US" sz="2000" dirty="0">
+                <a:solidFill>
+                  <a:srgbClr val="333333"/>
+                </a:solidFill>
+              </a:rPr>
+              <a:t>Can work with any black box model</a:t>
+            </a:r>
+            <a:endParaRPr lang="en-US" sz="2000" b="0" i="0" dirty="0">
+              <a:solidFill>
+                <a:srgbClr val="333333"/>
+              </a:solidFill>
+              <a:effectLst/>
+            </a:endParaRPr>
+          </a:p>
+          <a:p>
+            <a:pPr lvl="1"/>
+            <a:r>
+              <a:rPr lang="en-US" sz="2000" dirty="0">
+                <a:solidFill>
+                  <a:srgbClr val="333333"/>
+                </a:solidFill>
+              </a:rPr>
+              <a:t>U</a:t>
+            </a:r>
+            <a:r>
+              <a:rPr lang="en-US" sz="2000" b="0" i="0" dirty="0">
+                <a:solidFill>
+                  <a:srgbClr val="333333"/>
+                </a:solidFill>
+                <a:effectLst/>
+              </a:rPr>
+              <a:t>sually work by analyzing feature input and output pairs</a:t>
+            </a:r>
+          </a:p>
+          <a:p>
+            <a:pPr lvl="1"/>
+            <a:r>
+              <a:rPr lang="en-US" sz="2000" dirty="0">
+                <a:solidFill>
+                  <a:srgbClr val="333333"/>
+                </a:solidFill>
+              </a:rPr>
+              <a:t>C</a:t>
+            </a:r>
+            <a:r>
+              <a:rPr lang="en-US" sz="2000" b="0" i="0" dirty="0">
+                <a:solidFill>
+                  <a:srgbClr val="333333"/>
+                </a:solidFill>
+                <a:effectLst/>
+              </a:rPr>
+              <a:t>annot have access to model internals such as weights or structural information</a:t>
+            </a:r>
+            <a:endParaRPr lang="en-US" sz="2000" dirty="0"/>
+          </a:p>
+          <a:p>
+            <a:r>
+              <a:rPr lang="en-US" sz="2000" dirty="0"/>
+              <a:t>Global methods explain the entire model behavior</a:t>
+            </a:r>
+          </a:p>
+          <a:p>
+            <a:pPr lvl="1"/>
+            <a:r>
+              <a:rPr lang="en-US" sz="2000" dirty="0"/>
+              <a:t> Partial dependence plot (PDP)</a:t>
+            </a:r>
+          </a:p>
+          <a:p>
+            <a:pPr marL="742950" lvl="1" indent="-285750"/>
+            <a:r>
+              <a:rPr lang="en-US" sz="2000" dirty="0"/>
+              <a:t>Permutation feature importance</a:t>
+            </a:r>
+          </a:p>
+          <a:p>
+            <a:pPr marL="742950" lvl="1" indent="-285750"/>
+            <a:r>
+              <a:rPr lang="en-US" sz="2000" dirty="0"/>
+              <a:t>Global surrogate models</a:t>
+            </a:r>
+          </a:p>
+          <a:p>
+            <a:r>
+              <a:rPr lang="en-US" sz="2000" dirty="0"/>
+              <a:t>Local methods seek to explain individual predictions</a:t>
+            </a:r>
+          </a:p>
+          <a:p>
+            <a:pPr marL="742950" lvl="1" indent="-285750"/>
+            <a:r>
+              <a:rPr lang="en-US" sz="2000" dirty="0"/>
+              <a:t>Local surrogate models (LIME)</a:t>
+            </a:r>
+          </a:p>
+          <a:p>
+            <a:pPr marL="742950" lvl="1" indent="-285750"/>
+            <a:r>
+              <a:rPr lang="en-US" sz="2000" dirty="0"/>
+              <a:t>Individual conditional expectation (ICE)</a:t>
+            </a:r>
+          </a:p>
+          <a:p>
+            <a:pPr marL="742950" lvl="1" indent="-285750"/>
+            <a:r>
+              <a:rPr lang="en-US" sz="2000" dirty="0"/>
+              <a:t>Shapely values</a:t>
+            </a:r>
+          </a:p>
+        </p:txBody>
+      </p:sp>
+      <p:pic>
+        <p:nvPicPr>
+          <p:cNvPr id="4" name="Picture 2" descr="Interpretable Machine Learning. Extracting human understandable… | by Parul  Pandey | Towards Data Science">
+            <a:extLst>
+              <a:ext uri="{FF2B5EF4-FFF2-40B4-BE49-F238E27FC236}">
+                <a16:creationId xmlns:a16="http://schemas.microsoft.com/office/drawing/2014/main" id="{F421FEB3-36D0-4FDE-BC2C-8F543A10CB76}"/>
+              </a:ext>
+            </a:extLst>
+          </p:cNvPr>
+          <p:cNvPicPr>
+            <a:picLocks noChangeAspect="1" noChangeArrowheads="1"/>
+          </p:cNvPicPr>
+          <p:nvPr/>
+        </p:nvPicPr>
+        <p:blipFill>
+          <a:blip r:embed="rId2">
+            <a:extLst>
+              <a:ext uri="{28A0092B-C50C-407E-A947-70E740481C1C}">
+                <a14:useLocalDpi xmlns:a14="http://schemas.microsoft.com/office/drawing/2010/main" val="0"/>
+              </a:ext>
+            </a:extLst>
+          </a:blip>
+          <a:srcRect/>
+          <a:stretch>
+            <a:fillRect/>
+          </a:stretch>
+        </p:blipFill>
+        <p:spPr bwMode="auto">
+          <a:xfrm>
+            <a:off x="7602877" y="737970"/>
+            <a:ext cx="4354075" cy="4866701"/>
+          </a:xfrm>
+          <a:prstGeom prst="rect">
+            <a:avLst/>
+          </a:prstGeom>
+          <a:noFill/>
+          <a:extLst>
+            <a:ext uri="{909E8E84-426E-40DD-AFC4-6F175D3DCCD1}">
+              <a14:hiddenFill xmlns:a14="http://schemas.microsoft.com/office/drawing/2010/main">
+                <a:solidFill>
+                  <a:srgbClr val="FFFFFF"/>
+                </a:solidFill>
+              </a14:hiddenFill>
+            </a:ext>
+          </a:extLst>
+        </p:spPr>
+      </p:pic>
+      <p:sp>
+        <p:nvSpPr>
+          <p:cNvPr id="5" name="TextBox 4">
+            <a:extLst>
+              <a:ext uri="{FF2B5EF4-FFF2-40B4-BE49-F238E27FC236}">
+                <a16:creationId xmlns:a16="http://schemas.microsoft.com/office/drawing/2014/main" id="{77824441-C369-4E5D-AEE6-9ADD3790390B}"/>
+              </a:ext>
+            </a:extLst>
+          </p:cNvPr>
+          <p:cNvSpPr txBox="1"/>
+          <p:nvPr/>
+        </p:nvSpPr>
+        <p:spPr>
+          <a:xfrm>
+            <a:off x="7602877" y="5682590"/>
+            <a:ext cx="4417548" cy="646331"/>
+          </a:xfrm>
+          <a:prstGeom prst="rect">
+            <a:avLst/>
+          </a:prstGeom>
+          <a:noFill/>
+        </p:spPr>
+        <p:txBody>
+          <a:bodyPr wrap="square">
+            <a:spAutoFit/>
+          </a:bodyPr>
+          <a:lstStyle/>
+          <a:p>
+            <a:r>
+              <a:rPr lang="en-US" dirty="0"/>
+              <a:t>https://christophm.github.io/interpretable-ml-book/terminology.html</a:t>
+            </a:r>
+          </a:p>
+        </p:txBody>
+      </p:sp>
+    </p:spTree>
+    <p:extLst>
+      <p:ext uri="{BB962C8B-B14F-4D97-AF65-F5344CB8AC3E}">
+        <p14:creationId xmlns:p14="http://schemas.microsoft.com/office/powerpoint/2010/main" val="3467847521"/>
+      </p:ext>
+    </p:extLst>
+  </p:cSld>
+  <p:clrMapOvr>
+    <a:masterClrMapping/>
+  </p:clrMapOvr>
+</p:sld>
+</file>
+
+<file path=ppt/slides/slide6.xml><?xml version="1.0" encoding="utf-8"?>
+<p:sld xmlns:a="http://schemas.openxmlformats.org/drawingml/2006/main" xmlns:r="http://schemas.openxmlformats.org/officeDocument/2006/relationships" xmlns:p="http://schemas.openxmlformats.org/presentationml/2006/main">
+  <p:cSld>
+    <p:spTree>
+      <p:nvGrpSpPr>
+        <p:cNvPr id="1" name=""/>
+        <p:cNvGrpSpPr/>
+        <p:nvPr/>
+      </p:nvGrpSpPr>
+      <p:grpSpPr>
+        <a:xfrm>
+          <a:off x="0" y="0"/>
+          <a:ext cx="0" cy="0"/>
+          <a:chOff x="0" y="0"/>
+          <a:chExt cx="0" cy="0"/>
+        </a:xfrm>
+      </p:grpSpPr>
+      <p:sp>
+        <p:nvSpPr>
+          <p:cNvPr id="2" name="Title 1">
+            <a:extLst>
+              <a:ext uri="{FF2B5EF4-FFF2-40B4-BE49-F238E27FC236}">
+                <a16:creationId xmlns:a16="http://schemas.microsoft.com/office/drawing/2014/main" id="{87F0240C-C5CB-46C7-AF25-51DB7F2FFBEB}"/>
+              </a:ext>
+            </a:extLst>
+          </p:cNvPr>
+          <p:cNvSpPr>
+            <a:spLocks noGrp="1"/>
+          </p:cNvSpPr>
+          <p:nvPr>
+            <p:ph type="title"/>
+          </p:nvPr>
+        </p:nvSpPr>
+        <p:spPr>
+          <a:xfrm>
+            <a:off x="369723" y="244076"/>
+            <a:ext cx="10515600" cy="1325563"/>
+          </a:xfrm>
+        </p:spPr>
+        <p:txBody>
+          <a:bodyPr/>
+          <a:lstStyle/>
+          <a:p>
+            <a:r>
+              <a:rPr lang="en-US" dirty="0"/>
+              <a:t>Global vs local methods</a:t>
+            </a:r>
+          </a:p>
+        </p:txBody>
+      </p:sp>
+      <p:pic>
+        <p:nvPicPr>
+          <p:cNvPr id="5" name="Content Placeholder 4">
+            <a:extLst>
+              <a:ext uri="{FF2B5EF4-FFF2-40B4-BE49-F238E27FC236}">
+                <a16:creationId xmlns:a16="http://schemas.microsoft.com/office/drawing/2014/main" id="{A1C06A8A-C1D1-4EF7-92F8-B9C963E38227}"/>
+              </a:ext>
+            </a:extLst>
+          </p:cNvPr>
+          <p:cNvPicPr>
+            <a:picLocks noGrp="1" noChangeAspect="1"/>
+          </p:cNvPicPr>
+          <p:nvPr>
+            <p:ph idx="1"/>
+          </p:nvPr>
+        </p:nvPicPr>
+        <p:blipFill>
+          <a:blip r:embed="rId2"/>
+          <a:stretch>
+            <a:fillRect/>
+          </a:stretch>
+        </p:blipFill>
+        <p:spPr>
+          <a:xfrm>
+            <a:off x="1306677" y="1912688"/>
+            <a:ext cx="3154722" cy="3465660"/>
+          </a:xfrm>
+        </p:spPr>
+      </p:pic>
+      <p:pic>
+        <p:nvPicPr>
+          <p:cNvPr id="6" name="Content Placeholder 4">
+            <a:extLst>
+              <a:ext uri="{FF2B5EF4-FFF2-40B4-BE49-F238E27FC236}">
+                <a16:creationId xmlns:a16="http://schemas.microsoft.com/office/drawing/2014/main" id="{66AC2C6E-B3BB-4F37-ACAC-6C40DBCF8180}"/>
+              </a:ext>
+            </a:extLst>
+          </p:cNvPr>
+          <p:cNvPicPr>
+            <a:picLocks noChangeAspect="1"/>
+          </p:cNvPicPr>
+          <p:nvPr/>
+        </p:nvPicPr>
+        <p:blipFill>
+          <a:blip r:embed="rId3"/>
+          <a:stretch>
+            <a:fillRect/>
+          </a:stretch>
+        </p:blipFill>
+        <p:spPr>
+          <a:xfrm>
+            <a:off x="5830320" y="1863707"/>
+            <a:ext cx="5232364" cy="3465659"/>
+          </a:xfrm>
+          <a:prstGeom prst="rect">
+            <a:avLst/>
+          </a:prstGeom>
+        </p:spPr>
+      </p:pic>
+      <p:sp>
+        <p:nvSpPr>
+          <p:cNvPr id="7" name="TextBox 6">
+            <a:extLst>
+              <a:ext uri="{FF2B5EF4-FFF2-40B4-BE49-F238E27FC236}">
+                <a16:creationId xmlns:a16="http://schemas.microsoft.com/office/drawing/2014/main" id="{8A79FBE7-2246-4F2D-979F-A6BB01DE23E2}"/>
+              </a:ext>
+            </a:extLst>
+          </p:cNvPr>
+          <p:cNvSpPr txBox="1"/>
+          <p:nvPr/>
+        </p:nvSpPr>
+        <p:spPr>
+          <a:xfrm>
+            <a:off x="1306677" y="1499191"/>
+            <a:ext cx="3626830" cy="369332"/>
+          </a:xfrm>
+          <a:prstGeom prst="rect">
+            <a:avLst/>
+          </a:prstGeom>
+          <a:noFill/>
+        </p:spPr>
+        <p:txBody>
+          <a:bodyPr wrap="square" rtlCol="0">
+            <a:spAutoFit/>
+          </a:bodyPr>
+          <a:lstStyle/>
+          <a:p>
+            <a:pPr algn="ctr"/>
+            <a:r>
+              <a:rPr lang="en-US" dirty="0"/>
+              <a:t>Partial dependence plots (PDP)</a:t>
+            </a:r>
+          </a:p>
+        </p:txBody>
+      </p:sp>
+      <p:sp>
+        <p:nvSpPr>
+          <p:cNvPr id="8" name="TextBox 7">
+            <a:extLst>
+              <a:ext uri="{FF2B5EF4-FFF2-40B4-BE49-F238E27FC236}">
+                <a16:creationId xmlns:a16="http://schemas.microsoft.com/office/drawing/2014/main" id="{DD1FD336-5395-4678-A2F5-43780854DA2D}"/>
+              </a:ext>
+            </a:extLst>
+          </p:cNvPr>
+          <p:cNvSpPr txBox="1"/>
+          <p:nvPr/>
+        </p:nvSpPr>
+        <p:spPr>
+          <a:xfrm>
+            <a:off x="6664132" y="1494375"/>
+            <a:ext cx="4056804" cy="369332"/>
+          </a:xfrm>
+          <a:prstGeom prst="rect">
+            <a:avLst/>
+          </a:prstGeom>
+          <a:noFill/>
+        </p:spPr>
+        <p:txBody>
+          <a:bodyPr wrap="square" rtlCol="0">
+            <a:spAutoFit/>
+          </a:bodyPr>
+          <a:lstStyle/>
+          <a:p>
+            <a:pPr algn="ctr"/>
+            <a:r>
+              <a:rPr lang="en-US" dirty="0"/>
+              <a:t>Individual conditional expectation (ICE)</a:t>
+            </a:r>
+          </a:p>
+        </p:txBody>
+      </p:sp>
+      <p:sp>
+        <p:nvSpPr>
+          <p:cNvPr id="10" name="TextBox 9">
+            <a:extLst>
+              <a:ext uri="{FF2B5EF4-FFF2-40B4-BE49-F238E27FC236}">
+                <a16:creationId xmlns:a16="http://schemas.microsoft.com/office/drawing/2014/main" id="{20D3A496-27E1-49E1-A9C3-3B974BABACF6}"/>
+              </a:ext>
+            </a:extLst>
+          </p:cNvPr>
+          <p:cNvSpPr txBox="1"/>
+          <p:nvPr/>
+        </p:nvSpPr>
+        <p:spPr>
+          <a:xfrm>
+            <a:off x="729050" y="5422513"/>
+            <a:ext cx="4782083" cy="923330"/>
+          </a:xfrm>
+          <a:prstGeom prst="rect">
+            <a:avLst/>
+          </a:prstGeom>
+          <a:noFill/>
+        </p:spPr>
+        <p:txBody>
+          <a:bodyPr wrap="square">
+            <a:spAutoFit/>
+          </a:bodyPr>
+          <a:lstStyle/>
+          <a:p>
+            <a:r>
+              <a:rPr lang="en-US" b="0" i="0" dirty="0">
+                <a:solidFill>
+                  <a:srgbClr val="333333"/>
+                </a:solidFill>
+                <a:effectLst/>
+                <a:latin typeface="Helvetica Neue"/>
+              </a:rPr>
+              <a:t>GLOBAL: PDP shows the marginal effect one or two features have on the predicted outcome of a machine learning model</a:t>
+            </a:r>
+            <a:endParaRPr lang="en-US" dirty="0"/>
+          </a:p>
+        </p:txBody>
+      </p:sp>
+      <p:sp>
+        <p:nvSpPr>
+          <p:cNvPr id="9" name="TextBox 8">
+            <a:extLst>
+              <a:ext uri="{FF2B5EF4-FFF2-40B4-BE49-F238E27FC236}">
+                <a16:creationId xmlns:a16="http://schemas.microsoft.com/office/drawing/2014/main" id="{D221DE0F-26BE-4F35-A0AD-D224C011AFB9}"/>
+              </a:ext>
+            </a:extLst>
+          </p:cNvPr>
+          <p:cNvSpPr txBox="1"/>
+          <p:nvPr/>
+        </p:nvSpPr>
+        <p:spPr>
+          <a:xfrm>
+            <a:off x="6316550" y="5427477"/>
+            <a:ext cx="5026120" cy="923330"/>
+          </a:xfrm>
+          <a:prstGeom prst="rect">
+            <a:avLst/>
+          </a:prstGeom>
+          <a:noFill/>
+        </p:spPr>
+        <p:txBody>
+          <a:bodyPr wrap="square">
+            <a:spAutoFit/>
+          </a:bodyPr>
+          <a:lstStyle/>
+          <a:p>
+            <a:r>
+              <a:rPr lang="en-US" b="0" i="0" dirty="0">
+                <a:solidFill>
+                  <a:srgbClr val="333333"/>
+                </a:solidFill>
+                <a:effectLst/>
+                <a:latin typeface="Helvetica Neue"/>
+              </a:rPr>
+              <a:t>LOCAL: ICE plots display one line per instance, showing how each instance’s prediction changes when a feature changes</a:t>
+            </a:r>
+            <a:endParaRPr lang="en-US" dirty="0"/>
+          </a:p>
+        </p:txBody>
+      </p:sp>
+    </p:spTree>
+    <p:extLst>
+      <p:ext uri="{BB962C8B-B14F-4D97-AF65-F5344CB8AC3E}">
+        <p14:creationId xmlns:p14="http://schemas.microsoft.com/office/powerpoint/2010/main" val="1513544795"/>
+      </p:ext>
+    </p:extLst>
+  </p:cSld>
+  <p:clrMapOvr>
+    <a:masterClrMapping/>
+  </p:clrMapOvr>
+</p:sld>
+</file>
+
+<file path=ppt/slides/slide7.xml><?xml version="1.0" encoding="utf-8"?>
+<p:sld xmlns:a="http://schemas.openxmlformats.org/drawingml/2006/main" xmlns:r="http://schemas.openxmlformats.org/officeDocument/2006/relationships" xmlns:p="http://schemas.openxmlformats.org/presentationml/2006/main">
+  <p:cSld>
+    <p:spTree>
+      <p:nvGrpSpPr>
+        <p:cNvPr id="1" name=""/>
+        <p:cNvGrpSpPr/>
+        <p:nvPr/>
+      </p:nvGrpSpPr>
+      <p:grpSpPr>
+        <a:xfrm>
+          <a:off x="0" y="0"/>
+          <a:ext cx="0" cy="0"/>
+          <a:chOff x="0" y="0"/>
+          <a:chExt cx="0" cy="0"/>
+        </a:xfrm>
+      </p:grpSpPr>
+      <p:sp>
+        <p:nvSpPr>
+          <p:cNvPr id="2" name="Title 1">
+            <a:extLst>
+              <a:ext uri="{FF2B5EF4-FFF2-40B4-BE49-F238E27FC236}">
+                <a16:creationId xmlns:a16="http://schemas.microsoft.com/office/drawing/2014/main" id="{FF8B908C-30A0-4AC8-9441-FF9EEB8B345C}"/>
+              </a:ext>
+            </a:extLst>
+          </p:cNvPr>
+          <p:cNvSpPr>
+            <a:spLocks noGrp="1"/>
+          </p:cNvSpPr>
+          <p:nvPr>
+            <p:ph type="title"/>
+          </p:nvPr>
+        </p:nvSpPr>
+        <p:spPr>
+          <a:xfrm>
+            <a:off x="252573" y="224788"/>
+            <a:ext cx="10515600" cy="1325563"/>
+          </a:xfrm>
+        </p:spPr>
+        <p:txBody>
+          <a:bodyPr/>
+          <a:lstStyle/>
+          <a:p>
+            <a:r>
+              <a:rPr lang="en-US" sz="4400" dirty="0"/>
+              <a:t>Local surrogate models (LIME)</a:t>
+            </a:r>
+            <a:endParaRPr lang="en-US" dirty="0"/>
+          </a:p>
+        </p:txBody>
+      </p:sp>
+      <p:sp>
+        <p:nvSpPr>
+          <p:cNvPr id="3" name="Content Placeholder 2">
+            <a:extLst>
+              <a:ext uri="{FF2B5EF4-FFF2-40B4-BE49-F238E27FC236}">
+                <a16:creationId xmlns:a16="http://schemas.microsoft.com/office/drawing/2014/main" id="{703C2BEF-9F0F-4549-9CAB-7D2AB0EB11A9}"/>
+              </a:ext>
+            </a:extLst>
+          </p:cNvPr>
+          <p:cNvSpPr>
+            <a:spLocks noGrp="1"/>
+          </p:cNvSpPr>
+          <p:nvPr>
+            <p:ph idx="1"/>
+          </p:nvPr>
+        </p:nvSpPr>
+        <p:spPr>
+          <a:xfrm>
+            <a:off x="838200" y="1825625"/>
+            <a:ext cx="5764619" cy="4351338"/>
+          </a:xfrm>
+        </p:spPr>
+        <p:txBody>
+          <a:bodyPr>
+            <a:normAutofit/>
+          </a:bodyPr>
+          <a:lstStyle/>
+          <a:p>
+            <a:r>
+              <a:rPr lang="en-US" b="0" i="0" dirty="0">
+                <a:solidFill>
+                  <a:srgbClr val="333333"/>
+                </a:solidFill>
+                <a:effectLst/>
+                <a:latin typeface="Helvetica Neue"/>
+              </a:rPr>
+              <a:t>LIME generates a new dataset consisting of perturbed samples around an instance of interest and the corresponding predictions of the black box model</a:t>
+            </a:r>
+          </a:p>
+          <a:p>
+            <a:r>
+              <a:rPr lang="en-US" b="0" i="0" dirty="0">
+                <a:solidFill>
+                  <a:srgbClr val="333333"/>
+                </a:solidFill>
+                <a:effectLst/>
+                <a:latin typeface="Helvetica Neue"/>
+              </a:rPr>
+              <a:t>Train a weighted, interpretable model on the generated dataset</a:t>
+            </a:r>
+          </a:p>
+          <a:p>
+            <a:r>
+              <a:rPr lang="en-US" b="0" i="0" dirty="0">
+                <a:solidFill>
+                  <a:srgbClr val="333333"/>
+                </a:solidFill>
+                <a:effectLst/>
+                <a:latin typeface="Helvetica Neue"/>
+              </a:rPr>
+              <a:t>Can then explain the prediction by interpreting the local model</a:t>
+            </a:r>
+          </a:p>
+          <a:p>
+            <a:endParaRPr lang="en-US" b="0" i="0" dirty="0">
+              <a:solidFill>
+                <a:srgbClr val="333333"/>
+              </a:solidFill>
+              <a:effectLst/>
+              <a:latin typeface="Helvetica Neue"/>
+            </a:endParaRPr>
+          </a:p>
+        </p:txBody>
+      </p:sp>
+      <p:pic>
+        <p:nvPicPr>
+          <p:cNvPr id="7" name="Picture 6">
+            <a:extLst>
+              <a:ext uri="{FF2B5EF4-FFF2-40B4-BE49-F238E27FC236}">
+                <a16:creationId xmlns:a16="http://schemas.microsoft.com/office/drawing/2014/main" id="{9716536A-3197-4BE0-8C6E-5BAF797B19E1}"/>
+              </a:ext>
+            </a:extLst>
+          </p:cNvPr>
+          <p:cNvPicPr>
+            <a:picLocks noChangeAspect="1"/>
+          </p:cNvPicPr>
+          <p:nvPr/>
+        </p:nvPicPr>
+        <p:blipFill>
+          <a:blip r:embed="rId2"/>
+          <a:stretch>
+            <a:fillRect/>
+          </a:stretch>
+        </p:blipFill>
+        <p:spPr>
+          <a:xfrm>
+            <a:off x="7438665" y="741081"/>
+            <a:ext cx="3504344" cy="1893814"/>
+          </a:xfrm>
+          <a:prstGeom prst="rect">
+            <a:avLst/>
+          </a:prstGeom>
+        </p:spPr>
+      </p:pic>
+      <p:pic>
+        <p:nvPicPr>
+          <p:cNvPr id="6" name="Picture 5">
+            <a:extLst>
+              <a:ext uri="{FF2B5EF4-FFF2-40B4-BE49-F238E27FC236}">
+                <a16:creationId xmlns:a16="http://schemas.microsoft.com/office/drawing/2014/main" id="{DD5AEC85-0A6B-4379-B7C2-1740A9B0351B}"/>
+              </a:ext>
+            </a:extLst>
+          </p:cNvPr>
+          <p:cNvPicPr>
+            <a:picLocks noChangeAspect="1"/>
+          </p:cNvPicPr>
+          <p:nvPr/>
+        </p:nvPicPr>
+        <p:blipFill>
+          <a:blip r:embed="rId3"/>
+          <a:stretch>
+            <a:fillRect/>
+          </a:stretch>
+        </p:blipFill>
+        <p:spPr>
+          <a:xfrm>
+            <a:off x="7443751" y="2605088"/>
+            <a:ext cx="3499258" cy="3571875"/>
+          </a:xfrm>
+          <a:prstGeom prst="rect">
+            <a:avLst/>
+          </a:prstGeom>
+        </p:spPr>
+      </p:pic>
+      <p:sp>
+        <p:nvSpPr>
+          <p:cNvPr id="9" name="TextBox 8">
+            <a:extLst>
+              <a:ext uri="{FF2B5EF4-FFF2-40B4-BE49-F238E27FC236}">
+                <a16:creationId xmlns:a16="http://schemas.microsoft.com/office/drawing/2014/main" id="{E093B9CD-1E10-4579-82A3-2ED10F19807F}"/>
+              </a:ext>
+            </a:extLst>
+          </p:cNvPr>
+          <p:cNvSpPr txBox="1"/>
+          <p:nvPr/>
+        </p:nvSpPr>
+        <p:spPr>
+          <a:xfrm>
+            <a:off x="5815721" y="6308209"/>
+            <a:ext cx="6097772" cy="369332"/>
+          </a:xfrm>
+          <a:prstGeom prst="rect">
+            <a:avLst/>
+          </a:prstGeom>
+          <a:noFill/>
+        </p:spPr>
+        <p:txBody>
+          <a:bodyPr wrap="square">
+            <a:spAutoFit/>
+          </a:bodyPr>
+          <a:lstStyle/>
+          <a:p>
+            <a:r>
+              <a:rPr lang="en-US" dirty="0"/>
+              <a:t>https://christophm.github.io/interpretable-ml-book/lime.html</a:t>
+            </a:r>
+          </a:p>
+        </p:txBody>
+      </p:sp>
+    </p:spTree>
+    <p:extLst>
+      <p:ext uri="{BB962C8B-B14F-4D97-AF65-F5344CB8AC3E}">
+        <p14:creationId xmlns:p14="http://schemas.microsoft.com/office/powerpoint/2010/main" val="196799999"/>
+      </p:ext>
+    </p:extLst>
+  </p:cSld>
+  <p:clrMapOvr>
+    <a:masterClrMapping/>
+  </p:clrMapOvr>
+</p:sld>
+</file>
+
+<file path=ppt/slides/slide8.xml><?xml version="1.0" encoding="utf-8"?>
+<p:sld xmlns:a="http://schemas.openxmlformats.org/drawingml/2006/main" xmlns:r="http://schemas.openxmlformats.org/officeDocument/2006/relationships" xmlns:p="http://schemas.openxmlformats.org/presentationml/2006/main">
+  <p:cSld>
+    <p:spTree>
+      <p:nvGrpSpPr>
+        <p:cNvPr id="1" name=""/>
+        <p:cNvGrpSpPr/>
+        <p:nvPr/>
+      </p:nvGrpSpPr>
+      <p:grpSpPr>
+        <a:xfrm>
+          <a:off x="0" y="0"/>
+          <a:ext cx="0" cy="0"/>
+          <a:chOff x="0" y="0"/>
+          <a:chExt cx="0" cy="0"/>
+        </a:xfrm>
+      </p:grpSpPr>
+      <p:sp>
+        <p:nvSpPr>
+          <p:cNvPr id="2" name="Title 1">
+            <a:extLst>
+              <a:ext uri="{FF2B5EF4-FFF2-40B4-BE49-F238E27FC236}">
+                <a16:creationId xmlns:a16="http://schemas.microsoft.com/office/drawing/2014/main" id="{281A04D2-E3FD-4EA1-98B4-F3A610710C6E}"/>
+              </a:ext>
+            </a:extLst>
+          </p:cNvPr>
+          <p:cNvSpPr>
+            <a:spLocks noGrp="1"/>
+          </p:cNvSpPr>
+          <p:nvPr>
+            <p:ph type="title"/>
+          </p:nvPr>
+        </p:nvSpPr>
+        <p:spPr/>
+        <p:txBody>
+          <a:bodyPr/>
+          <a:lstStyle/>
+          <a:p>
+            <a:r>
+              <a:rPr lang="en-US" dirty="0"/>
+              <a:t>LIME advantages and disadvantages</a:t>
+            </a:r>
+          </a:p>
+        </p:txBody>
+      </p:sp>
+      <p:sp>
+        <p:nvSpPr>
+          <p:cNvPr id="3" name="Content Placeholder 2">
+            <a:extLst>
+              <a:ext uri="{FF2B5EF4-FFF2-40B4-BE49-F238E27FC236}">
+                <a16:creationId xmlns:a16="http://schemas.microsoft.com/office/drawing/2014/main" id="{137A5447-2166-493C-808A-AD3DBB3410D5}"/>
+              </a:ext>
+            </a:extLst>
+          </p:cNvPr>
+          <p:cNvSpPr>
+            <a:spLocks noGrp="1"/>
+          </p:cNvSpPr>
+          <p:nvPr>
+            <p:ph idx="1"/>
+          </p:nvPr>
+        </p:nvSpPr>
+        <p:spPr>
+          <a:xfrm>
+            <a:off x="434939" y="1824742"/>
+            <a:ext cx="11322121" cy="4802187"/>
+          </a:xfrm>
+        </p:spPr>
+        <p:txBody>
+          <a:bodyPr>
+            <a:noAutofit/>
+          </a:bodyPr>
+          <a:lstStyle/>
+          <a:p>
+            <a:r>
+              <a:rPr lang="en-US" sz="2000" dirty="0">
+                <a:solidFill>
+                  <a:srgbClr val="333333"/>
+                </a:solidFill>
+              </a:rPr>
+              <a:t>Advantages:</a:t>
+            </a:r>
+          </a:p>
+          <a:p>
+            <a:pPr lvl="1"/>
+            <a:r>
+              <a:rPr lang="en-US" sz="2000" dirty="0"/>
+              <a:t>Black box models might perform better for prediction; can maybe pick out weaker signals</a:t>
+            </a:r>
+            <a:endParaRPr lang="en-US" sz="2000" dirty="0">
+              <a:solidFill>
+                <a:srgbClr val="333333"/>
+              </a:solidFill>
+            </a:endParaRPr>
+          </a:p>
+          <a:p>
+            <a:pPr lvl="1"/>
+            <a:r>
+              <a:rPr lang="en-US" sz="2000" dirty="0">
+                <a:solidFill>
+                  <a:srgbClr val="333333"/>
+                </a:solidFill>
+              </a:rPr>
+              <a:t>Model agnostic, can be applied to any model in general, even on already interpretable models</a:t>
+            </a:r>
+          </a:p>
+          <a:p>
+            <a:pPr lvl="1"/>
+            <a:r>
+              <a:rPr lang="en-US" sz="2000" dirty="0">
+                <a:solidFill>
+                  <a:srgbClr val="333333"/>
+                </a:solidFill>
+              </a:rPr>
+              <a:t>E</a:t>
+            </a:r>
+            <a:r>
+              <a:rPr lang="en-US" sz="2000" i="0" dirty="0">
+                <a:solidFill>
+                  <a:srgbClr val="333333"/>
+                </a:solidFill>
+                <a:effectLst/>
+              </a:rPr>
+              <a:t>xplanations created with local surrogate models can use other (interpretable) features than the original model was trained on</a:t>
+            </a:r>
+            <a:endParaRPr lang="en-US" sz="2000" dirty="0">
+              <a:solidFill>
+                <a:srgbClr val="333333"/>
+              </a:solidFill>
+            </a:endParaRPr>
+          </a:p>
+          <a:p>
+            <a:pPr lvl="2"/>
+            <a:r>
+              <a:rPr lang="en-US" dirty="0">
+                <a:solidFill>
+                  <a:srgbClr val="333333"/>
+                </a:solidFill>
+              </a:rPr>
+              <a:t>E.g. </a:t>
+            </a:r>
+            <a:r>
+              <a:rPr lang="en-US" i="0" dirty="0">
+                <a:solidFill>
+                  <a:srgbClr val="333333"/>
+                </a:solidFill>
+                <a:effectLst/>
+              </a:rPr>
+              <a:t>regression model could be trained on components of a principal component analysis (PCA) of answers to a survey, but LIME might be trained on the original survey questions</a:t>
+            </a:r>
+          </a:p>
+          <a:p>
+            <a:r>
+              <a:rPr lang="en-US" sz="2000" dirty="0">
+                <a:solidFill>
+                  <a:srgbClr val="333333"/>
+                </a:solidFill>
+              </a:rPr>
+              <a:t>Disadvantages:</a:t>
+            </a:r>
+          </a:p>
+          <a:p>
+            <a:pPr lvl="1"/>
+            <a:r>
+              <a:rPr lang="en-US" sz="2000" dirty="0"/>
+              <a:t>Might pick out more false positives, may not be as sparse</a:t>
+            </a:r>
+          </a:p>
+          <a:p>
+            <a:pPr lvl="1"/>
+            <a:r>
+              <a:rPr lang="en-US" sz="2000" dirty="0">
+                <a:solidFill>
+                  <a:srgbClr val="333333"/>
+                </a:solidFill>
+              </a:rPr>
+              <a:t>For LIME, complexity of the explanation model has to be defined in advance</a:t>
+            </a:r>
+          </a:p>
+          <a:p>
+            <a:pPr lvl="1"/>
+            <a:r>
+              <a:rPr lang="en-US" sz="2000" dirty="0"/>
+              <a:t>Explanations can be unstable, explanations of close points can potentially vary greatly</a:t>
+            </a:r>
+          </a:p>
+        </p:txBody>
+      </p:sp>
+    </p:spTree>
+    <p:extLst>
+      <p:ext uri="{BB962C8B-B14F-4D97-AF65-F5344CB8AC3E}">
+        <p14:creationId xmlns:p14="http://schemas.microsoft.com/office/powerpoint/2010/main" val="4226541886"/>
+      </p:ext>
+    </p:extLst>
+  </p:cSld>
+  <p:clrMapOvr>
+    <a:masterClrMapping/>
+  </p:clrMapOvr>
+</p:sld>
+</file>
+
+<file path=ppt/slides/slide9.xml><?xml version="1.0" encoding="utf-8"?>
 <p:sld xmlns:a="http://schemas.openxmlformats.org/drawingml/2006/main" xmlns:r="http://schemas.openxmlformats.org/officeDocument/2006/relationships" xmlns:p="http://schemas.openxmlformats.org/presentationml/2006/main">
   <p:cSld>
     <p:spTree>
@@ -5108,7 +10122,7 @@
             </a:pPr>
             <a:r>
               <a:rPr lang="en-US" dirty="0"/>
-              <a:t>Aimed to characterize early-life microbial development in the context of antibiotic use, cesarean section, and formula feeding</a:t>
+              <a:t>Total of 43 infants were enrolled for follow-up for up to the age of 2 years</a:t>
             </a:r>
           </a:p>
           <a:p>
@@ -5118,7 +10132,15 @@
             </a:pPr>
             <a:r>
               <a:rPr lang="en-US" dirty="0"/>
-              <a:t>total of 43 infants were enrolled for follow-up for up to the age of 2 years</a:t>
+              <a:t>Stool samples collected and sequenced; 151-bp paired end sequencing on the Illumina </a:t>
+            </a:r>
+            <a:r>
+              <a:rPr lang="en-US" dirty="0" err="1"/>
+              <a:t>MiSeq</a:t>
+            </a:r>
+            <a:r>
+              <a:rPr lang="en-US" dirty="0"/>
+              <a:t> platform </a:t>
             </a:r>
           </a:p>
           <a:p>
@@ -5128,15 +10150,23 @@
             </a:pPr>
             <a:r>
               <a:rPr lang="en-US" dirty="0"/>
-              <a:t>Stool samples collected and sequenced; 151-bp paired end sequencing on the Illumina </a:t>
+              <a:t>Original study operational taxonomic units (OTUs) were assigned using QIIME’s </a:t>
             </a:r>
             <a:r>
               <a:rPr lang="en-US" dirty="0" err="1"/>
-              <a:t>MiSeq</a:t>
-            </a:r>
-            <a:r>
-              <a:rPr lang="en-US" dirty="0"/>
-              <a:t> platform </a:t>
+              <a:t>uclust</a:t>
+            </a:r>
+            <a:r>
+              <a:rPr lang="en-US" dirty="0"/>
+              <a:t>; data you have has been reprocessed with dada2 and </a:t>
+            </a:r>
+            <a:r>
+              <a:rPr lang="en-US" dirty="0" err="1"/>
+              <a:t>pplacer</a:t>
+            </a:r>
+            <a:r>
+              <a:rPr lang="en-US" dirty="0"/>
+              <a:t> to obtain tables of OTU abundances and phylogenetic placements for each OTU on a reference tree</a:t>
             </a:r>
           </a:p>
           <a:p>
@@ -5146,15 +10176,7 @@
             </a:pPr>
             <a:r>
               <a:rPr lang="en-US" dirty="0"/>
-              <a:t>Original study: Operational taxonomic units (OTUs) were assigned using QIIME’s </a:t>
-            </a:r>
-            <a:r>
-              <a:rPr lang="en-US" dirty="0" err="1"/>
-              <a:t>uclust</a:t>
-            </a:r>
-            <a:r>
-              <a:rPr lang="en-US" dirty="0"/>
-              <a:t>; data you have has been reprocessed with dada2 to obtain tables of OTU abundances and phylogenetic placements for each OTU on a reference tree</a:t>
+              <a:t>Host labels for antibiotic exposer, mode of birth, and diet</a:t>
             </a:r>
           </a:p>
           <a:p>
@@ -5166,2531 +10188,6 @@
     <p:extLst>
       <p:ext uri="{BB962C8B-B14F-4D97-AF65-F5344CB8AC3E}">
         <p14:creationId xmlns:p14="http://schemas.microsoft.com/office/powerpoint/2010/main" val="3311356955"/>
-      </p:ext>
-    </p:extLst>
-  </p:cSld>
-  <p:clrMapOvr>
-    <a:masterClrMapping/>
-  </p:clrMapOvr>
-</p:sld>
-</file>
-
-<file path=ppt/slides/slide11.xml><?xml version="1.0" encoding="utf-8"?>
-<p:sld xmlns:a="http://schemas.openxmlformats.org/drawingml/2006/main" xmlns:r="http://schemas.openxmlformats.org/officeDocument/2006/relationships" xmlns:p="http://schemas.openxmlformats.org/presentationml/2006/main">
-  <p:cSld>
-    <p:spTree>
-      <p:nvGrpSpPr>
-        <p:cNvPr id="1" name=""/>
-        <p:cNvGrpSpPr/>
-        <p:nvPr/>
-      </p:nvGrpSpPr>
-      <p:grpSpPr>
-        <a:xfrm>
-          <a:off x="0" y="0"/>
-          <a:ext cx="0" cy="0"/>
-          <a:chOff x="0" y="0"/>
-          <a:chExt cx="0" cy="0"/>
-        </a:xfrm>
-      </p:grpSpPr>
-      <p:sp>
-        <p:nvSpPr>
-          <p:cNvPr id="2" name="Title 1">
-            <a:extLst>
-              <a:ext uri="{FF2B5EF4-FFF2-40B4-BE49-F238E27FC236}">
-                <a16:creationId xmlns:a16="http://schemas.microsoft.com/office/drawing/2014/main" id="{A0961BF4-68B4-4922-8423-4AB31FCE90C0}"/>
-              </a:ext>
-            </a:extLst>
-          </p:cNvPr>
-          <p:cNvSpPr>
-            <a:spLocks noGrp="1"/>
-          </p:cNvSpPr>
-          <p:nvPr>
-            <p:ph type="title"/>
-          </p:nvPr>
-        </p:nvSpPr>
-        <p:spPr/>
-        <p:txBody>
-          <a:bodyPr/>
-          <a:lstStyle/>
-          <a:p>
-            <a:r>
-              <a:rPr lang="en-US" dirty="0"/>
-              <a:t>Example research question</a:t>
-            </a:r>
-          </a:p>
-        </p:txBody>
-      </p:sp>
-      <p:sp>
-        <p:nvSpPr>
-          <p:cNvPr id="3" name="Content Placeholder 2">
-            <a:extLst>
-              <a:ext uri="{FF2B5EF4-FFF2-40B4-BE49-F238E27FC236}">
-                <a16:creationId xmlns:a16="http://schemas.microsoft.com/office/drawing/2014/main" id="{60D3613C-167E-436A-9597-DAE72E9A6A93}"/>
-              </a:ext>
-            </a:extLst>
-          </p:cNvPr>
-          <p:cNvSpPr>
-            <a:spLocks noGrp="1"/>
-          </p:cNvSpPr>
-          <p:nvPr>
-            <p:ph idx="1"/>
-          </p:nvPr>
-        </p:nvSpPr>
-        <p:spPr/>
-        <p:txBody>
-          <a:bodyPr/>
-          <a:lstStyle/>
-          <a:p>
-            <a:r>
-              <a:rPr lang="en-US" dirty="0"/>
-              <a:t>Can we predict which subjects were breast fed or formula fed from the microbial time series data?</a:t>
-            </a:r>
-          </a:p>
-          <a:p>
-            <a:endParaRPr lang="en-US" dirty="0"/>
-          </a:p>
-          <a:p>
-            <a:pPr marL="285750" indent="-285750">
-              <a:buFont typeface="Arial" panose="020B0604020202020204" pitchFamily="34" charset="0"/>
-              <a:buChar char="•"/>
-            </a:pPr>
-            <a:r>
-              <a:rPr lang="en-US" dirty="0"/>
-              <a:t>What features would be relevant predictors? </a:t>
-            </a:r>
-          </a:p>
-          <a:p>
-            <a:pPr marL="742950" lvl="1" indent="-285750">
-              <a:buFont typeface="Arial" panose="020B0604020202020204" pitchFamily="34" charset="0"/>
-              <a:buChar char="•"/>
-            </a:pPr>
-            <a:r>
-              <a:rPr lang="en-US" dirty="0"/>
-              <a:t>Groups of taxa with expected similar functions [phylogeny]</a:t>
-            </a:r>
-          </a:p>
-          <a:p>
-            <a:pPr marL="742950" lvl="1" indent="-285750">
-              <a:buFont typeface="Arial" panose="020B0604020202020204" pitchFamily="34" charset="0"/>
-              <a:buChar char="•"/>
-            </a:pPr>
-            <a:r>
-              <a:rPr lang="en-US" dirty="0"/>
-              <a:t>Relevant time windows</a:t>
-            </a:r>
-          </a:p>
-          <a:p>
-            <a:pPr marL="742950" lvl="1" indent="-285750">
-              <a:buFont typeface="Arial" panose="020B0604020202020204" pitchFamily="34" charset="0"/>
-              <a:buChar char="•"/>
-            </a:pPr>
-            <a:r>
-              <a:rPr lang="en-US" dirty="0"/>
-              <a:t>Want to focus on finding only the essential features (in this case, microbial clades and relevant time windows), for better interpretability and possibly better model performance</a:t>
-            </a:r>
-          </a:p>
-          <a:p>
-            <a:endParaRPr lang="en-US" dirty="0"/>
-          </a:p>
-          <a:p>
-            <a:endParaRPr lang="en-US" dirty="0"/>
-          </a:p>
-        </p:txBody>
-      </p:sp>
-    </p:spTree>
-    <p:extLst>
-      <p:ext uri="{BB962C8B-B14F-4D97-AF65-F5344CB8AC3E}">
-        <p14:creationId xmlns:p14="http://schemas.microsoft.com/office/powerpoint/2010/main" val="1979197995"/>
-      </p:ext>
-    </p:extLst>
-  </p:cSld>
-  <p:clrMapOvr>
-    <a:masterClrMapping/>
-  </p:clrMapOvr>
-</p:sld>
-</file>
-
-<file path=ppt/slides/slide12.xml><?xml version="1.0" encoding="utf-8"?>
-<p:sld xmlns:a="http://schemas.openxmlformats.org/drawingml/2006/main" xmlns:r="http://schemas.openxmlformats.org/officeDocument/2006/relationships" xmlns:p="http://schemas.openxmlformats.org/presentationml/2006/main">
-  <p:cSld>
-    <p:spTree>
-      <p:nvGrpSpPr>
-        <p:cNvPr id="1" name=""/>
-        <p:cNvGrpSpPr/>
-        <p:nvPr/>
-      </p:nvGrpSpPr>
-      <p:grpSpPr>
-        <a:xfrm>
-          <a:off x="0" y="0"/>
-          <a:ext cx="0" cy="0"/>
-          <a:chOff x="0" y="0"/>
-          <a:chExt cx="0" cy="0"/>
-        </a:xfrm>
-      </p:grpSpPr>
-      <p:sp>
-        <p:nvSpPr>
-          <p:cNvPr id="2" name="Title 1">
-            <a:extLst>
-              <a:ext uri="{FF2B5EF4-FFF2-40B4-BE49-F238E27FC236}">
-                <a16:creationId xmlns:a16="http://schemas.microsoft.com/office/drawing/2014/main" id="{52810BD4-7022-4C63-B88A-83410883D769}"/>
-              </a:ext>
-            </a:extLst>
-          </p:cNvPr>
-          <p:cNvSpPr>
-            <a:spLocks noGrp="1"/>
-          </p:cNvSpPr>
-          <p:nvPr>
-            <p:ph type="title"/>
-          </p:nvPr>
-        </p:nvSpPr>
-        <p:spPr/>
-        <p:txBody>
-          <a:bodyPr/>
-          <a:lstStyle/>
-          <a:p>
-            <a:r>
-              <a:rPr lang="en-US" dirty="0"/>
-              <a:t>Selecting relevant features</a:t>
-            </a:r>
-          </a:p>
-        </p:txBody>
-      </p:sp>
-      <p:sp>
-        <p:nvSpPr>
-          <p:cNvPr id="3" name="Content Placeholder 2">
-            <a:extLst>
-              <a:ext uri="{FF2B5EF4-FFF2-40B4-BE49-F238E27FC236}">
-                <a16:creationId xmlns:a16="http://schemas.microsoft.com/office/drawing/2014/main" id="{DBAAA93E-DAE4-4691-B511-5555CE99C1CE}"/>
-              </a:ext>
-            </a:extLst>
-          </p:cNvPr>
-          <p:cNvSpPr>
-            <a:spLocks noGrp="1"/>
-          </p:cNvSpPr>
-          <p:nvPr>
-            <p:ph idx="1"/>
-          </p:nvPr>
-        </p:nvSpPr>
-        <p:spPr>
-          <a:xfrm>
-            <a:off x="838200" y="1825625"/>
-            <a:ext cx="5779304" cy="4351338"/>
-          </a:xfrm>
-        </p:spPr>
-        <p:txBody>
-          <a:bodyPr>
-            <a:normAutofit lnSpcReduction="10000"/>
-          </a:bodyPr>
-          <a:lstStyle/>
-          <a:p>
-            <a:r>
-              <a:rPr lang="en-US" dirty="0"/>
-              <a:t>Can aggregate by taxonomic rank for example</a:t>
-            </a:r>
-          </a:p>
-          <a:p>
-            <a:r>
-              <a:rPr lang="en-US" dirty="0"/>
-              <a:t>Can pick top abundance bugs to start; will want to do some sort of filtering in general</a:t>
-            </a:r>
-          </a:p>
-          <a:p>
-            <a:r>
-              <a:rPr lang="en-US" dirty="0"/>
-              <a:t>Might be better to work with sequences directly</a:t>
-            </a:r>
-          </a:p>
-          <a:p>
-            <a:r>
-              <a:rPr lang="en-US" dirty="0"/>
-              <a:t>Have access to reference trees, use distance metric</a:t>
-            </a:r>
-          </a:p>
-          <a:p>
-            <a:r>
-              <a:rPr lang="en-US" dirty="0"/>
-              <a:t>generating time windows</a:t>
-            </a:r>
-          </a:p>
-        </p:txBody>
-      </p:sp>
-      <p:pic>
-        <p:nvPicPr>
-          <p:cNvPr id="4" name="Picture 3">
-            <a:extLst>
-              <a:ext uri="{FF2B5EF4-FFF2-40B4-BE49-F238E27FC236}">
-                <a16:creationId xmlns:a16="http://schemas.microsoft.com/office/drawing/2014/main" id="{8E84522E-0C84-4AC8-9601-67A794BF76D4}"/>
-              </a:ext>
-            </a:extLst>
-          </p:cNvPr>
-          <p:cNvPicPr>
-            <a:picLocks noChangeAspect="1"/>
-          </p:cNvPicPr>
-          <p:nvPr/>
-        </p:nvPicPr>
-        <p:blipFill>
-          <a:blip r:embed="rId2"/>
-          <a:stretch>
-            <a:fillRect/>
-          </a:stretch>
-        </p:blipFill>
-        <p:spPr>
-          <a:xfrm>
-            <a:off x="7513834" y="923477"/>
-            <a:ext cx="2943636" cy="2791215"/>
-          </a:xfrm>
-          <a:prstGeom prst="rect">
-            <a:avLst/>
-          </a:prstGeom>
-        </p:spPr>
-      </p:pic>
-      <p:grpSp>
-        <p:nvGrpSpPr>
-          <p:cNvPr id="5" name="Group 4">
-            <a:extLst>
-              <a:ext uri="{FF2B5EF4-FFF2-40B4-BE49-F238E27FC236}">
-                <a16:creationId xmlns:a16="http://schemas.microsoft.com/office/drawing/2014/main" id="{30DF912C-49E4-4E98-A5B6-54905B888D19}"/>
-              </a:ext>
-            </a:extLst>
-          </p:cNvPr>
-          <p:cNvGrpSpPr/>
-          <p:nvPr/>
-        </p:nvGrpSpPr>
-        <p:grpSpPr>
-          <a:xfrm>
-            <a:off x="6331672" y="3849629"/>
-            <a:ext cx="5541710" cy="3080290"/>
-            <a:chOff x="3051542" y="1825619"/>
-            <a:chExt cx="7506748" cy="4172532"/>
-          </a:xfrm>
-        </p:grpSpPr>
-        <p:pic>
-          <p:nvPicPr>
-            <p:cNvPr id="6" name="Picture 5">
-              <a:extLst>
-                <a:ext uri="{FF2B5EF4-FFF2-40B4-BE49-F238E27FC236}">
-                  <a16:creationId xmlns:a16="http://schemas.microsoft.com/office/drawing/2014/main" id="{4CEFC028-22F5-4229-83FA-563A90F10ED2}"/>
-                </a:ext>
-              </a:extLst>
-            </p:cNvPr>
-            <p:cNvPicPr>
-              <a:picLocks noChangeAspect="1"/>
-            </p:cNvPicPr>
-            <p:nvPr/>
-          </p:nvPicPr>
-          <p:blipFill>
-            <a:blip r:embed="rId3"/>
-            <a:stretch>
-              <a:fillRect/>
-            </a:stretch>
-          </p:blipFill>
-          <p:spPr>
-            <a:xfrm>
-              <a:off x="3051542" y="1825619"/>
-              <a:ext cx="7506748" cy="4172532"/>
-            </a:xfrm>
-            <a:prstGeom prst="rect">
-              <a:avLst/>
-            </a:prstGeom>
-          </p:spPr>
-        </p:pic>
-        <p:sp>
-          <p:nvSpPr>
-            <p:cNvPr id="7" name="Rectangle 6">
-              <a:extLst>
-                <a:ext uri="{FF2B5EF4-FFF2-40B4-BE49-F238E27FC236}">
-                  <a16:creationId xmlns:a16="http://schemas.microsoft.com/office/drawing/2014/main" id="{B965C2D9-00C6-47A3-96BE-7A848CA5A725}"/>
-                </a:ext>
-              </a:extLst>
-            </p:cNvPr>
-            <p:cNvSpPr/>
-            <p:nvPr/>
-          </p:nvSpPr>
-          <p:spPr>
-            <a:xfrm>
-              <a:off x="3195263" y="1941816"/>
-              <a:ext cx="503434" cy="636997"/>
-            </a:xfrm>
-            <a:prstGeom prst="rect">
-              <a:avLst/>
-            </a:prstGeom>
-            <a:solidFill>
-              <a:schemeClr val="bg1"/>
-            </a:solidFill>
-            <a:ln>
-              <a:noFill/>
-            </a:ln>
-          </p:spPr>
-          <p:style>
-            <a:lnRef idx="2">
-              <a:schemeClr val="accent1">
-                <a:shade val="50000"/>
-              </a:schemeClr>
-            </a:lnRef>
-            <a:fillRef idx="1">
-              <a:schemeClr val="accent1"/>
-            </a:fillRef>
-            <a:effectRef idx="0">
-              <a:schemeClr val="accent1"/>
-            </a:effectRef>
-            <a:fontRef idx="minor">
-              <a:schemeClr val="lt1"/>
-            </a:fontRef>
-          </p:style>
-          <p:txBody>
-            <a:bodyPr rtlCol="0" anchor="ctr"/>
-            <a:lstStyle/>
-            <a:p>
-              <a:pPr algn="ctr"/>
-              <a:endParaRPr lang="en-US"/>
-            </a:p>
-          </p:txBody>
-        </p:sp>
-      </p:grpSp>
-    </p:spTree>
-    <p:extLst>
-      <p:ext uri="{BB962C8B-B14F-4D97-AF65-F5344CB8AC3E}">
-        <p14:creationId xmlns:p14="http://schemas.microsoft.com/office/powerpoint/2010/main" val="1542331588"/>
-      </p:ext>
-    </p:extLst>
-  </p:cSld>
-  <p:clrMapOvr>
-    <a:masterClrMapping/>
-  </p:clrMapOvr>
-</p:sld>
-</file>
-
-<file path=ppt/slides/slide13.xml><?xml version="1.0" encoding="utf-8"?>
-<p:sld xmlns:a="http://schemas.openxmlformats.org/drawingml/2006/main" xmlns:r="http://schemas.openxmlformats.org/officeDocument/2006/relationships" xmlns:p="http://schemas.openxmlformats.org/presentationml/2006/main">
-  <p:cSld>
-    <p:spTree>
-      <p:nvGrpSpPr>
-        <p:cNvPr id="1" name=""/>
-        <p:cNvGrpSpPr/>
-        <p:nvPr/>
-      </p:nvGrpSpPr>
-      <p:grpSpPr>
-        <a:xfrm>
-          <a:off x="0" y="0"/>
-          <a:ext cx="0" cy="0"/>
-          <a:chOff x="0" y="0"/>
-          <a:chExt cx="0" cy="0"/>
-        </a:xfrm>
-      </p:grpSpPr>
-      <p:sp>
-        <p:nvSpPr>
-          <p:cNvPr id="2" name="Title 1">
-            <a:extLst>
-              <a:ext uri="{FF2B5EF4-FFF2-40B4-BE49-F238E27FC236}">
-                <a16:creationId xmlns:a16="http://schemas.microsoft.com/office/drawing/2014/main" id="{676C21F3-BF09-42DB-B422-4865FA4F6BA8}"/>
-              </a:ext>
-            </a:extLst>
-          </p:cNvPr>
-          <p:cNvSpPr>
-            <a:spLocks noGrp="1"/>
-          </p:cNvSpPr>
-          <p:nvPr>
-            <p:ph type="title"/>
-          </p:nvPr>
-        </p:nvSpPr>
-        <p:spPr/>
-        <p:txBody>
-          <a:bodyPr/>
-          <a:lstStyle/>
-          <a:p>
-            <a:r>
-              <a:rPr lang="en-US" dirty="0"/>
-              <a:t>MDITRE model overview</a:t>
-            </a:r>
-          </a:p>
-        </p:txBody>
-      </p:sp>
-      <p:sp>
-        <p:nvSpPr>
-          <p:cNvPr id="3" name="Content Placeholder 2">
-            <a:extLst>
-              <a:ext uri="{FF2B5EF4-FFF2-40B4-BE49-F238E27FC236}">
-                <a16:creationId xmlns:a16="http://schemas.microsoft.com/office/drawing/2014/main" id="{6E1A0685-40C7-43E5-AD64-13FAA9EB6D20}"/>
-              </a:ext>
-            </a:extLst>
-          </p:cNvPr>
-          <p:cNvSpPr>
-            <a:spLocks noGrp="1"/>
-          </p:cNvSpPr>
-          <p:nvPr>
-            <p:ph idx="1"/>
-          </p:nvPr>
-        </p:nvSpPr>
-        <p:spPr/>
-        <p:txBody>
-          <a:bodyPr/>
-          <a:lstStyle/>
-          <a:p>
-            <a:r>
-              <a:rPr lang="en-US" dirty="0"/>
-              <a:t>Aggregating phylogenetically similar microbes</a:t>
-            </a:r>
-          </a:p>
-          <a:p>
-            <a:r>
-              <a:rPr lang="en-US" dirty="0"/>
-              <a:t>Aggregating microbes over time windows</a:t>
-            </a:r>
-          </a:p>
-          <a:p>
-            <a:endParaRPr lang="en-US" dirty="0"/>
-          </a:p>
-          <a:p>
-            <a:r>
-              <a:rPr lang="en-US" dirty="0"/>
-              <a:t>Possible features missed by </a:t>
-            </a:r>
-            <a:r>
-              <a:rPr lang="en-US" dirty="0" err="1"/>
-              <a:t>mditre</a:t>
-            </a:r>
-            <a:r>
-              <a:rPr lang="en-US" dirty="0"/>
-              <a:t> model</a:t>
-            </a:r>
-          </a:p>
-        </p:txBody>
-      </p:sp>
-    </p:spTree>
-    <p:extLst>
-      <p:ext uri="{BB962C8B-B14F-4D97-AF65-F5344CB8AC3E}">
-        <p14:creationId xmlns:p14="http://schemas.microsoft.com/office/powerpoint/2010/main" val="3714522574"/>
-      </p:ext>
-    </p:extLst>
-  </p:cSld>
-  <p:clrMapOvr>
-    <a:masterClrMapping/>
-  </p:clrMapOvr>
-</p:sld>
-</file>
-
-<file path=ppt/slides/slide14.xml><?xml version="1.0" encoding="utf-8"?>
-<p:sld xmlns:a="http://schemas.openxmlformats.org/drawingml/2006/main" xmlns:r="http://schemas.openxmlformats.org/officeDocument/2006/relationships" xmlns:p="http://schemas.openxmlformats.org/presentationml/2006/main">
-  <p:cSld>
-    <p:spTree>
-      <p:nvGrpSpPr>
-        <p:cNvPr id="1" name=""/>
-        <p:cNvGrpSpPr/>
-        <p:nvPr/>
-      </p:nvGrpSpPr>
-      <p:grpSpPr>
-        <a:xfrm>
-          <a:off x="0" y="0"/>
-          <a:ext cx="0" cy="0"/>
-          <a:chOff x="0" y="0"/>
-          <a:chExt cx="0" cy="0"/>
-        </a:xfrm>
-      </p:grpSpPr>
-      <p:sp>
-        <p:nvSpPr>
-          <p:cNvPr id="2" name="Title 1">
-            <a:extLst>
-              <a:ext uri="{FF2B5EF4-FFF2-40B4-BE49-F238E27FC236}">
-                <a16:creationId xmlns:a16="http://schemas.microsoft.com/office/drawing/2014/main" id="{FE1FF292-F975-43BD-91A6-2FA67EAE57CA}"/>
-              </a:ext>
-            </a:extLst>
-          </p:cNvPr>
-          <p:cNvSpPr>
-            <a:spLocks noGrp="1"/>
-          </p:cNvSpPr>
-          <p:nvPr>
-            <p:ph type="title"/>
-          </p:nvPr>
-        </p:nvSpPr>
-        <p:spPr>
-          <a:xfrm>
-            <a:off x="0" y="18255"/>
-            <a:ext cx="11271607" cy="1325563"/>
-          </a:xfrm>
-        </p:spPr>
-        <p:txBody>
-          <a:bodyPr/>
-          <a:lstStyle/>
-          <a:p>
-            <a:r>
-              <a:rPr lang="en-US" dirty="0"/>
-              <a:t>Example MDITRE prediction for </a:t>
-            </a:r>
-            <a:r>
-              <a:rPr lang="en-US" dirty="0" err="1"/>
-              <a:t>Bokulich</a:t>
-            </a:r>
-            <a:r>
-              <a:rPr lang="en-US" dirty="0"/>
-              <a:t> study</a:t>
-            </a:r>
-          </a:p>
-        </p:txBody>
-      </p:sp>
-      <p:pic>
-        <p:nvPicPr>
-          <p:cNvPr id="5" name="Content Placeholder 4">
-            <a:extLst>
-              <a:ext uri="{FF2B5EF4-FFF2-40B4-BE49-F238E27FC236}">
-                <a16:creationId xmlns:a16="http://schemas.microsoft.com/office/drawing/2014/main" id="{990E2080-68C9-43F3-A93F-B418005C9114}"/>
-              </a:ext>
-            </a:extLst>
-          </p:cNvPr>
-          <p:cNvPicPr>
-            <a:picLocks noGrp="1" noChangeAspect="1"/>
-          </p:cNvPicPr>
-          <p:nvPr>
-            <p:ph idx="1"/>
-          </p:nvPr>
-        </p:nvPicPr>
-        <p:blipFill>
-          <a:blip r:embed="rId2"/>
-          <a:stretch>
-            <a:fillRect/>
-          </a:stretch>
-        </p:blipFill>
-        <p:spPr>
-          <a:xfrm>
-            <a:off x="1327741" y="1222509"/>
-            <a:ext cx="9809446" cy="5297756"/>
-          </a:xfrm>
-        </p:spPr>
-      </p:pic>
-    </p:spTree>
-    <p:extLst>
-      <p:ext uri="{BB962C8B-B14F-4D97-AF65-F5344CB8AC3E}">
-        <p14:creationId xmlns:p14="http://schemas.microsoft.com/office/powerpoint/2010/main" val="4089731399"/>
-      </p:ext>
-    </p:extLst>
-  </p:cSld>
-  <p:clrMapOvr>
-    <a:masterClrMapping/>
-  </p:clrMapOvr>
-</p:sld>
-</file>
-
-<file path=ppt/slides/slide2.xml><?xml version="1.0" encoding="utf-8"?>
-<p:sld xmlns:a="http://schemas.openxmlformats.org/drawingml/2006/main" xmlns:r="http://schemas.openxmlformats.org/officeDocument/2006/relationships" xmlns:p="http://schemas.openxmlformats.org/presentationml/2006/main">
-  <p:cSld>
-    <p:spTree>
-      <p:nvGrpSpPr>
-        <p:cNvPr id="1" name=""/>
-        <p:cNvGrpSpPr/>
-        <p:nvPr/>
-      </p:nvGrpSpPr>
-      <p:grpSpPr>
-        <a:xfrm>
-          <a:off x="0" y="0"/>
-          <a:ext cx="0" cy="0"/>
-          <a:chOff x="0" y="0"/>
-          <a:chExt cx="0" cy="0"/>
-        </a:xfrm>
-      </p:grpSpPr>
-      <p:sp>
-        <p:nvSpPr>
-          <p:cNvPr id="2" name="Title 1">
-            <a:extLst>
-              <a:ext uri="{FF2B5EF4-FFF2-40B4-BE49-F238E27FC236}">
-                <a16:creationId xmlns:a16="http://schemas.microsoft.com/office/drawing/2014/main" id="{65FC7916-8ACC-4B19-A852-B5B5CEC4BDD1}"/>
-              </a:ext>
-            </a:extLst>
-          </p:cNvPr>
-          <p:cNvSpPr>
-            <a:spLocks noGrp="1"/>
-          </p:cNvSpPr>
-          <p:nvPr>
-            <p:ph type="title"/>
-          </p:nvPr>
-        </p:nvSpPr>
-        <p:spPr/>
-        <p:txBody>
-          <a:bodyPr/>
-          <a:lstStyle/>
-          <a:p>
-            <a:r>
-              <a:rPr lang="en-US" dirty="0"/>
-              <a:t>Interpretability in general</a:t>
-            </a:r>
-          </a:p>
-        </p:txBody>
-      </p:sp>
-      <p:sp>
-        <p:nvSpPr>
-          <p:cNvPr id="3" name="Content Placeholder 2">
-            <a:extLst>
-              <a:ext uri="{FF2B5EF4-FFF2-40B4-BE49-F238E27FC236}">
-                <a16:creationId xmlns:a16="http://schemas.microsoft.com/office/drawing/2014/main" id="{F2248BF4-9E07-4CA6-8998-99F683D1F738}"/>
-              </a:ext>
-            </a:extLst>
-          </p:cNvPr>
-          <p:cNvSpPr>
-            <a:spLocks noGrp="1"/>
-          </p:cNvSpPr>
-          <p:nvPr>
-            <p:ph idx="1"/>
-          </p:nvPr>
-        </p:nvSpPr>
-        <p:spPr>
-          <a:xfrm>
-            <a:off x="838200" y="1825625"/>
-            <a:ext cx="6363984" cy="4351338"/>
-          </a:xfrm>
-        </p:spPr>
-        <p:txBody>
-          <a:bodyPr/>
-          <a:lstStyle/>
-          <a:p>
-            <a:r>
-              <a:rPr lang="en-US" dirty="0"/>
-              <a:t>Notion of interpretability difficult to define in general, is domain specific</a:t>
-            </a:r>
-          </a:p>
-          <a:p>
-            <a:r>
-              <a:rPr lang="en-US" dirty="0"/>
-              <a:t>Qualitative metrics: can a human understand why prediction was made?...</a:t>
-            </a:r>
-          </a:p>
-          <a:p>
-            <a:r>
-              <a:rPr lang="en-US" dirty="0"/>
-              <a:t>Why it’s important</a:t>
-            </a:r>
-          </a:p>
-          <a:p>
-            <a:endParaRPr lang="en-US" dirty="0"/>
-          </a:p>
-        </p:txBody>
-      </p:sp>
-      <p:pic>
-        <p:nvPicPr>
-          <p:cNvPr id="2050" name="Picture 2" descr="Interpretable Machine Learning. Extracting human understandable… | by Parul  Pandey | Towards Data Science">
-            <a:extLst>
-              <a:ext uri="{FF2B5EF4-FFF2-40B4-BE49-F238E27FC236}">
-                <a16:creationId xmlns:a16="http://schemas.microsoft.com/office/drawing/2014/main" id="{9CFCDBFB-3D71-4FFD-90F2-89BE32B886D8}"/>
-              </a:ext>
-            </a:extLst>
-          </p:cNvPr>
-          <p:cNvPicPr>
-            <a:picLocks noChangeAspect="1" noChangeArrowheads="1"/>
-          </p:cNvPicPr>
-          <p:nvPr/>
-        </p:nvPicPr>
-        <p:blipFill>
-          <a:blip r:embed="rId2">
-            <a:extLst>
-              <a:ext uri="{28A0092B-C50C-407E-A947-70E740481C1C}">
-                <a14:useLocalDpi xmlns:a14="http://schemas.microsoft.com/office/drawing/2010/main" val="0"/>
-              </a:ext>
-            </a:extLst>
-          </a:blip>
-          <a:srcRect/>
-          <a:stretch>
-            <a:fillRect/>
-          </a:stretch>
-        </p:blipFill>
-        <p:spPr bwMode="auto">
-          <a:xfrm>
-            <a:off x="6573089" y="1690687"/>
-            <a:ext cx="5322432" cy="3456665"/>
-          </a:xfrm>
-          <a:prstGeom prst="rect">
-            <a:avLst/>
-          </a:prstGeom>
-          <a:noFill/>
-          <a:extLst>
-            <a:ext uri="{909E8E84-426E-40DD-AFC4-6F175D3DCCD1}">
-              <a14:hiddenFill xmlns:a14="http://schemas.microsoft.com/office/drawing/2010/main">
-                <a:solidFill>
-                  <a:srgbClr val="FFFFFF"/>
-                </a:solidFill>
-              </a14:hiddenFill>
-            </a:ext>
-          </a:extLst>
-        </p:spPr>
-      </p:pic>
-      <p:sp>
-        <p:nvSpPr>
-          <p:cNvPr id="6" name="TextBox 5">
-            <a:extLst>
-              <a:ext uri="{FF2B5EF4-FFF2-40B4-BE49-F238E27FC236}">
-                <a16:creationId xmlns:a16="http://schemas.microsoft.com/office/drawing/2014/main" id="{9A9F5012-7C75-4E20-AE8F-490DE1D620B9}"/>
-              </a:ext>
-            </a:extLst>
-          </p:cNvPr>
-          <p:cNvSpPr txBox="1"/>
-          <p:nvPr/>
-        </p:nvSpPr>
-        <p:spPr>
-          <a:xfrm>
-            <a:off x="7586609" y="5530632"/>
-            <a:ext cx="4605391" cy="646331"/>
-          </a:xfrm>
-          <a:prstGeom prst="rect">
-            <a:avLst/>
-          </a:prstGeom>
-          <a:noFill/>
-        </p:spPr>
-        <p:txBody>
-          <a:bodyPr wrap="square">
-            <a:spAutoFit/>
-          </a:bodyPr>
-          <a:lstStyle/>
-          <a:p>
-            <a:r>
-              <a:rPr lang="en-US" dirty="0"/>
-              <a:t>https://christophm.github.io/interpretable-ml-book/terminology.html</a:t>
-            </a:r>
-          </a:p>
-        </p:txBody>
-      </p:sp>
-    </p:spTree>
-    <p:extLst>
-      <p:ext uri="{BB962C8B-B14F-4D97-AF65-F5344CB8AC3E}">
-        <p14:creationId xmlns:p14="http://schemas.microsoft.com/office/powerpoint/2010/main" val="3655175724"/>
-      </p:ext>
-    </p:extLst>
-  </p:cSld>
-  <p:clrMapOvr>
-    <a:masterClrMapping/>
-  </p:clrMapOvr>
-</p:sld>
-</file>
-
-<file path=ppt/slides/slide3.xml><?xml version="1.0" encoding="utf-8"?>
-<p:sld xmlns:a="http://schemas.openxmlformats.org/drawingml/2006/main" xmlns:r="http://schemas.openxmlformats.org/officeDocument/2006/relationships" xmlns:p="http://schemas.openxmlformats.org/presentationml/2006/main">
-  <p:cSld>
-    <p:spTree>
-      <p:nvGrpSpPr>
-        <p:cNvPr id="1" name=""/>
-        <p:cNvGrpSpPr/>
-        <p:nvPr/>
-      </p:nvGrpSpPr>
-      <p:grpSpPr>
-        <a:xfrm>
-          <a:off x="0" y="0"/>
-          <a:ext cx="0" cy="0"/>
-          <a:chOff x="0" y="0"/>
-          <a:chExt cx="0" cy="0"/>
-        </a:xfrm>
-      </p:grpSpPr>
-      <p:sp>
-        <p:nvSpPr>
-          <p:cNvPr id="2" name="Title 1">
-            <a:extLst>
-              <a:ext uri="{FF2B5EF4-FFF2-40B4-BE49-F238E27FC236}">
-                <a16:creationId xmlns:a16="http://schemas.microsoft.com/office/drawing/2014/main" id="{51A1DA7D-1138-465F-9882-AC411F53FA15}"/>
-              </a:ext>
-            </a:extLst>
-          </p:cNvPr>
-          <p:cNvSpPr>
-            <a:spLocks noGrp="1"/>
-          </p:cNvSpPr>
-          <p:nvPr>
-            <p:ph type="title"/>
-          </p:nvPr>
-        </p:nvSpPr>
-        <p:spPr/>
-        <p:txBody>
-          <a:bodyPr/>
-          <a:lstStyle/>
-          <a:p>
-            <a:r>
-              <a:rPr lang="en-US" dirty="0"/>
-              <a:t>Interpretability in time-series microbiome data</a:t>
-            </a:r>
-          </a:p>
-        </p:txBody>
-      </p:sp>
-      <p:sp>
-        <p:nvSpPr>
-          <p:cNvPr id="3" name="Content Placeholder 2">
-            <a:extLst>
-              <a:ext uri="{FF2B5EF4-FFF2-40B4-BE49-F238E27FC236}">
-                <a16:creationId xmlns:a16="http://schemas.microsoft.com/office/drawing/2014/main" id="{06093053-04A4-4075-9D13-572D1EF5A58E}"/>
-              </a:ext>
-            </a:extLst>
-          </p:cNvPr>
-          <p:cNvSpPr>
-            <a:spLocks noGrp="1"/>
-          </p:cNvSpPr>
-          <p:nvPr>
-            <p:ph idx="1"/>
-          </p:nvPr>
-        </p:nvSpPr>
-        <p:spPr/>
-        <p:txBody>
-          <a:bodyPr>
-            <a:normAutofit/>
-          </a:bodyPr>
-          <a:lstStyle/>
-          <a:p>
-            <a:r>
-              <a:rPr lang="en-US" dirty="0"/>
-              <a:t>High stakes medical applications</a:t>
-            </a:r>
-          </a:p>
-          <a:p>
-            <a:r>
-              <a:rPr lang="en-US" dirty="0"/>
-              <a:t>Specificity over sensitivity </a:t>
-            </a:r>
-          </a:p>
-          <a:p>
-            <a:r>
-              <a:rPr lang="en-US" dirty="0"/>
-              <a:t>For many microbiome applications, the critical tasks are discovering relationships between the microbiome and the host or finding clinically useful biomarkers, rather than pure prediction, care more about model interpretability than predictive power</a:t>
-            </a:r>
-          </a:p>
-          <a:p>
-            <a:endParaRPr lang="en-US" dirty="0"/>
-          </a:p>
-        </p:txBody>
-      </p:sp>
-    </p:spTree>
-    <p:extLst>
-      <p:ext uri="{BB962C8B-B14F-4D97-AF65-F5344CB8AC3E}">
-        <p14:creationId xmlns:p14="http://schemas.microsoft.com/office/powerpoint/2010/main" val="2019560560"/>
-      </p:ext>
-    </p:extLst>
-  </p:cSld>
-  <p:clrMapOvr>
-    <a:masterClrMapping/>
-  </p:clrMapOvr>
-</p:sld>
-</file>
-
-<file path=ppt/slides/slide4.xml><?xml version="1.0" encoding="utf-8"?>
-<p:sld xmlns:a="http://schemas.openxmlformats.org/drawingml/2006/main" xmlns:r="http://schemas.openxmlformats.org/officeDocument/2006/relationships" xmlns:p="http://schemas.openxmlformats.org/presentationml/2006/main">
-  <p:cSld>
-    <p:spTree>
-      <p:nvGrpSpPr>
-        <p:cNvPr id="1" name=""/>
-        <p:cNvGrpSpPr/>
-        <p:nvPr/>
-      </p:nvGrpSpPr>
-      <p:grpSpPr>
-        <a:xfrm>
-          <a:off x="0" y="0"/>
-          <a:ext cx="0" cy="0"/>
-          <a:chOff x="0" y="0"/>
-          <a:chExt cx="0" cy="0"/>
-        </a:xfrm>
-      </p:grpSpPr>
-      <p:sp>
-        <p:nvSpPr>
-          <p:cNvPr id="2" name="Title 1">
-            <a:extLst>
-              <a:ext uri="{FF2B5EF4-FFF2-40B4-BE49-F238E27FC236}">
-                <a16:creationId xmlns:a16="http://schemas.microsoft.com/office/drawing/2014/main" id="{9FA9F322-5FFF-47FB-9F4C-4914155BD69C}"/>
-              </a:ext>
-            </a:extLst>
-          </p:cNvPr>
-          <p:cNvSpPr>
-            <a:spLocks noGrp="1"/>
-          </p:cNvSpPr>
-          <p:nvPr>
-            <p:ph type="title"/>
-          </p:nvPr>
-        </p:nvSpPr>
-        <p:spPr/>
-        <p:txBody>
-          <a:bodyPr/>
-          <a:lstStyle/>
-          <a:p>
-            <a:r>
-              <a:rPr lang="en-US" dirty="0"/>
-              <a:t>interpretability in models</a:t>
-            </a:r>
-          </a:p>
-        </p:txBody>
-      </p:sp>
-      <p:sp>
-        <p:nvSpPr>
-          <p:cNvPr id="3" name="Content Placeholder 2">
-            <a:extLst>
-              <a:ext uri="{FF2B5EF4-FFF2-40B4-BE49-F238E27FC236}">
-                <a16:creationId xmlns:a16="http://schemas.microsoft.com/office/drawing/2014/main" id="{CF26E2A1-6CBD-47E4-AACD-BC0CB55DDC1F}"/>
-              </a:ext>
-            </a:extLst>
-          </p:cNvPr>
-          <p:cNvSpPr>
-            <a:spLocks noGrp="1"/>
-          </p:cNvSpPr>
-          <p:nvPr>
-            <p:ph idx="1"/>
-          </p:nvPr>
-        </p:nvSpPr>
-        <p:spPr>
-          <a:xfrm>
-            <a:off x="838200" y="1825625"/>
-            <a:ext cx="8100317" cy="4351338"/>
-          </a:xfrm>
-        </p:spPr>
-        <p:txBody>
-          <a:bodyPr/>
-          <a:lstStyle/>
-          <a:p>
-            <a:r>
-              <a:rPr lang="en-US" dirty="0"/>
-              <a:t>Want features that are easier to understand/use:</a:t>
-            </a:r>
-          </a:p>
-          <a:p>
-            <a:pPr lvl="1"/>
-            <a:r>
-              <a:rPr lang="en-US" dirty="0"/>
-              <a:t>Grouping together relevant sets of taxa</a:t>
-            </a:r>
-          </a:p>
-          <a:p>
-            <a:pPr lvl="1"/>
-            <a:r>
-              <a:rPr lang="en-US" dirty="0"/>
-              <a:t>Focusing on relevant time windows</a:t>
-            </a:r>
-          </a:p>
-          <a:p>
-            <a:r>
-              <a:rPr lang="en-US" dirty="0"/>
-              <a:t>Human interpretable model output…</a:t>
-            </a:r>
-          </a:p>
-          <a:p>
-            <a:pPr lvl="1"/>
-            <a:r>
-              <a:rPr lang="en-US" dirty="0"/>
-              <a:t>Models with interpretability baked-in</a:t>
-            </a:r>
-          </a:p>
-          <a:p>
-            <a:pPr lvl="2"/>
-            <a:r>
-              <a:rPr lang="en-US" dirty="0"/>
-              <a:t>Regression models: linear, logistic, GLM, GAM</a:t>
-            </a:r>
-          </a:p>
-          <a:p>
-            <a:pPr lvl="2"/>
-            <a:r>
-              <a:rPr lang="en-US" dirty="0"/>
-              <a:t>Decision trees</a:t>
-            </a:r>
-          </a:p>
-          <a:p>
-            <a:pPr lvl="2"/>
-            <a:r>
-              <a:rPr lang="en-US" dirty="0"/>
-              <a:t>Rule lists/sets</a:t>
-            </a:r>
-          </a:p>
-          <a:p>
-            <a:pPr lvl="1"/>
-            <a:r>
-              <a:rPr lang="en-US" dirty="0"/>
-              <a:t>Model agnostic post-hoc methods</a:t>
-            </a:r>
-          </a:p>
-          <a:p>
-            <a:pPr lvl="2"/>
-            <a:r>
-              <a:rPr lang="en-US" dirty="0"/>
-              <a:t>LIME</a:t>
-            </a:r>
-          </a:p>
-        </p:txBody>
-      </p:sp>
-      <p:pic>
-        <p:nvPicPr>
-          <p:cNvPr id="1026" name="Picture 2" descr="Interpretable Machine Learning. Extracting human understandable… | by Parul  Pandey | Towards Data Science">
-            <a:extLst>
-              <a:ext uri="{FF2B5EF4-FFF2-40B4-BE49-F238E27FC236}">
-                <a16:creationId xmlns:a16="http://schemas.microsoft.com/office/drawing/2014/main" id="{1D449B92-6394-46A5-9C48-867737721AF4}"/>
-              </a:ext>
-            </a:extLst>
-          </p:cNvPr>
-          <p:cNvPicPr>
-            <a:picLocks noChangeAspect="1" noChangeArrowheads="1"/>
-          </p:cNvPicPr>
-          <p:nvPr/>
-        </p:nvPicPr>
-        <p:blipFill>
-          <a:blip r:embed="rId2">
-            <a:extLst>
-              <a:ext uri="{28A0092B-C50C-407E-A947-70E740481C1C}">
-                <a14:useLocalDpi xmlns:a14="http://schemas.microsoft.com/office/drawing/2010/main" val="0"/>
-              </a:ext>
-            </a:extLst>
-          </a:blip>
-          <a:srcRect/>
-          <a:stretch>
-            <a:fillRect/>
-          </a:stretch>
-        </p:blipFill>
-        <p:spPr bwMode="auto">
-          <a:xfrm>
-            <a:off x="8565740" y="1494498"/>
-            <a:ext cx="3626260" cy="4053155"/>
-          </a:xfrm>
-          <a:prstGeom prst="rect">
-            <a:avLst/>
-          </a:prstGeom>
-          <a:noFill/>
-          <a:extLst>
-            <a:ext uri="{909E8E84-426E-40DD-AFC4-6F175D3DCCD1}">
-              <a14:hiddenFill xmlns:a14="http://schemas.microsoft.com/office/drawing/2010/main">
-                <a:solidFill>
-                  <a:srgbClr val="FFFFFF"/>
-                </a:solidFill>
-              </a14:hiddenFill>
-            </a:ext>
-          </a:extLst>
-        </p:spPr>
-      </p:pic>
-      <p:sp>
-        <p:nvSpPr>
-          <p:cNvPr id="6" name="TextBox 5">
-            <a:extLst>
-              <a:ext uri="{FF2B5EF4-FFF2-40B4-BE49-F238E27FC236}">
-                <a16:creationId xmlns:a16="http://schemas.microsoft.com/office/drawing/2014/main" id="{DC95693E-92C7-4C5D-8A72-D9E654A6F529}"/>
-              </a:ext>
-            </a:extLst>
-          </p:cNvPr>
-          <p:cNvSpPr txBox="1"/>
-          <p:nvPr/>
-        </p:nvSpPr>
-        <p:spPr>
-          <a:xfrm>
-            <a:off x="7602877" y="5682590"/>
-            <a:ext cx="4417548" cy="646331"/>
-          </a:xfrm>
-          <a:prstGeom prst="rect">
-            <a:avLst/>
-          </a:prstGeom>
-          <a:noFill/>
-        </p:spPr>
-        <p:txBody>
-          <a:bodyPr wrap="square">
-            <a:spAutoFit/>
-          </a:bodyPr>
-          <a:lstStyle/>
-          <a:p>
-            <a:r>
-              <a:rPr lang="en-US" dirty="0"/>
-              <a:t>https://christophm.github.io/interpretable-ml-book/terminology.html</a:t>
-            </a:r>
-          </a:p>
-        </p:txBody>
-      </p:sp>
-    </p:spTree>
-    <p:extLst>
-      <p:ext uri="{BB962C8B-B14F-4D97-AF65-F5344CB8AC3E}">
-        <p14:creationId xmlns:p14="http://schemas.microsoft.com/office/powerpoint/2010/main" val="2504675941"/>
-      </p:ext>
-    </p:extLst>
-  </p:cSld>
-  <p:clrMapOvr>
-    <a:masterClrMapping/>
-  </p:clrMapOvr>
-</p:sld>
-</file>
-
-<file path=ppt/slides/slide5.xml><?xml version="1.0" encoding="utf-8"?>
-<p:sld xmlns:a="http://schemas.openxmlformats.org/drawingml/2006/main" xmlns:r="http://schemas.openxmlformats.org/officeDocument/2006/relationships" xmlns:p="http://schemas.openxmlformats.org/presentationml/2006/main">
-  <p:cSld>
-    <p:spTree>
-      <p:nvGrpSpPr>
-        <p:cNvPr id="1" name=""/>
-        <p:cNvGrpSpPr/>
-        <p:nvPr/>
-      </p:nvGrpSpPr>
-      <p:grpSpPr>
-        <a:xfrm>
-          <a:off x="0" y="0"/>
-          <a:ext cx="0" cy="0"/>
-          <a:chOff x="0" y="0"/>
-          <a:chExt cx="0" cy="0"/>
-        </a:xfrm>
-      </p:grpSpPr>
-      <p:sp>
-        <p:nvSpPr>
-          <p:cNvPr id="2" name="Title 1">
-            <a:extLst>
-              <a:ext uri="{FF2B5EF4-FFF2-40B4-BE49-F238E27FC236}">
-                <a16:creationId xmlns:a16="http://schemas.microsoft.com/office/drawing/2014/main" id="{DF0097B5-01D7-47B6-B236-477E1B57E7CF}"/>
-              </a:ext>
-            </a:extLst>
-          </p:cNvPr>
-          <p:cNvSpPr>
-            <a:spLocks noGrp="1"/>
-          </p:cNvSpPr>
-          <p:nvPr>
-            <p:ph type="title"/>
-          </p:nvPr>
-        </p:nvSpPr>
-        <p:spPr/>
-        <p:txBody>
-          <a:bodyPr/>
-          <a:lstStyle/>
-          <a:p>
-            <a:r>
-              <a:rPr lang="en-US" dirty="0"/>
-              <a:t>Interpretable models vs post-hoc interpretability</a:t>
-            </a:r>
-          </a:p>
-        </p:txBody>
-      </p:sp>
-      <p:sp>
-        <p:nvSpPr>
-          <p:cNvPr id="3" name="Content Placeholder 2">
-            <a:extLst>
-              <a:ext uri="{FF2B5EF4-FFF2-40B4-BE49-F238E27FC236}">
-                <a16:creationId xmlns:a16="http://schemas.microsoft.com/office/drawing/2014/main" id="{453FAEC3-8675-409C-BF44-71BACA77C763}"/>
-              </a:ext>
-            </a:extLst>
-          </p:cNvPr>
-          <p:cNvSpPr>
-            <a:spLocks noGrp="1"/>
-          </p:cNvSpPr>
-          <p:nvPr>
-            <p:ph idx="1"/>
-          </p:nvPr>
-        </p:nvSpPr>
-        <p:spPr/>
-        <p:txBody>
-          <a:bodyPr/>
-          <a:lstStyle/>
-          <a:p>
-            <a:r>
-              <a:rPr lang="en-US" dirty="0"/>
-              <a:t>Pros and cons of each</a:t>
-            </a:r>
-          </a:p>
-          <a:p>
-            <a:r>
-              <a:rPr lang="en-US" dirty="0"/>
-              <a:t>Post-hoc pro, more general model can maybe pick out weaker signals, con, might be false positive, or not sure why its being picked out</a:t>
-            </a:r>
-          </a:p>
-          <a:p>
-            <a:endParaRPr lang="en-US" dirty="0"/>
-          </a:p>
-        </p:txBody>
-      </p:sp>
-    </p:spTree>
-    <p:extLst>
-      <p:ext uri="{BB962C8B-B14F-4D97-AF65-F5344CB8AC3E}">
-        <p14:creationId xmlns:p14="http://schemas.microsoft.com/office/powerpoint/2010/main" val="955033744"/>
-      </p:ext>
-    </p:extLst>
-  </p:cSld>
-  <p:clrMapOvr>
-    <a:masterClrMapping/>
-  </p:clrMapOvr>
-</p:sld>
-</file>
-
-<file path=ppt/slides/slide6.xml><?xml version="1.0" encoding="utf-8"?>
-<p:sld xmlns:a="http://schemas.openxmlformats.org/drawingml/2006/main" xmlns:r="http://schemas.openxmlformats.org/officeDocument/2006/relationships" xmlns:p="http://schemas.openxmlformats.org/presentationml/2006/main">
-  <p:cSld>
-    <p:spTree>
-      <p:nvGrpSpPr>
-        <p:cNvPr id="1" name=""/>
-        <p:cNvGrpSpPr/>
-        <p:nvPr/>
-      </p:nvGrpSpPr>
-      <p:grpSpPr>
-        <a:xfrm>
-          <a:off x="0" y="0"/>
-          <a:ext cx="0" cy="0"/>
-          <a:chOff x="0" y="0"/>
-          <a:chExt cx="0" cy="0"/>
-        </a:xfrm>
-      </p:grpSpPr>
-      <p:sp>
-        <p:nvSpPr>
-          <p:cNvPr id="2" name="Title 1">
-            <a:extLst>
-              <a:ext uri="{FF2B5EF4-FFF2-40B4-BE49-F238E27FC236}">
-                <a16:creationId xmlns:a16="http://schemas.microsoft.com/office/drawing/2014/main" id="{50EAD21A-CAFF-4952-8BBD-C34EE7443960}"/>
-              </a:ext>
-            </a:extLst>
-          </p:cNvPr>
-          <p:cNvSpPr>
-            <a:spLocks noGrp="1"/>
-          </p:cNvSpPr>
-          <p:nvPr>
-            <p:ph type="title"/>
-          </p:nvPr>
-        </p:nvSpPr>
-        <p:spPr/>
-        <p:txBody>
-          <a:bodyPr/>
-          <a:lstStyle/>
-          <a:p>
-            <a:r>
-              <a:rPr lang="en-US" dirty="0"/>
-              <a:t>Abundance data (16S amplicon)</a:t>
-            </a:r>
-          </a:p>
-        </p:txBody>
-      </p:sp>
-      <p:pic>
-        <p:nvPicPr>
-          <p:cNvPr id="7" name="Picture 6">
-            <a:extLst>
-              <a:ext uri="{FF2B5EF4-FFF2-40B4-BE49-F238E27FC236}">
-                <a16:creationId xmlns:a16="http://schemas.microsoft.com/office/drawing/2014/main" id="{A8D3BC43-8179-4A21-B01D-AC757F635814}"/>
-              </a:ext>
-            </a:extLst>
-          </p:cNvPr>
-          <p:cNvPicPr>
-            <a:picLocks noChangeAspect="1"/>
-          </p:cNvPicPr>
-          <p:nvPr/>
-        </p:nvPicPr>
-        <p:blipFill>
-          <a:blip r:embed="rId2"/>
-          <a:stretch>
-            <a:fillRect/>
-          </a:stretch>
-        </p:blipFill>
-        <p:spPr>
-          <a:xfrm>
-            <a:off x="246580" y="1542916"/>
-            <a:ext cx="8485683" cy="4811649"/>
-          </a:xfrm>
-          <a:prstGeom prst="rect">
-            <a:avLst/>
-          </a:prstGeom>
-        </p:spPr>
-      </p:pic>
-      <p:sp>
-        <p:nvSpPr>
-          <p:cNvPr id="5" name="TextBox 4">
-            <a:extLst>
-              <a:ext uri="{FF2B5EF4-FFF2-40B4-BE49-F238E27FC236}">
-                <a16:creationId xmlns:a16="http://schemas.microsoft.com/office/drawing/2014/main" id="{038D5DD9-F2E7-412C-87D4-07754CC771E0}"/>
-              </a:ext>
-            </a:extLst>
-          </p:cNvPr>
-          <p:cNvSpPr txBox="1"/>
-          <p:nvPr/>
-        </p:nvSpPr>
-        <p:spPr>
-          <a:xfrm>
-            <a:off x="9051531" y="1825081"/>
-            <a:ext cx="2684123" cy="4247317"/>
-          </a:xfrm>
-          <a:prstGeom prst="rect">
-            <a:avLst/>
-          </a:prstGeom>
-          <a:noFill/>
-        </p:spPr>
-        <p:txBody>
-          <a:bodyPr wrap="square">
-            <a:spAutoFit/>
-          </a:bodyPr>
-          <a:lstStyle/>
-          <a:p>
-            <a:r>
-              <a:rPr lang="en-US" dirty="0"/>
-              <a:t>Will probably want to do some data cleaning before hand; remove </a:t>
-            </a:r>
-            <a:r>
-              <a:rPr lang="en-US" dirty="0" err="1"/>
-              <a:t>otus</a:t>
-            </a:r>
-            <a:r>
-              <a:rPr lang="en-US" dirty="0"/>
-              <a:t> with low counts or that are only present in a few samples/time points; </a:t>
-            </a:r>
-          </a:p>
-          <a:p>
-            <a:pPr lvl="1"/>
-            <a:r>
-              <a:rPr lang="en-US" dirty="0"/>
-              <a:t>might want to only focus on some time periods (e.g. if most subjects do not have samples outside of a given time window)</a:t>
-            </a:r>
-          </a:p>
-          <a:p>
-            <a:pPr lvl="1"/>
-            <a:r>
-              <a:rPr lang="en-US" dirty="0"/>
-              <a:t>Discard subjects with too few samples, </a:t>
-            </a:r>
-            <a:r>
-              <a:rPr lang="en-US" dirty="0" err="1"/>
-              <a:t>etc</a:t>
-            </a:r>
-            <a:r>
-              <a:rPr lang="en-US" dirty="0"/>
-              <a:t>…</a:t>
-            </a:r>
-          </a:p>
-        </p:txBody>
-      </p:sp>
-    </p:spTree>
-    <p:extLst>
-      <p:ext uri="{BB962C8B-B14F-4D97-AF65-F5344CB8AC3E}">
-        <p14:creationId xmlns:p14="http://schemas.microsoft.com/office/powerpoint/2010/main" val="1738805680"/>
-      </p:ext>
-    </p:extLst>
-  </p:cSld>
-  <p:clrMapOvr>
-    <a:masterClrMapping/>
-  </p:clrMapOvr>
-</p:sld>
-</file>
-
-<file path=ppt/slides/slide7.xml><?xml version="1.0" encoding="utf-8"?>
-<p:sld xmlns:a="http://schemas.openxmlformats.org/drawingml/2006/main" xmlns:r="http://schemas.openxmlformats.org/officeDocument/2006/relationships" xmlns:p="http://schemas.openxmlformats.org/presentationml/2006/main">
-  <p:cSld>
-    <p:spTree>
-      <p:nvGrpSpPr>
-        <p:cNvPr id="1" name=""/>
-        <p:cNvGrpSpPr/>
-        <p:nvPr/>
-      </p:nvGrpSpPr>
-      <p:grpSpPr>
-        <a:xfrm>
-          <a:off x="0" y="0"/>
-          <a:ext cx="0" cy="0"/>
-          <a:chOff x="0" y="0"/>
-          <a:chExt cx="0" cy="0"/>
-        </a:xfrm>
-      </p:grpSpPr>
-      <p:sp>
-        <p:nvSpPr>
-          <p:cNvPr id="2" name="Title 1">
-            <a:extLst>
-              <a:ext uri="{FF2B5EF4-FFF2-40B4-BE49-F238E27FC236}">
-                <a16:creationId xmlns:a16="http://schemas.microsoft.com/office/drawing/2014/main" id="{E99D0ECA-37D5-46A4-A6D0-4307BC9EB1C4}"/>
-              </a:ext>
-            </a:extLst>
-          </p:cNvPr>
-          <p:cNvSpPr>
-            <a:spLocks noGrp="1"/>
-          </p:cNvSpPr>
-          <p:nvPr>
-            <p:ph type="title"/>
-          </p:nvPr>
-        </p:nvSpPr>
-        <p:spPr>
-          <a:xfrm>
-            <a:off x="294190" y="265596"/>
-            <a:ext cx="10515600" cy="1325563"/>
-          </a:xfrm>
-        </p:spPr>
-        <p:txBody>
-          <a:bodyPr/>
-          <a:lstStyle/>
-          <a:p>
-            <a:r>
-              <a:rPr lang="en-US" dirty="0"/>
-              <a:t>Abundance (shotgun metagenomics)</a:t>
-            </a:r>
-          </a:p>
-        </p:txBody>
-      </p:sp>
-      <p:pic>
-        <p:nvPicPr>
-          <p:cNvPr id="5" name="Picture 4">
-            <a:extLst>
-              <a:ext uri="{FF2B5EF4-FFF2-40B4-BE49-F238E27FC236}">
-                <a16:creationId xmlns:a16="http://schemas.microsoft.com/office/drawing/2014/main" id="{2CAEA16F-1FC0-4B95-B98D-858DD2E454C9}"/>
-              </a:ext>
-            </a:extLst>
-          </p:cNvPr>
-          <p:cNvPicPr>
-            <a:picLocks noChangeAspect="1"/>
-          </p:cNvPicPr>
-          <p:nvPr/>
-        </p:nvPicPr>
-        <p:blipFill>
-          <a:blip r:embed="rId2"/>
-          <a:stretch>
-            <a:fillRect/>
-          </a:stretch>
-        </p:blipFill>
-        <p:spPr>
-          <a:xfrm>
-            <a:off x="913207" y="1404153"/>
-            <a:ext cx="9277566" cy="5198525"/>
-          </a:xfrm>
-          <a:prstGeom prst="rect">
-            <a:avLst/>
-          </a:prstGeom>
-        </p:spPr>
-      </p:pic>
-    </p:spTree>
-    <p:extLst>
-      <p:ext uri="{BB962C8B-B14F-4D97-AF65-F5344CB8AC3E}">
-        <p14:creationId xmlns:p14="http://schemas.microsoft.com/office/powerpoint/2010/main" val="711536343"/>
-      </p:ext>
-    </p:extLst>
-  </p:cSld>
-  <p:clrMapOvr>
-    <a:masterClrMapping/>
-  </p:clrMapOvr>
-</p:sld>
-</file>
-
-<file path=ppt/slides/slide8.xml><?xml version="1.0" encoding="utf-8"?>
-<p:sld xmlns:a="http://schemas.openxmlformats.org/drawingml/2006/main" xmlns:r="http://schemas.openxmlformats.org/officeDocument/2006/relationships" xmlns:p="http://schemas.openxmlformats.org/presentationml/2006/main">
-  <p:cSld>
-    <p:spTree>
-      <p:nvGrpSpPr>
-        <p:cNvPr id="1" name=""/>
-        <p:cNvGrpSpPr/>
-        <p:nvPr/>
-      </p:nvGrpSpPr>
-      <p:grpSpPr>
-        <a:xfrm>
-          <a:off x="0" y="0"/>
-          <a:ext cx="0" cy="0"/>
-          <a:chOff x="0" y="0"/>
-          <a:chExt cx="0" cy="0"/>
-        </a:xfrm>
-      </p:grpSpPr>
-      <p:sp>
-        <p:nvSpPr>
-          <p:cNvPr id="2" name="Title 1">
-            <a:extLst>
-              <a:ext uri="{FF2B5EF4-FFF2-40B4-BE49-F238E27FC236}">
-                <a16:creationId xmlns:a16="http://schemas.microsoft.com/office/drawing/2014/main" id="{F9300FBF-C346-440E-9B0C-8982CD85DE61}"/>
-              </a:ext>
-            </a:extLst>
-          </p:cNvPr>
-          <p:cNvSpPr>
-            <a:spLocks noGrp="1"/>
-          </p:cNvSpPr>
-          <p:nvPr>
-            <p:ph type="title"/>
-          </p:nvPr>
-        </p:nvSpPr>
-        <p:spPr>
-          <a:xfrm>
-            <a:off x="0" y="0"/>
-            <a:ext cx="10515600" cy="1325563"/>
-          </a:xfrm>
-        </p:spPr>
-        <p:txBody>
-          <a:bodyPr/>
-          <a:lstStyle/>
-          <a:p>
-            <a:r>
-              <a:rPr lang="en-US" dirty="0"/>
-              <a:t>Metadata</a:t>
-            </a:r>
-          </a:p>
-        </p:txBody>
-      </p:sp>
-      <p:pic>
-        <p:nvPicPr>
-          <p:cNvPr id="4" name="Picture 3">
-            <a:extLst>
-              <a:ext uri="{FF2B5EF4-FFF2-40B4-BE49-F238E27FC236}">
-                <a16:creationId xmlns:a16="http://schemas.microsoft.com/office/drawing/2014/main" id="{025FD4CB-EBCF-4F70-9021-C940E166A3F2}"/>
-              </a:ext>
-            </a:extLst>
-          </p:cNvPr>
-          <p:cNvPicPr>
-            <a:picLocks noChangeAspect="1"/>
-          </p:cNvPicPr>
-          <p:nvPr/>
-        </p:nvPicPr>
-        <p:blipFill>
-          <a:blip r:embed="rId2"/>
-          <a:stretch>
-            <a:fillRect/>
-          </a:stretch>
-        </p:blipFill>
-        <p:spPr>
-          <a:xfrm>
-            <a:off x="6279522" y="1925214"/>
-            <a:ext cx="2273414" cy="4670834"/>
-          </a:xfrm>
-          <a:prstGeom prst="rect">
-            <a:avLst/>
-          </a:prstGeom>
-        </p:spPr>
-      </p:pic>
-      <p:sp>
-        <p:nvSpPr>
-          <p:cNvPr id="7" name="TextBox 6">
-            <a:extLst>
-              <a:ext uri="{FF2B5EF4-FFF2-40B4-BE49-F238E27FC236}">
-                <a16:creationId xmlns:a16="http://schemas.microsoft.com/office/drawing/2014/main" id="{46F58A88-DEDD-4D01-B13F-1FC001DE9D53}"/>
-              </a:ext>
-            </a:extLst>
-          </p:cNvPr>
-          <p:cNvSpPr txBox="1"/>
-          <p:nvPr/>
-        </p:nvSpPr>
-        <p:spPr>
-          <a:xfrm>
-            <a:off x="8706619" y="2202212"/>
-            <a:ext cx="3485381" cy="1754326"/>
-          </a:xfrm>
-          <a:prstGeom prst="rect">
-            <a:avLst/>
-          </a:prstGeom>
-          <a:noFill/>
-        </p:spPr>
-        <p:txBody>
-          <a:bodyPr wrap="square">
-            <a:spAutoFit/>
-          </a:bodyPr>
-          <a:lstStyle/>
-          <a:p>
-            <a:r>
-              <a:rPr lang="en-US" dirty="0"/>
-              <a:t>A CSV file that gives information about each subject, (including the value of whatever variable will be used as the host outcome for prediction (e.g., Plant-diet or Animal-diet in the David et al).</a:t>
-            </a:r>
-          </a:p>
-        </p:txBody>
-      </p:sp>
-      <p:pic>
-        <p:nvPicPr>
-          <p:cNvPr id="11" name="Picture 10">
-            <a:extLst>
-              <a:ext uri="{FF2B5EF4-FFF2-40B4-BE49-F238E27FC236}">
-                <a16:creationId xmlns:a16="http://schemas.microsoft.com/office/drawing/2014/main" id="{F4FCB1AB-EF80-4638-8EA2-D758F5FE8131}"/>
-              </a:ext>
-            </a:extLst>
-          </p:cNvPr>
-          <p:cNvPicPr>
-            <a:picLocks noChangeAspect="1"/>
-          </p:cNvPicPr>
-          <p:nvPr/>
-        </p:nvPicPr>
-        <p:blipFill>
-          <a:blip r:embed="rId3"/>
-          <a:stretch>
-            <a:fillRect/>
-          </a:stretch>
-        </p:blipFill>
-        <p:spPr>
-          <a:xfrm>
-            <a:off x="234515" y="1925214"/>
-            <a:ext cx="2829965" cy="4533185"/>
-          </a:xfrm>
-          <a:prstGeom prst="rect">
-            <a:avLst/>
-          </a:prstGeom>
-        </p:spPr>
-      </p:pic>
-      <p:sp>
-        <p:nvSpPr>
-          <p:cNvPr id="13" name="TextBox 12">
-            <a:extLst>
-              <a:ext uri="{FF2B5EF4-FFF2-40B4-BE49-F238E27FC236}">
-                <a16:creationId xmlns:a16="http://schemas.microsoft.com/office/drawing/2014/main" id="{5FE27F9B-9ABC-4D18-B50B-68E426FAE67A}"/>
-              </a:ext>
-            </a:extLst>
-          </p:cNvPr>
-          <p:cNvSpPr txBox="1"/>
-          <p:nvPr/>
-        </p:nvSpPr>
-        <p:spPr>
-          <a:xfrm>
-            <a:off x="3156241" y="2202212"/>
-            <a:ext cx="2939759" cy="1200329"/>
-          </a:xfrm>
-          <a:prstGeom prst="rect">
-            <a:avLst/>
-          </a:prstGeom>
-          <a:noFill/>
-        </p:spPr>
-        <p:txBody>
-          <a:bodyPr wrap="square">
-            <a:spAutoFit/>
-          </a:bodyPr>
-          <a:lstStyle/>
-          <a:p>
-            <a:r>
-              <a:rPr lang="en-US" dirty="0"/>
-              <a:t>A CSV file that specifies an associated subject ID and timepoint for each sample ID.</a:t>
-            </a:r>
-          </a:p>
-          <a:p>
-            <a:endParaRPr lang="en-US" dirty="0"/>
-          </a:p>
-        </p:txBody>
-      </p:sp>
-      <p:sp>
-        <p:nvSpPr>
-          <p:cNvPr id="14" name="TextBox 13">
-            <a:extLst>
-              <a:ext uri="{FF2B5EF4-FFF2-40B4-BE49-F238E27FC236}">
-                <a16:creationId xmlns:a16="http://schemas.microsoft.com/office/drawing/2014/main" id="{F6F7C156-7F48-49D7-A56D-F14EA4D495CF}"/>
-              </a:ext>
-            </a:extLst>
-          </p:cNvPr>
-          <p:cNvSpPr txBox="1"/>
-          <p:nvPr/>
-        </p:nvSpPr>
-        <p:spPr>
-          <a:xfrm>
-            <a:off x="567160" y="1376858"/>
-            <a:ext cx="4467828" cy="369332"/>
-          </a:xfrm>
-          <a:prstGeom prst="rect">
-            <a:avLst/>
-          </a:prstGeom>
-          <a:noFill/>
-        </p:spPr>
-        <p:txBody>
-          <a:bodyPr wrap="square" rtlCol="0">
-            <a:spAutoFit/>
-          </a:bodyPr>
-          <a:lstStyle/>
-          <a:p>
-            <a:pPr algn="ctr"/>
-            <a:r>
-              <a:rPr lang="en-US" b="1"/>
-              <a:t>Sample metadata</a:t>
-            </a:r>
-            <a:endParaRPr lang="en-US" b="1" dirty="0"/>
-          </a:p>
-        </p:txBody>
-      </p:sp>
-      <p:sp>
-        <p:nvSpPr>
-          <p:cNvPr id="15" name="TextBox 14">
-            <a:extLst>
-              <a:ext uri="{FF2B5EF4-FFF2-40B4-BE49-F238E27FC236}">
-                <a16:creationId xmlns:a16="http://schemas.microsoft.com/office/drawing/2014/main" id="{B270B6B2-03A0-4A4A-A531-DE5F05FDB3DB}"/>
-              </a:ext>
-            </a:extLst>
-          </p:cNvPr>
-          <p:cNvSpPr txBox="1"/>
-          <p:nvPr/>
-        </p:nvSpPr>
-        <p:spPr>
-          <a:xfrm>
-            <a:off x="6279522" y="1376858"/>
-            <a:ext cx="4467828" cy="369332"/>
-          </a:xfrm>
-          <a:prstGeom prst="rect">
-            <a:avLst/>
-          </a:prstGeom>
-          <a:noFill/>
-        </p:spPr>
-        <p:txBody>
-          <a:bodyPr wrap="square" rtlCol="0">
-            <a:spAutoFit/>
-          </a:bodyPr>
-          <a:lstStyle/>
-          <a:p>
-            <a:pPr algn="ctr"/>
-            <a:r>
-              <a:rPr lang="en-US" b="1" dirty="0"/>
-              <a:t>Subject metadata</a:t>
-            </a:r>
-          </a:p>
-        </p:txBody>
-      </p:sp>
-    </p:spTree>
-    <p:extLst>
-      <p:ext uri="{BB962C8B-B14F-4D97-AF65-F5344CB8AC3E}">
-        <p14:creationId xmlns:p14="http://schemas.microsoft.com/office/powerpoint/2010/main" val="4220676650"/>
-      </p:ext>
-    </p:extLst>
-  </p:cSld>
-  <p:clrMapOvr>
-    <a:masterClrMapping/>
-  </p:clrMapOvr>
-</p:sld>
-</file>
-
-<file path=ppt/slides/slide9.xml><?xml version="1.0" encoding="utf-8"?>
-<p:sld xmlns:a="http://schemas.openxmlformats.org/drawingml/2006/main" xmlns:r="http://schemas.openxmlformats.org/officeDocument/2006/relationships" xmlns:p="http://schemas.openxmlformats.org/presentationml/2006/main">
-  <p:cSld>
-    <p:spTree>
-      <p:nvGrpSpPr>
-        <p:cNvPr id="1" name=""/>
-        <p:cNvGrpSpPr/>
-        <p:nvPr/>
-      </p:nvGrpSpPr>
-      <p:grpSpPr>
-        <a:xfrm>
-          <a:off x="0" y="0"/>
-          <a:ext cx="0" cy="0"/>
-          <a:chOff x="0" y="0"/>
-          <a:chExt cx="0" cy="0"/>
-        </a:xfrm>
-      </p:grpSpPr>
-      <p:sp>
-        <p:nvSpPr>
-          <p:cNvPr id="2" name="Title 1">
-            <a:extLst>
-              <a:ext uri="{FF2B5EF4-FFF2-40B4-BE49-F238E27FC236}">
-                <a16:creationId xmlns:a16="http://schemas.microsoft.com/office/drawing/2014/main" id="{9FE310F4-2B27-4F97-8F26-B7999926772D}"/>
-              </a:ext>
-            </a:extLst>
-          </p:cNvPr>
-          <p:cNvSpPr>
-            <a:spLocks noGrp="1"/>
-          </p:cNvSpPr>
-          <p:nvPr>
-            <p:ph type="title"/>
-          </p:nvPr>
-        </p:nvSpPr>
-        <p:spPr>
-          <a:xfrm>
-            <a:off x="186218" y="158446"/>
-            <a:ext cx="10515600" cy="1171254"/>
-          </a:xfrm>
-        </p:spPr>
-        <p:txBody>
-          <a:bodyPr/>
-          <a:lstStyle/>
-          <a:p>
-            <a:r>
-              <a:rPr lang="en-US" dirty="0"/>
-              <a:t>Datasets overview</a:t>
-            </a:r>
-          </a:p>
-        </p:txBody>
-      </p:sp>
-      <p:graphicFrame>
-        <p:nvGraphicFramePr>
-          <p:cNvPr id="4" name="Table 4">
-            <a:extLst>
-              <a:ext uri="{FF2B5EF4-FFF2-40B4-BE49-F238E27FC236}">
-                <a16:creationId xmlns:a16="http://schemas.microsoft.com/office/drawing/2014/main" id="{42B9F665-88AA-4B96-AB19-66EECCAE8055}"/>
-              </a:ext>
-            </a:extLst>
-          </p:cNvPr>
-          <p:cNvGraphicFramePr>
-            <a:graphicFrameLocks noGrp="1"/>
-          </p:cNvGraphicFramePr>
-          <p:nvPr>
-            <p:ph idx="1"/>
-            <p:extLst>
-              <p:ext uri="{D42A27DB-BD31-4B8C-83A1-F6EECF244321}">
-                <p14:modId xmlns:p14="http://schemas.microsoft.com/office/powerpoint/2010/main" val="453994281"/>
-              </p:ext>
-            </p:extLst>
-          </p:nvPr>
-        </p:nvGraphicFramePr>
-        <p:xfrm>
-          <a:off x="186218" y="1329700"/>
-          <a:ext cx="11819564" cy="4945384"/>
-        </p:xfrm>
-        <a:graphic>
-          <a:graphicData uri="http://schemas.openxmlformats.org/drawingml/2006/table">
-            <a:tbl>
-              <a:tblPr firstRow="1" bandRow="1">
-                <a:tableStyleId>{5C22544A-7EE6-4342-B048-85BDC9FD1C3A}</a:tableStyleId>
-              </a:tblPr>
-              <a:tblGrid>
-                <a:gridCol w="1709792">
-                  <a:extLst>
-                    <a:ext uri="{9D8B030D-6E8A-4147-A177-3AD203B41FA5}">
-                      <a16:colId xmlns:a16="http://schemas.microsoft.com/office/drawing/2014/main" val="2324602683"/>
-                    </a:ext>
-                  </a:extLst>
-                </a:gridCol>
-                <a:gridCol w="5435029">
-                  <a:extLst>
-                    <a:ext uri="{9D8B030D-6E8A-4147-A177-3AD203B41FA5}">
-                      <a16:colId xmlns:a16="http://schemas.microsoft.com/office/drawing/2014/main" val="1318433837"/>
-                    </a:ext>
-                  </a:extLst>
-                </a:gridCol>
-                <a:gridCol w="780836">
-                  <a:extLst>
-                    <a:ext uri="{9D8B030D-6E8A-4147-A177-3AD203B41FA5}">
-                      <a16:colId xmlns:a16="http://schemas.microsoft.com/office/drawing/2014/main" val="1306927095"/>
-                    </a:ext>
-                  </a:extLst>
-                </a:gridCol>
-                <a:gridCol w="3893907">
-                  <a:extLst>
-                    <a:ext uri="{9D8B030D-6E8A-4147-A177-3AD203B41FA5}">
-                      <a16:colId xmlns:a16="http://schemas.microsoft.com/office/drawing/2014/main" val="371467645"/>
-                    </a:ext>
-                  </a:extLst>
-                </a:gridCol>
-              </a:tblGrid>
-              <a:tr h="432198">
-                <a:tc>
-                  <a:txBody>
-                    <a:bodyPr/>
-                    <a:lstStyle/>
-                    <a:p>
-                      <a:r>
-                        <a:rPr lang="en-US" dirty="0"/>
-                        <a:t>Study</a:t>
-                      </a:r>
-                    </a:p>
-                  </a:txBody>
-                  <a:tcPr/>
-                </a:tc>
-                <a:tc>
-                  <a:txBody>
-                    <a:bodyPr/>
-                    <a:lstStyle/>
-                    <a:p>
-                      <a:r>
-                        <a:rPr lang="en-US" dirty="0"/>
-                        <a:t>Subjects</a:t>
-                      </a:r>
-                    </a:p>
-                  </a:txBody>
-                  <a:tcPr/>
-                </a:tc>
-                <a:tc>
-                  <a:txBody>
-                    <a:bodyPr/>
-                    <a:lstStyle/>
-                    <a:p>
-                      <a:r>
-                        <a:rPr lang="en-US" dirty="0"/>
-                        <a:t>Type</a:t>
-                      </a:r>
-                    </a:p>
-                  </a:txBody>
-                  <a:tcPr/>
-                </a:tc>
-                <a:tc>
-                  <a:txBody>
-                    <a:bodyPr/>
-                    <a:lstStyle/>
-                    <a:p>
-                      <a:r>
-                        <a:rPr lang="en-US" dirty="0"/>
-                        <a:t>Classification tasks</a:t>
-                      </a:r>
-                    </a:p>
-                  </a:txBody>
-                  <a:tcPr/>
-                </a:tc>
-                <a:extLst>
-                  <a:ext uri="{0D108BD9-81ED-4DB2-BD59-A6C34878D82A}">
-                    <a16:rowId xmlns:a16="http://schemas.microsoft.com/office/drawing/2014/main" val="784161226"/>
-                  </a:ext>
-                </a:extLst>
-              </a:tr>
-              <a:tr h="814150">
-                <a:tc>
-                  <a:txBody>
-                    <a:bodyPr/>
-                    <a:lstStyle/>
-                    <a:p>
-                      <a:r>
-                        <a:rPr lang="en-US" dirty="0" err="1"/>
-                        <a:t>Bokulich</a:t>
-                      </a:r>
-                      <a:r>
-                        <a:rPr lang="en-US" dirty="0"/>
-                        <a:t> 2016</a:t>
-                      </a:r>
-                    </a:p>
-                  </a:txBody>
-                  <a:tcPr/>
-                </a:tc>
-                <a:tc>
-                  <a:txBody>
-                    <a:bodyPr/>
-                    <a:lstStyle/>
-                    <a:p>
-                      <a:r>
-                        <a:rPr lang="en-US" sz="1800" b="0" i="0" kern="1200" dirty="0">
-                          <a:solidFill>
-                            <a:schemeClr val="dk1"/>
-                          </a:solidFill>
-                          <a:effectLst/>
-                          <a:latin typeface="+mn-lt"/>
-                          <a:ea typeface="+mn-ea"/>
-                          <a:cs typeface="+mn-cs"/>
-                        </a:rPr>
-                        <a:t>Gut microbiomes of infants sampled over the first two years of life</a:t>
-                      </a:r>
-                      <a:endParaRPr lang="en-US" dirty="0"/>
-                    </a:p>
-                  </a:txBody>
-                  <a:tcPr/>
-                </a:tc>
-                <a:tc>
-                  <a:txBody>
-                    <a:bodyPr/>
-                    <a:lstStyle/>
-                    <a:p>
-                      <a:r>
-                        <a:rPr lang="en-US" dirty="0"/>
-                        <a:t>16S </a:t>
-                      </a:r>
-                    </a:p>
-                  </a:txBody>
-                  <a:tcPr/>
-                </a:tc>
-                <a:tc>
-                  <a:txBody>
-                    <a:bodyPr/>
-                    <a:lstStyle/>
-                    <a:p>
-                      <a:pPr marL="342900" indent="-342900">
-                        <a:buAutoNum type="alphaLcParenBoth"/>
-                      </a:pPr>
-                      <a:r>
-                        <a:rPr lang="en-US" sz="1800" b="0" i="0" kern="1200" dirty="0">
-                          <a:solidFill>
-                            <a:schemeClr val="dk1"/>
-                          </a:solidFill>
-                          <a:effectLst/>
-                          <a:latin typeface="+mn-lt"/>
-                          <a:ea typeface="+mn-ea"/>
-                          <a:cs typeface="+mn-cs"/>
-                        </a:rPr>
-                        <a:t>Diet (breast fed vs formula) </a:t>
-                      </a:r>
-                    </a:p>
-                    <a:p>
-                      <a:pPr marL="342900" indent="-342900">
-                        <a:buAutoNum type="alphaLcParenBoth"/>
-                      </a:pPr>
-                      <a:r>
-                        <a:rPr lang="en-US" sz="1800" b="0" i="0" kern="1200" dirty="0">
-                          <a:solidFill>
-                            <a:schemeClr val="dk1"/>
-                          </a:solidFill>
-                          <a:effectLst/>
-                          <a:latin typeface="+mn-lt"/>
-                          <a:ea typeface="+mn-ea"/>
-                          <a:cs typeface="+mn-cs"/>
-                        </a:rPr>
-                        <a:t>Mode of birth (vaginal or c-section)</a:t>
-                      </a:r>
-                    </a:p>
-                  </a:txBody>
-                  <a:tcPr/>
-                </a:tc>
-                <a:extLst>
-                  <a:ext uri="{0D108BD9-81ED-4DB2-BD59-A6C34878D82A}">
-                    <a16:rowId xmlns:a16="http://schemas.microsoft.com/office/drawing/2014/main" val="3681556962"/>
-                  </a:ext>
-                </a:extLst>
-              </a:tr>
-              <a:tr h="432198">
-                <a:tc>
-                  <a:txBody>
-                    <a:bodyPr/>
-                    <a:lstStyle/>
-                    <a:p>
-                      <a:r>
-                        <a:rPr lang="en-US" dirty="0"/>
-                        <a:t>Brooks 2017</a:t>
-                      </a:r>
-                    </a:p>
-                  </a:txBody>
-                  <a:tcPr/>
-                </a:tc>
-                <a:tc>
-                  <a:txBody>
-                    <a:bodyPr/>
-                    <a:lstStyle/>
-                    <a:p>
-                      <a:r>
-                        <a:rPr lang="en-US" sz="1800" b="0" i="0" kern="1200" dirty="0">
-                          <a:solidFill>
-                            <a:schemeClr val="dk1"/>
-                          </a:solidFill>
-                          <a:effectLst/>
-                          <a:latin typeface="+mn-lt"/>
-                          <a:ea typeface="+mn-ea"/>
-                          <a:cs typeface="+mn-cs"/>
-                        </a:rPr>
-                        <a:t>Gut microbiomes of 30 infants sampled over 75 days</a:t>
-                      </a:r>
-                      <a:endParaRPr lang="en-US" dirty="0"/>
-                    </a:p>
-                  </a:txBody>
-                  <a:tcPr/>
-                </a:tc>
-                <a:tc>
-                  <a:txBody>
-                    <a:bodyPr/>
-                    <a:lstStyle/>
-                    <a:p>
-                      <a:r>
-                        <a:rPr lang="en-US" dirty="0"/>
-                        <a:t>MAG?</a:t>
-                      </a:r>
-                    </a:p>
-                  </a:txBody>
-                  <a:tcPr/>
-                </a:tc>
-                <a:tc>
-                  <a:txBody>
-                    <a:bodyPr/>
-                    <a:lstStyle/>
-                    <a:p>
-                      <a:r>
-                        <a:rPr lang="en-US" sz="1800" b="0" i="0" kern="1200" dirty="0">
-                          <a:solidFill>
-                            <a:schemeClr val="dk1"/>
-                          </a:solidFill>
-                          <a:effectLst/>
-                          <a:latin typeface="+mn-lt"/>
-                          <a:ea typeface="+mn-ea"/>
-                          <a:cs typeface="+mn-cs"/>
-                        </a:rPr>
-                        <a:t>Mode of birth (vaginal versus C-section)</a:t>
-                      </a:r>
-                      <a:endParaRPr lang="en-US" dirty="0"/>
-                    </a:p>
-                  </a:txBody>
-                  <a:tcPr/>
-                </a:tc>
-                <a:extLst>
-                  <a:ext uri="{0D108BD9-81ED-4DB2-BD59-A6C34878D82A}">
-                    <a16:rowId xmlns:a16="http://schemas.microsoft.com/office/drawing/2014/main" val="3890331503"/>
-                  </a:ext>
-                </a:extLst>
-              </a:tr>
-              <a:tr h="432198">
-                <a:tc>
-                  <a:txBody>
-                    <a:bodyPr/>
-                    <a:lstStyle/>
-                    <a:p>
-                      <a:r>
-                        <a:rPr lang="en-US" dirty="0"/>
-                        <a:t>David 2014</a:t>
-                      </a:r>
-                    </a:p>
-                  </a:txBody>
-                  <a:tcPr/>
-                </a:tc>
-                <a:tc>
-                  <a:txBody>
-                    <a:bodyPr/>
-                    <a:lstStyle/>
-                    <a:p>
-                      <a:r>
-                        <a:rPr lang="en-US" sz="1800" b="0" i="0" kern="1200" dirty="0">
-                          <a:solidFill>
-                            <a:schemeClr val="dk1"/>
-                          </a:solidFill>
-                          <a:effectLst/>
-                          <a:latin typeface="+mn-lt"/>
-                          <a:ea typeface="+mn-ea"/>
-                          <a:cs typeface="+mn-cs"/>
-                        </a:rPr>
-                        <a:t>Microbiomes of 20 healthy adults receiving dietary interventions</a:t>
-                      </a:r>
-                      <a:endParaRPr lang="en-US" dirty="0"/>
-                    </a:p>
-                  </a:txBody>
-                  <a:tcPr/>
-                </a:tc>
-                <a:tc>
-                  <a:txBody>
-                    <a:bodyPr/>
-                    <a:lstStyle/>
-                    <a:p>
-                      <a:r>
-                        <a:rPr lang="en-US" dirty="0"/>
-                        <a:t>16S</a:t>
-                      </a:r>
-                    </a:p>
-                  </a:txBody>
-                  <a:tcPr/>
-                </a:tc>
-                <a:tc>
-                  <a:txBody>
-                    <a:bodyPr/>
-                    <a:lstStyle/>
-                    <a:p>
-                      <a:r>
-                        <a:rPr lang="en-US" dirty="0"/>
-                        <a:t>Diet (</a:t>
-                      </a:r>
-                      <a:r>
-                        <a:rPr lang="en-US" sz="1800" b="0" i="0" kern="1200" dirty="0">
-                          <a:solidFill>
-                            <a:schemeClr val="dk1"/>
-                          </a:solidFill>
-                          <a:effectLst/>
-                          <a:latin typeface="+mn-lt"/>
-                          <a:ea typeface="+mn-ea"/>
-                          <a:cs typeface="+mn-cs"/>
-                        </a:rPr>
-                        <a:t>plant based vs animal)</a:t>
-                      </a:r>
-                      <a:endParaRPr lang="en-US" dirty="0"/>
-                    </a:p>
-                  </a:txBody>
-                  <a:tcPr/>
-                </a:tc>
-                <a:extLst>
-                  <a:ext uri="{0D108BD9-81ED-4DB2-BD59-A6C34878D82A}">
-                    <a16:rowId xmlns:a16="http://schemas.microsoft.com/office/drawing/2014/main" val="3513576801"/>
-                  </a:ext>
-                </a:extLst>
-              </a:tr>
-              <a:tr h="432198">
-                <a:tc>
-                  <a:txBody>
-                    <a:bodyPr/>
-                    <a:lstStyle/>
-                    <a:p>
-                      <a:r>
-                        <a:rPr lang="en-US" dirty="0" err="1"/>
-                        <a:t>DiGiulio</a:t>
-                      </a:r>
-                      <a:r>
-                        <a:rPr lang="en-US" dirty="0"/>
-                        <a:t> 2015</a:t>
-                      </a:r>
-                    </a:p>
-                  </a:txBody>
-                  <a:tcPr/>
-                </a:tc>
-                <a:tc>
-                  <a:txBody>
-                    <a:bodyPr/>
-                    <a:lstStyle/>
-                    <a:p>
-                      <a:r>
-                        <a:rPr lang="en-US" sz="1800" b="0" i="0" kern="1200" dirty="0">
-                          <a:solidFill>
-                            <a:schemeClr val="dk1"/>
-                          </a:solidFill>
-                          <a:effectLst/>
-                          <a:latin typeface="+mn-lt"/>
-                          <a:ea typeface="+mn-ea"/>
-                          <a:cs typeface="+mn-cs"/>
-                        </a:rPr>
-                        <a:t>Vaginal microbiomes of 37 pregnant women</a:t>
-                      </a:r>
-                      <a:endParaRPr lang="en-US" dirty="0"/>
-                    </a:p>
-                  </a:txBody>
-                  <a:tcPr/>
-                </a:tc>
-                <a:tc>
-                  <a:txBody>
-                    <a:bodyPr/>
-                    <a:lstStyle/>
-                    <a:p>
-                      <a:r>
-                        <a:rPr lang="en-US" dirty="0"/>
-                        <a:t>16S</a:t>
-                      </a:r>
-                    </a:p>
-                  </a:txBody>
-                  <a:tcPr/>
-                </a:tc>
-                <a:tc>
-                  <a:txBody>
-                    <a:bodyPr/>
-                    <a:lstStyle/>
-                    <a:p>
-                      <a:r>
-                        <a:rPr lang="en-US" dirty="0"/>
-                        <a:t>Delivery time (</a:t>
-                      </a:r>
-                      <a:r>
-                        <a:rPr lang="en-US" sz="1800" b="0" i="0" kern="1200" dirty="0">
-                          <a:solidFill>
-                            <a:schemeClr val="dk1"/>
-                          </a:solidFill>
-                          <a:effectLst/>
-                          <a:latin typeface="+mn-lt"/>
-                          <a:ea typeface="+mn-ea"/>
-                          <a:cs typeface="+mn-cs"/>
-                        </a:rPr>
-                        <a:t>at term vs pre-term)</a:t>
-                      </a:r>
-                      <a:endParaRPr lang="en-US" dirty="0"/>
-                    </a:p>
-                  </a:txBody>
-                  <a:tcPr/>
-                </a:tc>
-                <a:extLst>
-                  <a:ext uri="{0D108BD9-81ED-4DB2-BD59-A6C34878D82A}">
-                    <a16:rowId xmlns:a16="http://schemas.microsoft.com/office/drawing/2014/main" val="1038597031"/>
-                  </a:ext>
-                </a:extLst>
-              </a:tr>
-              <a:tr h="432198">
-                <a:tc>
-                  <a:txBody>
-                    <a:bodyPr/>
-                    <a:lstStyle/>
-                    <a:p>
-                      <a:r>
-                        <a:rPr lang="en-US" dirty="0" err="1"/>
-                        <a:t>Kostic</a:t>
-                      </a:r>
-                      <a:r>
-                        <a:rPr lang="en-US" dirty="0"/>
-                        <a:t> 2015</a:t>
-                      </a:r>
-                    </a:p>
-                  </a:txBody>
-                  <a:tcPr/>
-                </a:tc>
-                <a:tc>
-                  <a:txBody>
-                    <a:bodyPr/>
-                    <a:lstStyle/>
-                    <a:p>
-                      <a:r>
-                        <a:rPr lang="en-US" sz="1800" b="0" i="0" kern="1200" dirty="0">
-                          <a:solidFill>
-                            <a:schemeClr val="dk1"/>
-                          </a:solidFill>
-                          <a:effectLst/>
-                          <a:latin typeface="+mn-lt"/>
-                          <a:ea typeface="+mn-ea"/>
-                          <a:cs typeface="+mn-cs"/>
-                        </a:rPr>
-                        <a:t>Gut microbiomes of 17 infants sampled over the first 3 years of life</a:t>
-                      </a:r>
-                      <a:endParaRPr lang="en-US" dirty="0"/>
-                    </a:p>
-                  </a:txBody>
-                  <a:tcPr/>
-                </a:tc>
-                <a:tc>
-                  <a:txBody>
-                    <a:bodyPr/>
-                    <a:lstStyle/>
-                    <a:p>
-                      <a:r>
-                        <a:rPr lang="en-US" dirty="0"/>
-                        <a:t>MAG</a:t>
-                      </a:r>
-                    </a:p>
-                  </a:txBody>
-                  <a:tcPr/>
-                </a:tc>
-                <a:tc>
-                  <a:txBody>
-                    <a:bodyPr/>
-                    <a:lstStyle/>
-                    <a:p>
-                      <a:r>
-                        <a:rPr lang="en-US" sz="1800" b="0" i="0" kern="1200" dirty="0">
-                          <a:solidFill>
-                            <a:schemeClr val="dk1"/>
-                          </a:solidFill>
-                          <a:effectLst/>
-                          <a:latin typeface="+mn-lt"/>
-                          <a:ea typeface="+mn-ea"/>
-                          <a:cs typeface="+mn-cs"/>
-                        </a:rPr>
-                        <a:t>Normal vs development of type 1 diabetes</a:t>
-                      </a:r>
-                      <a:endParaRPr lang="en-US" dirty="0"/>
-                    </a:p>
-                  </a:txBody>
-                  <a:tcPr/>
-                </a:tc>
-                <a:extLst>
-                  <a:ext uri="{0D108BD9-81ED-4DB2-BD59-A6C34878D82A}">
-                    <a16:rowId xmlns:a16="http://schemas.microsoft.com/office/drawing/2014/main" val="2461247700"/>
-                  </a:ext>
-                </a:extLst>
-              </a:tr>
-              <a:tr h="432198">
-                <a:tc>
-                  <a:txBody>
-                    <a:bodyPr/>
-                    <a:lstStyle/>
-                    <a:p>
-                      <a:r>
-                        <a:rPr lang="en-US" dirty="0"/>
-                        <a:t>Shao 2019</a:t>
-                      </a:r>
-                    </a:p>
-                  </a:txBody>
-                  <a:tcPr/>
-                </a:tc>
-                <a:tc>
-                  <a:txBody>
-                    <a:bodyPr/>
-                    <a:lstStyle/>
-                    <a:p>
-                      <a:r>
-                        <a:rPr lang="en-US" sz="1800" b="0" i="0" kern="1200" dirty="0">
-                          <a:solidFill>
-                            <a:schemeClr val="dk1"/>
-                          </a:solidFill>
-                          <a:effectLst/>
-                          <a:latin typeface="+mn-lt"/>
-                          <a:ea typeface="+mn-ea"/>
-                          <a:cs typeface="+mn-cs"/>
-                        </a:rPr>
-                        <a:t>Gut microbiomes of 282 infants (after filtering for subjects with fewer than three timepoints) sampled over 424 days</a:t>
-                      </a:r>
-                      <a:endParaRPr lang="en-US" dirty="0"/>
-                    </a:p>
-                  </a:txBody>
-                  <a:tcPr/>
-                </a:tc>
-                <a:tc>
-                  <a:txBody>
-                    <a:bodyPr/>
-                    <a:lstStyle/>
-                    <a:p>
-                      <a:r>
-                        <a:rPr lang="en-US" dirty="0"/>
-                        <a:t>MAG</a:t>
-                      </a:r>
-                    </a:p>
-                  </a:txBody>
-                  <a:tcPr/>
-                </a:tc>
-                <a:tc>
-                  <a:txBody>
-                    <a:bodyPr/>
-                    <a:lstStyle/>
-                    <a:p>
-                      <a:r>
-                        <a:rPr lang="en-US" sz="1800" b="0" i="0" kern="1200" dirty="0">
-                          <a:solidFill>
-                            <a:schemeClr val="dk1"/>
-                          </a:solidFill>
-                          <a:effectLst/>
-                          <a:latin typeface="+mn-lt"/>
-                          <a:ea typeface="+mn-ea"/>
-                          <a:cs typeface="+mn-cs"/>
-                        </a:rPr>
-                        <a:t>Mode of birth (vaginal versus C-section)</a:t>
-                      </a:r>
-                      <a:endParaRPr lang="en-US" dirty="0"/>
-                    </a:p>
-                  </a:txBody>
-                  <a:tcPr/>
-                </a:tc>
-                <a:extLst>
-                  <a:ext uri="{0D108BD9-81ED-4DB2-BD59-A6C34878D82A}">
-                    <a16:rowId xmlns:a16="http://schemas.microsoft.com/office/drawing/2014/main" val="2375996240"/>
-                  </a:ext>
-                </a:extLst>
-              </a:tr>
-              <a:tr h="432198">
-                <a:tc>
-                  <a:txBody>
-                    <a:bodyPr/>
-                    <a:lstStyle/>
-                    <a:p>
-                      <a:r>
-                        <a:rPr lang="en-US" dirty="0" err="1"/>
-                        <a:t>Vatanen</a:t>
-                      </a:r>
-                      <a:r>
-                        <a:rPr lang="en-US" dirty="0"/>
-                        <a:t> 2016</a:t>
-                      </a:r>
-                    </a:p>
-                  </a:txBody>
-                  <a:tcPr/>
-                </a:tc>
-                <a:tc>
-                  <a:txBody>
-                    <a:bodyPr/>
-                    <a:lstStyle/>
-                    <a:p>
-                      <a:r>
-                        <a:rPr lang="en-US" dirty="0"/>
-                        <a:t>Gut microbiomes of 117 children sampled over the first three years of life</a:t>
-                      </a:r>
-                    </a:p>
-                  </a:txBody>
-                  <a:tcPr/>
-                </a:tc>
-                <a:tc>
-                  <a:txBody>
-                    <a:bodyPr/>
-                    <a:lstStyle/>
-                    <a:p>
-                      <a:r>
-                        <a:rPr lang="en-US" dirty="0"/>
-                        <a:t>16S</a:t>
-                      </a:r>
-                    </a:p>
-                  </a:txBody>
-                  <a:tcPr/>
-                </a:tc>
-                <a:tc>
-                  <a:txBody>
-                    <a:bodyPr/>
-                    <a:lstStyle/>
-                    <a:p>
-                      <a:r>
-                        <a:rPr lang="en-US" sz="1800" b="0" i="0" kern="1200" dirty="0">
-                          <a:solidFill>
-                            <a:schemeClr val="dk1"/>
-                          </a:solidFill>
-                          <a:effectLst/>
-                          <a:latin typeface="+mn-lt"/>
-                          <a:ea typeface="+mn-ea"/>
-                          <a:cs typeface="+mn-cs"/>
-                        </a:rPr>
-                        <a:t>Nationality (Russian versus Estonian/Finnish)</a:t>
-                      </a:r>
-                      <a:endParaRPr lang="en-US" dirty="0"/>
-                    </a:p>
-                  </a:txBody>
-                  <a:tcPr/>
-                </a:tc>
-                <a:extLst>
-                  <a:ext uri="{0D108BD9-81ED-4DB2-BD59-A6C34878D82A}">
-                    <a16:rowId xmlns:a16="http://schemas.microsoft.com/office/drawing/2014/main" val="502085021"/>
-                  </a:ext>
-                </a:extLst>
-              </a:tr>
-            </a:tbl>
-          </a:graphicData>
-        </a:graphic>
-      </p:graphicFrame>
-      <p:sp>
-        <p:nvSpPr>
-          <p:cNvPr id="3" name="TextBox 2">
-            <a:extLst>
-              <a:ext uri="{FF2B5EF4-FFF2-40B4-BE49-F238E27FC236}">
-                <a16:creationId xmlns:a16="http://schemas.microsoft.com/office/drawing/2014/main" id="{5DB3780A-C75D-475A-A605-8B9C4EBA619C}"/>
-              </a:ext>
-            </a:extLst>
-          </p:cNvPr>
-          <p:cNvSpPr txBox="1"/>
-          <p:nvPr/>
-        </p:nvSpPr>
-        <p:spPr>
-          <a:xfrm>
-            <a:off x="493160" y="6359703"/>
-            <a:ext cx="7551505" cy="369332"/>
-          </a:xfrm>
-          <a:prstGeom prst="rect">
-            <a:avLst/>
-          </a:prstGeom>
-          <a:noFill/>
-        </p:spPr>
-        <p:txBody>
-          <a:bodyPr wrap="square" rtlCol="0">
-            <a:spAutoFit/>
-          </a:bodyPr>
-          <a:lstStyle/>
-          <a:p>
-            <a:r>
-              <a:rPr lang="en-US" dirty="0"/>
-              <a:t>*Shao dataset has very little time-series, may not want to use</a:t>
-            </a:r>
-          </a:p>
-        </p:txBody>
-      </p:sp>
-    </p:spTree>
-    <p:extLst>
-      <p:ext uri="{BB962C8B-B14F-4D97-AF65-F5344CB8AC3E}">
-        <p14:creationId xmlns:p14="http://schemas.microsoft.com/office/powerpoint/2010/main" val="3510407970"/>
       </p:ext>
     </p:extLst>
   </p:cSld>
